--- a/Lucky Unicorn Documentation.pptx
+++ b/Lucky Unicorn Documentation.pptx
@@ -5,7 +5,7 @@
     <p:sldMasterId id="2147483648" r:id="rId1"/>
   </p:sldMasterIdLst>
   <p:notesMasterIdLst>
-    <p:notesMasterId r:id="rId15"/>
+    <p:notesMasterId r:id="rId14"/>
   </p:notesMasterIdLst>
   <p:sldIdLst>
     <p:sldId id="256" r:id="rId2"/>
@@ -14,13 +14,12 @@
     <p:sldId id="260" r:id="rId5"/>
     <p:sldId id="268" r:id="rId6"/>
     <p:sldId id="269" r:id="rId7"/>
-    <p:sldId id="274" r:id="rId8"/>
-    <p:sldId id="275" r:id="rId9"/>
-    <p:sldId id="273" r:id="rId10"/>
-    <p:sldId id="263" r:id="rId11"/>
-    <p:sldId id="270" r:id="rId12"/>
-    <p:sldId id="261" r:id="rId13"/>
-    <p:sldId id="266" r:id="rId14"/>
+    <p:sldId id="273" r:id="rId8"/>
+    <p:sldId id="274" r:id="rId9"/>
+    <p:sldId id="263" r:id="rId10"/>
+    <p:sldId id="270" r:id="rId11"/>
+    <p:sldId id="261" r:id="rId12"/>
+    <p:sldId id="266" r:id="rId13"/>
   </p:sldIdLst>
   <p:sldSz cx="12192000" cy="6858000"/>
   <p:notesSz cx="6858000" cy="9144000"/>
@@ -130,7 +129,7 @@
 <file path=ppt/revisionInfo.xml><?xml version="1.0" encoding="utf-8"?>
 <p1510:revInfo xmlns:a="http://schemas.openxmlformats.org/drawingml/2006/main" xmlns:r="http://schemas.openxmlformats.org/officeDocument/2006/relationships" xmlns:p1510="http://schemas.microsoft.com/office/powerpoint/2015/10/main">
   <p1510:revLst>
-    <p1510:client id="{14DA4211-AAE7-E846-996D-C07212070A5C}" v="13" dt="2022-04-05T02:53:24.222"/>
+    <p1510:client id="{14DA4211-AAE7-E846-996D-C07212070A5C}" v="2" dt="2022-03-21T21:08:34.044"/>
   </p1510:revLst>
 </p1510:revInfo>
 </file>
@@ -138,41 +137,9 @@
 <file path=ppt/changesInfos/changesInfo1.xml><?xml version="1.0" encoding="utf-8"?>
 <pc:chgInfo xmlns:a="http://schemas.openxmlformats.org/drawingml/2006/main" xmlns:r="http://schemas.openxmlformats.org/officeDocument/2006/relationships" xmlns:ac="http://schemas.microsoft.com/office/drawing/2013/main/command" xmlns:pc="http://schemas.microsoft.com/office/powerpoint/2013/main/command">
   <pc:docChgLst>
-    <pc:chgData name="Joshua Bracefield" userId="S::bracefield2@middleton.school.nz::d64b1e77-fcfe-4377-8f23-1bdeb7587d81" providerId="AD" clId="Web-{D7C9858A-634A-A791-C3A6-8C430DA102BF}"/>
-    <pc:docChg chg="addSld modSld">
-      <pc:chgData name="Joshua Bracefield" userId="S::bracefield2@middleton.school.nz::d64b1e77-fcfe-4377-8f23-1bdeb7587d81" providerId="AD" clId="Web-{D7C9858A-634A-A791-C3A6-8C430DA102BF}" dt="2022-03-30T20:18:14.216" v="469"/>
-      <pc:docMkLst>
-        <pc:docMk/>
-      </pc:docMkLst>
-      <pc:sldChg chg="modSp add replId">
-        <pc:chgData name="Joshua Bracefield" userId="S::bracefield2@middleton.school.nz::d64b1e77-fcfe-4377-8f23-1bdeb7587d81" providerId="AD" clId="Web-{D7C9858A-634A-A791-C3A6-8C430DA102BF}" dt="2022-03-30T20:18:14.216" v="469"/>
-        <pc:sldMkLst>
-          <pc:docMk/>
-          <pc:sldMk cId="1973556824" sldId="275"/>
-        </pc:sldMkLst>
-        <pc:spChg chg="mod">
-          <ac:chgData name="Joshua Bracefield" userId="S::bracefield2@middleton.school.nz::d64b1e77-fcfe-4377-8f23-1bdeb7587d81" providerId="AD" clId="Web-{D7C9858A-634A-A791-C3A6-8C430DA102BF}" dt="2022-03-30T20:16:08.322" v="83" actId="20577"/>
-          <ac:spMkLst>
-            <pc:docMk/>
-            <pc:sldMk cId="1973556824" sldId="275"/>
-            <ac:spMk id="91" creationId="{00000000-0000-0000-0000-000000000000}"/>
-          </ac:spMkLst>
-        </pc:spChg>
-        <pc:graphicFrameChg chg="mod modGraphic">
-          <ac:chgData name="Joshua Bracefield" userId="S::bracefield2@middleton.school.nz::d64b1e77-fcfe-4377-8f23-1bdeb7587d81" providerId="AD" clId="Web-{D7C9858A-634A-A791-C3A6-8C430DA102BF}" dt="2022-03-30T20:18:14.216" v="469"/>
-          <ac:graphicFrameMkLst>
-            <pc:docMk/>
-            <pc:sldMk cId="1973556824" sldId="275"/>
-            <ac:graphicFrameMk id="92" creationId="{00000000-0000-0000-0000-000000000000}"/>
-          </ac:graphicFrameMkLst>
-        </pc:graphicFrameChg>
-      </pc:sldChg>
-    </pc:docChg>
-  </pc:docChgLst>
-  <pc:docChgLst>
     <pc:chgData name="Joshua Bracefield" userId="d64b1e77-fcfe-4377-8f23-1bdeb7587d81" providerId="ADAL" clId="{14DA4211-AAE7-E846-996D-C07212070A5C}"/>
-    <pc:docChg chg="undo redo custSel modSld sldOrd">
-      <pc:chgData name="Joshua Bracefield" userId="d64b1e77-fcfe-4377-8f23-1bdeb7587d81" providerId="ADAL" clId="{14DA4211-AAE7-E846-996D-C07212070A5C}" dt="2022-04-11T00:31:02.924" v="1463" actId="1076"/>
+    <pc:docChg chg="undo custSel modSld">
+      <pc:chgData name="Joshua Bracefield" userId="d64b1e77-fcfe-4377-8f23-1bdeb7587d81" providerId="ADAL" clId="{14DA4211-AAE7-E846-996D-C07212070A5C}" dt="2022-03-24T05:34:14.475" v="948" actId="20577"/>
       <pc:docMkLst>
         <pc:docMk/>
       </pc:docMkLst>
@@ -199,14 +166,14 @@
           </ac:spMkLst>
         </pc:spChg>
       </pc:sldChg>
-      <pc:sldChg chg="addSp delSp modSp mod setBg">
-        <pc:chgData name="Joshua Bracefield" userId="d64b1e77-fcfe-4377-8f23-1bdeb7587d81" providerId="ADAL" clId="{14DA4211-AAE7-E846-996D-C07212070A5C}" dt="2022-04-05T02:54:31.808" v="1462" actId="1076"/>
+      <pc:sldChg chg="modSp mod">
+        <pc:chgData name="Joshua Bracefield" userId="d64b1e77-fcfe-4377-8f23-1bdeb7587d81" providerId="ADAL" clId="{14DA4211-AAE7-E846-996D-C07212070A5C}" dt="2022-03-21T21:12:33.134" v="133" actId="14100"/>
         <pc:sldMkLst>
           <pc:docMk/>
           <pc:sldMk cId="3838895173" sldId="258"/>
         </pc:sldMkLst>
         <pc:spChg chg="mod">
-          <ac:chgData name="Joshua Bracefield" userId="d64b1e77-fcfe-4377-8f23-1bdeb7587d81" providerId="ADAL" clId="{14DA4211-AAE7-E846-996D-C07212070A5C}" dt="2022-04-05T02:39:27.178" v="1450" actId="26606"/>
+          <ac:chgData name="Joshua Bracefield" userId="d64b1e77-fcfe-4377-8f23-1bdeb7587d81" providerId="ADAL" clId="{14DA4211-AAE7-E846-996D-C07212070A5C}" dt="2022-03-21T21:02:16.893" v="116" actId="20577"/>
           <ac:spMkLst>
             <pc:docMk/>
             <pc:sldMk cId="3838895173" sldId="258"/>
@@ -214,160 +181,19 @@
           </ac:spMkLst>
         </pc:spChg>
         <pc:spChg chg="mod">
-          <ac:chgData name="Joshua Bracefield" userId="d64b1e77-fcfe-4377-8f23-1bdeb7587d81" providerId="ADAL" clId="{14DA4211-AAE7-E846-996D-C07212070A5C}" dt="2022-04-05T02:54:12.921" v="1461" actId="14100"/>
+          <ac:chgData name="Joshua Bracefield" userId="d64b1e77-fcfe-4377-8f23-1bdeb7587d81" providerId="ADAL" clId="{14DA4211-AAE7-E846-996D-C07212070A5C}" dt="2022-03-21T21:12:22.886" v="130" actId="14100"/>
           <ac:spMkLst>
             <pc:docMk/>
             <pc:sldMk cId="3838895173" sldId="258"/>
             <ac:spMk id="4" creationId="{F7FB308A-232B-4B31-A59D-BD561ECFBE8B}"/>
           </ac:spMkLst>
         </pc:spChg>
-        <pc:spChg chg="add del">
-          <ac:chgData name="Joshua Bracefield" userId="d64b1e77-fcfe-4377-8f23-1bdeb7587d81" providerId="ADAL" clId="{14DA4211-AAE7-E846-996D-C07212070A5C}" dt="2022-04-05T02:39:27.178" v="1450" actId="26606"/>
-          <ac:spMkLst>
-            <pc:docMk/>
-            <pc:sldMk cId="3838895173" sldId="258"/>
-            <ac:spMk id="11" creationId="{2550BE34-C2B8-49B8-8519-67A8CAD51AE9}"/>
-          </ac:spMkLst>
-        </pc:spChg>
-        <pc:spChg chg="add del">
-          <ac:chgData name="Joshua Bracefield" userId="d64b1e77-fcfe-4377-8f23-1bdeb7587d81" providerId="ADAL" clId="{14DA4211-AAE7-E846-996D-C07212070A5C}" dt="2022-04-05T02:39:27.178" v="1450" actId="26606"/>
-          <ac:spMkLst>
-            <pc:docMk/>
-            <pc:sldMk cId="3838895173" sldId="258"/>
-            <ac:spMk id="13" creationId="{A7457DD9-5A45-400A-AB4B-4B4EDECA25F1}"/>
-          </ac:spMkLst>
-        </pc:spChg>
-        <pc:spChg chg="add del">
-          <ac:chgData name="Joshua Bracefield" userId="d64b1e77-fcfe-4377-8f23-1bdeb7587d81" providerId="ADAL" clId="{14DA4211-AAE7-E846-996D-C07212070A5C}" dt="2022-04-05T02:39:27.178" v="1450" actId="26606"/>
-          <ac:spMkLst>
-            <pc:docMk/>
-            <pc:sldMk cId="3838895173" sldId="258"/>
-            <ac:spMk id="15" creationId="{441CF7D6-A660-431A-B0BB-140A0D5556B6}"/>
-          </ac:spMkLst>
-        </pc:spChg>
-        <pc:spChg chg="add del">
-          <ac:chgData name="Joshua Bracefield" userId="d64b1e77-fcfe-4377-8f23-1bdeb7587d81" providerId="ADAL" clId="{14DA4211-AAE7-E846-996D-C07212070A5C}" dt="2022-04-05T02:39:27.178" v="1450" actId="26606"/>
-          <ac:spMkLst>
-            <pc:docMk/>
-            <pc:sldMk cId="3838895173" sldId="258"/>
-            <ac:spMk id="17" creationId="{0570A85B-3810-4F95-97B0-CBF4CCDB381C}"/>
-          </ac:spMkLst>
-        </pc:spChg>
         <pc:graphicFrameChg chg="mod modGraphic">
-          <ac:chgData name="Joshua Bracefield" userId="d64b1e77-fcfe-4377-8f23-1bdeb7587d81" providerId="ADAL" clId="{14DA4211-AAE7-E846-996D-C07212070A5C}" dt="2022-04-05T02:54:31.808" v="1462" actId="1076"/>
+          <ac:chgData name="Joshua Bracefield" userId="d64b1e77-fcfe-4377-8f23-1bdeb7587d81" providerId="ADAL" clId="{14DA4211-AAE7-E846-996D-C07212070A5C}" dt="2022-03-21T21:12:33.134" v="133" actId="14100"/>
           <ac:graphicFrameMkLst>
             <pc:docMk/>
             <pc:sldMk cId="3838895173" sldId="258"/>
             <ac:graphicFrameMk id="6" creationId="{A0658CEC-C8BE-4EBE-8618-7B97BA7329B8}"/>
-          </ac:graphicFrameMkLst>
-        </pc:graphicFrameChg>
-      </pc:sldChg>
-      <pc:sldChg chg="addSp delSp modSp mod setBg">
-        <pc:chgData name="Joshua Bracefield" userId="d64b1e77-fcfe-4377-8f23-1bdeb7587d81" providerId="ADAL" clId="{14DA4211-AAE7-E846-996D-C07212070A5C}" dt="2022-04-11T00:31:02.924" v="1463" actId="1076"/>
-        <pc:sldMkLst>
-          <pc:docMk/>
-          <pc:sldMk cId="3760331451" sldId="260"/>
-        </pc:sldMkLst>
-        <pc:spChg chg="mod">
-          <ac:chgData name="Joshua Bracefield" userId="d64b1e77-fcfe-4377-8f23-1bdeb7587d81" providerId="ADAL" clId="{14DA4211-AAE7-E846-996D-C07212070A5C}" dt="2022-03-29T21:02:39.745" v="953" actId="26606"/>
-          <ac:spMkLst>
-            <pc:docMk/>
-            <pc:sldMk cId="3760331451" sldId="260"/>
-            <ac:spMk id="2" creationId="{321F8E66-F9B8-4062-8E8D-D5ADB11625DA}"/>
-          </ac:spMkLst>
-        </pc:spChg>
-        <pc:spChg chg="mod">
-          <ac:chgData name="Joshua Bracefield" userId="d64b1e77-fcfe-4377-8f23-1bdeb7587d81" providerId="ADAL" clId="{14DA4211-AAE7-E846-996D-C07212070A5C}" dt="2022-03-29T21:02:39.745" v="953" actId="26606"/>
-          <ac:spMkLst>
-            <pc:docMk/>
-            <pc:sldMk cId="3760331451" sldId="260"/>
-            <ac:spMk id="4" creationId="{937BF58F-E358-4625-919F-7C3D6EEBA8FB}"/>
-          </ac:spMkLst>
-        </pc:spChg>
-        <pc:spChg chg="add del">
-          <ac:chgData name="Joshua Bracefield" userId="d64b1e77-fcfe-4377-8f23-1bdeb7587d81" providerId="ADAL" clId="{14DA4211-AAE7-E846-996D-C07212070A5C}" dt="2022-03-29T21:02:39.745" v="953" actId="26606"/>
-          <ac:spMkLst>
-            <pc:docMk/>
-            <pc:sldMk cId="3760331451" sldId="260"/>
-            <ac:spMk id="10" creationId="{3CD9DF72-87A3-404E-A828-84CBF11A8303}"/>
-          </ac:spMkLst>
-        </pc:spChg>
-        <pc:picChg chg="add mod ord">
-          <ac:chgData name="Joshua Bracefield" userId="d64b1e77-fcfe-4377-8f23-1bdeb7587d81" providerId="ADAL" clId="{14DA4211-AAE7-E846-996D-C07212070A5C}" dt="2022-04-11T00:31:02.924" v="1463" actId="1076"/>
-          <ac:picMkLst>
-            <pc:docMk/>
-            <pc:sldMk cId="3760331451" sldId="260"/>
-            <ac:picMk id="5" creationId="{B47EC644-7E13-C046-B063-255E50E9BCB7}"/>
-          </ac:picMkLst>
-        </pc:picChg>
-        <pc:picChg chg="add mod">
-          <ac:chgData name="Joshua Bracefield" userId="d64b1e77-fcfe-4377-8f23-1bdeb7587d81" providerId="ADAL" clId="{14DA4211-AAE7-E846-996D-C07212070A5C}" dt="2022-03-29T21:04:04.035" v="962" actId="962"/>
-          <ac:picMkLst>
-            <pc:docMk/>
-            <pc:sldMk cId="3760331451" sldId="260"/>
-            <ac:picMk id="7" creationId="{E9BB2F44-FA7D-6445-8D21-D84B5F030F14}"/>
-          </ac:picMkLst>
-        </pc:picChg>
-        <pc:cxnChg chg="add del">
-          <ac:chgData name="Joshua Bracefield" userId="d64b1e77-fcfe-4377-8f23-1bdeb7587d81" providerId="ADAL" clId="{14DA4211-AAE7-E846-996D-C07212070A5C}" dt="2022-03-29T21:02:39.745" v="953" actId="26606"/>
-          <ac:cxnSpMkLst>
-            <pc:docMk/>
-            <pc:sldMk cId="3760331451" sldId="260"/>
-            <ac:cxnSpMk id="12" creationId="{20E3A342-4D61-4E3F-AF90-1AB42AEB96CC}"/>
-          </ac:cxnSpMkLst>
-        </pc:cxnChg>
-      </pc:sldChg>
-      <pc:sldChg chg="addSp modSp mod">
-        <pc:chgData name="Joshua Bracefield" userId="d64b1e77-fcfe-4377-8f23-1bdeb7587d81" providerId="ADAL" clId="{14DA4211-AAE7-E846-996D-C07212070A5C}" dt="2022-03-29T21:17:44.974" v="1029" actId="962"/>
-        <pc:sldMkLst>
-          <pc:docMk/>
-          <pc:sldMk cId="0" sldId="268"/>
-        </pc:sldMkLst>
-        <pc:spChg chg="mod">
-          <ac:chgData name="Joshua Bracefield" userId="d64b1e77-fcfe-4377-8f23-1bdeb7587d81" providerId="ADAL" clId="{14DA4211-AAE7-E846-996D-C07212070A5C}" dt="2022-03-29T21:16:10.032" v="1021" actId="20577"/>
-          <ac:spMkLst>
-            <pc:docMk/>
-            <pc:sldMk cId="0" sldId="268"/>
-            <ac:spMk id="86" creationId="{00000000-0000-0000-0000-000000000000}"/>
-          </ac:spMkLst>
-        </pc:spChg>
-        <pc:picChg chg="add mod">
-          <ac:chgData name="Joshua Bracefield" userId="d64b1e77-fcfe-4377-8f23-1bdeb7587d81" providerId="ADAL" clId="{14DA4211-AAE7-E846-996D-C07212070A5C}" dt="2022-03-29T21:17:44.974" v="1029" actId="962"/>
-          <ac:picMkLst>
-            <pc:docMk/>
-            <pc:sldMk cId="0" sldId="268"/>
-            <ac:picMk id="3" creationId="{6BA4219C-1FF5-C848-8564-B902E275DA82}"/>
-          </ac:picMkLst>
-        </pc:picChg>
-      </pc:sldChg>
-      <pc:sldChg chg="modSp mod">
-        <pc:chgData name="Joshua Bracefield" userId="d64b1e77-fcfe-4377-8f23-1bdeb7587d81" providerId="ADAL" clId="{14DA4211-AAE7-E846-996D-C07212070A5C}" dt="2022-03-30T01:29:27.032" v="1203" actId="20577"/>
-        <pc:sldMkLst>
-          <pc:docMk/>
-          <pc:sldMk cId="0" sldId="269"/>
-        </pc:sldMkLst>
-        <pc:spChg chg="mod">
-          <ac:chgData name="Joshua Bracefield" userId="d64b1e77-fcfe-4377-8f23-1bdeb7587d81" providerId="ADAL" clId="{14DA4211-AAE7-E846-996D-C07212070A5C}" dt="2022-03-30T01:27:25.196" v="1087" actId="1076"/>
-          <ac:spMkLst>
-            <pc:docMk/>
-            <pc:sldMk cId="0" sldId="269"/>
-            <ac:spMk id="4" creationId="{518343B6-2201-4ACD-B907-770BC22E8B26}"/>
-          </ac:spMkLst>
-        </pc:spChg>
-        <pc:spChg chg="mod">
-          <ac:chgData name="Joshua Bracefield" userId="d64b1e77-fcfe-4377-8f23-1bdeb7587d81" providerId="ADAL" clId="{14DA4211-AAE7-E846-996D-C07212070A5C}" dt="2022-03-30T01:29:27.032" v="1203" actId="20577"/>
-          <ac:spMkLst>
-            <pc:docMk/>
-            <pc:sldMk cId="0" sldId="269"/>
-            <ac:spMk id="91" creationId="{00000000-0000-0000-0000-000000000000}"/>
-          </ac:spMkLst>
-        </pc:spChg>
-        <pc:graphicFrameChg chg="mod modGraphic">
-          <ac:chgData name="Joshua Bracefield" userId="d64b1e77-fcfe-4377-8f23-1bdeb7587d81" providerId="ADAL" clId="{14DA4211-AAE7-E846-996D-C07212070A5C}" dt="2022-03-30T01:28:39.102" v="1169" actId="20577"/>
-          <ac:graphicFrameMkLst>
-            <pc:docMk/>
-            <pc:sldMk cId="0" sldId="269"/>
-            <ac:graphicFrameMk id="92" creationId="{00000000-0000-0000-0000-000000000000}"/>
           </ac:graphicFrameMkLst>
         </pc:graphicFrameChg>
       </pc:sldChg>
@@ -385,29 +211,6 @@
             <ac:graphicFrameMk id="6" creationId="{A02ECB3F-5E1A-4602-8844-49609D54ADF8}"/>
           </ac:graphicFrameMkLst>
         </pc:graphicFrameChg>
-      </pc:sldChg>
-      <pc:sldChg chg="addSp delSp modSp mod ord">
-        <pc:chgData name="Joshua Bracefield" userId="d64b1e77-fcfe-4377-8f23-1bdeb7587d81" providerId="ADAL" clId="{14DA4211-AAE7-E846-996D-C07212070A5C}" dt="2022-04-05T02:42:02.068" v="1451" actId="20578"/>
-        <pc:sldMkLst>
-          <pc:docMk/>
-          <pc:sldMk cId="89592267" sldId="274"/>
-        </pc:sldMkLst>
-        <pc:spChg chg="mod">
-          <ac:chgData name="Joshua Bracefield" userId="d64b1e77-fcfe-4377-8f23-1bdeb7587d81" providerId="ADAL" clId="{14DA4211-AAE7-E846-996D-C07212070A5C}" dt="2022-04-04T00:28:28.428" v="1263" actId="20577"/>
-          <ac:spMkLst>
-            <pc:docMk/>
-            <pc:sldMk cId="89592267" sldId="274"/>
-            <ac:spMk id="2" creationId="{1CC5D32F-7C18-4D00-8D54-2FB046F0A206}"/>
-          </ac:spMkLst>
-        </pc:spChg>
-        <pc:picChg chg="add del mod">
-          <ac:chgData name="Joshua Bracefield" userId="d64b1e77-fcfe-4377-8f23-1bdeb7587d81" providerId="ADAL" clId="{14DA4211-AAE7-E846-996D-C07212070A5C}" dt="2022-04-04T00:36:13.982" v="1404" actId="478"/>
-          <ac:picMkLst>
-            <pc:docMk/>
-            <pc:sldMk cId="89592267" sldId="274"/>
-            <ac:picMk id="5" creationId="{A3EB9601-3048-B549-8A62-5E18F981756B}"/>
-          </ac:picMkLst>
-        </pc:picChg>
       </pc:sldChg>
     </pc:docChg>
   </pc:docChgLst>
@@ -496,7 +299,7 @@
           <a:p>
             <a:fld id="{F37D28C0-BEB6-42B0-A203-EEE1023219C4}" type="datetimeFigureOut">
               <a:rPr lang="en-NZ" smtClean="0"/>
-              <a:t>11/04/22</a:t>
+              <a:t>24/03/22</a:t>
             </a:fld>
             <a:endParaRPr lang="en-NZ"/>
           </a:p>
@@ -851,115 +654,6 @@
 </p:notes>
 </file>
 
-<file path=ppt/notesSlides/notesSlide10.xml><?xml version="1.0" encoding="utf-8"?>
-<p:notes xmlns:a="http://schemas.openxmlformats.org/drawingml/2006/main" xmlns:r="http://schemas.openxmlformats.org/officeDocument/2006/relationships" xmlns:p="http://schemas.openxmlformats.org/presentationml/2006/main">
-  <p:cSld>
-    <p:spTree>
-      <p:nvGrpSpPr>
-        <p:cNvPr id="1" name=""/>
-        <p:cNvGrpSpPr/>
-        <p:nvPr/>
-      </p:nvGrpSpPr>
-      <p:grpSpPr>
-        <a:xfrm>
-          <a:off x="0" y="0"/>
-          <a:ext cx="0" cy="0"/>
-          <a:chOff x="0" y="0"/>
-          <a:chExt cx="0" cy="0"/>
-        </a:xfrm>
-      </p:grpSpPr>
-      <p:sp>
-        <p:nvSpPr>
-          <p:cNvPr id="2" name="Slide Image Placeholder 1"/>
-          <p:cNvSpPr>
-            <a:spLocks noGrp="1" noRot="1" noChangeAspect="1"/>
-          </p:cNvSpPr>
-          <p:nvPr>
-            <p:ph type="sldImg"/>
-          </p:nvPr>
-        </p:nvSpPr>
-        <p:spPr/>
-      </p:sp>
-      <p:sp>
-        <p:nvSpPr>
-          <p:cNvPr id="3" name="Notes Placeholder 2"/>
-          <p:cNvSpPr>
-            <a:spLocks noGrp="1"/>
-          </p:cNvSpPr>
-          <p:nvPr>
-            <p:ph type="body" idx="1"/>
-          </p:nvPr>
-        </p:nvSpPr>
-        <p:spPr/>
-        <p:txBody>
-          <a:bodyPr/>
-          <a:lstStyle/>
-          <a:p>
-            <a:pPr marL="0" marR="0" lvl="0" indent="0" algn="l" defTabSz="914400" rtl="0" eaLnBrk="1" fontAlgn="auto" latinLnBrk="0" hangingPunct="1">
-              <a:lnSpc>
-                <a:spcPct val="100000"/>
-              </a:lnSpc>
-              <a:spcBef>
-                <a:spcPts val="0"/>
-              </a:spcBef>
-              <a:spcAft>
-                <a:spcPts val="0"/>
-              </a:spcAft>
-              <a:buClrTx/>
-              <a:buSzTx/>
-              <a:buFontTx/>
-              <a:buNone/>
-              <a:tabLst/>
-              <a:defRPr/>
-            </a:pPr>
-            <a:r>
-              <a:rPr lang="en-NZ" i="1" dirty="0">
-                <a:latin typeface="Arial" panose="020B0604020202020204" pitchFamily="34" charset="0"/>
-              </a:rPr>
-              <a:t>Discuss how the information from planning, testing and trialling of components assisted in the development of a high-quality outcome.</a:t>
-            </a:r>
-          </a:p>
-          <a:p>
-            <a:endParaRPr lang="en-NZ" dirty="0"/>
-          </a:p>
-        </p:txBody>
-      </p:sp>
-      <p:sp>
-        <p:nvSpPr>
-          <p:cNvPr id="4" name="Slide Number Placeholder 3"/>
-          <p:cNvSpPr>
-            <a:spLocks noGrp="1"/>
-          </p:cNvSpPr>
-          <p:nvPr>
-            <p:ph type="sldNum" sz="quarter" idx="5"/>
-          </p:nvPr>
-        </p:nvSpPr>
-        <p:spPr/>
-        <p:txBody>
-          <a:bodyPr/>
-          <a:lstStyle/>
-          <a:p>
-            <a:fld id="{D89B2B17-F4B1-4A14-AF99-5A366D45E74A}" type="slidenum">
-              <a:rPr lang="en-NZ" smtClean="0"/>
-              <a:t>13</a:t>
-            </a:fld>
-            <a:endParaRPr lang="en-NZ"/>
-          </a:p>
-        </p:txBody>
-      </p:sp>
-    </p:spTree>
-    <p:extLst>
-      <p:ext uri="{BB962C8B-B14F-4D97-AF65-F5344CB8AC3E}">
-        <p14:creationId xmlns:p14="http://schemas.microsoft.com/office/powerpoint/2010/main" val="1738331893"/>
-      </p:ext>
-    </p:extLst>
-  </p:cSld>
-  <p:clrMapOvr>
-    <a:masterClrMapping/>
-  </p:clrMapOvr>
-</p:notes>
-</file>
-
 <file path=ppt/notesSlides/notesSlide2.xml><?xml version="1.0" encoding="utf-8"?>
 <p:notes xmlns:a="http://schemas.openxmlformats.org/drawingml/2006/main" xmlns:r="http://schemas.openxmlformats.org/officeDocument/2006/relationships" xmlns:p="http://schemas.openxmlformats.org/presentationml/2006/main">
   <p:cSld>
@@ -1369,22 +1063,25 @@
           <a:bodyPr/>
           <a:lstStyle/>
           <a:p>
-            <a:pPr>
-              <a:lnSpc>
-                <a:spcPct val="115000"/>
-              </a:lnSpc>
-            </a:pPr>
-            <a:r>
-              <a:rPr lang="en-NZ" i="1" dirty="0">
-                <a:latin typeface="Arial" panose="020B0604020202020204" pitchFamily="34" charset="0"/>
-                <a:ea typeface="Arial" panose="020B0604020202020204" pitchFamily="34" charset="0"/>
-              </a:rPr>
-              <a:t>You must show the results of testing. For each component, include a screenshot proving it works.  You can also include notes about each test. </a:t>
-            </a:r>
-            <a:endParaRPr lang="en-NZ" dirty="0">
-              <a:latin typeface="Arial" panose="020B0604020202020204" pitchFamily="34" charset="0"/>
-              <a:ea typeface="Arial" panose="020B0604020202020204" pitchFamily="34" charset="0"/>
-            </a:endParaRPr>
+            <a:r>
+              <a:rPr lang="en-NZ" i="1" dirty="0"/>
+              <a:t>NOTE: Trialling needs to happen for </a:t>
+            </a:r>
+            <a:r>
+              <a:rPr lang="en-NZ" b="1" i="1" dirty="0"/>
+              <a:t>at least 2 </a:t>
+            </a:r>
+            <a:r>
+              <a:rPr lang="en-NZ" i="1" dirty="0"/>
+              <a:t>of your components but is not necessary for ALL components.</a:t>
+            </a:r>
+          </a:p>
+          <a:p>
+            <a:r>
+              <a:rPr lang="en" i="1" dirty="0"/>
+              <a:t>Trialling is not the same as testing. Trialling is about finding different ways of building the same component. Show evidence of  your trialling  here. Select one of your trials for further development and give reasons for your choice. </a:t>
+            </a:r>
+            <a:endParaRPr lang="en-NZ" dirty="0"/>
           </a:p>
         </p:txBody>
       </p:sp>
@@ -1414,7 +1111,7 @@
     </p:spTree>
     <p:extLst>
       <p:ext uri="{BB962C8B-B14F-4D97-AF65-F5344CB8AC3E}">
-        <p14:creationId xmlns:p14="http://schemas.microsoft.com/office/powerpoint/2010/main" val="3683133660"/>
+        <p14:creationId xmlns:p14="http://schemas.microsoft.com/office/powerpoint/2010/main" val="120689959"/>
       </p:ext>
     </p:extLst>
   </p:cSld>
@@ -1425,11 +1122,11 @@
 </file>
 
 <file path=ppt/notesSlides/notesSlide6.xml><?xml version="1.0" encoding="utf-8"?>
-<p:notes xmlns:a="http://schemas.openxmlformats.org/drawingml/2006/main" xmlns:r="http://schemas.openxmlformats.org/officeDocument/2006/relationships" xmlns:p="http://schemas.openxmlformats.org/presentationml/2006/main" showMasterSp="0" showMasterPhAnim="0">
+<p:notes xmlns:a="http://schemas.openxmlformats.org/drawingml/2006/main" xmlns:r="http://schemas.openxmlformats.org/officeDocument/2006/relationships" xmlns:p="http://schemas.openxmlformats.org/presentationml/2006/main">
   <p:cSld>
     <p:spTree>
       <p:nvGrpSpPr>
-        <p:cNvPr id="1" name="Shape 87"/>
+        <p:cNvPr id="1" name=""/>
         <p:cNvGrpSpPr/>
         <p:nvPr/>
       </p:nvGrpSpPr>
@@ -1443,110 +1140,77 @@
       </p:grpSpPr>
       <p:sp>
         <p:nvSpPr>
-          <p:cNvPr id="88" name="Google Shape;88;g5f5670a123_0_30:notes"/>
+          <p:cNvPr id="2" name="Slide Image Placeholder 1"/>
           <p:cNvSpPr>
             <a:spLocks noGrp="1" noRot="1" noChangeAspect="1"/>
           </p:cNvSpPr>
           <p:nvPr>
-            <p:ph type="sldImg" idx="2"/>
-          </p:nvPr>
-        </p:nvSpPr>
-        <p:spPr>
-          <a:xfrm>
-            <a:off x="381000" y="685800"/>
-            <a:ext cx="6096000" cy="3429000"/>
-          </a:xfrm>
-          <a:custGeom>
-            <a:avLst/>
-            <a:gdLst/>
-            <a:ahLst/>
-            <a:cxnLst/>
-            <a:rect l="l" t="t" r="r" b="b"/>
-            <a:pathLst>
-              <a:path w="120000" h="120000" extrusionOk="0">
-                <a:moveTo>
-                  <a:pt x="0" y="0"/>
-                </a:moveTo>
-                <a:lnTo>
-                  <a:pt x="120000" y="0"/>
-                </a:lnTo>
-                <a:lnTo>
-                  <a:pt x="120000" y="120000"/>
-                </a:lnTo>
-                <a:lnTo>
-                  <a:pt x="0" y="120000"/>
-                </a:lnTo>
-                <a:close/>
-              </a:path>
-            </a:pathLst>
-          </a:custGeom>
-        </p:spPr>
-      </p:sp>
-      <p:sp>
-        <p:nvSpPr>
-          <p:cNvPr id="89" name="Google Shape;89;g5f5670a123_0_30:notes"/>
-          <p:cNvSpPr txBox="1">
+            <p:ph type="sldImg"/>
+          </p:nvPr>
+        </p:nvSpPr>
+        <p:spPr/>
+      </p:sp>
+      <p:sp>
+        <p:nvSpPr>
+          <p:cNvPr id="3" name="Notes Placeholder 2"/>
+          <p:cNvSpPr>
             <a:spLocks noGrp="1"/>
           </p:cNvSpPr>
           <p:nvPr>
             <p:ph type="body" idx="1"/>
           </p:nvPr>
         </p:nvSpPr>
-        <p:spPr>
-          <a:xfrm>
-            <a:off x="685800" y="4343400"/>
-            <a:ext cx="5486400" cy="4114800"/>
-          </a:xfrm>
-          <a:prstGeom prst="rect">
-            <a:avLst/>
-          </a:prstGeom>
-        </p:spPr>
-        <p:txBody>
-          <a:bodyPr spcFirstLastPara="1" wrap="square" lIns="91425" tIns="91425" rIns="91425" bIns="91425" anchor="t" anchorCtr="0">
-            <a:noAutofit/>
-          </a:bodyPr>
-          <a:lstStyle/>
-          <a:p>
-            <a:pPr marL="0" marR="0" lvl="0" indent="0" algn="l" defTabSz="914400" rtl="0" eaLnBrk="1" fontAlgn="auto" latinLnBrk="0" hangingPunct="1">
+        <p:spPr/>
+        <p:txBody>
+          <a:bodyPr/>
+          <a:lstStyle/>
+          <a:p>
+            <a:pPr>
               <a:lnSpc>
-                <a:spcPct val="100000"/>
+                <a:spcPct val="115000"/>
               </a:lnSpc>
-              <a:spcBef>
-                <a:spcPts val="0"/>
-              </a:spcBef>
-              <a:spcAft>
-                <a:spcPts val="0"/>
-              </a:spcAft>
-              <a:buClrTx/>
-              <a:buSzTx/>
-              <a:buFontTx/>
-              <a:buNone/>
-              <a:tabLst/>
-              <a:defRPr/>
             </a:pPr>
             <a:r>
-              <a:rPr lang="en-NZ" dirty="0"/>
-              <a:t>Additional rows can be added by clicking in the last cell and then using the Tab key </a:t>
-            </a:r>
-          </a:p>
-          <a:p>
-            <a:pPr marL="0" lvl="0" indent="0" algn="l" rtl="0">
-              <a:spcBef>
-                <a:spcPts val="0"/>
-              </a:spcBef>
-              <a:spcAft>
-                <a:spcPts val="0"/>
-              </a:spcAft>
-              <a:buNone/>
-            </a:pPr>
-            <a:endParaRPr dirty="0"/>
+              <a:rPr lang="en-NZ" i="1" dirty="0">
+                <a:latin typeface="Arial" panose="020B0604020202020204" pitchFamily="34" charset="0"/>
+                <a:ea typeface="Arial" panose="020B0604020202020204" pitchFamily="34" charset="0"/>
+              </a:rPr>
+              <a:t>You must show the results of testing. For each component, include a screenshot proving it works.  You can also include notes about each test. </a:t>
+            </a:r>
+            <a:endParaRPr lang="en-NZ" dirty="0">
+              <a:latin typeface="Arial" panose="020B0604020202020204" pitchFamily="34" charset="0"/>
+              <a:ea typeface="Arial" panose="020B0604020202020204" pitchFamily="34" charset="0"/>
+            </a:endParaRPr>
+          </a:p>
+        </p:txBody>
+      </p:sp>
+      <p:sp>
+        <p:nvSpPr>
+          <p:cNvPr id="4" name="Slide Number Placeholder 3"/>
+          <p:cNvSpPr>
+            <a:spLocks noGrp="1"/>
+          </p:cNvSpPr>
+          <p:nvPr>
+            <p:ph type="sldNum" sz="quarter" idx="5"/>
+          </p:nvPr>
+        </p:nvSpPr>
+        <p:spPr/>
+        <p:txBody>
+          <a:bodyPr/>
+          <a:lstStyle/>
+          <a:p>
+            <a:fld id="{D89B2B17-F4B1-4A14-AF99-5A366D45E74A}" type="slidenum">
+              <a:rPr lang="en-NZ" smtClean="0"/>
+              <a:t>8</a:t>
+            </a:fld>
+            <a:endParaRPr lang="en-NZ"/>
           </a:p>
         </p:txBody>
       </p:sp>
     </p:spTree>
     <p:extLst>
       <p:ext uri="{BB962C8B-B14F-4D97-AF65-F5344CB8AC3E}">
-        <p14:creationId xmlns:p14="http://schemas.microsoft.com/office/powerpoint/2010/main" val="1033264649"/>
+        <p14:creationId xmlns:p14="http://schemas.microsoft.com/office/powerpoint/2010/main" val="3683133660"/>
       </p:ext>
     </p:extLst>
   </p:cSld>
@@ -1600,23 +1264,29 @@
           <a:bodyPr/>
           <a:lstStyle/>
           <a:p>
-            <a:r>
-              <a:rPr lang="en-NZ" i="1" dirty="0"/>
-              <a:t>NOTE: Trialling needs to happen for </a:t>
-            </a:r>
-            <a:r>
-              <a:rPr lang="en-NZ" b="1" i="1" dirty="0"/>
-              <a:t>at least 2 </a:t>
-            </a:r>
-            <a:r>
-              <a:rPr lang="en-NZ" i="1" dirty="0"/>
-              <a:t>of your components but is not necessary for ALL components.</a:t>
-            </a:r>
-          </a:p>
-          <a:p>
-            <a:r>
-              <a:rPr lang="en" i="1" dirty="0"/>
-              <a:t>Trialling is not the same as testing. Trialling is about finding different ways of building the same component. Show evidence of  your trialling  here. Select one of your trials for further development and give reasons for your choice. </a:t>
+            <a:pPr marL="0" marR="0" lvl="0" indent="0" algn="l" defTabSz="914400" rtl="0" eaLnBrk="1" fontAlgn="auto" latinLnBrk="0" hangingPunct="1">
+              <a:lnSpc>
+                <a:spcPct val="100000"/>
+              </a:lnSpc>
+              <a:spcBef>
+                <a:spcPts val="0"/>
+              </a:spcBef>
+              <a:spcAft>
+                <a:spcPts val="0"/>
+              </a:spcAft>
+              <a:buClrTx/>
+              <a:buSzTx/>
+              <a:buFontTx/>
+              <a:buNone/>
+              <a:tabLst/>
+              <a:defRPr/>
+            </a:pPr>
+            <a:r>
+              <a:rPr lang="en-NZ" i="1" dirty="0">
+                <a:latin typeface="Arial" panose="020B0604020202020204" pitchFamily="34" charset="0"/>
+                <a:ea typeface="Arial" panose="020B0604020202020204" pitchFamily="34" charset="0"/>
+              </a:rPr>
+              <a:t>Show testing for your assembled outcome below.  This should include a test plan followed by screenshot proof.  </a:t>
             </a:r>
             <a:endParaRPr lang="en-NZ" dirty="0"/>
           </a:p>
@@ -1648,7 +1318,7 @@
     </p:spTree>
     <p:extLst>
       <p:ext uri="{BB962C8B-B14F-4D97-AF65-F5344CB8AC3E}">
-        <p14:creationId xmlns:p14="http://schemas.microsoft.com/office/powerpoint/2010/main" val="120689959"/>
+        <p14:creationId xmlns:p14="http://schemas.microsoft.com/office/powerpoint/2010/main" val="234755665"/>
       </p:ext>
     </p:extLst>
   </p:cSld>
@@ -1724,8 +1394,14 @@
                 <a:latin typeface="Arial" panose="020B0604020202020204" pitchFamily="34" charset="0"/>
                 <a:ea typeface="Arial" panose="020B0604020202020204" pitchFamily="34" charset="0"/>
               </a:rPr>
-              <a:t>Show testing for your assembled outcome below.  This should include a test plan followed by screenshot proof.  </a:t>
-            </a:r>
+              <a:t>Your version control evidence should go here.  This could be in the form of screenshots (both of your GitHub repository as well as your local project folder) as evidence of your incremental development.</a:t>
+            </a:r>
+            <a:endParaRPr lang="en-NZ" dirty="0">
+              <a:latin typeface="Arial" panose="020B0604020202020204" pitchFamily="34" charset="0"/>
+              <a:ea typeface="Arial" panose="020B0604020202020204" pitchFamily="34" charset="0"/>
+            </a:endParaRPr>
+          </a:p>
+          <a:p>
             <a:endParaRPr lang="en-NZ" dirty="0"/>
           </a:p>
         </p:txBody>
@@ -1747,7 +1423,7 @@
           <a:p>
             <a:fld id="{D89B2B17-F4B1-4A14-AF99-5A366D45E74A}" type="slidenum">
               <a:rPr lang="en-NZ" smtClean="0"/>
-              <a:t>10</a:t>
+              <a:t>11</a:t>
             </a:fld>
             <a:endParaRPr lang="en-NZ"/>
           </a:p>
@@ -1756,7 +1432,7 @@
     </p:spTree>
     <p:extLst>
       <p:ext uri="{BB962C8B-B14F-4D97-AF65-F5344CB8AC3E}">
-        <p14:creationId xmlns:p14="http://schemas.microsoft.com/office/powerpoint/2010/main" val="234755665"/>
+        <p14:creationId xmlns:p14="http://schemas.microsoft.com/office/powerpoint/2010/main" val="1431557508"/>
       </p:ext>
     </p:extLst>
   </p:cSld>
@@ -1830,14 +1506,9 @@
             <a:r>
               <a:rPr lang="en-NZ" i="1" dirty="0">
                 <a:latin typeface="Arial" panose="020B0604020202020204" pitchFamily="34" charset="0"/>
-                <a:ea typeface="Arial" panose="020B0604020202020204" pitchFamily="34" charset="0"/>
               </a:rPr>
-              <a:t>Your version control evidence should go here.  This could be in the form of screenshots (both of your GitHub repository as well as your local project folder) as evidence of your incremental development.</a:t>
-            </a:r>
-            <a:endParaRPr lang="en-NZ" dirty="0">
-              <a:latin typeface="Arial" panose="020B0604020202020204" pitchFamily="34" charset="0"/>
-              <a:ea typeface="Arial" panose="020B0604020202020204" pitchFamily="34" charset="0"/>
-            </a:endParaRPr>
+              <a:t>Discuss how the information from planning, testing and trialling of components assisted in the development of a high-quality outcome.</a:t>
+            </a:r>
           </a:p>
           <a:p>
             <a:endParaRPr lang="en-NZ" dirty="0"/>
@@ -1870,7 +1541,7 @@
     </p:spTree>
     <p:extLst>
       <p:ext uri="{BB962C8B-B14F-4D97-AF65-F5344CB8AC3E}">
-        <p14:creationId xmlns:p14="http://schemas.microsoft.com/office/powerpoint/2010/main" val="1431557508"/>
+        <p14:creationId xmlns:p14="http://schemas.microsoft.com/office/powerpoint/2010/main" val="1738331893"/>
       </p:ext>
     </p:extLst>
   </p:cSld>
@@ -2029,7 +1700,7 @@
           <a:p>
             <a:fld id="{9C4A4F43-1C06-40E6-8F87-8B286982E50E}" type="datetimeFigureOut">
               <a:rPr lang="en-NZ" smtClean="0"/>
-              <a:t>11/04/22</a:t>
+              <a:t>24/03/22</a:t>
             </a:fld>
             <a:endParaRPr lang="en-NZ" dirty="0"/>
           </a:p>
@@ -2229,7 +1900,7 @@
           <a:p>
             <a:fld id="{9C4A4F43-1C06-40E6-8F87-8B286982E50E}" type="datetimeFigureOut">
               <a:rPr lang="en-NZ" smtClean="0"/>
-              <a:t>11/04/22</a:t>
+              <a:t>24/03/22</a:t>
             </a:fld>
             <a:endParaRPr lang="en-NZ" dirty="0"/>
           </a:p>
@@ -2439,7 +2110,7 @@
           <a:p>
             <a:fld id="{9C4A4F43-1C06-40E6-8F87-8B286982E50E}" type="datetimeFigureOut">
               <a:rPr lang="en-NZ" smtClean="0"/>
-              <a:t>11/04/22</a:t>
+              <a:t>24/03/22</a:t>
             </a:fld>
             <a:endParaRPr lang="en-NZ" dirty="0"/>
           </a:p>
@@ -2998,7 +2669,7 @@
           <a:p>
             <a:fld id="{9C4A4F43-1C06-40E6-8F87-8B286982E50E}" type="datetimeFigureOut">
               <a:rPr lang="en-NZ" smtClean="0"/>
-              <a:t>11/04/22</a:t>
+              <a:t>24/03/22</a:t>
             </a:fld>
             <a:endParaRPr lang="en-NZ" dirty="0"/>
           </a:p>
@@ -3274,7 +2945,7 @@
           <a:p>
             <a:fld id="{9C4A4F43-1C06-40E6-8F87-8B286982E50E}" type="datetimeFigureOut">
               <a:rPr lang="en-NZ" smtClean="0"/>
-              <a:t>11/04/22</a:t>
+              <a:t>24/03/22</a:t>
             </a:fld>
             <a:endParaRPr lang="en-NZ" dirty="0"/>
           </a:p>
@@ -3542,7 +3213,7 @@
           <a:p>
             <a:fld id="{9C4A4F43-1C06-40E6-8F87-8B286982E50E}" type="datetimeFigureOut">
               <a:rPr lang="en-NZ" smtClean="0"/>
-              <a:t>11/04/22</a:t>
+              <a:t>24/03/22</a:t>
             </a:fld>
             <a:endParaRPr lang="en-NZ" dirty="0"/>
           </a:p>
@@ -3957,7 +3628,7 @@
           <a:p>
             <a:fld id="{9C4A4F43-1C06-40E6-8F87-8B286982E50E}" type="datetimeFigureOut">
               <a:rPr lang="en-NZ" smtClean="0"/>
-              <a:t>11/04/22</a:t>
+              <a:t>24/03/22</a:t>
             </a:fld>
             <a:endParaRPr lang="en-NZ" dirty="0"/>
           </a:p>
@@ -4099,7 +3770,7 @@
           <a:p>
             <a:fld id="{9C4A4F43-1C06-40E6-8F87-8B286982E50E}" type="datetimeFigureOut">
               <a:rPr lang="en-NZ" smtClean="0"/>
-              <a:t>11/04/22</a:t>
+              <a:t>24/03/22</a:t>
             </a:fld>
             <a:endParaRPr lang="en-NZ" dirty="0"/>
           </a:p>
@@ -4212,7 +3883,7 @@
           <a:p>
             <a:fld id="{9C4A4F43-1C06-40E6-8F87-8B286982E50E}" type="datetimeFigureOut">
               <a:rPr lang="en-NZ" smtClean="0"/>
-              <a:t>11/04/22</a:t>
+              <a:t>24/03/22</a:t>
             </a:fld>
             <a:endParaRPr lang="en-NZ" dirty="0"/>
           </a:p>
@@ -4525,7 +4196,7 @@
           <a:p>
             <a:fld id="{9C4A4F43-1C06-40E6-8F87-8B286982E50E}" type="datetimeFigureOut">
               <a:rPr lang="en-NZ" smtClean="0"/>
-              <a:t>11/04/22</a:t>
+              <a:t>24/03/22</a:t>
             </a:fld>
             <a:endParaRPr lang="en-NZ" dirty="0"/>
           </a:p>
@@ -4814,7 +4485,7 @@
           <a:p>
             <a:fld id="{9C4A4F43-1C06-40E6-8F87-8B286982E50E}" type="datetimeFigureOut">
               <a:rPr lang="en-NZ" smtClean="0"/>
-              <a:t>11/04/22</a:t>
+              <a:t>24/03/22</a:t>
             </a:fld>
             <a:endParaRPr lang="en-NZ" dirty="0"/>
           </a:p>
@@ -5057,7 +4728,7 @@
           <a:p>
             <a:fld id="{9C4A4F43-1C06-40E6-8F87-8B286982E50E}" type="datetimeFigureOut">
               <a:rPr lang="en-NZ" smtClean="0"/>
-              <a:t>11/04/22</a:t>
+              <a:t>24/03/22</a:t>
             </a:fld>
             <a:endParaRPr lang="en-NZ" dirty="0"/>
           </a:p>
@@ -5571,120 +5242,6 @@
           <p:cNvPr id="2" name="Title 1">
             <a:extLst>
               <a:ext uri="{FF2B5EF4-FFF2-40B4-BE49-F238E27FC236}">
-                <a16:creationId xmlns:a16="http://schemas.microsoft.com/office/drawing/2014/main" id="{183CAE4A-E189-4CAA-B3F5-7E97BC5188E3}"/>
-              </a:ext>
-            </a:extLst>
-          </p:cNvPr>
-          <p:cNvSpPr>
-            <a:spLocks noGrp="1"/>
-          </p:cNvSpPr>
-          <p:nvPr>
-            <p:ph type="title"/>
-          </p:nvPr>
-        </p:nvSpPr>
-        <p:spPr>
-          <a:xfrm>
-            <a:off x="838199" y="406400"/>
-            <a:ext cx="10515600" cy="583248"/>
-          </a:xfrm>
-        </p:spPr>
-        <p:txBody>
-          <a:bodyPr>
-            <a:normAutofit fontScale="90000"/>
-          </a:bodyPr>
-          <a:lstStyle/>
-          <a:p>
-            <a:r>
-              <a:rPr lang="en-NZ" sz="4000" dirty="0"/>
-              <a:t>Assembled Outcome Testing:</a:t>
-            </a:r>
-          </a:p>
-        </p:txBody>
-      </p:sp>
-      <p:sp>
-        <p:nvSpPr>
-          <p:cNvPr id="3" name="Rectangle 2">
-            <a:extLst>
-              <a:ext uri="{FF2B5EF4-FFF2-40B4-BE49-F238E27FC236}">
-                <a16:creationId xmlns:a16="http://schemas.microsoft.com/office/drawing/2014/main" id="{DB8F61FF-932E-477F-82DD-3F6BB93999C0}"/>
-              </a:ext>
-            </a:extLst>
-          </p:cNvPr>
-          <p:cNvSpPr/>
-          <p:nvPr/>
-        </p:nvSpPr>
-        <p:spPr>
-          <a:xfrm>
-            <a:off x="838199" y="1089283"/>
-            <a:ext cx="8767813" cy="702372"/>
-          </a:xfrm>
-          <a:prstGeom prst="rect">
-            <a:avLst/>
-          </a:prstGeom>
-        </p:spPr>
-        <p:txBody>
-          <a:bodyPr wrap="square">
-            <a:spAutoFit/>
-          </a:bodyPr>
-          <a:lstStyle/>
-          <a:p>
-            <a:pPr>
-              <a:lnSpc>
-                <a:spcPct val="115000"/>
-              </a:lnSpc>
-              <a:spcAft>
-                <a:spcPts val="0"/>
-              </a:spcAft>
-            </a:pPr>
-            <a:r>
-              <a:rPr lang="en-NZ" i="1" dirty="0">
-                <a:latin typeface="Arial" panose="020B0604020202020204" pitchFamily="34" charset="0"/>
-                <a:ea typeface="Arial" panose="020B0604020202020204" pitchFamily="34" charset="0"/>
-              </a:rPr>
-              <a:t>Show testing for your assembled outcome below.  This should include a test plan followed by screenshot proof.  </a:t>
-            </a:r>
-            <a:endParaRPr lang="en-NZ" dirty="0">
-              <a:latin typeface="Arial" panose="020B0604020202020204" pitchFamily="34" charset="0"/>
-              <a:ea typeface="Arial" panose="020B0604020202020204" pitchFamily="34" charset="0"/>
-            </a:endParaRPr>
-          </a:p>
-        </p:txBody>
-      </p:sp>
-    </p:spTree>
-    <p:extLst>
-      <p:ext uri="{BB962C8B-B14F-4D97-AF65-F5344CB8AC3E}">
-        <p14:creationId xmlns:p14="http://schemas.microsoft.com/office/powerpoint/2010/main" val="1084233196"/>
-      </p:ext>
-    </p:extLst>
-  </p:cSld>
-  <p:clrMapOvr>
-    <a:masterClrMapping/>
-  </p:clrMapOvr>
-</p:sld>
-</file>
-
-<file path=ppt/slides/slide11.xml><?xml version="1.0" encoding="utf-8"?>
-<p:sld xmlns:a="http://schemas.openxmlformats.org/drawingml/2006/main" xmlns:r="http://schemas.openxmlformats.org/officeDocument/2006/relationships" xmlns:p="http://schemas.openxmlformats.org/presentationml/2006/main">
-  <p:cSld>
-    <p:spTree>
-      <p:nvGrpSpPr>
-        <p:cNvPr id="1" name=""/>
-        <p:cNvGrpSpPr/>
-        <p:nvPr/>
-      </p:nvGrpSpPr>
-      <p:grpSpPr>
-        <a:xfrm>
-          <a:off x="0" y="0"/>
-          <a:ext cx="0" cy="0"/>
-          <a:chOff x="0" y="0"/>
-          <a:chExt cx="0" cy="0"/>
-        </a:xfrm>
-      </p:grpSpPr>
-      <p:sp>
-        <p:nvSpPr>
-          <p:cNvPr id="2" name="Title 1">
-            <a:extLst>
-              <a:ext uri="{FF2B5EF4-FFF2-40B4-BE49-F238E27FC236}">
                 <a16:creationId xmlns:a16="http://schemas.microsoft.com/office/drawing/2014/main" id="{0D168B5A-EFF4-4803-8DA6-5994B306EBAF}"/>
               </a:ext>
             </a:extLst>
@@ -5935,7 +5492,7 @@
 </p:sld>
 </file>
 
-<file path=ppt/slides/slide12.xml><?xml version="1.0" encoding="utf-8"?>
+<file path=ppt/slides/slide11.xml><?xml version="1.0" encoding="utf-8"?>
 <p:sld xmlns:a="http://schemas.openxmlformats.org/drawingml/2006/main" xmlns:r="http://schemas.openxmlformats.org/officeDocument/2006/relationships" xmlns:p="http://schemas.openxmlformats.org/presentationml/2006/main">
   <p:cSld>
     <p:spTree>
@@ -6049,7 +5606,7 @@
 </p:sld>
 </file>
 
-<file path=ppt/slides/slide13.xml><?xml version="1.0" encoding="utf-8"?>
+<file path=ppt/slides/slide12.xml><?xml version="1.0" encoding="utf-8"?>
 <p:sld xmlns:a="http://schemas.openxmlformats.org/drawingml/2006/main" xmlns:r="http://schemas.openxmlformats.org/officeDocument/2006/relationships" xmlns:p="http://schemas.openxmlformats.org/presentationml/2006/main">
   <p:cSld>
     <p:spTree>
@@ -6189,7 +5746,7 @@
           <a:lstStyle/>
           <a:p>
             <a:r>
-              <a:rPr lang="en-NZ" b="1"/>
+              <a:rPr lang="en-NZ" b="1" dirty="0"/>
               <a:t>Lucky Unicorn</a:t>
             </a:r>
             <a:endParaRPr lang="en-NZ" dirty="0"/>
@@ -6212,8 +5769,8 @@
         </p:nvSpPr>
         <p:spPr>
           <a:xfrm>
-            <a:off x="1693459" y="1690687"/>
-            <a:ext cx="8768352" cy="2483747"/>
+            <a:off x="1693460" y="1914475"/>
+            <a:ext cx="8768352" cy="1859026"/>
           </a:xfrm>
           <a:prstGeom prst="rect">
             <a:avLst/>
@@ -6481,24 +6038,7 @@
                   <a:srgbClr val="274E13"/>
                 </a:solidFill>
               </a:rPr>
-              <a:t>Links to Trello board / project management tools: </a:t>
-            </a:r>
-            <a:r>
-              <a:rPr lang="en-NZ" sz="2000" b="1" dirty="0">
-                <a:solidFill>
-                  <a:srgbClr val="274E13"/>
-                </a:solidFill>
-                <a:hlinkClick r:id="rId3"/>
-              </a:rPr>
-              <a:t>https://trello.com/b/4ApV5W8c/decomposition</a:t>
-            </a:r>
-            <a:r>
-              <a:rPr lang="en-NZ" sz="2000" b="1" dirty="0">
-                <a:solidFill>
-                  <a:srgbClr val="274E13"/>
-                </a:solidFill>
-              </a:rPr>
-              <a:t> </a:t>
+              <a:t>Links to Trello board / project management tools: [here]</a:t>
             </a:r>
           </a:p>
           <a:p>
@@ -6584,13 +6124,13 @@
           <p:nvPr>
             <p:extLst>
               <p:ext uri="{D42A27DB-BD31-4B8C-83A1-F6EECF244321}">
-                <p14:modId xmlns:p14="http://schemas.microsoft.com/office/powerpoint/2010/main" val="1454263739"/>
+                <p14:modId xmlns:p14="http://schemas.microsoft.com/office/powerpoint/2010/main" val="1131236197"/>
               </p:ext>
             </p:extLst>
           </p:nvPr>
         </p:nvGraphicFramePr>
         <p:xfrm>
-          <a:off x="1693459" y="4633849"/>
+          <a:off x="1693459" y="4327480"/>
           <a:ext cx="8768352" cy="1859026"/>
         </p:xfrm>
         <a:graphic>
@@ -7101,10 +6641,9 @@
           <a:lstStyle/>
           <a:p>
             <a:r>
-              <a:rPr lang="en-NZ" sz="4000"/>
+              <a:rPr lang="en-NZ" sz="4000" dirty="0"/>
               <a:t>Decomposition:</a:t>
             </a:r>
-            <a:endParaRPr lang="en-NZ" sz="4000" dirty="0"/>
           </a:p>
         </p:txBody>
       </p:sp>
@@ -7141,95 +6680,19 @@
               </a:lnSpc>
             </a:pPr>
             <a:r>
-              <a:rPr lang="en-NZ" i="1"/>
+              <a:rPr lang="en-NZ" i="1" dirty="0"/>
               <a:t>Paste screenshots of your initial Trello board / task decomposition on this slide.  If you have a long list, you might need to break it up into several slides. </a:t>
             </a:r>
             <a:r>
-              <a:rPr lang="en-NZ">
+              <a:rPr lang="en-NZ" dirty="0">
                 <a:latin typeface="Arial" panose="020B0604020202020204" pitchFamily="34" charset="0"/>
                 <a:ea typeface="Arial" panose="020B0604020202020204" pitchFamily="34" charset="0"/>
               </a:rPr>
               <a:t> </a:t>
             </a:r>
-            <a:endParaRPr lang="en-NZ" dirty="0">
-              <a:latin typeface="Arial" panose="020B0604020202020204" pitchFamily="34" charset="0"/>
-              <a:ea typeface="Arial" panose="020B0604020202020204" pitchFamily="34" charset="0"/>
-            </a:endParaRPr>
-          </a:p>
-        </p:txBody>
-      </p:sp>
-      <p:pic>
-        <p:nvPicPr>
-          <p:cNvPr id="5" name="Picture 4">
-            <a:extLst>
-              <a:ext uri="{FF2B5EF4-FFF2-40B4-BE49-F238E27FC236}">
-                <a16:creationId xmlns:a16="http://schemas.microsoft.com/office/drawing/2014/main" id="{B47EC644-7E13-C046-B063-255E50E9BCB7}"/>
-              </a:ext>
-            </a:extLst>
-          </p:cNvPr>
-          <p:cNvPicPr>
-            <a:picLocks noChangeAspect="1"/>
-          </p:cNvPicPr>
-          <p:nvPr/>
-        </p:nvPicPr>
-        <p:blipFill>
-          <a:blip r:embed="rId3">
-            <a:extLst>
-              <a:ext uri="{28A0092B-C50C-407E-A947-70E740481C1C}">
-                <a14:useLocalDpi xmlns:a14="http://schemas.microsoft.com/office/drawing/2010/main" val="0"/>
-              </a:ext>
-            </a:extLst>
-          </a:blip>
-          <a:stretch>
-            <a:fillRect/>
-          </a:stretch>
-        </p:blipFill>
-        <p:spPr>
-          <a:xfrm>
-            <a:off x="838200" y="2031929"/>
-            <a:ext cx="6343625" cy="3650503"/>
-          </a:xfrm>
-          <a:prstGeom prst="rect">
-            <a:avLst/>
-          </a:prstGeom>
-        </p:spPr>
-      </p:pic>
-      <p:pic>
-        <p:nvPicPr>
-          <p:cNvPr id="7" name="Picture 6">
-            <a:extLst>
-              <a:ext uri="{FF2B5EF4-FFF2-40B4-BE49-F238E27FC236}">
-                <a16:creationId xmlns:a16="http://schemas.microsoft.com/office/drawing/2014/main" id="{E9BB2F44-FA7D-6445-8D21-D84B5F030F14}"/>
-              </a:ext>
-            </a:extLst>
-          </p:cNvPr>
-          <p:cNvPicPr>
-            <a:picLocks noChangeAspect="1"/>
-          </p:cNvPicPr>
-          <p:nvPr/>
-        </p:nvPicPr>
-        <p:blipFill>
-          <a:blip r:embed="rId4">
-            <a:extLst>
-              <a:ext uri="{28A0092B-C50C-407E-A947-70E740481C1C}">
-                <a14:useLocalDpi xmlns:a14="http://schemas.microsoft.com/office/drawing/2010/main" val="0"/>
-              </a:ext>
-            </a:extLst>
-          </a:blip>
-          <a:stretch>
-            <a:fillRect/>
-          </a:stretch>
-        </p:blipFill>
-        <p:spPr>
-          <a:xfrm>
-            <a:off x="8561891" y="1565275"/>
-            <a:ext cx="2276155" cy="4583813"/>
-          </a:xfrm>
-          <a:prstGeom prst="rect">
-            <a:avLst/>
-          </a:prstGeom>
-        </p:spPr>
-      </p:pic>
+          </a:p>
+        </p:txBody>
+      </p:sp>
     </p:spTree>
     <p:extLst>
       <p:ext uri="{BB962C8B-B14F-4D97-AF65-F5344CB8AC3E}">
@@ -7287,48 +6750,12 @@
           <a:p>
             <a:r>
               <a:rPr lang="en" sz="4000" dirty="0"/>
-              <a:t>Component 1 (Instructions and Yes/no checker)</a:t>
+              <a:t>[Component name] (Trello screenshot)</a:t>
             </a:r>
             <a:endParaRPr sz="4000" dirty="0"/>
           </a:p>
         </p:txBody>
       </p:sp>
-      <p:pic>
-        <p:nvPicPr>
-          <p:cNvPr id="3" name="Picture 2">
-            <a:extLst>
-              <a:ext uri="{FF2B5EF4-FFF2-40B4-BE49-F238E27FC236}">
-                <a16:creationId xmlns:a16="http://schemas.microsoft.com/office/drawing/2014/main" id="{6BA4219C-1FF5-C848-8564-B902E275DA82}"/>
-              </a:ext>
-            </a:extLst>
-          </p:cNvPr>
-          <p:cNvPicPr>
-            <a:picLocks noChangeAspect="1"/>
-          </p:cNvPicPr>
-          <p:nvPr/>
-        </p:nvPicPr>
-        <p:blipFill>
-          <a:blip r:embed="rId3">
-            <a:extLst>
-              <a:ext uri="{28A0092B-C50C-407E-A947-70E740481C1C}">
-                <a14:useLocalDpi xmlns:a14="http://schemas.microsoft.com/office/drawing/2010/main" val="0"/>
-              </a:ext>
-            </a:extLst>
-          </a:blip>
-          <a:stretch>
-            <a:fillRect/>
-          </a:stretch>
-        </p:blipFill>
-        <p:spPr>
-          <a:xfrm>
-            <a:off x="3053324" y="1113127"/>
-            <a:ext cx="5229496" cy="5238497"/>
-          </a:xfrm>
-          <a:prstGeom prst="rect">
-            <a:avLst/>
-          </a:prstGeom>
-        </p:spPr>
-      </p:pic>
     </p:spTree>
   </p:cSld>
   <p:clrMapOvr>
@@ -7381,15 +6808,7 @@
           <a:p>
             <a:r>
               <a:rPr lang="en" sz="4000" dirty="0"/>
-              <a:t>Yes/</a:t>
-            </a:r>
-            <a:r>
-              <a:rPr lang="en" sz="4000"/>
-              <a:t>No checker </a:t>
-            </a:r>
-            <a:r>
-              <a:rPr lang="en" sz="4000" dirty="0"/>
-              <a:t>- Test Plan</a:t>
+              <a:t>[Component name] - Test Plan</a:t>
             </a:r>
             <a:endParaRPr sz="4000" dirty="0"/>
           </a:p>
@@ -7402,14 +6821,14 @@
           <p:nvPr>
             <p:extLst>
               <p:ext uri="{D42A27DB-BD31-4B8C-83A1-F6EECF244321}">
-                <p14:modId xmlns:p14="http://schemas.microsoft.com/office/powerpoint/2010/main" val="1118508158"/>
+                <p14:modId xmlns:p14="http://schemas.microsoft.com/office/powerpoint/2010/main" val="2698883836"/>
               </p:ext>
             </p:extLst>
           </p:nvPr>
         </p:nvGraphicFramePr>
         <p:xfrm>
-          <a:off x="523219" y="1263284"/>
-          <a:ext cx="11360800" cy="5504326"/>
+          <a:off x="509967" y="1690300"/>
+          <a:ext cx="11360800" cy="1219120"/>
         </p:xfrm>
         <a:graphic>
           <a:graphicData uri="http://schemas.openxmlformats.org/drawingml/2006/table">
@@ -7433,7 +6852,7 @@
                   </a:extLst>
                 </a:gridCol>
               </a:tblGrid>
-              <a:tr h="627846">
+              <a:tr h="609560">
                 <a:tc>
                   <a:txBody>
                     <a:bodyPr/>
@@ -7494,7 +6913,7 @@
                   </a:ext>
                 </a:extLst>
               </a:tr>
-              <a:tr h="474798">
+              <a:tr h="609560">
                 <a:tc>
                   <a:txBody>
                     <a:bodyPr/>
@@ -7509,10 +6928,6 @@
                         </a:spcAft>
                         <a:buNone/>
                       </a:pPr>
-                      <a:r>
-                        <a:rPr lang="en-US" sz="2400" dirty="0"/>
-                        <a:t>yes</a:t>
-                      </a:r>
                       <a:endParaRPr sz="2400" dirty="0"/>
                     </a:p>
                   </a:txBody>
@@ -7532,10 +6947,6 @@
                         </a:spcAft>
                         <a:buNone/>
                       </a:pPr>
-                      <a:r>
-                        <a:rPr lang="en-US" sz="2400" dirty="0"/>
-                        <a:t>Program continues</a:t>
-                      </a:r>
                       <a:endParaRPr sz="2400" dirty="0"/>
                     </a:p>
                   </a:txBody>
@@ -7547,411 +6958,6 @@
                   </a:ext>
                 </a:extLst>
               </a:tr>
-              <a:tr h="474798">
-                <a:tc>
-                  <a:txBody>
-                    <a:bodyPr/>
-                    <a:lstStyle/>
-                    <a:p>
-                      <a:pPr marL="0" lvl="0" indent="0" algn="l" rtl="0">
-                        <a:spcBef>
-                          <a:spcPts val="0"/>
-                        </a:spcBef>
-                        <a:spcAft>
-                          <a:spcPts val="0"/>
-                        </a:spcAft>
-                        <a:buNone/>
-                      </a:pPr>
-                      <a:r>
-                        <a:rPr lang="en-US" sz="2400" dirty="0"/>
-                        <a:t>no</a:t>
-                      </a:r>
-                      <a:endParaRPr sz="2400" dirty="0"/>
-                    </a:p>
-                  </a:txBody>
-                  <a:tcPr marL="121900" marR="121900" marT="121900" marB="121900"/>
-                </a:tc>
-                <a:tc>
-                  <a:txBody>
-                    <a:bodyPr/>
-                    <a:lstStyle/>
-                    <a:p>
-                      <a:pPr marL="0" lvl="0" indent="0" algn="l" rtl="0">
-                        <a:spcBef>
-                          <a:spcPts val="0"/>
-                        </a:spcBef>
-                        <a:spcAft>
-                          <a:spcPts val="0"/>
-                        </a:spcAft>
-                        <a:buNone/>
-                      </a:pPr>
-                      <a:r>
-                        <a:rPr lang="en-US" sz="2400" dirty="0"/>
-                        <a:t>Program continues</a:t>
-                      </a:r>
-                      <a:endParaRPr sz="2400" dirty="0"/>
-                    </a:p>
-                  </a:txBody>
-                  <a:tcPr marL="121900" marR="121900" marT="121900" marB="121900"/>
-                </a:tc>
-                <a:extLst>
-                  <a:ext uri="{0D108BD9-81ED-4DB2-BD59-A6C34878D82A}">
-                    <a16:rowId xmlns:a16="http://schemas.microsoft.com/office/drawing/2014/main" val="1015899749"/>
-                  </a:ext>
-                </a:extLst>
-              </a:tr>
-              <a:tr h="474798">
-                <a:tc>
-                  <a:txBody>
-                    <a:bodyPr/>
-                    <a:lstStyle/>
-                    <a:p>
-                      <a:pPr marL="0" lvl="0" indent="0" algn="l" rtl="0">
-                        <a:spcBef>
-                          <a:spcPts val="0"/>
-                        </a:spcBef>
-                        <a:spcAft>
-                          <a:spcPts val="0"/>
-                        </a:spcAft>
-                        <a:buNone/>
-                      </a:pPr>
-                      <a:r>
-                        <a:rPr lang="en-US" sz="2400" dirty="0"/>
-                        <a:t>Yes</a:t>
-                      </a:r>
-                    </a:p>
-                  </a:txBody>
-                  <a:tcPr marL="121900" marR="121900" marT="121900" marB="121900"/>
-                </a:tc>
-                <a:tc>
-                  <a:txBody>
-                    <a:bodyPr/>
-                    <a:lstStyle/>
-                    <a:p>
-                      <a:pPr marL="0" marR="0" lvl="0" indent="0" algn="l" defTabSz="914400" rtl="0" eaLnBrk="1" fontAlgn="auto" latinLnBrk="0" hangingPunct="1">
-                        <a:lnSpc>
-                          <a:spcPct val="100000"/>
-                        </a:lnSpc>
-                        <a:spcBef>
-                          <a:spcPts val="0"/>
-                        </a:spcBef>
-                        <a:spcAft>
-                          <a:spcPts val="0"/>
-                        </a:spcAft>
-                        <a:buClrTx/>
-                        <a:buSzTx/>
-                        <a:buFontTx/>
-                        <a:buNone/>
-                        <a:tabLst/>
-                        <a:defRPr/>
-                      </a:pPr>
-                      <a:r>
-                        <a:rPr lang="en-US" sz="2400" dirty="0"/>
-                        <a:t>Program continues</a:t>
-                      </a:r>
-                    </a:p>
-                  </a:txBody>
-                  <a:tcPr marL="121900" marR="121900" marT="121900" marB="121900"/>
-                </a:tc>
-                <a:extLst>
-                  <a:ext uri="{0D108BD9-81ED-4DB2-BD59-A6C34878D82A}">
-                    <a16:rowId xmlns:a16="http://schemas.microsoft.com/office/drawing/2014/main" val="4237421337"/>
-                  </a:ext>
-                </a:extLst>
-              </a:tr>
-              <a:tr h="474798">
-                <a:tc>
-                  <a:txBody>
-                    <a:bodyPr/>
-                    <a:lstStyle/>
-                    <a:p>
-                      <a:pPr marL="0" lvl="0" indent="0" algn="l" rtl="0">
-                        <a:spcBef>
-                          <a:spcPts val="0"/>
-                        </a:spcBef>
-                        <a:spcAft>
-                          <a:spcPts val="0"/>
-                        </a:spcAft>
-                        <a:buNone/>
-                      </a:pPr>
-                      <a:r>
-                        <a:rPr lang="en-US" sz="2400" dirty="0"/>
-                        <a:t>No</a:t>
-                      </a:r>
-                      <a:endParaRPr sz="2400" dirty="0"/>
-                    </a:p>
-                  </a:txBody>
-                  <a:tcPr marL="121900" marR="121900" marT="121900" marB="121900"/>
-                </a:tc>
-                <a:tc>
-                  <a:txBody>
-                    <a:bodyPr/>
-                    <a:lstStyle/>
-                    <a:p>
-                      <a:pPr marL="0" marR="0" lvl="0" indent="0" algn="l" defTabSz="914400" rtl="0" eaLnBrk="1" fontAlgn="auto" latinLnBrk="0" hangingPunct="1">
-                        <a:lnSpc>
-                          <a:spcPct val="100000"/>
-                        </a:lnSpc>
-                        <a:spcBef>
-                          <a:spcPts val="0"/>
-                        </a:spcBef>
-                        <a:spcAft>
-                          <a:spcPts val="0"/>
-                        </a:spcAft>
-                        <a:buClrTx/>
-                        <a:buSzTx/>
-                        <a:buFontTx/>
-                        <a:buNone/>
-                        <a:tabLst/>
-                        <a:defRPr/>
-                      </a:pPr>
-                      <a:r>
-                        <a:rPr lang="en-US" sz="2400" dirty="0"/>
-                        <a:t>Program continues</a:t>
-                      </a:r>
-                    </a:p>
-                  </a:txBody>
-                  <a:tcPr marL="121900" marR="121900" marT="121900" marB="121900"/>
-                </a:tc>
-                <a:extLst>
-                  <a:ext uri="{0D108BD9-81ED-4DB2-BD59-A6C34878D82A}">
-                    <a16:rowId xmlns:a16="http://schemas.microsoft.com/office/drawing/2014/main" val="2093276785"/>
-                  </a:ext>
-                </a:extLst>
-              </a:tr>
-              <a:tr h="474798">
-                <a:tc>
-                  <a:txBody>
-                    <a:bodyPr/>
-                    <a:lstStyle/>
-                    <a:p>
-                      <a:pPr marL="0" lvl="0" indent="0" algn="l" rtl="0">
-                        <a:spcBef>
-                          <a:spcPts val="0"/>
-                        </a:spcBef>
-                        <a:spcAft>
-                          <a:spcPts val="0"/>
-                        </a:spcAft>
-                        <a:buNone/>
-                      </a:pPr>
-                      <a:r>
-                        <a:rPr lang="en-US" sz="2400" dirty="0"/>
-                        <a:t>Y</a:t>
-                      </a:r>
-                      <a:endParaRPr sz="2400" dirty="0"/>
-                    </a:p>
-                  </a:txBody>
-                  <a:tcPr marL="121900" marR="121900" marT="121900" marB="121900"/>
-                </a:tc>
-                <a:tc>
-                  <a:txBody>
-                    <a:bodyPr/>
-                    <a:lstStyle/>
-                    <a:p>
-                      <a:pPr marL="0" marR="0" lvl="0" indent="0" algn="l" defTabSz="914400" rtl="0" eaLnBrk="1" fontAlgn="auto" latinLnBrk="0" hangingPunct="1">
-                        <a:lnSpc>
-                          <a:spcPct val="100000"/>
-                        </a:lnSpc>
-                        <a:spcBef>
-                          <a:spcPts val="0"/>
-                        </a:spcBef>
-                        <a:spcAft>
-                          <a:spcPts val="0"/>
-                        </a:spcAft>
-                        <a:buClrTx/>
-                        <a:buSzTx/>
-                        <a:buFontTx/>
-                        <a:buNone/>
-                        <a:tabLst/>
-                        <a:defRPr/>
-                      </a:pPr>
-                      <a:r>
-                        <a:rPr lang="en-US" sz="2400" dirty="0"/>
-                        <a:t>Program continues</a:t>
-                      </a:r>
-                    </a:p>
-                  </a:txBody>
-                  <a:tcPr marL="121900" marR="121900" marT="121900" marB="121900"/>
-                </a:tc>
-                <a:extLst>
-                  <a:ext uri="{0D108BD9-81ED-4DB2-BD59-A6C34878D82A}">
-                    <a16:rowId xmlns:a16="http://schemas.microsoft.com/office/drawing/2014/main" val="4181821293"/>
-                  </a:ext>
-                </a:extLst>
-              </a:tr>
-              <a:tr h="474798">
-                <a:tc>
-                  <a:txBody>
-                    <a:bodyPr/>
-                    <a:lstStyle/>
-                    <a:p>
-                      <a:pPr marL="0" lvl="0" indent="0" algn="l" rtl="0">
-                        <a:spcBef>
-                          <a:spcPts val="0"/>
-                        </a:spcBef>
-                        <a:spcAft>
-                          <a:spcPts val="0"/>
-                        </a:spcAft>
-                        <a:buNone/>
-                      </a:pPr>
-                      <a:r>
-                        <a:rPr lang="en-US" sz="2400" dirty="0"/>
-                        <a:t>N</a:t>
-                      </a:r>
-                      <a:endParaRPr sz="2400" dirty="0"/>
-                    </a:p>
-                  </a:txBody>
-                  <a:tcPr marL="121900" marR="121900" marT="121900" marB="121900"/>
-                </a:tc>
-                <a:tc>
-                  <a:txBody>
-                    <a:bodyPr/>
-                    <a:lstStyle/>
-                    <a:p>
-                      <a:pPr marL="0" marR="0" lvl="0" indent="0" algn="l" defTabSz="914400" rtl="0" eaLnBrk="1" fontAlgn="auto" latinLnBrk="0" hangingPunct="1">
-                        <a:lnSpc>
-                          <a:spcPct val="100000"/>
-                        </a:lnSpc>
-                        <a:spcBef>
-                          <a:spcPts val="0"/>
-                        </a:spcBef>
-                        <a:spcAft>
-                          <a:spcPts val="0"/>
-                        </a:spcAft>
-                        <a:buClrTx/>
-                        <a:buSzTx/>
-                        <a:buFontTx/>
-                        <a:buNone/>
-                        <a:tabLst/>
-                        <a:defRPr/>
-                      </a:pPr>
-                      <a:r>
-                        <a:rPr lang="en-US" sz="2400" dirty="0"/>
-                        <a:t>Program continues</a:t>
-                      </a:r>
-                    </a:p>
-                  </a:txBody>
-                  <a:tcPr marL="121900" marR="121900" marT="121900" marB="121900"/>
-                </a:tc>
-                <a:extLst>
-                  <a:ext uri="{0D108BD9-81ED-4DB2-BD59-A6C34878D82A}">
-                    <a16:rowId xmlns:a16="http://schemas.microsoft.com/office/drawing/2014/main" val="281772369"/>
-                  </a:ext>
-                </a:extLst>
-              </a:tr>
-              <a:tr h="474798">
-                <a:tc>
-                  <a:txBody>
-                    <a:bodyPr/>
-                    <a:lstStyle/>
-                    <a:p>
-                      <a:pPr marL="0" lvl="0" indent="0" algn="l" rtl="0">
-                        <a:spcBef>
-                          <a:spcPts val="0"/>
-                        </a:spcBef>
-                        <a:spcAft>
-                          <a:spcPts val="0"/>
-                        </a:spcAft>
-                        <a:buNone/>
-                      </a:pPr>
-                      <a:r>
-                        <a:rPr lang="en-US" sz="2400" dirty="0"/>
-                        <a:t>maybe</a:t>
-                      </a:r>
-                      <a:endParaRPr sz="2400" dirty="0"/>
-                    </a:p>
-                  </a:txBody>
-                  <a:tcPr marL="121900" marR="121900" marT="121900" marB="121900"/>
-                </a:tc>
-                <a:tc>
-                  <a:txBody>
-                    <a:bodyPr/>
-                    <a:lstStyle/>
-                    <a:p>
-                      <a:pPr marL="0" marR="0" lvl="0" indent="0" algn="l" defTabSz="914400" rtl="0" eaLnBrk="1" fontAlgn="auto" latinLnBrk="0" hangingPunct="1">
-                        <a:lnSpc>
-                          <a:spcPct val="100000"/>
-                        </a:lnSpc>
-                        <a:spcBef>
-                          <a:spcPts val="0"/>
-                        </a:spcBef>
-                        <a:spcAft>
-                          <a:spcPts val="0"/>
-                        </a:spcAft>
-                        <a:buClrTx/>
-                        <a:buSzTx/>
-                        <a:buFontTx/>
-                        <a:buNone/>
-                        <a:tabLst/>
-                        <a:defRPr/>
-                      </a:pPr>
-                      <a:r>
-                        <a:rPr lang="en-US" sz="2400" dirty="0"/>
-                        <a:t>Program continues</a:t>
-                      </a:r>
-                    </a:p>
-                  </a:txBody>
-                  <a:tcPr marL="121900" marR="121900" marT="121900" marB="121900"/>
-                </a:tc>
-                <a:extLst>
-                  <a:ext uri="{0D108BD9-81ED-4DB2-BD59-A6C34878D82A}">
-                    <a16:rowId xmlns:a16="http://schemas.microsoft.com/office/drawing/2014/main" val="3708634648"/>
-                  </a:ext>
-                </a:extLst>
-              </a:tr>
-              <a:tr h="474798">
-                <a:tc>
-                  <a:txBody>
-                    <a:bodyPr/>
-                    <a:lstStyle/>
-                    <a:p>
-                      <a:pPr marL="0" lvl="0" indent="0" algn="l" rtl="0">
-                        <a:spcBef>
-                          <a:spcPts val="0"/>
-                        </a:spcBef>
-                        <a:spcAft>
-                          <a:spcPts val="0"/>
-                        </a:spcAft>
-                        <a:buNone/>
-                      </a:pPr>
-                      <a:r>
-                        <a:rPr lang="en-US" sz="2400" dirty="0"/>
-                        <a:t>Maybe</a:t>
-                      </a:r>
-                      <a:endParaRPr sz="2400" dirty="0"/>
-                    </a:p>
-                  </a:txBody>
-                  <a:tcPr marL="121900" marR="121900" marT="121900" marB="121900"/>
-                </a:tc>
-                <a:tc>
-                  <a:txBody>
-                    <a:bodyPr/>
-                    <a:lstStyle/>
-                    <a:p>
-                      <a:pPr marL="0" lvl="0" indent="0" algn="l" rtl="0">
-                        <a:spcBef>
-                          <a:spcPts val="0"/>
-                        </a:spcBef>
-                        <a:spcAft>
-                          <a:spcPts val="0"/>
-                        </a:spcAft>
-                        <a:buNone/>
-                      </a:pPr>
-                      <a:r>
-                        <a:rPr lang="en-US" sz="2400" dirty="0"/>
-                        <a:t>Please enter either “Yes” or “No”.</a:t>
-                      </a:r>
-                      <a:endParaRPr sz="2400" dirty="0"/>
-                    </a:p>
-                  </a:txBody>
-                  <a:tcPr marL="121900" marR="121900" marT="121900" marB="121900"/>
-                </a:tc>
-                <a:extLst>
-                  <a:ext uri="{0D108BD9-81ED-4DB2-BD59-A6C34878D82A}">
-                    <a16:rowId xmlns:a16="http://schemas.microsoft.com/office/drawing/2014/main" val="2071514818"/>
-                  </a:ext>
-                </a:extLst>
-              </a:tr>
             </a:tbl>
           </a:graphicData>
         </a:graphic>
@@ -7970,7 +6976,7 @@
         </p:nvSpPr>
         <p:spPr>
           <a:xfrm>
-            <a:off x="618655" y="893952"/>
+            <a:off x="645160" y="1151007"/>
             <a:ext cx="9999846" cy="369332"/>
           </a:xfrm>
           <a:prstGeom prst="rect">
@@ -8050,19 +7056,19 @@
         </p:nvSpPr>
         <p:spPr>
           <a:xfrm>
-            <a:off x="838200" y="518160"/>
-            <a:ext cx="10515600" cy="562928"/>
+            <a:off x="749300" y="223520"/>
+            <a:ext cx="10515600" cy="806768"/>
           </a:xfrm>
         </p:spPr>
         <p:txBody>
           <a:bodyPr>
-            <a:normAutofit fontScale="90000"/>
+            <a:normAutofit/>
           </a:bodyPr>
           <a:lstStyle/>
           <a:p>
             <a:r>
-              <a:rPr lang="en-NZ" dirty="0"/>
-              <a:t>Yes/No Checker: Testing </a:t>
+              <a:rPr lang="en-NZ" sz="4000" dirty="0"/>
+              <a:t>[Component name]: Trialling </a:t>
             </a:r>
           </a:p>
         </p:txBody>
@@ -8081,8 +7087,8 @@
         </p:nvSpPr>
         <p:spPr>
           <a:xfrm>
-            <a:off x="749300" y="1081088"/>
-            <a:ext cx="10693400" cy="646331"/>
+            <a:off x="660400" y="1030288"/>
+            <a:ext cx="10693400" cy="923330"/>
           </a:xfrm>
           <a:prstGeom prst="rect">
             <a:avLst/>
@@ -8097,15 +7103,30 @@
           <a:p>
             <a:r>
               <a:rPr lang="en-NZ" i="1" dirty="0"/>
-              <a:t>You must show the results of testing. For each component, include a screenshot proving it works.  You can also include notes about each test. </a:t>
-            </a:r>
+              <a:t>NOTE: Trialling needs to happen for </a:t>
+            </a:r>
+            <a:r>
+              <a:rPr lang="en-NZ" b="1" i="1" dirty="0"/>
+              <a:t>at least 2 </a:t>
+            </a:r>
+            <a:r>
+              <a:rPr lang="en-NZ" i="1" dirty="0"/>
+              <a:t>of your components but is not necessary for ALL components.</a:t>
+            </a:r>
+          </a:p>
+          <a:p>
+            <a:r>
+              <a:rPr lang="en" i="1" dirty="0"/>
+              <a:t>Trialling is not the same as testing. Trialling is about finding different ways of building the same component. Show evidence of  your trialling  here. Select one of your trials for further development and give reasons for your choice. </a:t>
+            </a:r>
+            <a:endParaRPr lang="en-NZ" dirty="0"/>
           </a:p>
         </p:txBody>
       </p:sp>
     </p:spTree>
     <p:extLst>
       <p:ext uri="{BB962C8B-B14F-4D97-AF65-F5344CB8AC3E}">
-        <p14:creationId xmlns:p14="http://schemas.microsoft.com/office/powerpoint/2010/main" val="89592267"/>
+        <p14:creationId xmlns:p14="http://schemas.microsoft.com/office/powerpoint/2010/main" val="270828811"/>
       </p:ext>
     </p:extLst>
   </p:cSld>
@@ -8120,7 +7141,7 @@
   <p:cSld>
     <p:spTree>
       <p:nvGrpSpPr>
-        <p:cNvPr id="1" name="Shape 90"/>
+        <p:cNvPr id="1" name=""/>
         <p:cNvGrpSpPr/>
         <p:nvPr/>
       </p:nvGrpSpPr>
@@ -8134,8 +7155,14 @@
       </p:grpSpPr>
       <p:sp>
         <p:nvSpPr>
-          <p:cNvPr id="91" name="Google Shape;91;p19"/>
-          <p:cNvSpPr txBox="1">
+          <p:cNvPr id="2" name="Title 1">
+            <a:extLst>
+              <a:ext uri="{FF2B5EF4-FFF2-40B4-BE49-F238E27FC236}">
+                <a16:creationId xmlns:a16="http://schemas.microsoft.com/office/drawing/2014/main" id="{1CC5D32F-7C18-4D00-8D54-2FB046F0A206}"/>
+              </a:ext>
+            </a:extLst>
+          </p:cNvPr>
+          <p:cNvSpPr>
             <a:spLocks noGrp="1"/>
           </p:cNvSpPr>
           <p:nvPr>
@@ -8144,370 +7171,44 @@
         </p:nvSpPr>
         <p:spPr>
           <a:xfrm>
-            <a:off x="415600" y="217447"/>
-            <a:ext cx="11360800" cy="763600"/>
+            <a:off x="838200" y="518160"/>
+            <a:ext cx="10515600" cy="562928"/>
+          </a:xfrm>
+        </p:spPr>
+        <p:txBody>
+          <a:bodyPr>
+            <a:normAutofit fontScale="90000"/>
+          </a:bodyPr>
+          <a:lstStyle/>
+          <a:p>
+            <a:r>
+              <a:rPr lang="en-NZ" dirty="0"/>
+              <a:t>[Component name]: Testing </a:t>
+            </a:r>
+          </a:p>
+        </p:txBody>
+      </p:sp>
+      <p:sp>
+        <p:nvSpPr>
+          <p:cNvPr id="4" name="TextBox 3">
+            <a:extLst>
+              <a:ext uri="{FF2B5EF4-FFF2-40B4-BE49-F238E27FC236}">
+                <a16:creationId xmlns:a16="http://schemas.microsoft.com/office/drawing/2014/main" id="{8CD07A82-A944-4A9B-9A52-515DAC30878A}"/>
+              </a:ext>
+            </a:extLst>
+          </p:cNvPr>
+          <p:cNvSpPr txBox="1"/>
+          <p:nvPr/>
+        </p:nvSpPr>
+        <p:spPr>
+          <a:xfrm>
+            <a:off x="749300" y="1081088"/>
+            <a:ext cx="10693400" cy="646331"/>
           </a:xfrm>
           <a:prstGeom prst="rect">
             <a:avLst/>
           </a:prstGeom>
-        </p:spPr>
-        <p:txBody>
-          <a:bodyPr spcFirstLastPara="1" vert="horz" wrap="square" lIns="121900" tIns="121900" rIns="121900" bIns="121900" rtlCol="0" anchor="t" anchorCtr="0">
-            <a:noAutofit/>
-          </a:bodyPr>
-          <a:lstStyle/>
-          <a:p>
-            <a:r>
-              <a:rPr lang="en" sz="4000" dirty="0"/>
-              <a:t>Instructions  - Test Plan</a:t>
-            </a:r>
-            <a:endParaRPr sz="4000" dirty="0"/>
-          </a:p>
-        </p:txBody>
-      </p:sp>
-      <p:graphicFrame>
-        <p:nvGraphicFramePr>
-          <p:cNvPr id="92" name="Google Shape;92;p19"/>
-          <p:cNvGraphicFramePr/>
-          <p:nvPr>
-            <p:extLst>
-              <p:ext uri="{D42A27DB-BD31-4B8C-83A1-F6EECF244321}">
-                <p14:modId xmlns:p14="http://schemas.microsoft.com/office/powerpoint/2010/main" val="793145328"/>
-              </p:ext>
-            </p:extLst>
-          </p:nvPr>
-        </p:nvGraphicFramePr>
-        <p:xfrm>
-          <a:off x="523219" y="1263284"/>
-          <a:ext cx="11360800" cy="3553806"/>
-        </p:xfrm>
-        <a:graphic>
-          <a:graphicData uri="http://schemas.openxmlformats.org/drawingml/2006/table">
-            <a:tbl>
-              <a:tblPr>
-                <a:noFill/>
-              </a:tblPr>
-              <a:tblGrid>
-                <a:gridCol w="5680400">
-                  <a:extLst>
-                    <a:ext uri="{9D8B030D-6E8A-4147-A177-3AD203B41FA5}">
-                      <a16:colId xmlns:a16="http://schemas.microsoft.com/office/drawing/2014/main" val="20000"/>
-                    </a:ext>
-                  </a:extLst>
-                </a:gridCol>
-                <a:gridCol w="5680400">
-                  <a:extLst>
-                    <a:ext uri="{9D8B030D-6E8A-4147-A177-3AD203B41FA5}">
-                      <a16:colId xmlns:a16="http://schemas.microsoft.com/office/drawing/2014/main" val="20001"/>
-                    </a:ext>
-                  </a:extLst>
-                </a:gridCol>
-              </a:tblGrid>
-              <a:tr h="627846">
-                <a:tc>
-                  <a:txBody>
-                    <a:bodyPr/>
-                    <a:lstStyle/>
-                    <a:p>
-                      <a:pPr marL="0" lvl="0" indent="0" algn="l" rtl="0">
-                        <a:spcBef>
-                          <a:spcPts val="0"/>
-                        </a:spcBef>
-                        <a:spcAft>
-                          <a:spcPts val="0"/>
-                        </a:spcAft>
-                        <a:buNone/>
-                      </a:pPr>
-                      <a:r>
-                        <a:rPr lang="en" sz="2400" b="1" dirty="0"/>
-                        <a:t>Test Cases - input</a:t>
-                      </a:r>
-                      <a:endParaRPr lang="en-US" sz="2400" b="1"/>
-                    </a:p>
-                  </a:txBody>
-                  <a:tcPr marL="121900" marR="121900" marT="121900" marB="121900">
-                    <a:solidFill>
-                      <a:srgbClr val="CCCCCC"/>
-                    </a:solidFill>
-                  </a:tcPr>
-                </a:tc>
-                <a:tc>
-                  <a:txBody>
-                    <a:bodyPr/>
-                    <a:lstStyle/>
-                    <a:p>
-                      <a:pPr marL="0" lvl="0" indent="0" algn="l" rtl="0">
-                        <a:spcBef>
-                          <a:spcPts val="0"/>
-                        </a:spcBef>
-                        <a:spcAft>
-                          <a:spcPts val="0"/>
-                        </a:spcAft>
-                        <a:buNone/>
-                      </a:pPr>
-                      <a:r>
-                        <a:rPr lang="en" sz="2400" b="1" dirty="0"/>
-                        <a:t>Expected output</a:t>
-                      </a:r>
-                      <a:endParaRPr lang="en-US" sz="2400" b="1"/>
-                    </a:p>
-                  </a:txBody>
-                  <a:tcPr marL="121900" marR="121900" marT="121900" marB="121900">
-                    <a:solidFill>
-                      <a:srgbClr val="CCCCCC"/>
-                    </a:solidFill>
-                  </a:tcPr>
-                </a:tc>
-                <a:extLst>
-                  <a:ext uri="{0D108BD9-81ED-4DB2-BD59-A6C34878D82A}">
-                    <a16:rowId xmlns:a16="http://schemas.microsoft.com/office/drawing/2014/main" val="10000"/>
-                  </a:ext>
-                </a:extLst>
-              </a:tr>
-              <a:tr h="474798">
-                <a:tc>
-                  <a:txBody>
-                    <a:bodyPr/>
-                    <a:lstStyle/>
-                    <a:p>
-                      <a:pPr marL="0" lvl="0" indent="0" algn="l" rtl="0">
-                        <a:spcBef>
-                          <a:spcPts val="0"/>
-                        </a:spcBef>
-                        <a:spcAft>
-                          <a:spcPts val="0"/>
-                        </a:spcAft>
-                        <a:buNone/>
-                      </a:pPr>
-                      <a:r>
-                        <a:rPr lang="en-US" sz="2400"/>
-                        <a:t>Have you played before?</a:t>
-                      </a:r>
-                    </a:p>
-                    <a:p>
-                      <a:pPr marL="0" lvl="0" indent="0" algn="l">
-                        <a:spcBef>
-                          <a:spcPts val="0"/>
-                        </a:spcBef>
-                        <a:spcAft>
-                          <a:spcPts val="0"/>
-                        </a:spcAft>
-                        <a:buNone/>
-                      </a:pPr>
-                      <a:r>
-                        <a:rPr lang="en-US" sz="2400"/>
-                        <a:t>Yes</a:t>
-                      </a:r>
-                      <a:endParaRPr lang="en-US" sz="2400" dirty="0"/>
-                    </a:p>
-                  </a:txBody>
-                  <a:tcPr marL="121900" marR="121900" marT="121900" marB="121900"/>
-                </a:tc>
-                <a:tc>
-                  <a:txBody>
-                    <a:bodyPr/>
-                    <a:lstStyle/>
-                    <a:p>
-                      <a:pPr marL="0" marR="0" lvl="0" indent="0" algn="l" rtl="0" eaLnBrk="1" fontAlgn="auto" latinLnBrk="0" hangingPunct="1">
-                        <a:lnSpc>
-                          <a:spcPct val="100000"/>
-                        </a:lnSpc>
-                        <a:spcBef>
-                          <a:spcPts val="0"/>
-                        </a:spcBef>
-                        <a:spcAft>
-                          <a:spcPts val="0"/>
-                        </a:spcAft>
-                        <a:buClrTx/>
-                        <a:buSzTx/>
-                        <a:buFontTx/>
-                        <a:buNone/>
-                      </a:pPr>
-                      <a:r>
-                        <a:rPr lang="en-US" sz="2400"/>
-                        <a:t>Game starts</a:t>
-                      </a:r>
-                      <a:endParaRPr lang="en-US" sz="2400" dirty="0"/>
-                    </a:p>
-                  </a:txBody>
-                  <a:tcPr marL="121900" marR="121900" marT="121900" marB="121900"/>
-                </a:tc>
-                <a:extLst>
-                  <a:ext uri="{0D108BD9-81ED-4DB2-BD59-A6C34878D82A}">
-                    <a16:rowId xmlns:a16="http://schemas.microsoft.com/office/drawing/2014/main" val="4181821293"/>
-                  </a:ext>
-                </a:extLst>
-              </a:tr>
-              <a:tr h="474798">
-                <a:tc>
-                  <a:txBody>
-                    <a:bodyPr/>
-                    <a:lstStyle/>
-                    <a:p>
-                      <a:pPr marL="0" lvl="0" indent="0" algn="l" rtl="0">
-                        <a:spcBef>
-                          <a:spcPts val="0"/>
-                        </a:spcBef>
-                        <a:spcAft>
-                          <a:spcPts val="0"/>
-                        </a:spcAft>
-                        <a:buNone/>
-                      </a:pPr>
-                      <a:r>
-                        <a:rPr lang="en-US" sz="2400"/>
-                        <a:t>Have you played before?</a:t>
-                      </a:r>
-                    </a:p>
-                    <a:p>
-                      <a:pPr marL="0" lvl="0" indent="0" algn="l">
-                        <a:spcBef>
-                          <a:spcPts val="0"/>
-                        </a:spcBef>
-                        <a:spcAft>
-                          <a:spcPts val="0"/>
-                        </a:spcAft>
-                        <a:buNone/>
-                      </a:pPr>
-                      <a:r>
-                        <a:rPr lang="en-US" sz="2400"/>
-                        <a:t>No</a:t>
-                      </a:r>
-                      <a:endParaRPr lang="en-US" sz="2400" dirty="0"/>
-                    </a:p>
-                  </a:txBody>
-                  <a:tcPr marL="121900" marR="121900" marT="121900" marB="121900"/>
-                </a:tc>
-                <a:tc>
-                  <a:txBody>
-                    <a:bodyPr/>
-                    <a:lstStyle/>
-                    <a:p>
-                      <a:pPr marL="0" marR="0" lvl="0" indent="0" algn="l" rtl="0" eaLnBrk="1" fontAlgn="auto" latinLnBrk="0" hangingPunct="1">
-                        <a:lnSpc>
-                          <a:spcPct val="100000"/>
-                        </a:lnSpc>
-                        <a:spcBef>
-                          <a:spcPts val="0"/>
-                        </a:spcBef>
-                        <a:spcAft>
-                          <a:spcPts val="0"/>
-                        </a:spcAft>
-                        <a:buClrTx/>
-                        <a:buSzTx/>
-                        <a:buFontTx/>
-                        <a:buNone/>
-                      </a:pPr>
-                      <a:r>
-                        <a:rPr lang="en-US" sz="2400"/>
-                        <a:t>Instructions show, then game starts</a:t>
-                      </a:r>
-                      <a:endParaRPr lang="en-US" sz="2400" dirty="0"/>
-                    </a:p>
-                  </a:txBody>
-                  <a:tcPr marL="121900" marR="121900" marT="121900" marB="121900"/>
-                </a:tc>
-                <a:extLst>
-                  <a:ext uri="{0D108BD9-81ED-4DB2-BD59-A6C34878D82A}">
-                    <a16:rowId xmlns:a16="http://schemas.microsoft.com/office/drawing/2014/main" val="281772369"/>
-                  </a:ext>
-                </a:extLst>
-              </a:tr>
-              <a:tr h="474798">
-                <a:tc>
-                  <a:txBody>
-                    <a:bodyPr/>
-                    <a:lstStyle/>
-                    <a:p>
-                      <a:pPr marL="0" lvl="0" indent="0" algn="l" rtl="0">
-                        <a:spcBef>
-                          <a:spcPts val="0"/>
-                        </a:spcBef>
-                        <a:spcAft>
-                          <a:spcPts val="0"/>
-                        </a:spcAft>
-                        <a:buNone/>
-                      </a:pPr>
-                      <a:r>
-                        <a:rPr lang="en-US" sz="2400"/>
-                        <a:t>Have you played before?</a:t>
-                      </a:r>
-                    </a:p>
-                    <a:p>
-                      <a:pPr marL="0" lvl="0" indent="0" algn="l">
-                        <a:spcBef>
-                          <a:spcPts val="0"/>
-                        </a:spcBef>
-                        <a:spcAft>
-                          <a:spcPts val="0"/>
-                        </a:spcAft>
-                        <a:buNone/>
-                      </a:pPr>
-                      <a:r>
-                        <a:rPr lang="en-US" sz="2400"/>
-                        <a:t>Maybe/anything else apart from yes or no</a:t>
-                      </a:r>
-                    </a:p>
-                  </a:txBody>
-                  <a:tcPr marL="121900" marR="121900" marT="121900" marB="121900"/>
-                </a:tc>
-                <a:tc>
-                  <a:txBody>
-                    <a:bodyPr/>
-                    <a:lstStyle/>
-                    <a:p>
-                      <a:pPr marL="0" marR="0" lvl="0" indent="0" algn="l" rtl="0" eaLnBrk="1" fontAlgn="auto" latinLnBrk="0" hangingPunct="1">
-                        <a:lnSpc>
-                          <a:spcPct val="100000"/>
-                        </a:lnSpc>
-                        <a:spcBef>
-                          <a:spcPts val="0"/>
-                        </a:spcBef>
-                        <a:spcAft>
-                          <a:spcPts val="0"/>
-                        </a:spcAft>
-                        <a:buClrTx/>
-                        <a:buSzTx/>
-                        <a:buFontTx/>
-                        <a:buNone/>
-                      </a:pPr>
-                      <a:r>
-                        <a:rPr lang="en-US" sz="2400" dirty="0"/>
-                        <a:t>Shows an error saying, "Please enter Yes or No"</a:t>
-                      </a:r>
-                    </a:p>
-                  </a:txBody>
-                  <a:tcPr marL="121900" marR="121900" marT="121900" marB="121900"/>
-                </a:tc>
-                <a:extLst>
-                  <a:ext uri="{0D108BD9-81ED-4DB2-BD59-A6C34878D82A}">
-                    <a16:rowId xmlns:a16="http://schemas.microsoft.com/office/drawing/2014/main" val="3708634648"/>
-                  </a:ext>
-                </a:extLst>
-              </a:tr>
-            </a:tbl>
-          </a:graphicData>
-        </a:graphic>
-      </p:graphicFrame>
-      <p:sp>
-        <p:nvSpPr>
-          <p:cNvPr id="4" name="Rectangle 3">
-            <a:extLst>
-              <a:ext uri="{FF2B5EF4-FFF2-40B4-BE49-F238E27FC236}">
-                <a16:creationId xmlns:a16="http://schemas.microsoft.com/office/drawing/2014/main" id="{518343B6-2201-4ACD-B907-770BC22E8B26}"/>
-              </a:ext>
-            </a:extLst>
-          </p:cNvPr>
-          <p:cNvSpPr/>
-          <p:nvPr/>
-        </p:nvSpPr>
-        <p:spPr>
-          <a:xfrm>
-            <a:off x="618655" y="893952"/>
-            <a:ext cx="9999846" cy="369332"/>
-          </a:xfrm>
-          <a:prstGeom prst="rect">
-            <a:avLst/>
-          </a:prstGeom>
+          <a:noFill/>
         </p:spPr>
         <p:txBody>
           <a:bodyPr wrap="square">
@@ -8515,26 +7216,9 @@
           </a:bodyPr>
           <a:lstStyle/>
           <a:p>
-            <a:pPr marL="0" marR="0" lvl="0" indent="0" algn="l" defTabSz="914400" rtl="0" eaLnBrk="1" fontAlgn="auto" latinLnBrk="0" hangingPunct="1">
-              <a:lnSpc>
-                <a:spcPct val="100000"/>
-              </a:lnSpc>
-              <a:spcBef>
-                <a:spcPts val="0"/>
-              </a:spcBef>
-              <a:spcAft>
-                <a:spcPts val="0"/>
-              </a:spcAft>
-              <a:buClrTx/>
-              <a:buSzTx/>
-              <a:buFontTx/>
-              <a:buNone/>
-              <a:tabLst/>
-              <a:defRPr/>
-            </a:pPr>
             <a:r>
               <a:rPr lang="en-NZ" i="1" dirty="0"/>
-              <a:t>Additional rows can be added by clicking in the last cell and then using the Tab key </a:t>
+              <a:t>You must show the results of testing. For each component, include a screenshot proving it works.  You can also include notes about each test. </a:t>
             </a:r>
           </a:p>
         </p:txBody>
@@ -8542,7 +7226,7 @@
     </p:spTree>
     <p:extLst>
       <p:ext uri="{BB962C8B-B14F-4D97-AF65-F5344CB8AC3E}">
-        <p14:creationId xmlns:p14="http://schemas.microsoft.com/office/powerpoint/2010/main" val="1973556824"/>
+        <p14:creationId xmlns:p14="http://schemas.microsoft.com/office/powerpoint/2010/main" val="89592267"/>
       </p:ext>
     </p:extLst>
   </p:cSld>
@@ -8574,7 +7258,7 @@
           <p:cNvPr id="2" name="Title 1">
             <a:extLst>
               <a:ext uri="{FF2B5EF4-FFF2-40B4-BE49-F238E27FC236}">
-                <a16:creationId xmlns:a16="http://schemas.microsoft.com/office/drawing/2014/main" id="{1CC5D32F-7C18-4D00-8D54-2FB046F0A206}"/>
+                <a16:creationId xmlns:a16="http://schemas.microsoft.com/office/drawing/2014/main" id="{183CAE4A-E189-4CAA-B3F5-7E97BC5188E3}"/>
               </a:ext>
             </a:extLst>
           </p:cNvPr>
@@ -8587,44 +7271,43 @@
         </p:nvSpPr>
         <p:spPr>
           <a:xfrm>
-            <a:off x="749300" y="223520"/>
-            <a:ext cx="10515600" cy="806768"/>
+            <a:off x="838199" y="406400"/>
+            <a:ext cx="10515600" cy="583248"/>
           </a:xfrm>
         </p:spPr>
         <p:txBody>
           <a:bodyPr>
-            <a:normAutofit/>
+            <a:normAutofit fontScale="90000"/>
           </a:bodyPr>
           <a:lstStyle/>
           <a:p>
             <a:r>
               <a:rPr lang="en-NZ" sz="4000" dirty="0"/>
-              <a:t>[Component name]: Trialling </a:t>
-            </a:r>
-          </a:p>
-        </p:txBody>
-      </p:sp>
-      <p:sp>
-        <p:nvSpPr>
-          <p:cNvPr id="4" name="TextBox 3">
-            <a:extLst>
-              <a:ext uri="{FF2B5EF4-FFF2-40B4-BE49-F238E27FC236}">
-                <a16:creationId xmlns:a16="http://schemas.microsoft.com/office/drawing/2014/main" id="{8CD07A82-A944-4A9B-9A52-515DAC30878A}"/>
-              </a:ext>
-            </a:extLst>
-          </p:cNvPr>
-          <p:cNvSpPr txBox="1"/>
+              <a:t>Assembled Outcome Testing:</a:t>
+            </a:r>
+          </a:p>
+        </p:txBody>
+      </p:sp>
+      <p:sp>
+        <p:nvSpPr>
+          <p:cNvPr id="3" name="Rectangle 2">
+            <a:extLst>
+              <a:ext uri="{FF2B5EF4-FFF2-40B4-BE49-F238E27FC236}">
+                <a16:creationId xmlns:a16="http://schemas.microsoft.com/office/drawing/2014/main" id="{DB8F61FF-932E-477F-82DD-3F6BB93999C0}"/>
+              </a:ext>
+            </a:extLst>
+          </p:cNvPr>
+          <p:cNvSpPr/>
           <p:nvPr/>
         </p:nvSpPr>
         <p:spPr>
           <a:xfrm>
-            <a:off x="660400" y="1030288"/>
-            <a:ext cx="10693400" cy="923330"/>
+            <a:off x="838199" y="1089283"/>
+            <a:ext cx="8767813" cy="702372"/>
           </a:xfrm>
           <a:prstGeom prst="rect">
             <a:avLst/>
           </a:prstGeom>
-          <a:noFill/>
         </p:spPr>
         <p:txBody>
           <a:bodyPr wrap="square">
@@ -8632,32 +7315,32 @@
           </a:bodyPr>
           <a:lstStyle/>
           <a:p>
-            <a:r>
-              <a:rPr lang="en-NZ" i="1" dirty="0"/>
-              <a:t>NOTE: Trialling needs to happen for </a:t>
-            </a:r>
-            <a:r>
-              <a:rPr lang="en-NZ" b="1" i="1" dirty="0"/>
-              <a:t>at least 2 </a:t>
-            </a:r>
-            <a:r>
-              <a:rPr lang="en-NZ" i="1" dirty="0"/>
-              <a:t>of your components but is not necessary for ALL components.</a:t>
-            </a:r>
-          </a:p>
-          <a:p>
-            <a:r>
-              <a:rPr lang="en" i="1" dirty="0"/>
-              <a:t>Trialling is not the same as testing. Trialling is about finding different ways of building the same component. Show evidence of  your trialling  here. Select one of your trials for further development and give reasons for your choice. </a:t>
-            </a:r>
-            <a:endParaRPr lang="en-NZ" dirty="0"/>
+            <a:pPr>
+              <a:lnSpc>
+                <a:spcPct val="115000"/>
+              </a:lnSpc>
+              <a:spcAft>
+                <a:spcPts val="0"/>
+              </a:spcAft>
+            </a:pPr>
+            <a:r>
+              <a:rPr lang="en-NZ" i="1" dirty="0">
+                <a:latin typeface="Arial" panose="020B0604020202020204" pitchFamily="34" charset="0"/>
+                <a:ea typeface="Arial" panose="020B0604020202020204" pitchFamily="34" charset="0"/>
+              </a:rPr>
+              <a:t>Show testing for your assembled outcome below.  This should include a test plan followed by screenshot proof.  </a:t>
+            </a:r>
+            <a:endParaRPr lang="en-NZ" dirty="0">
+              <a:latin typeface="Arial" panose="020B0604020202020204" pitchFamily="34" charset="0"/>
+              <a:ea typeface="Arial" panose="020B0604020202020204" pitchFamily="34" charset="0"/>
+            </a:endParaRPr>
           </a:p>
         </p:txBody>
       </p:sp>
     </p:spTree>
     <p:extLst>
       <p:ext uri="{BB962C8B-B14F-4D97-AF65-F5344CB8AC3E}">
-        <p14:creationId xmlns:p14="http://schemas.microsoft.com/office/powerpoint/2010/main" val="270828811"/>
+        <p14:creationId xmlns:p14="http://schemas.microsoft.com/office/powerpoint/2010/main" val="1084233196"/>
       </p:ext>
     </p:extLst>
   </p:cSld>

--- a/Lucky Unicorn Documentation.pptx
+++ b/Lucky Unicorn Documentation.pptx
@@ -139,7 +139,7 @@
   <pc:docChgLst>
     <pc:chgData name="Joshua Bracefield" userId="d64b1e77-fcfe-4377-8f23-1bdeb7587d81" providerId="ADAL" clId="{14DA4211-AAE7-E846-996D-C07212070A5C}"/>
     <pc:docChg chg="undo custSel modSld">
-      <pc:chgData name="Joshua Bracefield" userId="d64b1e77-fcfe-4377-8f23-1bdeb7587d81" providerId="ADAL" clId="{14DA4211-AAE7-E846-996D-C07212070A5C}" dt="2022-03-21T21:12:33.134" v="133" actId="14100"/>
+      <pc:chgData name="Joshua Bracefield" userId="d64b1e77-fcfe-4377-8f23-1bdeb7587d81" providerId="ADAL" clId="{14DA4211-AAE7-E846-996D-C07212070A5C}" dt="2022-03-24T05:34:14.475" v="948" actId="20577"/>
       <pc:docMkLst>
         <pc:docMk/>
       </pc:docMkLst>
@@ -197,6 +197,21 @@
           </ac:graphicFrameMkLst>
         </pc:graphicFrameChg>
       </pc:sldChg>
+      <pc:sldChg chg="addSp delSp modSp mod">
+        <pc:chgData name="Joshua Bracefield" userId="d64b1e77-fcfe-4377-8f23-1bdeb7587d81" providerId="ADAL" clId="{14DA4211-AAE7-E846-996D-C07212070A5C}" dt="2022-03-24T05:34:14.475" v="948" actId="20577"/>
+        <pc:sldMkLst>
+          <pc:docMk/>
+          <pc:sldMk cId="975627948" sldId="272"/>
+        </pc:sldMkLst>
+        <pc:graphicFrameChg chg="add del mod modGraphic">
+          <ac:chgData name="Joshua Bracefield" userId="d64b1e77-fcfe-4377-8f23-1bdeb7587d81" providerId="ADAL" clId="{14DA4211-AAE7-E846-996D-C07212070A5C}" dt="2022-03-24T05:34:14.475" v="948" actId="20577"/>
+          <ac:graphicFrameMkLst>
+            <pc:docMk/>
+            <pc:sldMk cId="975627948" sldId="272"/>
+            <ac:graphicFrameMk id="6" creationId="{A02ECB3F-5E1A-4602-8844-49609D54ADF8}"/>
+          </ac:graphicFrameMkLst>
+        </pc:graphicFrameChg>
+      </pc:sldChg>
     </pc:docChg>
   </pc:docChgLst>
 </pc:chgInfo>
@@ -284,7 +299,7 @@
           <a:p>
             <a:fld id="{F37D28C0-BEB6-42B0-A203-EEE1023219C4}" type="datetimeFigureOut">
               <a:rPr lang="en-NZ" smtClean="0"/>
-              <a:t>22/03/22</a:t>
+              <a:t>24/03/22</a:t>
             </a:fld>
             <a:endParaRPr lang="en-NZ"/>
           </a:p>
@@ -1685,7 +1700,7 @@
           <a:p>
             <a:fld id="{9C4A4F43-1C06-40E6-8F87-8B286982E50E}" type="datetimeFigureOut">
               <a:rPr lang="en-NZ" smtClean="0"/>
-              <a:t>22/03/22</a:t>
+              <a:t>24/03/22</a:t>
             </a:fld>
             <a:endParaRPr lang="en-NZ" dirty="0"/>
           </a:p>
@@ -1885,7 +1900,7 @@
           <a:p>
             <a:fld id="{9C4A4F43-1C06-40E6-8F87-8B286982E50E}" type="datetimeFigureOut">
               <a:rPr lang="en-NZ" smtClean="0"/>
-              <a:t>22/03/22</a:t>
+              <a:t>24/03/22</a:t>
             </a:fld>
             <a:endParaRPr lang="en-NZ" dirty="0"/>
           </a:p>
@@ -2095,7 +2110,7 @@
           <a:p>
             <a:fld id="{9C4A4F43-1C06-40E6-8F87-8B286982E50E}" type="datetimeFigureOut">
               <a:rPr lang="en-NZ" smtClean="0"/>
-              <a:t>22/03/22</a:t>
+              <a:t>24/03/22</a:t>
             </a:fld>
             <a:endParaRPr lang="en-NZ" dirty="0"/>
           </a:p>
@@ -2654,7 +2669,7 @@
           <a:p>
             <a:fld id="{9C4A4F43-1C06-40E6-8F87-8B286982E50E}" type="datetimeFigureOut">
               <a:rPr lang="en-NZ" smtClean="0"/>
-              <a:t>22/03/22</a:t>
+              <a:t>24/03/22</a:t>
             </a:fld>
             <a:endParaRPr lang="en-NZ" dirty="0"/>
           </a:p>
@@ -2930,7 +2945,7 @@
           <a:p>
             <a:fld id="{9C4A4F43-1C06-40E6-8F87-8B286982E50E}" type="datetimeFigureOut">
               <a:rPr lang="en-NZ" smtClean="0"/>
-              <a:t>22/03/22</a:t>
+              <a:t>24/03/22</a:t>
             </a:fld>
             <a:endParaRPr lang="en-NZ" dirty="0"/>
           </a:p>
@@ -3198,7 +3213,7 @@
           <a:p>
             <a:fld id="{9C4A4F43-1C06-40E6-8F87-8B286982E50E}" type="datetimeFigureOut">
               <a:rPr lang="en-NZ" smtClean="0"/>
-              <a:t>22/03/22</a:t>
+              <a:t>24/03/22</a:t>
             </a:fld>
             <a:endParaRPr lang="en-NZ" dirty="0"/>
           </a:p>
@@ -3613,7 +3628,7 @@
           <a:p>
             <a:fld id="{9C4A4F43-1C06-40E6-8F87-8B286982E50E}" type="datetimeFigureOut">
               <a:rPr lang="en-NZ" smtClean="0"/>
-              <a:t>22/03/22</a:t>
+              <a:t>24/03/22</a:t>
             </a:fld>
             <a:endParaRPr lang="en-NZ" dirty="0"/>
           </a:p>
@@ -3755,7 +3770,7 @@
           <a:p>
             <a:fld id="{9C4A4F43-1C06-40E6-8F87-8B286982E50E}" type="datetimeFigureOut">
               <a:rPr lang="en-NZ" smtClean="0"/>
-              <a:t>22/03/22</a:t>
+              <a:t>24/03/22</a:t>
             </a:fld>
             <a:endParaRPr lang="en-NZ" dirty="0"/>
           </a:p>
@@ -3868,7 +3883,7 @@
           <a:p>
             <a:fld id="{9C4A4F43-1C06-40E6-8F87-8B286982E50E}" type="datetimeFigureOut">
               <a:rPr lang="en-NZ" smtClean="0"/>
-              <a:t>22/03/22</a:t>
+              <a:t>24/03/22</a:t>
             </a:fld>
             <a:endParaRPr lang="en-NZ" dirty="0"/>
           </a:p>
@@ -4181,7 +4196,7 @@
           <a:p>
             <a:fld id="{9C4A4F43-1C06-40E6-8F87-8B286982E50E}" type="datetimeFigureOut">
               <a:rPr lang="en-NZ" smtClean="0"/>
-              <a:t>22/03/22</a:t>
+              <a:t>24/03/22</a:t>
             </a:fld>
             <a:endParaRPr lang="en-NZ" dirty="0"/>
           </a:p>
@@ -4470,7 +4485,7 @@
           <a:p>
             <a:fld id="{9C4A4F43-1C06-40E6-8F87-8B286982E50E}" type="datetimeFigureOut">
               <a:rPr lang="en-NZ" smtClean="0"/>
-              <a:t>22/03/22</a:t>
+              <a:t>24/03/22</a:t>
             </a:fld>
             <a:endParaRPr lang="en-NZ" dirty="0"/>
           </a:p>
@@ -4713,7 +4728,7 @@
           <a:p>
             <a:fld id="{9C4A4F43-1C06-40E6-8F87-8B286982E50E}" type="datetimeFigureOut">
               <a:rPr lang="en-NZ" smtClean="0"/>
-              <a:t>22/03/22</a:t>
+              <a:t>24/03/22</a:t>
             </a:fld>
             <a:endParaRPr lang="en-NZ" dirty="0"/>
           </a:p>
@@ -6362,14 +6377,14 @@
           <p:nvPr>
             <p:extLst>
               <p:ext uri="{D42A27DB-BD31-4B8C-83A1-F6EECF244321}">
-                <p14:modId xmlns:p14="http://schemas.microsoft.com/office/powerpoint/2010/main" val="894729806"/>
+                <p14:modId xmlns:p14="http://schemas.microsoft.com/office/powerpoint/2010/main" val="1624840282"/>
               </p:ext>
             </p:extLst>
           </p:nvPr>
         </p:nvGraphicFramePr>
         <p:xfrm>
-          <a:off x="589280" y="1574800"/>
-          <a:ext cx="10515600" cy="1854200"/>
+          <a:off x="359634" y="1574800"/>
+          <a:ext cx="11472732" cy="3298190"/>
         </p:xfrm>
         <a:graphic>
           <a:graphicData uri="http://schemas.openxmlformats.org/drawingml/2006/table">
@@ -6378,14 +6393,14 @@
                 <a:tableStyleId>{5C22544A-7EE6-4342-B048-85BDC9FD1C3A}</a:tableStyleId>
               </a:tblPr>
               <a:tblGrid>
-                <a:gridCol w="4017753">
+                <a:gridCol w="4383449">
                   <a:extLst>
                     <a:ext uri="{9D8B030D-6E8A-4147-A177-3AD203B41FA5}">
                       <a16:colId xmlns:a16="http://schemas.microsoft.com/office/drawing/2014/main" val="2849256304"/>
                     </a:ext>
                   </a:extLst>
                 </a:gridCol>
-                <a:gridCol w="6497847">
+                <a:gridCol w="7089283">
                   <a:extLst>
                     <a:ext uri="{9D8B030D-6E8A-4147-A177-3AD203B41FA5}">
                       <a16:colId xmlns:a16="http://schemas.microsoft.com/office/drawing/2014/main" val="2106481727"/>
@@ -6393,7 +6408,7 @@
                   </a:extLst>
                 </a:gridCol>
               </a:tblGrid>
-              <a:tr h="370840">
+              <a:tr h="463550">
                 <a:tc>
                   <a:txBody>
                     <a:bodyPr/>
@@ -6426,13 +6441,16 @@
                   </a:ext>
                 </a:extLst>
               </a:tr>
-              <a:tr h="370840">
+              <a:tr h="463550">
                 <a:tc>
                   <a:txBody>
                     <a:bodyPr/>
                     <a:lstStyle/>
                     <a:p>
-                      <a:endParaRPr lang="en-NZ" dirty="0"/>
+                      <a:r>
+                        <a:rPr lang="en-NZ" dirty="0"/>
+                        <a:t>Functionality</a:t>
+                      </a:r>
                     </a:p>
                   </a:txBody>
                   <a:tcPr/>
@@ -6442,7 +6460,10 @@
                     <a:bodyPr/>
                     <a:lstStyle/>
                     <a:p>
-                      <a:endParaRPr lang="en-NZ" dirty="0"/>
+                      <a:r>
+                        <a:rPr lang="en-NZ" dirty="0"/>
+                        <a:t>Functionality is about making sure your program works the way you have designed it, and that it functions the way you made it.</a:t>
+                      </a:r>
                     </a:p>
                   </a:txBody>
                   <a:tcPr/>
@@ -6453,13 +6474,16 @@
                   </a:ext>
                 </a:extLst>
               </a:tr>
-              <a:tr h="370840">
+              <a:tr h="463550">
                 <a:tc>
                   <a:txBody>
                     <a:bodyPr/>
                     <a:lstStyle/>
                     <a:p>
-                      <a:endParaRPr lang="en-NZ" dirty="0"/>
+                      <a:r>
+                        <a:rPr lang="en-NZ" dirty="0"/>
+                        <a:t>Usability</a:t>
+                      </a:r>
                     </a:p>
                   </a:txBody>
                   <a:tcPr/>
@@ -6469,7 +6493,10 @@
                     <a:bodyPr/>
                     <a:lstStyle/>
                     <a:p>
-                      <a:endParaRPr lang="en-NZ" dirty="0"/>
+                      <a:r>
+                        <a:rPr lang="en-NZ" dirty="0"/>
+                        <a:t>Usability is about making sure that the program is easy to use, and that the program can do what it needs to do</a:t>
+                      </a:r>
                     </a:p>
                   </a:txBody>
                   <a:tcPr/>
@@ -6480,13 +6507,16 @@
                   </a:ext>
                 </a:extLst>
               </a:tr>
-              <a:tr h="370840">
+              <a:tr h="463550">
                 <a:tc>
                   <a:txBody>
                     <a:bodyPr/>
                     <a:lstStyle/>
                     <a:p>
-                      <a:endParaRPr lang="en-NZ" dirty="0"/>
+                      <a:r>
+                        <a:rPr lang="en-NZ" dirty="0"/>
+                        <a:t>Aesthetics</a:t>
+                      </a:r>
                     </a:p>
                   </a:txBody>
                   <a:tcPr/>
@@ -6496,7 +6526,10 @@
                     <a:bodyPr/>
                     <a:lstStyle/>
                     <a:p>
-                      <a:endParaRPr lang="en-NZ" dirty="0"/>
+                      <a:r>
+                        <a:rPr lang="en-NZ" dirty="0"/>
+                        <a:t>Aesthetics is about what and how your program looks. If a program looks good, it will function with the intent that you have. If it doesn't look formatted, you might find several errors in the code</a:t>
+                      </a:r>
                     </a:p>
                   </a:txBody>
                   <a:tcPr/>
@@ -6507,13 +6540,16 @@
                   </a:ext>
                 </a:extLst>
               </a:tr>
-              <a:tr h="370840">
+              <a:tr h="463550">
                 <a:tc>
                   <a:txBody>
                     <a:bodyPr/>
                     <a:lstStyle/>
                     <a:p>
-                      <a:endParaRPr lang="en-NZ" dirty="0"/>
+                      <a:r>
+                        <a:rPr lang="en-NZ" dirty="0"/>
+                        <a:t>Social</a:t>
+                      </a:r>
                     </a:p>
                   </a:txBody>
                   <a:tcPr/>
@@ -6523,6 +6559,14 @@
                     <a:bodyPr/>
                     <a:lstStyle/>
                     <a:p>
+                      <a:r>
+                        <a:rPr lang="en-NZ" dirty="0"/>
+                        <a:t>Social is about the outcome of your program affects the users of it, and the community</a:t>
+                      </a:r>
+                      <a:r>
+                        <a:rPr lang="en-NZ"/>
+                        <a:t>/society.</a:t>
+                      </a:r>
                       <a:endParaRPr lang="en-NZ" dirty="0"/>
                     </a:p>
                   </a:txBody>
@@ -6530,7 +6574,7 @@
                 </a:tc>
                 <a:extLst>
                   <a:ext uri="{0D108BD9-81ED-4DB2-BD59-A6C34878D82A}">
-                    <a16:rowId xmlns:a16="http://schemas.microsoft.com/office/drawing/2014/main" val="1038612699"/>
+                    <a16:rowId xmlns:a16="http://schemas.microsoft.com/office/drawing/2014/main" val="1648064344"/>
                   </a:ext>
                 </a:extLst>
               </a:tr>

--- a/Lucky Unicorn Documentation.pptx
+++ b/Lucky Unicorn Documentation.pptx
@@ -129,7 +129,7 @@
 <file path=ppt/revisionInfo.xml><?xml version="1.0" encoding="utf-8"?>
 <p1510:revInfo xmlns:a="http://schemas.openxmlformats.org/drawingml/2006/main" xmlns:r="http://schemas.openxmlformats.org/officeDocument/2006/relationships" xmlns:p1510="http://schemas.microsoft.com/office/powerpoint/2015/10/main">
   <p1510:revLst>
-    <p1510:client id="{14DA4211-AAE7-E846-996D-C07212070A5C}" v="2" dt="2022-03-21T21:08:34.044"/>
+    <p1510:client id="{14DA4211-AAE7-E846-996D-C07212070A5C}" v="5" dt="2022-03-29T21:17:27.709"/>
   </p1510:revLst>
 </p1510:revInfo>
 </file>
@@ -139,7 +139,7 @@
   <pc:docChgLst>
     <pc:chgData name="Joshua Bracefield" userId="d64b1e77-fcfe-4377-8f23-1bdeb7587d81" providerId="ADAL" clId="{14DA4211-AAE7-E846-996D-C07212070A5C}"/>
     <pc:docChg chg="undo custSel modSld">
-      <pc:chgData name="Joshua Bracefield" userId="d64b1e77-fcfe-4377-8f23-1bdeb7587d81" providerId="ADAL" clId="{14DA4211-AAE7-E846-996D-C07212070A5C}" dt="2022-03-24T05:34:14.475" v="948" actId="20577"/>
+      <pc:chgData name="Joshua Bracefield" userId="d64b1e77-fcfe-4377-8f23-1bdeb7587d81" providerId="ADAL" clId="{14DA4211-AAE7-E846-996D-C07212070A5C}" dt="2022-03-29T21:17:44.974" v="1029" actId="962"/>
       <pc:docMkLst>
         <pc:docMk/>
       </pc:docMkLst>
@@ -197,6 +197,84 @@
           </ac:graphicFrameMkLst>
         </pc:graphicFrameChg>
       </pc:sldChg>
+      <pc:sldChg chg="addSp delSp modSp mod setBg">
+        <pc:chgData name="Joshua Bracefield" userId="d64b1e77-fcfe-4377-8f23-1bdeb7587d81" providerId="ADAL" clId="{14DA4211-AAE7-E846-996D-C07212070A5C}" dt="2022-03-29T21:04:04.035" v="962" actId="962"/>
+        <pc:sldMkLst>
+          <pc:docMk/>
+          <pc:sldMk cId="3760331451" sldId="260"/>
+        </pc:sldMkLst>
+        <pc:spChg chg="mod">
+          <ac:chgData name="Joshua Bracefield" userId="d64b1e77-fcfe-4377-8f23-1bdeb7587d81" providerId="ADAL" clId="{14DA4211-AAE7-E846-996D-C07212070A5C}" dt="2022-03-29T21:02:39.745" v="953" actId="26606"/>
+          <ac:spMkLst>
+            <pc:docMk/>
+            <pc:sldMk cId="3760331451" sldId="260"/>
+            <ac:spMk id="2" creationId="{321F8E66-F9B8-4062-8E8D-D5ADB11625DA}"/>
+          </ac:spMkLst>
+        </pc:spChg>
+        <pc:spChg chg="mod">
+          <ac:chgData name="Joshua Bracefield" userId="d64b1e77-fcfe-4377-8f23-1bdeb7587d81" providerId="ADAL" clId="{14DA4211-AAE7-E846-996D-C07212070A5C}" dt="2022-03-29T21:02:39.745" v="953" actId="26606"/>
+          <ac:spMkLst>
+            <pc:docMk/>
+            <pc:sldMk cId="3760331451" sldId="260"/>
+            <ac:spMk id="4" creationId="{937BF58F-E358-4625-919F-7C3D6EEBA8FB}"/>
+          </ac:spMkLst>
+        </pc:spChg>
+        <pc:spChg chg="add del">
+          <ac:chgData name="Joshua Bracefield" userId="d64b1e77-fcfe-4377-8f23-1bdeb7587d81" providerId="ADAL" clId="{14DA4211-AAE7-E846-996D-C07212070A5C}" dt="2022-03-29T21:02:39.745" v="953" actId="26606"/>
+          <ac:spMkLst>
+            <pc:docMk/>
+            <pc:sldMk cId="3760331451" sldId="260"/>
+            <ac:spMk id="10" creationId="{3CD9DF72-87A3-404E-A828-84CBF11A8303}"/>
+          </ac:spMkLst>
+        </pc:spChg>
+        <pc:picChg chg="add mod ord">
+          <ac:chgData name="Joshua Bracefield" userId="d64b1e77-fcfe-4377-8f23-1bdeb7587d81" providerId="ADAL" clId="{14DA4211-AAE7-E846-996D-C07212070A5C}" dt="2022-03-29T21:02:45.810" v="955" actId="1076"/>
+          <ac:picMkLst>
+            <pc:docMk/>
+            <pc:sldMk cId="3760331451" sldId="260"/>
+            <ac:picMk id="5" creationId="{B47EC644-7E13-C046-B063-255E50E9BCB7}"/>
+          </ac:picMkLst>
+        </pc:picChg>
+        <pc:picChg chg="add mod">
+          <ac:chgData name="Joshua Bracefield" userId="d64b1e77-fcfe-4377-8f23-1bdeb7587d81" providerId="ADAL" clId="{14DA4211-AAE7-E846-996D-C07212070A5C}" dt="2022-03-29T21:04:04.035" v="962" actId="962"/>
+          <ac:picMkLst>
+            <pc:docMk/>
+            <pc:sldMk cId="3760331451" sldId="260"/>
+            <ac:picMk id="7" creationId="{E9BB2F44-FA7D-6445-8D21-D84B5F030F14}"/>
+          </ac:picMkLst>
+        </pc:picChg>
+        <pc:cxnChg chg="add del">
+          <ac:chgData name="Joshua Bracefield" userId="d64b1e77-fcfe-4377-8f23-1bdeb7587d81" providerId="ADAL" clId="{14DA4211-AAE7-E846-996D-C07212070A5C}" dt="2022-03-29T21:02:39.745" v="953" actId="26606"/>
+          <ac:cxnSpMkLst>
+            <pc:docMk/>
+            <pc:sldMk cId="3760331451" sldId="260"/>
+            <ac:cxnSpMk id="12" creationId="{20E3A342-4D61-4E3F-AF90-1AB42AEB96CC}"/>
+          </ac:cxnSpMkLst>
+        </pc:cxnChg>
+      </pc:sldChg>
+      <pc:sldChg chg="addSp modSp mod">
+        <pc:chgData name="Joshua Bracefield" userId="d64b1e77-fcfe-4377-8f23-1bdeb7587d81" providerId="ADAL" clId="{14DA4211-AAE7-E846-996D-C07212070A5C}" dt="2022-03-29T21:17:44.974" v="1029" actId="962"/>
+        <pc:sldMkLst>
+          <pc:docMk/>
+          <pc:sldMk cId="0" sldId="268"/>
+        </pc:sldMkLst>
+        <pc:spChg chg="mod">
+          <ac:chgData name="Joshua Bracefield" userId="d64b1e77-fcfe-4377-8f23-1bdeb7587d81" providerId="ADAL" clId="{14DA4211-AAE7-E846-996D-C07212070A5C}" dt="2022-03-29T21:16:10.032" v="1021" actId="20577"/>
+          <ac:spMkLst>
+            <pc:docMk/>
+            <pc:sldMk cId="0" sldId="268"/>
+            <ac:spMk id="86" creationId="{00000000-0000-0000-0000-000000000000}"/>
+          </ac:spMkLst>
+        </pc:spChg>
+        <pc:picChg chg="add mod">
+          <ac:chgData name="Joshua Bracefield" userId="d64b1e77-fcfe-4377-8f23-1bdeb7587d81" providerId="ADAL" clId="{14DA4211-AAE7-E846-996D-C07212070A5C}" dt="2022-03-29T21:17:44.974" v="1029" actId="962"/>
+          <ac:picMkLst>
+            <pc:docMk/>
+            <pc:sldMk cId="0" sldId="268"/>
+            <ac:picMk id="3" creationId="{6BA4219C-1FF5-C848-8564-B902E275DA82}"/>
+          </ac:picMkLst>
+        </pc:picChg>
+      </pc:sldChg>
       <pc:sldChg chg="addSp delSp modSp mod">
         <pc:chgData name="Joshua Bracefield" userId="d64b1e77-fcfe-4377-8f23-1bdeb7587d81" providerId="ADAL" clId="{14DA4211-AAE7-E846-996D-C07212070A5C}" dt="2022-03-24T05:34:14.475" v="948" actId="20577"/>
         <pc:sldMkLst>
@@ -299,7 +377,7 @@
           <a:p>
             <a:fld id="{F37D28C0-BEB6-42B0-A203-EEE1023219C4}" type="datetimeFigureOut">
               <a:rPr lang="en-NZ" smtClean="0"/>
-              <a:t>24/03/22</a:t>
+              <a:t>30/03/22</a:t>
             </a:fld>
             <a:endParaRPr lang="en-NZ"/>
           </a:p>
@@ -1700,7 +1778,7 @@
           <a:p>
             <a:fld id="{9C4A4F43-1C06-40E6-8F87-8B286982E50E}" type="datetimeFigureOut">
               <a:rPr lang="en-NZ" smtClean="0"/>
-              <a:t>24/03/22</a:t>
+              <a:t>30/03/22</a:t>
             </a:fld>
             <a:endParaRPr lang="en-NZ" dirty="0"/>
           </a:p>
@@ -1900,7 +1978,7 @@
           <a:p>
             <a:fld id="{9C4A4F43-1C06-40E6-8F87-8B286982E50E}" type="datetimeFigureOut">
               <a:rPr lang="en-NZ" smtClean="0"/>
-              <a:t>24/03/22</a:t>
+              <a:t>30/03/22</a:t>
             </a:fld>
             <a:endParaRPr lang="en-NZ" dirty="0"/>
           </a:p>
@@ -2110,7 +2188,7 @@
           <a:p>
             <a:fld id="{9C4A4F43-1C06-40E6-8F87-8B286982E50E}" type="datetimeFigureOut">
               <a:rPr lang="en-NZ" smtClean="0"/>
-              <a:t>24/03/22</a:t>
+              <a:t>30/03/22</a:t>
             </a:fld>
             <a:endParaRPr lang="en-NZ" dirty="0"/>
           </a:p>
@@ -2669,7 +2747,7 @@
           <a:p>
             <a:fld id="{9C4A4F43-1C06-40E6-8F87-8B286982E50E}" type="datetimeFigureOut">
               <a:rPr lang="en-NZ" smtClean="0"/>
-              <a:t>24/03/22</a:t>
+              <a:t>30/03/22</a:t>
             </a:fld>
             <a:endParaRPr lang="en-NZ" dirty="0"/>
           </a:p>
@@ -2945,7 +3023,7 @@
           <a:p>
             <a:fld id="{9C4A4F43-1C06-40E6-8F87-8B286982E50E}" type="datetimeFigureOut">
               <a:rPr lang="en-NZ" smtClean="0"/>
-              <a:t>24/03/22</a:t>
+              <a:t>30/03/22</a:t>
             </a:fld>
             <a:endParaRPr lang="en-NZ" dirty="0"/>
           </a:p>
@@ -3213,7 +3291,7 @@
           <a:p>
             <a:fld id="{9C4A4F43-1C06-40E6-8F87-8B286982E50E}" type="datetimeFigureOut">
               <a:rPr lang="en-NZ" smtClean="0"/>
-              <a:t>24/03/22</a:t>
+              <a:t>30/03/22</a:t>
             </a:fld>
             <a:endParaRPr lang="en-NZ" dirty="0"/>
           </a:p>
@@ -3628,7 +3706,7 @@
           <a:p>
             <a:fld id="{9C4A4F43-1C06-40E6-8F87-8B286982E50E}" type="datetimeFigureOut">
               <a:rPr lang="en-NZ" smtClean="0"/>
-              <a:t>24/03/22</a:t>
+              <a:t>30/03/22</a:t>
             </a:fld>
             <a:endParaRPr lang="en-NZ" dirty="0"/>
           </a:p>
@@ -3770,7 +3848,7 @@
           <a:p>
             <a:fld id="{9C4A4F43-1C06-40E6-8F87-8B286982E50E}" type="datetimeFigureOut">
               <a:rPr lang="en-NZ" smtClean="0"/>
-              <a:t>24/03/22</a:t>
+              <a:t>30/03/22</a:t>
             </a:fld>
             <a:endParaRPr lang="en-NZ" dirty="0"/>
           </a:p>
@@ -3883,7 +3961,7 @@
           <a:p>
             <a:fld id="{9C4A4F43-1C06-40E6-8F87-8B286982E50E}" type="datetimeFigureOut">
               <a:rPr lang="en-NZ" smtClean="0"/>
-              <a:t>24/03/22</a:t>
+              <a:t>30/03/22</a:t>
             </a:fld>
             <a:endParaRPr lang="en-NZ" dirty="0"/>
           </a:p>
@@ -4196,7 +4274,7 @@
           <a:p>
             <a:fld id="{9C4A4F43-1C06-40E6-8F87-8B286982E50E}" type="datetimeFigureOut">
               <a:rPr lang="en-NZ" smtClean="0"/>
-              <a:t>24/03/22</a:t>
+              <a:t>30/03/22</a:t>
             </a:fld>
             <a:endParaRPr lang="en-NZ" dirty="0"/>
           </a:p>
@@ -4485,7 +4563,7 @@
           <a:p>
             <a:fld id="{9C4A4F43-1C06-40E6-8F87-8B286982E50E}" type="datetimeFigureOut">
               <a:rPr lang="en-NZ" smtClean="0"/>
-              <a:t>24/03/22</a:t>
+              <a:t>30/03/22</a:t>
             </a:fld>
             <a:endParaRPr lang="en-NZ" dirty="0"/>
           </a:p>
@@ -4728,7 +4806,7 @@
           <a:p>
             <a:fld id="{9C4A4F43-1C06-40E6-8F87-8B286982E50E}" type="datetimeFigureOut">
               <a:rPr lang="en-NZ" smtClean="0"/>
-              <a:t>24/03/22</a:t>
+              <a:t>30/03/22</a:t>
             </a:fld>
             <a:endParaRPr lang="en-NZ" dirty="0"/>
           </a:p>
@@ -6641,9 +6719,10 @@
           <a:lstStyle/>
           <a:p>
             <a:r>
-              <a:rPr lang="en-NZ" sz="4000" dirty="0"/>
+              <a:rPr lang="en-NZ" sz="4000"/>
               <a:t>Decomposition:</a:t>
             </a:r>
+            <a:endParaRPr lang="en-NZ" sz="4000" dirty="0"/>
           </a:p>
         </p:txBody>
       </p:sp>
@@ -6680,19 +6759,95 @@
               </a:lnSpc>
             </a:pPr>
             <a:r>
-              <a:rPr lang="en-NZ" i="1" dirty="0"/>
+              <a:rPr lang="en-NZ" i="1"/>
               <a:t>Paste screenshots of your initial Trello board / task decomposition on this slide.  If you have a long list, you might need to break it up into several slides. </a:t>
             </a:r>
             <a:r>
-              <a:rPr lang="en-NZ" dirty="0">
+              <a:rPr lang="en-NZ">
                 <a:latin typeface="Arial" panose="020B0604020202020204" pitchFamily="34" charset="0"/>
                 <a:ea typeface="Arial" panose="020B0604020202020204" pitchFamily="34" charset="0"/>
               </a:rPr>
               <a:t> </a:t>
             </a:r>
-          </a:p>
-        </p:txBody>
-      </p:sp>
+            <a:endParaRPr lang="en-NZ" dirty="0">
+              <a:latin typeface="Arial" panose="020B0604020202020204" pitchFamily="34" charset="0"/>
+              <a:ea typeface="Arial" panose="020B0604020202020204" pitchFamily="34" charset="0"/>
+            </a:endParaRPr>
+          </a:p>
+        </p:txBody>
+      </p:sp>
+      <p:pic>
+        <p:nvPicPr>
+          <p:cNvPr id="5" name="Picture 4">
+            <a:extLst>
+              <a:ext uri="{FF2B5EF4-FFF2-40B4-BE49-F238E27FC236}">
+                <a16:creationId xmlns:a16="http://schemas.microsoft.com/office/drawing/2014/main" id="{B47EC644-7E13-C046-B063-255E50E9BCB7}"/>
+              </a:ext>
+            </a:extLst>
+          </p:cNvPr>
+          <p:cNvPicPr>
+            <a:picLocks noChangeAspect="1"/>
+          </p:cNvPicPr>
+          <p:nvPr/>
+        </p:nvPicPr>
+        <p:blipFill>
+          <a:blip r:embed="rId3">
+            <a:extLst>
+              <a:ext uri="{28A0092B-C50C-407E-A947-70E740481C1C}">
+                <a14:useLocalDpi xmlns:a14="http://schemas.microsoft.com/office/drawing/2010/main" val="0"/>
+              </a:ext>
+            </a:extLst>
+          </a:blip>
+          <a:stretch>
+            <a:fillRect/>
+          </a:stretch>
+        </p:blipFill>
+        <p:spPr>
+          <a:xfrm>
+            <a:off x="0" y="1949823"/>
+            <a:ext cx="6343625" cy="3650503"/>
+          </a:xfrm>
+          <a:prstGeom prst="rect">
+            <a:avLst/>
+          </a:prstGeom>
+        </p:spPr>
+      </p:pic>
+      <p:pic>
+        <p:nvPicPr>
+          <p:cNvPr id="7" name="Picture 6">
+            <a:extLst>
+              <a:ext uri="{FF2B5EF4-FFF2-40B4-BE49-F238E27FC236}">
+                <a16:creationId xmlns:a16="http://schemas.microsoft.com/office/drawing/2014/main" id="{E9BB2F44-FA7D-6445-8D21-D84B5F030F14}"/>
+              </a:ext>
+            </a:extLst>
+          </p:cNvPr>
+          <p:cNvPicPr>
+            <a:picLocks noChangeAspect="1"/>
+          </p:cNvPicPr>
+          <p:nvPr/>
+        </p:nvPicPr>
+        <p:blipFill>
+          <a:blip r:embed="rId4">
+            <a:extLst>
+              <a:ext uri="{28A0092B-C50C-407E-A947-70E740481C1C}">
+                <a14:useLocalDpi xmlns:a14="http://schemas.microsoft.com/office/drawing/2010/main" val="0"/>
+              </a:ext>
+            </a:extLst>
+          </a:blip>
+          <a:stretch>
+            <a:fillRect/>
+          </a:stretch>
+        </p:blipFill>
+        <p:spPr>
+          <a:xfrm>
+            <a:off x="8561891" y="1565275"/>
+            <a:ext cx="2276155" cy="4583813"/>
+          </a:xfrm>
+          <a:prstGeom prst="rect">
+            <a:avLst/>
+          </a:prstGeom>
+        </p:spPr>
+      </p:pic>
     </p:spTree>
     <p:extLst>
       <p:ext uri="{BB962C8B-B14F-4D97-AF65-F5344CB8AC3E}">
@@ -6750,12 +6905,48 @@
           <a:p>
             <a:r>
               <a:rPr lang="en" sz="4000" dirty="0"/>
-              <a:t>[Component name] (Trello screenshot)</a:t>
+              <a:t>Component 1 (Instructions and Yes/no checker)</a:t>
             </a:r>
             <a:endParaRPr sz="4000" dirty="0"/>
           </a:p>
         </p:txBody>
       </p:sp>
+      <p:pic>
+        <p:nvPicPr>
+          <p:cNvPr id="3" name="Picture 2">
+            <a:extLst>
+              <a:ext uri="{FF2B5EF4-FFF2-40B4-BE49-F238E27FC236}">
+                <a16:creationId xmlns:a16="http://schemas.microsoft.com/office/drawing/2014/main" id="{6BA4219C-1FF5-C848-8564-B902E275DA82}"/>
+              </a:ext>
+            </a:extLst>
+          </p:cNvPr>
+          <p:cNvPicPr>
+            <a:picLocks noChangeAspect="1"/>
+          </p:cNvPicPr>
+          <p:nvPr/>
+        </p:nvPicPr>
+        <p:blipFill>
+          <a:blip r:embed="rId3">
+            <a:extLst>
+              <a:ext uri="{28A0092B-C50C-407E-A947-70E740481C1C}">
+                <a14:useLocalDpi xmlns:a14="http://schemas.microsoft.com/office/drawing/2010/main" val="0"/>
+              </a:ext>
+            </a:extLst>
+          </a:blip>
+          <a:stretch>
+            <a:fillRect/>
+          </a:stretch>
+        </p:blipFill>
+        <p:spPr>
+          <a:xfrm>
+            <a:off x="3053324" y="1113127"/>
+            <a:ext cx="5229496" cy="5238497"/>
+          </a:xfrm>
+          <a:prstGeom prst="rect">
+            <a:avLst/>
+          </a:prstGeom>
+        </p:spPr>
+      </p:pic>
     </p:spTree>
   </p:cSld>
   <p:clrMapOvr>

--- a/Lucky Unicorn Documentation.pptx
+++ b/Lucky Unicorn Documentation.pptx
@@ -5,7 +5,7 @@
     <p:sldMasterId id="2147483648" r:id="rId1"/>
   </p:sldMasterIdLst>
   <p:notesMasterIdLst>
-    <p:notesMasterId r:id="rId14"/>
+    <p:notesMasterId r:id="rId15"/>
   </p:notesMasterIdLst>
   <p:sldIdLst>
     <p:sldId id="256" r:id="rId2"/>
@@ -14,12 +14,13 @@
     <p:sldId id="260" r:id="rId5"/>
     <p:sldId id="268" r:id="rId6"/>
     <p:sldId id="269" r:id="rId7"/>
-    <p:sldId id="273" r:id="rId8"/>
-    <p:sldId id="274" r:id="rId9"/>
-    <p:sldId id="263" r:id="rId10"/>
-    <p:sldId id="270" r:id="rId11"/>
-    <p:sldId id="261" r:id="rId12"/>
-    <p:sldId id="266" r:id="rId13"/>
+    <p:sldId id="275" r:id="rId8"/>
+    <p:sldId id="273" r:id="rId9"/>
+    <p:sldId id="274" r:id="rId10"/>
+    <p:sldId id="263" r:id="rId11"/>
+    <p:sldId id="270" r:id="rId12"/>
+    <p:sldId id="261" r:id="rId13"/>
+    <p:sldId id="266" r:id="rId14"/>
   </p:sldIdLst>
   <p:sldSz cx="12192000" cy="6858000"/>
   <p:notesSz cx="6858000" cy="9144000"/>
@@ -129,7 +130,8 @@
 <file path=ppt/revisionInfo.xml><?xml version="1.0" encoding="utf-8"?>
 <p1510:revInfo xmlns:a="http://schemas.openxmlformats.org/drawingml/2006/main" xmlns:r="http://schemas.openxmlformats.org/officeDocument/2006/relationships" xmlns:p1510="http://schemas.microsoft.com/office/powerpoint/2015/10/main">
   <p1510:revLst>
-    <p1510:client id="{14DA4211-AAE7-E846-996D-C07212070A5C}" v="5" dt="2022-03-29T21:17:27.709"/>
+    <p1510:client id="{14DA4211-AAE7-E846-996D-C07212070A5C}" v="10" dt="2022-03-30T01:28:36.411"/>
+    <p1510:client id="{D7C9858A-634A-A791-C3A6-8C430DA102BF}" v="471" dt="2022-03-30T20:18:14.216"/>
   </p1510:revLst>
 </p1510:revInfo>
 </file>
@@ -137,9 +139,41 @@
 <file path=ppt/changesInfos/changesInfo1.xml><?xml version="1.0" encoding="utf-8"?>
 <pc:chgInfo xmlns:a="http://schemas.openxmlformats.org/drawingml/2006/main" xmlns:r="http://schemas.openxmlformats.org/officeDocument/2006/relationships" xmlns:ac="http://schemas.microsoft.com/office/drawing/2013/main/command" xmlns:pc="http://schemas.microsoft.com/office/powerpoint/2013/main/command">
   <pc:docChgLst>
+    <pc:chgData name="Joshua Bracefield" userId="S::bracefield2@middleton.school.nz::d64b1e77-fcfe-4377-8f23-1bdeb7587d81" providerId="AD" clId="Web-{D7C9858A-634A-A791-C3A6-8C430DA102BF}"/>
+    <pc:docChg chg="addSld modSld">
+      <pc:chgData name="Joshua Bracefield" userId="S::bracefield2@middleton.school.nz::d64b1e77-fcfe-4377-8f23-1bdeb7587d81" providerId="AD" clId="Web-{D7C9858A-634A-A791-C3A6-8C430DA102BF}" dt="2022-03-30T20:18:14.216" v="469"/>
+      <pc:docMkLst>
+        <pc:docMk/>
+      </pc:docMkLst>
+      <pc:sldChg chg="modSp add replId">
+        <pc:chgData name="Joshua Bracefield" userId="S::bracefield2@middleton.school.nz::d64b1e77-fcfe-4377-8f23-1bdeb7587d81" providerId="AD" clId="Web-{D7C9858A-634A-A791-C3A6-8C430DA102BF}" dt="2022-03-30T20:18:14.216" v="469"/>
+        <pc:sldMkLst>
+          <pc:docMk/>
+          <pc:sldMk cId="1973556824" sldId="275"/>
+        </pc:sldMkLst>
+        <pc:spChg chg="mod">
+          <ac:chgData name="Joshua Bracefield" userId="S::bracefield2@middleton.school.nz::d64b1e77-fcfe-4377-8f23-1bdeb7587d81" providerId="AD" clId="Web-{D7C9858A-634A-A791-C3A6-8C430DA102BF}" dt="2022-03-30T20:16:08.322" v="83" actId="20577"/>
+          <ac:spMkLst>
+            <pc:docMk/>
+            <pc:sldMk cId="1973556824" sldId="275"/>
+            <ac:spMk id="91" creationId="{00000000-0000-0000-0000-000000000000}"/>
+          </ac:spMkLst>
+        </pc:spChg>
+        <pc:graphicFrameChg chg="mod modGraphic">
+          <ac:chgData name="Joshua Bracefield" userId="S::bracefield2@middleton.school.nz::d64b1e77-fcfe-4377-8f23-1bdeb7587d81" providerId="AD" clId="Web-{D7C9858A-634A-A791-C3A6-8C430DA102BF}" dt="2022-03-30T20:18:14.216" v="469"/>
+          <ac:graphicFrameMkLst>
+            <pc:docMk/>
+            <pc:sldMk cId="1973556824" sldId="275"/>
+            <ac:graphicFrameMk id="92" creationId="{00000000-0000-0000-0000-000000000000}"/>
+          </ac:graphicFrameMkLst>
+        </pc:graphicFrameChg>
+      </pc:sldChg>
+    </pc:docChg>
+  </pc:docChgLst>
+  <pc:docChgLst>
     <pc:chgData name="Joshua Bracefield" userId="d64b1e77-fcfe-4377-8f23-1bdeb7587d81" providerId="ADAL" clId="{14DA4211-AAE7-E846-996D-C07212070A5C}"/>
     <pc:docChg chg="undo custSel modSld">
-      <pc:chgData name="Joshua Bracefield" userId="d64b1e77-fcfe-4377-8f23-1bdeb7587d81" providerId="ADAL" clId="{14DA4211-AAE7-E846-996D-C07212070A5C}" dt="2022-03-29T21:17:44.974" v="1029" actId="962"/>
+      <pc:chgData name="Joshua Bracefield" userId="d64b1e77-fcfe-4377-8f23-1bdeb7587d81" providerId="ADAL" clId="{14DA4211-AAE7-E846-996D-C07212070A5C}" dt="2022-03-30T01:29:27.032" v="1203" actId="20577"/>
       <pc:docMkLst>
         <pc:docMk/>
       </pc:docMkLst>
@@ -275,6 +309,37 @@
           </ac:picMkLst>
         </pc:picChg>
       </pc:sldChg>
+      <pc:sldChg chg="modSp mod">
+        <pc:chgData name="Joshua Bracefield" userId="d64b1e77-fcfe-4377-8f23-1bdeb7587d81" providerId="ADAL" clId="{14DA4211-AAE7-E846-996D-C07212070A5C}" dt="2022-03-30T01:29:27.032" v="1203" actId="20577"/>
+        <pc:sldMkLst>
+          <pc:docMk/>
+          <pc:sldMk cId="0" sldId="269"/>
+        </pc:sldMkLst>
+        <pc:spChg chg="mod">
+          <ac:chgData name="Joshua Bracefield" userId="d64b1e77-fcfe-4377-8f23-1bdeb7587d81" providerId="ADAL" clId="{14DA4211-AAE7-E846-996D-C07212070A5C}" dt="2022-03-30T01:27:25.196" v="1087" actId="1076"/>
+          <ac:spMkLst>
+            <pc:docMk/>
+            <pc:sldMk cId="0" sldId="269"/>
+            <ac:spMk id="4" creationId="{518343B6-2201-4ACD-B907-770BC22E8B26}"/>
+          </ac:spMkLst>
+        </pc:spChg>
+        <pc:spChg chg="mod">
+          <ac:chgData name="Joshua Bracefield" userId="d64b1e77-fcfe-4377-8f23-1bdeb7587d81" providerId="ADAL" clId="{14DA4211-AAE7-E846-996D-C07212070A5C}" dt="2022-03-30T01:29:27.032" v="1203" actId="20577"/>
+          <ac:spMkLst>
+            <pc:docMk/>
+            <pc:sldMk cId="0" sldId="269"/>
+            <ac:spMk id="91" creationId="{00000000-0000-0000-0000-000000000000}"/>
+          </ac:spMkLst>
+        </pc:spChg>
+        <pc:graphicFrameChg chg="mod modGraphic">
+          <ac:chgData name="Joshua Bracefield" userId="d64b1e77-fcfe-4377-8f23-1bdeb7587d81" providerId="ADAL" clId="{14DA4211-AAE7-E846-996D-C07212070A5C}" dt="2022-03-30T01:28:39.102" v="1169" actId="20577"/>
+          <ac:graphicFrameMkLst>
+            <pc:docMk/>
+            <pc:sldMk cId="0" sldId="269"/>
+            <ac:graphicFrameMk id="92" creationId="{00000000-0000-0000-0000-000000000000}"/>
+          </ac:graphicFrameMkLst>
+        </pc:graphicFrameChg>
+      </pc:sldChg>
       <pc:sldChg chg="addSp delSp modSp mod">
         <pc:chgData name="Joshua Bracefield" userId="d64b1e77-fcfe-4377-8f23-1bdeb7587d81" providerId="ADAL" clId="{14DA4211-AAE7-E846-996D-C07212070A5C}" dt="2022-03-24T05:34:14.475" v="948" actId="20577"/>
         <pc:sldMkLst>
@@ -377,7 +442,7 @@
           <a:p>
             <a:fld id="{F37D28C0-BEB6-42B0-A203-EEE1023219C4}" type="datetimeFigureOut">
               <a:rPr lang="en-NZ" smtClean="0"/>
-              <a:t>30/03/22</a:t>
+              <a:t>30/03/2022</a:t>
             </a:fld>
             <a:endParaRPr lang="en-NZ"/>
           </a:p>
@@ -732,6 +797,115 @@
 </p:notes>
 </file>
 
+<file path=ppt/notesSlides/notesSlide10.xml><?xml version="1.0" encoding="utf-8"?>
+<p:notes xmlns:a="http://schemas.openxmlformats.org/drawingml/2006/main" xmlns:r="http://schemas.openxmlformats.org/officeDocument/2006/relationships" xmlns:p="http://schemas.openxmlformats.org/presentationml/2006/main">
+  <p:cSld>
+    <p:spTree>
+      <p:nvGrpSpPr>
+        <p:cNvPr id="1" name=""/>
+        <p:cNvGrpSpPr/>
+        <p:nvPr/>
+      </p:nvGrpSpPr>
+      <p:grpSpPr>
+        <a:xfrm>
+          <a:off x="0" y="0"/>
+          <a:ext cx="0" cy="0"/>
+          <a:chOff x="0" y="0"/>
+          <a:chExt cx="0" cy="0"/>
+        </a:xfrm>
+      </p:grpSpPr>
+      <p:sp>
+        <p:nvSpPr>
+          <p:cNvPr id="2" name="Slide Image Placeholder 1"/>
+          <p:cNvSpPr>
+            <a:spLocks noGrp="1" noRot="1" noChangeAspect="1"/>
+          </p:cNvSpPr>
+          <p:nvPr>
+            <p:ph type="sldImg"/>
+          </p:nvPr>
+        </p:nvSpPr>
+        <p:spPr/>
+      </p:sp>
+      <p:sp>
+        <p:nvSpPr>
+          <p:cNvPr id="3" name="Notes Placeholder 2"/>
+          <p:cNvSpPr>
+            <a:spLocks noGrp="1"/>
+          </p:cNvSpPr>
+          <p:nvPr>
+            <p:ph type="body" idx="1"/>
+          </p:nvPr>
+        </p:nvSpPr>
+        <p:spPr/>
+        <p:txBody>
+          <a:bodyPr/>
+          <a:lstStyle/>
+          <a:p>
+            <a:pPr marL="0" marR="0" lvl="0" indent="0" algn="l" defTabSz="914400" rtl="0" eaLnBrk="1" fontAlgn="auto" latinLnBrk="0" hangingPunct="1">
+              <a:lnSpc>
+                <a:spcPct val="100000"/>
+              </a:lnSpc>
+              <a:spcBef>
+                <a:spcPts val="0"/>
+              </a:spcBef>
+              <a:spcAft>
+                <a:spcPts val="0"/>
+              </a:spcAft>
+              <a:buClrTx/>
+              <a:buSzTx/>
+              <a:buFontTx/>
+              <a:buNone/>
+              <a:tabLst/>
+              <a:defRPr/>
+            </a:pPr>
+            <a:r>
+              <a:rPr lang="en-NZ" i="1" dirty="0">
+                <a:latin typeface="Arial" panose="020B0604020202020204" pitchFamily="34" charset="0"/>
+              </a:rPr>
+              <a:t>Discuss how the information from planning, testing and trialling of components assisted in the development of a high-quality outcome.</a:t>
+            </a:r>
+          </a:p>
+          <a:p>
+            <a:endParaRPr lang="en-NZ" dirty="0"/>
+          </a:p>
+        </p:txBody>
+      </p:sp>
+      <p:sp>
+        <p:nvSpPr>
+          <p:cNvPr id="4" name="Slide Number Placeholder 3"/>
+          <p:cNvSpPr>
+            <a:spLocks noGrp="1"/>
+          </p:cNvSpPr>
+          <p:nvPr>
+            <p:ph type="sldNum" sz="quarter" idx="5"/>
+          </p:nvPr>
+        </p:nvSpPr>
+        <p:spPr/>
+        <p:txBody>
+          <a:bodyPr/>
+          <a:lstStyle/>
+          <a:p>
+            <a:fld id="{D89B2B17-F4B1-4A14-AF99-5A366D45E74A}" type="slidenum">
+              <a:rPr lang="en-NZ" smtClean="0"/>
+              <a:t>12</a:t>
+            </a:fld>
+            <a:endParaRPr lang="en-NZ"/>
+          </a:p>
+        </p:txBody>
+      </p:sp>
+    </p:spTree>
+    <p:extLst>
+      <p:ext uri="{BB962C8B-B14F-4D97-AF65-F5344CB8AC3E}">
+        <p14:creationId xmlns:p14="http://schemas.microsoft.com/office/powerpoint/2010/main" val="1738331893"/>
+      </p:ext>
+    </p:extLst>
+  </p:cSld>
+  <p:clrMapOvr>
+    <a:masterClrMapping/>
+  </p:clrMapOvr>
+</p:notes>
+</file>
+
 <file path=ppt/notesSlides/notesSlide2.xml><?xml version="1.0" encoding="utf-8"?>
 <p:notes xmlns:a="http://schemas.openxmlformats.org/drawingml/2006/main" xmlns:r="http://schemas.openxmlformats.org/officeDocument/2006/relationships" xmlns:p="http://schemas.openxmlformats.org/presentationml/2006/main">
   <p:cSld>
@@ -1098,11 +1272,11 @@
 </file>
 
 <file path=ppt/notesSlides/notesSlide5.xml><?xml version="1.0" encoding="utf-8"?>
-<p:notes xmlns:a="http://schemas.openxmlformats.org/drawingml/2006/main" xmlns:r="http://schemas.openxmlformats.org/officeDocument/2006/relationships" xmlns:p="http://schemas.openxmlformats.org/presentationml/2006/main">
+<p:notes xmlns:a="http://schemas.openxmlformats.org/drawingml/2006/main" xmlns:r="http://schemas.openxmlformats.org/officeDocument/2006/relationships" xmlns:p="http://schemas.openxmlformats.org/presentationml/2006/main" showMasterSp="0" showMasterPhAnim="0">
   <p:cSld>
     <p:spTree>
       <p:nvGrpSpPr>
-        <p:cNvPr id="1" name=""/>
+        <p:cNvPr id="1" name="Shape 87"/>
         <p:cNvGrpSpPr/>
         <p:nvPr/>
       </p:nvGrpSpPr>
@@ -1116,80 +1290,110 @@
       </p:grpSpPr>
       <p:sp>
         <p:nvSpPr>
-          <p:cNvPr id="2" name="Slide Image Placeholder 1"/>
+          <p:cNvPr id="88" name="Google Shape;88;g5f5670a123_0_30:notes"/>
           <p:cNvSpPr>
             <a:spLocks noGrp="1" noRot="1" noChangeAspect="1"/>
           </p:cNvSpPr>
           <p:nvPr>
-            <p:ph type="sldImg"/>
-          </p:nvPr>
-        </p:nvSpPr>
-        <p:spPr/>
-      </p:sp>
-      <p:sp>
-        <p:nvSpPr>
-          <p:cNvPr id="3" name="Notes Placeholder 2"/>
-          <p:cNvSpPr>
+            <p:ph type="sldImg" idx="2"/>
+          </p:nvPr>
+        </p:nvSpPr>
+        <p:spPr>
+          <a:xfrm>
+            <a:off x="381000" y="685800"/>
+            <a:ext cx="6096000" cy="3429000"/>
+          </a:xfrm>
+          <a:custGeom>
+            <a:avLst/>
+            <a:gdLst/>
+            <a:ahLst/>
+            <a:cxnLst/>
+            <a:rect l="l" t="t" r="r" b="b"/>
+            <a:pathLst>
+              <a:path w="120000" h="120000" extrusionOk="0">
+                <a:moveTo>
+                  <a:pt x="0" y="0"/>
+                </a:moveTo>
+                <a:lnTo>
+                  <a:pt x="120000" y="0"/>
+                </a:lnTo>
+                <a:lnTo>
+                  <a:pt x="120000" y="120000"/>
+                </a:lnTo>
+                <a:lnTo>
+                  <a:pt x="0" y="120000"/>
+                </a:lnTo>
+                <a:close/>
+              </a:path>
+            </a:pathLst>
+          </a:custGeom>
+        </p:spPr>
+      </p:sp>
+      <p:sp>
+        <p:nvSpPr>
+          <p:cNvPr id="89" name="Google Shape;89;g5f5670a123_0_30:notes"/>
+          <p:cNvSpPr txBox="1">
             <a:spLocks noGrp="1"/>
           </p:cNvSpPr>
           <p:nvPr>
             <p:ph type="body" idx="1"/>
           </p:nvPr>
         </p:nvSpPr>
-        <p:spPr/>
-        <p:txBody>
-          <a:bodyPr/>
+        <p:spPr>
+          <a:xfrm>
+            <a:off x="685800" y="4343400"/>
+            <a:ext cx="5486400" cy="4114800"/>
+          </a:xfrm>
+          <a:prstGeom prst="rect">
+            <a:avLst/>
+          </a:prstGeom>
+        </p:spPr>
+        <p:txBody>
+          <a:bodyPr spcFirstLastPara="1" wrap="square" lIns="91425" tIns="91425" rIns="91425" bIns="91425" anchor="t" anchorCtr="0">
+            <a:noAutofit/>
+          </a:bodyPr>
           <a:lstStyle/>
           <a:p>
-            <a:r>
-              <a:rPr lang="en-NZ" i="1" dirty="0"/>
-              <a:t>NOTE: Trialling needs to happen for </a:t>
-            </a:r>
-            <a:r>
-              <a:rPr lang="en-NZ" b="1" i="1" dirty="0"/>
-              <a:t>at least 2 </a:t>
-            </a:r>
-            <a:r>
-              <a:rPr lang="en-NZ" i="1" dirty="0"/>
-              <a:t>of your components but is not necessary for ALL components.</a:t>
-            </a:r>
-          </a:p>
-          <a:p>
-            <a:r>
-              <a:rPr lang="en" i="1" dirty="0"/>
-              <a:t>Trialling is not the same as testing. Trialling is about finding different ways of building the same component. Show evidence of  your trialling  here. Select one of your trials for further development and give reasons for your choice. </a:t>
-            </a:r>
-            <a:endParaRPr lang="en-NZ" dirty="0"/>
-          </a:p>
-        </p:txBody>
-      </p:sp>
-      <p:sp>
-        <p:nvSpPr>
-          <p:cNvPr id="4" name="Slide Number Placeholder 3"/>
-          <p:cNvSpPr>
-            <a:spLocks noGrp="1"/>
-          </p:cNvSpPr>
-          <p:nvPr>
-            <p:ph type="sldNum" sz="quarter" idx="5"/>
-          </p:nvPr>
-        </p:nvSpPr>
-        <p:spPr/>
-        <p:txBody>
-          <a:bodyPr/>
-          <a:lstStyle/>
-          <a:p>
-            <a:fld id="{D89B2B17-F4B1-4A14-AF99-5A366D45E74A}" type="slidenum">
-              <a:rPr lang="en-NZ" smtClean="0"/>
-              <a:t>7</a:t>
-            </a:fld>
-            <a:endParaRPr lang="en-NZ"/>
+            <a:pPr marL="0" marR="0" lvl="0" indent="0" algn="l" defTabSz="914400" rtl="0" eaLnBrk="1" fontAlgn="auto" latinLnBrk="0" hangingPunct="1">
+              <a:lnSpc>
+                <a:spcPct val="100000"/>
+              </a:lnSpc>
+              <a:spcBef>
+                <a:spcPts val="0"/>
+              </a:spcBef>
+              <a:spcAft>
+                <a:spcPts val="0"/>
+              </a:spcAft>
+              <a:buClrTx/>
+              <a:buSzTx/>
+              <a:buFontTx/>
+              <a:buNone/>
+              <a:tabLst/>
+              <a:defRPr/>
+            </a:pPr>
+            <a:r>
+              <a:rPr lang="en-NZ" dirty="0"/>
+              <a:t>Additional rows can be added by clicking in the last cell and then using the Tab key </a:t>
+            </a:r>
+          </a:p>
+          <a:p>
+            <a:pPr marL="0" lvl="0" indent="0" algn="l" rtl="0">
+              <a:spcBef>
+                <a:spcPts val="0"/>
+              </a:spcBef>
+              <a:spcAft>
+                <a:spcPts val="0"/>
+              </a:spcAft>
+              <a:buNone/>
+            </a:pPr>
+            <a:endParaRPr dirty="0"/>
           </a:p>
         </p:txBody>
       </p:sp>
     </p:spTree>
     <p:extLst>
       <p:ext uri="{BB962C8B-B14F-4D97-AF65-F5344CB8AC3E}">
-        <p14:creationId xmlns:p14="http://schemas.microsoft.com/office/powerpoint/2010/main" val="120689959"/>
+        <p14:creationId xmlns:p14="http://schemas.microsoft.com/office/powerpoint/2010/main" val="1033264649"/>
       </p:ext>
     </p:extLst>
   </p:cSld>
@@ -1243,22 +1447,25 @@
           <a:bodyPr/>
           <a:lstStyle/>
           <a:p>
-            <a:pPr>
-              <a:lnSpc>
-                <a:spcPct val="115000"/>
-              </a:lnSpc>
-            </a:pPr>
-            <a:r>
-              <a:rPr lang="en-NZ" i="1" dirty="0">
-                <a:latin typeface="Arial" panose="020B0604020202020204" pitchFamily="34" charset="0"/>
-                <a:ea typeface="Arial" panose="020B0604020202020204" pitchFamily="34" charset="0"/>
-              </a:rPr>
-              <a:t>You must show the results of testing. For each component, include a screenshot proving it works.  You can also include notes about each test. </a:t>
-            </a:r>
-            <a:endParaRPr lang="en-NZ" dirty="0">
-              <a:latin typeface="Arial" panose="020B0604020202020204" pitchFamily="34" charset="0"/>
-              <a:ea typeface="Arial" panose="020B0604020202020204" pitchFamily="34" charset="0"/>
-            </a:endParaRPr>
+            <a:r>
+              <a:rPr lang="en-NZ" i="1" dirty="0"/>
+              <a:t>NOTE: Trialling needs to happen for </a:t>
+            </a:r>
+            <a:r>
+              <a:rPr lang="en-NZ" b="1" i="1" dirty="0"/>
+              <a:t>at least 2 </a:t>
+            </a:r>
+            <a:r>
+              <a:rPr lang="en-NZ" i="1" dirty="0"/>
+              <a:t>of your components but is not necessary for ALL components.</a:t>
+            </a:r>
+          </a:p>
+          <a:p>
+            <a:r>
+              <a:rPr lang="en" i="1" dirty="0"/>
+              <a:t>Trialling is not the same as testing. Trialling is about finding different ways of building the same component. Show evidence of  your trialling  here. Select one of your trials for further development and give reasons for your choice. </a:t>
+            </a:r>
+            <a:endParaRPr lang="en-NZ" dirty="0"/>
           </a:p>
         </p:txBody>
       </p:sp>
@@ -1279,7 +1486,7 @@
           <a:p>
             <a:fld id="{D89B2B17-F4B1-4A14-AF99-5A366D45E74A}" type="slidenum">
               <a:rPr lang="en-NZ" smtClean="0"/>
-              <a:t>8</a:t>
+              <a:t>7</a:t>
             </a:fld>
             <a:endParaRPr lang="en-NZ"/>
           </a:p>
@@ -1288,7 +1495,7 @@
     </p:spTree>
     <p:extLst>
       <p:ext uri="{BB962C8B-B14F-4D97-AF65-F5344CB8AC3E}">
-        <p14:creationId xmlns:p14="http://schemas.microsoft.com/office/powerpoint/2010/main" val="3683133660"/>
+        <p14:creationId xmlns:p14="http://schemas.microsoft.com/office/powerpoint/2010/main" val="120689959"/>
       </p:ext>
     </p:extLst>
   </p:cSld>
@@ -1342,31 +1549,22 @@
           <a:bodyPr/>
           <a:lstStyle/>
           <a:p>
-            <a:pPr marL="0" marR="0" lvl="0" indent="0" algn="l" defTabSz="914400" rtl="0" eaLnBrk="1" fontAlgn="auto" latinLnBrk="0" hangingPunct="1">
+            <a:pPr>
               <a:lnSpc>
-                <a:spcPct val="100000"/>
+                <a:spcPct val="115000"/>
               </a:lnSpc>
-              <a:spcBef>
-                <a:spcPts val="0"/>
-              </a:spcBef>
-              <a:spcAft>
-                <a:spcPts val="0"/>
-              </a:spcAft>
-              <a:buClrTx/>
-              <a:buSzTx/>
-              <a:buFontTx/>
-              <a:buNone/>
-              <a:tabLst/>
-              <a:defRPr/>
             </a:pPr>
             <a:r>
               <a:rPr lang="en-NZ" i="1" dirty="0">
                 <a:latin typeface="Arial" panose="020B0604020202020204" pitchFamily="34" charset="0"/>
                 <a:ea typeface="Arial" panose="020B0604020202020204" pitchFamily="34" charset="0"/>
               </a:rPr>
-              <a:t>Show testing for your assembled outcome below.  This should include a test plan followed by screenshot proof.  </a:t>
-            </a:r>
-            <a:endParaRPr lang="en-NZ" dirty="0"/>
+              <a:t>You must show the results of testing. For each component, include a screenshot proving it works.  You can also include notes about each test. </a:t>
+            </a:r>
+            <a:endParaRPr lang="en-NZ" dirty="0">
+              <a:latin typeface="Arial" panose="020B0604020202020204" pitchFamily="34" charset="0"/>
+              <a:ea typeface="Arial" panose="020B0604020202020204" pitchFamily="34" charset="0"/>
+            </a:endParaRPr>
           </a:p>
         </p:txBody>
       </p:sp>
@@ -1387,7 +1585,7 @@
           <a:p>
             <a:fld id="{D89B2B17-F4B1-4A14-AF99-5A366D45E74A}" type="slidenum">
               <a:rPr lang="en-NZ" smtClean="0"/>
-              <a:t>9</a:t>
+              <a:t>8</a:t>
             </a:fld>
             <a:endParaRPr lang="en-NZ"/>
           </a:p>
@@ -1396,7 +1594,7 @@
     </p:spTree>
     <p:extLst>
       <p:ext uri="{BB962C8B-B14F-4D97-AF65-F5344CB8AC3E}">
-        <p14:creationId xmlns:p14="http://schemas.microsoft.com/office/powerpoint/2010/main" val="234755665"/>
+        <p14:creationId xmlns:p14="http://schemas.microsoft.com/office/powerpoint/2010/main" val="3683133660"/>
       </p:ext>
     </p:extLst>
   </p:cSld>
@@ -1472,14 +1670,8 @@
                 <a:latin typeface="Arial" panose="020B0604020202020204" pitchFamily="34" charset="0"/>
                 <a:ea typeface="Arial" panose="020B0604020202020204" pitchFamily="34" charset="0"/>
               </a:rPr>
-              <a:t>Your version control evidence should go here.  This could be in the form of screenshots (both of your GitHub repository as well as your local project folder) as evidence of your incremental development.</a:t>
-            </a:r>
-            <a:endParaRPr lang="en-NZ" dirty="0">
-              <a:latin typeface="Arial" panose="020B0604020202020204" pitchFamily="34" charset="0"/>
-              <a:ea typeface="Arial" panose="020B0604020202020204" pitchFamily="34" charset="0"/>
-            </a:endParaRPr>
-          </a:p>
-          <a:p>
+              <a:t>Show testing for your assembled outcome below.  This should include a test plan followed by screenshot proof.  </a:t>
+            </a:r>
             <a:endParaRPr lang="en-NZ" dirty="0"/>
           </a:p>
         </p:txBody>
@@ -1501,7 +1693,7 @@
           <a:p>
             <a:fld id="{D89B2B17-F4B1-4A14-AF99-5A366D45E74A}" type="slidenum">
               <a:rPr lang="en-NZ" smtClean="0"/>
-              <a:t>11</a:t>
+              <a:t>9</a:t>
             </a:fld>
             <a:endParaRPr lang="en-NZ"/>
           </a:p>
@@ -1510,7 +1702,7 @@
     </p:spTree>
     <p:extLst>
       <p:ext uri="{BB962C8B-B14F-4D97-AF65-F5344CB8AC3E}">
-        <p14:creationId xmlns:p14="http://schemas.microsoft.com/office/powerpoint/2010/main" val="1431557508"/>
+        <p14:creationId xmlns:p14="http://schemas.microsoft.com/office/powerpoint/2010/main" val="234755665"/>
       </p:ext>
     </p:extLst>
   </p:cSld>
@@ -1584,9 +1776,14 @@
             <a:r>
               <a:rPr lang="en-NZ" i="1" dirty="0">
                 <a:latin typeface="Arial" panose="020B0604020202020204" pitchFamily="34" charset="0"/>
+                <a:ea typeface="Arial" panose="020B0604020202020204" pitchFamily="34" charset="0"/>
               </a:rPr>
-              <a:t>Discuss how the information from planning, testing and trialling of components assisted in the development of a high-quality outcome.</a:t>
-            </a:r>
+              <a:t>Your version control evidence should go here.  This could be in the form of screenshots (both of your GitHub repository as well as your local project folder) as evidence of your incremental development.</a:t>
+            </a:r>
+            <a:endParaRPr lang="en-NZ" dirty="0">
+              <a:latin typeface="Arial" panose="020B0604020202020204" pitchFamily="34" charset="0"/>
+              <a:ea typeface="Arial" panose="020B0604020202020204" pitchFamily="34" charset="0"/>
+            </a:endParaRPr>
           </a:p>
           <a:p>
             <a:endParaRPr lang="en-NZ" dirty="0"/>
@@ -1610,7 +1807,7 @@
           <a:p>
             <a:fld id="{D89B2B17-F4B1-4A14-AF99-5A366D45E74A}" type="slidenum">
               <a:rPr lang="en-NZ" smtClean="0"/>
-              <a:t>12</a:t>
+              <a:t>11</a:t>
             </a:fld>
             <a:endParaRPr lang="en-NZ"/>
           </a:p>
@@ -1619,7 +1816,7 @@
     </p:spTree>
     <p:extLst>
       <p:ext uri="{BB962C8B-B14F-4D97-AF65-F5344CB8AC3E}">
-        <p14:creationId xmlns:p14="http://schemas.microsoft.com/office/powerpoint/2010/main" val="1738331893"/>
+        <p14:creationId xmlns:p14="http://schemas.microsoft.com/office/powerpoint/2010/main" val="1431557508"/>
       </p:ext>
     </p:extLst>
   </p:cSld>
@@ -1778,7 +1975,7 @@
           <a:p>
             <a:fld id="{9C4A4F43-1C06-40E6-8F87-8B286982E50E}" type="datetimeFigureOut">
               <a:rPr lang="en-NZ" smtClean="0"/>
-              <a:t>30/03/22</a:t>
+              <a:t>30/03/2022</a:t>
             </a:fld>
             <a:endParaRPr lang="en-NZ" dirty="0"/>
           </a:p>
@@ -1978,7 +2175,7 @@
           <a:p>
             <a:fld id="{9C4A4F43-1C06-40E6-8F87-8B286982E50E}" type="datetimeFigureOut">
               <a:rPr lang="en-NZ" smtClean="0"/>
-              <a:t>30/03/22</a:t>
+              <a:t>30/03/2022</a:t>
             </a:fld>
             <a:endParaRPr lang="en-NZ" dirty="0"/>
           </a:p>
@@ -2188,7 +2385,7 @@
           <a:p>
             <a:fld id="{9C4A4F43-1C06-40E6-8F87-8B286982E50E}" type="datetimeFigureOut">
               <a:rPr lang="en-NZ" smtClean="0"/>
-              <a:t>30/03/22</a:t>
+              <a:t>30/03/2022</a:t>
             </a:fld>
             <a:endParaRPr lang="en-NZ" dirty="0"/>
           </a:p>
@@ -2747,7 +2944,7 @@
           <a:p>
             <a:fld id="{9C4A4F43-1C06-40E6-8F87-8B286982E50E}" type="datetimeFigureOut">
               <a:rPr lang="en-NZ" smtClean="0"/>
-              <a:t>30/03/22</a:t>
+              <a:t>30/03/2022</a:t>
             </a:fld>
             <a:endParaRPr lang="en-NZ" dirty="0"/>
           </a:p>
@@ -3023,7 +3220,7 @@
           <a:p>
             <a:fld id="{9C4A4F43-1C06-40E6-8F87-8B286982E50E}" type="datetimeFigureOut">
               <a:rPr lang="en-NZ" smtClean="0"/>
-              <a:t>30/03/22</a:t>
+              <a:t>30/03/2022</a:t>
             </a:fld>
             <a:endParaRPr lang="en-NZ" dirty="0"/>
           </a:p>
@@ -3291,7 +3488,7 @@
           <a:p>
             <a:fld id="{9C4A4F43-1C06-40E6-8F87-8B286982E50E}" type="datetimeFigureOut">
               <a:rPr lang="en-NZ" smtClean="0"/>
-              <a:t>30/03/22</a:t>
+              <a:t>30/03/2022</a:t>
             </a:fld>
             <a:endParaRPr lang="en-NZ" dirty="0"/>
           </a:p>
@@ -3706,7 +3903,7 @@
           <a:p>
             <a:fld id="{9C4A4F43-1C06-40E6-8F87-8B286982E50E}" type="datetimeFigureOut">
               <a:rPr lang="en-NZ" smtClean="0"/>
-              <a:t>30/03/22</a:t>
+              <a:t>30/03/2022</a:t>
             </a:fld>
             <a:endParaRPr lang="en-NZ" dirty="0"/>
           </a:p>
@@ -3848,7 +4045,7 @@
           <a:p>
             <a:fld id="{9C4A4F43-1C06-40E6-8F87-8B286982E50E}" type="datetimeFigureOut">
               <a:rPr lang="en-NZ" smtClean="0"/>
-              <a:t>30/03/22</a:t>
+              <a:t>30/03/2022</a:t>
             </a:fld>
             <a:endParaRPr lang="en-NZ" dirty="0"/>
           </a:p>
@@ -3961,7 +4158,7 @@
           <a:p>
             <a:fld id="{9C4A4F43-1C06-40E6-8F87-8B286982E50E}" type="datetimeFigureOut">
               <a:rPr lang="en-NZ" smtClean="0"/>
-              <a:t>30/03/22</a:t>
+              <a:t>30/03/2022</a:t>
             </a:fld>
             <a:endParaRPr lang="en-NZ" dirty="0"/>
           </a:p>
@@ -4274,7 +4471,7 @@
           <a:p>
             <a:fld id="{9C4A4F43-1C06-40E6-8F87-8B286982E50E}" type="datetimeFigureOut">
               <a:rPr lang="en-NZ" smtClean="0"/>
-              <a:t>30/03/22</a:t>
+              <a:t>30/03/2022</a:t>
             </a:fld>
             <a:endParaRPr lang="en-NZ" dirty="0"/>
           </a:p>
@@ -4563,7 +4760,7 @@
           <a:p>
             <a:fld id="{9C4A4F43-1C06-40E6-8F87-8B286982E50E}" type="datetimeFigureOut">
               <a:rPr lang="en-NZ" smtClean="0"/>
-              <a:t>30/03/22</a:t>
+              <a:t>30/03/2022</a:t>
             </a:fld>
             <a:endParaRPr lang="en-NZ" dirty="0"/>
           </a:p>
@@ -4806,7 +5003,7 @@
           <a:p>
             <a:fld id="{9C4A4F43-1C06-40E6-8F87-8B286982E50E}" type="datetimeFigureOut">
               <a:rPr lang="en-NZ" smtClean="0"/>
-              <a:t>30/03/22</a:t>
+              <a:t>30/03/2022</a:t>
             </a:fld>
             <a:endParaRPr lang="en-NZ" dirty="0"/>
           </a:p>
@@ -5320,6 +5517,120 @@
           <p:cNvPr id="2" name="Title 1">
             <a:extLst>
               <a:ext uri="{FF2B5EF4-FFF2-40B4-BE49-F238E27FC236}">
+                <a16:creationId xmlns:a16="http://schemas.microsoft.com/office/drawing/2014/main" id="{183CAE4A-E189-4CAA-B3F5-7E97BC5188E3}"/>
+              </a:ext>
+            </a:extLst>
+          </p:cNvPr>
+          <p:cNvSpPr>
+            <a:spLocks noGrp="1"/>
+          </p:cNvSpPr>
+          <p:nvPr>
+            <p:ph type="title"/>
+          </p:nvPr>
+        </p:nvSpPr>
+        <p:spPr>
+          <a:xfrm>
+            <a:off x="838199" y="406400"/>
+            <a:ext cx="10515600" cy="583248"/>
+          </a:xfrm>
+        </p:spPr>
+        <p:txBody>
+          <a:bodyPr>
+            <a:normAutofit fontScale="90000"/>
+          </a:bodyPr>
+          <a:lstStyle/>
+          <a:p>
+            <a:r>
+              <a:rPr lang="en-NZ" sz="4000" dirty="0"/>
+              <a:t>Assembled Outcome Testing:</a:t>
+            </a:r>
+          </a:p>
+        </p:txBody>
+      </p:sp>
+      <p:sp>
+        <p:nvSpPr>
+          <p:cNvPr id="3" name="Rectangle 2">
+            <a:extLst>
+              <a:ext uri="{FF2B5EF4-FFF2-40B4-BE49-F238E27FC236}">
+                <a16:creationId xmlns:a16="http://schemas.microsoft.com/office/drawing/2014/main" id="{DB8F61FF-932E-477F-82DD-3F6BB93999C0}"/>
+              </a:ext>
+            </a:extLst>
+          </p:cNvPr>
+          <p:cNvSpPr/>
+          <p:nvPr/>
+        </p:nvSpPr>
+        <p:spPr>
+          <a:xfrm>
+            <a:off x="838199" y="1089283"/>
+            <a:ext cx="8767813" cy="702372"/>
+          </a:xfrm>
+          <a:prstGeom prst="rect">
+            <a:avLst/>
+          </a:prstGeom>
+        </p:spPr>
+        <p:txBody>
+          <a:bodyPr wrap="square">
+            <a:spAutoFit/>
+          </a:bodyPr>
+          <a:lstStyle/>
+          <a:p>
+            <a:pPr>
+              <a:lnSpc>
+                <a:spcPct val="115000"/>
+              </a:lnSpc>
+              <a:spcAft>
+                <a:spcPts val="0"/>
+              </a:spcAft>
+            </a:pPr>
+            <a:r>
+              <a:rPr lang="en-NZ" i="1" dirty="0">
+                <a:latin typeface="Arial" panose="020B0604020202020204" pitchFamily="34" charset="0"/>
+                <a:ea typeface="Arial" panose="020B0604020202020204" pitchFamily="34" charset="0"/>
+              </a:rPr>
+              <a:t>Show testing for your assembled outcome below.  This should include a test plan followed by screenshot proof.  </a:t>
+            </a:r>
+            <a:endParaRPr lang="en-NZ" dirty="0">
+              <a:latin typeface="Arial" panose="020B0604020202020204" pitchFamily="34" charset="0"/>
+              <a:ea typeface="Arial" panose="020B0604020202020204" pitchFamily="34" charset="0"/>
+            </a:endParaRPr>
+          </a:p>
+        </p:txBody>
+      </p:sp>
+    </p:spTree>
+    <p:extLst>
+      <p:ext uri="{BB962C8B-B14F-4D97-AF65-F5344CB8AC3E}">
+        <p14:creationId xmlns:p14="http://schemas.microsoft.com/office/powerpoint/2010/main" val="1084233196"/>
+      </p:ext>
+    </p:extLst>
+  </p:cSld>
+  <p:clrMapOvr>
+    <a:masterClrMapping/>
+  </p:clrMapOvr>
+</p:sld>
+</file>
+
+<file path=ppt/slides/slide11.xml><?xml version="1.0" encoding="utf-8"?>
+<p:sld xmlns:a="http://schemas.openxmlformats.org/drawingml/2006/main" xmlns:r="http://schemas.openxmlformats.org/officeDocument/2006/relationships" xmlns:p="http://schemas.openxmlformats.org/presentationml/2006/main">
+  <p:cSld>
+    <p:spTree>
+      <p:nvGrpSpPr>
+        <p:cNvPr id="1" name=""/>
+        <p:cNvGrpSpPr/>
+        <p:nvPr/>
+      </p:nvGrpSpPr>
+      <p:grpSpPr>
+        <a:xfrm>
+          <a:off x="0" y="0"/>
+          <a:ext cx="0" cy="0"/>
+          <a:chOff x="0" y="0"/>
+          <a:chExt cx="0" cy="0"/>
+        </a:xfrm>
+      </p:grpSpPr>
+      <p:sp>
+        <p:nvSpPr>
+          <p:cNvPr id="2" name="Title 1">
+            <a:extLst>
+              <a:ext uri="{FF2B5EF4-FFF2-40B4-BE49-F238E27FC236}">
                 <a16:creationId xmlns:a16="http://schemas.microsoft.com/office/drawing/2014/main" id="{0D168B5A-EFF4-4803-8DA6-5994B306EBAF}"/>
               </a:ext>
             </a:extLst>
@@ -5570,7 +5881,7 @@
 </p:sld>
 </file>
 
-<file path=ppt/slides/slide11.xml><?xml version="1.0" encoding="utf-8"?>
+<file path=ppt/slides/slide12.xml><?xml version="1.0" encoding="utf-8"?>
 <p:sld xmlns:a="http://schemas.openxmlformats.org/drawingml/2006/main" xmlns:r="http://schemas.openxmlformats.org/officeDocument/2006/relationships" xmlns:p="http://schemas.openxmlformats.org/presentationml/2006/main">
   <p:cSld>
     <p:spTree>
@@ -5684,7 +5995,7 @@
 </p:sld>
 </file>
 
-<file path=ppt/slides/slide12.xml><?xml version="1.0" encoding="utf-8"?>
+<file path=ppt/slides/slide13.xml><?xml version="1.0" encoding="utf-8"?>
 <p:sld xmlns:a="http://schemas.openxmlformats.org/drawingml/2006/main" xmlns:r="http://schemas.openxmlformats.org/officeDocument/2006/relationships" xmlns:p="http://schemas.openxmlformats.org/presentationml/2006/main">
   <p:cSld>
     <p:spTree>
@@ -6999,7 +7310,15 @@
           <a:p>
             <a:r>
               <a:rPr lang="en" sz="4000" dirty="0"/>
-              <a:t>[Component name] - Test Plan</a:t>
+              <a:t>Yes/</a:t>
+            </a:r>
+            <a:r>
+              <a:rPr lang="en" sz="4000"/>
+              <a:t>No checker </a:t>
+            </a:r>
+            <a:r>
+              <a:rPr lang="en" sz="4000" dirty="0"/>
+              <a:t>- Test Plan</a:t>
             </a:r>
             <a:endParaRPr sz="4000" dirty="0"/>
           </a:p>
@@ -7012,14 +7331,14 @@
           <p:nvPr>
             <p:extLst>
               <p:ext uri="{D42A27DB-BD31-4B8C-83A1-F6EECF244321}">
-                <p14:modId xmlns:p14="http://schemas.microsoft.com/office/powerpoint/2010/main" val="2698883836"/>
+                <p14:modId xmlns:p14="http://schemas.microsoft.com/office/powerpoint/2010/main" val="1118508158"/>
               </p:ext>
             </p:extLst>
           </p:nvPr>
         </p:nvGraphicFramePr>
         <p:xfrm>
-          <a:off x="509967" y="1690300"/>
-          <a:ext cx="11360800" cy="1219120"/>
+          <a:off x="523219" y="1263284"/>
+          <a:ext cx="11360800" cy="5504326"/>
         </p:xfrm>
         <a:graphic>
           <a:graphicData uri="http://schemas.openxmlformats.org/drawingml/2006/table">
@@ -7043,7 +7362,7 @@
                   </a:extLst>
                 </a:gridCol>
               </a:tblGrid>
-              <a:tr h="609560">
+              <a:tr h="627846">
                 <a:tc>
                   <a:txBody>
                     <a:bodyPr/>
@@ -7104,7 +7423,7 @@
                   </a:ext>
                 </a:extLst>
               </a:tr>
-              <a:tr h="609560">
+              <a:tr h="474798">
                 <a:tc>
                   <a:txBody>
                     <a:bodyPr/>
@@ -7119,6 +7438,10 @@
                         </a:spcAft>
                         <a:buNone/>
                       </a:pPr>
+                      <a:r>
+                        <a:rPr lang="en-US" sz="2400" dirty="0"/>
+                        <a:t>yes</a:t>
+                      </a:r>
                       <a:endParaRPr sz="2400" dirty="0"/>
                     </a:p>
                   </a:txBody>
@@ -7138,6 +7461,10 @@
                         </a:spcAft>
                         <a:buNone/>
                       </a:pPr>
+                      <a:r>
+                        <a:rPr lang="en-US" sz="2400" dirty="0"/>
+                        <a:t>Program continues</a:t>
+                      </a:r>
                       <a:endParaRPr sz="2400" dirty="0"/>
                     </a:p>
                   </a:txBody>
@@ -7149,6 +7476,411 @@
                   </a:ext>
                 </a:extLst>
               </a:tr>
+              <a:tr h="474798">
+                <a:tc>
+                  <a:txBody>
+                    <a:bodyPr/>
+                    <a:lstStyle/>
+                    <a:p>
+                      <a:pPr marL="0" lvl="0" indent="0" algn="l" rtl="0">
+                        <a:spcBef>
+                          <a:spcPts val="0"/>
+                        </a:spcBef>
+                        <a:spcAft>
+                          <a:spcPts val="0"/>
+                        </a:spcAft>
+                        <a:buNone/>
+                      </a:pPr>
+                      <a:r>
+                        <a:rPr lang="en-US" sz="2400" dirty="0"/>
+                        <a:t>no</a:t>
+                      </a:r>
+                      <a:endParaRPr sz="2400" dirty="0"/>
+                    </a:p>
+                  </a:txBody>
+                  <a:tcPr marL="121900" marR="121900" marT="121900" marB="121900"/>
+                </a:tc>
+                <a:tc>
+                  <a:txBody>
+                    <a:bodyPr/>
+                    <a:lstStyle/>
+                    <a:p>
+                      <a:pPr marL="0" lvl="0" indent="0" algn="l" rtl="0">
+                        <a:spcBef>
+                          <a:spcPts val="0"/>
+                        </a:spcBef>
+                        <a:spcAft>
+                          <a:spcPts val="0"/>
+                        </a:spcAft>
+                        <a:buNone/>
+                      </a:pPr>
+                      <a:r>
+                        <a:rPr lang="en-US" sz="2400" dirty="0"/>
+                        <a:t>Program continues</a:t>
+                      </a:r>
+                      <a:endParaRPr sz="2400" dirty="0"/>
+                    </a:p>
+                  </a:txBody>
+                  <a:tcPr marL="121900" marR="121900" marT="121900" marB="121900"/>
+                </a:tc>
+                <a:extLst>
+                  <a:ext uri="{0D108BD9-81ED-4DB2-BD59-A6C34878D82A}">
+                    <a16:rowId xmlns:a16="http://schemas.microsoft.com/office/drawing/2014/main" val="1015899749"/>
+                  </a:ext>
+                </a:extLst>
+              </a:tr>
+              <a:tr h="474798">
+                <a:tc>
+                  <a:txBody>
+                    <a:bodyPr/>
+                    <a:lstStyle/>
+                    <a:p>
+                      <a:pPr marL="0" lvl="0" indent="0" algn="l" rtl="0">
+                        <a:spcBef>
+                          <a:spcPts val="0"/>
+                        </a:spcBef>
+                        <a:spcAft>
+                          <a:spcPts val="0"/>
+                        </a:spcAft>
+                        <a:buNone/>
+                      </a:pPr>
+                      <a:r>
+                        <a:rPr lang="en-US" sz="2400" dirty="0"/>
+                        <a:t>Yes</a:t>
+                      </a:r>
+                    </a:p>
+                  </a:txBody>
+                  <a:tcPr marL="121900" marR="121900" marT="121900" marB="121900"/>
+                </a:tc>
+                <a:tc>
+                  <a:txBody>
+                    <a:bodyPr/>
+                    <a:lstStyle/>
+                    <a:p>
+                      <a:pPr marL="0" marR="0" lvl="0" indent="0" algn="l" defTabSz="914400" rtl="0" eaLnBrk="1" fontAlgn="auto" latinLnBrk="0" hangingPunct="1">
+                        <a:lnSpc>
+                          <a:spcPct val="100000"/>
+                        </a:lnSpc>
+                        <a:spcBef>
+                          <a:spcPts val="0"/>
+                        </a:spcBef>
+                        <a:spcAft>
+                          <a:spcPts val="0"/>
+                        </a:spcAft>
+                        <a:buClrTx/>
+                        <a:buSzTx/>
+                        <a:buFontTx/>
+                        <a:buNone/>
+                        <a:tabLst/>
+                        <a:defRPr/>
+                      </a:pPr>
+                      <a:r>
+                        <a:rPr lang="en-US" sz="2400" dirty="0"/>
+                        <a:t>Program continues</a:t>
+                      </a:r>
+                    </a:p>
+                  </a:txBody>
+                  <a:tcPr marL="121900" marR="121900" marT="121900" marB="121900"/>
+                </a:tc>
+                <a:extLst>
+                  <a:ext uri="{0D108BD9-81ED-4DB2-BD59-A6C34878D82A}">
+                    <a16:rowId xmlns:a16="http://schemas.microsoft.com/office/drawing/2014/main" val="4237421337"/>
+                  </a:ext>
+                </a:extLst>
+              </a:tr>
+              <a:tr h="474798">
+                <a:tc>
+                  <a:txBody>
+                    <a:bodyPr/>
+                    <a:lstStyle/>
+                    <a:p>
+                      <a:pPr marL="0" lvl="0" indent="0" algn="l" rtl="0">
+                        <a:spcBef>
+                          <a:spcPts val="0"/>
+                        </a:spcBef>
+                        <a:spcAft>
+                          <a:spcPts val="0"/>
+                        </a:spcAft>
+                        <a:buNone/>
+                      </a:pPr>
+                      <a:r>
+                        <a:rPr lang="en-US" sz="2400" dirty="0"/>
+                        <a:t>No</a:t>
+                      </a:r>
+                      <a:endParaRPr sz="2400" dirty="0"/>
+                    </a:p>
+                  </a:txBody>
+                  <a:tcPr marL="121900" marR="121900" marT="121900" marB="121900"/>
+                </a:tc>
+                <a:tc>
+                  <a:txBody>
+                    <a:bodyPr/>
+                    <a:lstStyle/>
+                    <a:p>
+                      <a:pPr marL="0" marR="0" lvl="0" indent="0" algn="l" defTabSz="914400" rtl="0" eaLnBrk="1" fontAlgn="auto" latinLnBrk="0" hangingPunct="1">
+                        <a:lnSpc>
+                          <a:spcPct val="100000"/>
+                        </a:lnSpc>
+                        <a:spcBef>
+                          <a:spcPts val="0"/>
+                        </a:spcBef>
+                        <a:spcAft>
+                          <a:spcPts val="0"/>
+                        </a:spcAft>
+                        <a:buClrTx/>
+                        <a:buSzTx/>
+                        <a:buFontTx/>
+                        <a:buNone/>
+                        <a:tabLst/>
+                        <a:defRPr/>
+                      </a:pPr>
+                      <a:r>
+                        <a:rPr lang="en-US" sz="2400" dirty="0"/>
+                        <a:t>Program continues</a:t>
+                      </a:r>
+                    </a:p>
+                  </a:txBody>
+                  <a:tcPr marL="121900" marR="121900" marT="121900" marB="121900"/>
+                </a:tc>
+                <a:extLst>
+                  <a:ext uri="{0D108BD9-81ED-4DB2-BD59-A6C34878D82A}">
+                    <a16:rowId xmlns:a16="http://schemas.microsoft.com/office/drawing/2014/main" val="2093276785"/>
+                  </a:ext>
+                </a:extLst>
+              </a:tr>
+              <a:tr h="474798">
+                <a:tc>
+                  <a:txBody>
+                    <a:bodyPr/>
+                    <a:lstStyle/>
+                    <a:p>
+                      <a:pPr marL="0" lvl="0" indent="0" algn="l" rtl="0">
+                        <a:spcBef>
+                          <a:spcPts val="0"/>
+                        </a:spcBef>
+                        <a:spcAft>
+                          <a:spcPts val="0"/>
+                        </a:spcAft>
+                        <a:buNone/>
+                      </a:pPr>
+                      <a:r>
+                        <a:rPr lang="en-US" sz="2400" dirty="0"/>
+                        <a:t>Y</a:t>
+                      </a:r>
+                      <a:endParaRPr sz="2400" dirty="0"/>
+                    </a:p>
+                  </a:txBody>
+                  <a:tcPr marL="121900" marR="121900" marT="121900" marB="121900"/>
+                </a:tc>
+                <a:tc>
+                  <a:txBody>
+                    <a:bodyPr/>
+                    <a:lstStyle/>
+                    <a:p>
+                      <a:pPr marL="0" marR="0" lvl="0" indent="0" algn="l" defTabSz="914400" rtl="0" eaLnBrk="1" fontAlgn="auto" latinLnBrk="0" hangingPunct="1">
+                        <a:lnSpc>
+                          <a:spcPct val="100000"/>
+                        </a:lnSpc>
+                        <a:spcBef>
+                          <a:spcPts val="0"/>
+                        </a:spcBef>
+                        <a:spcAft>
+                          <a:spcPts val="0"/>
+                        </a:spcAft>
+                        <a:buClrTx/>
+                        <a:buSzTx/>
+                        <a:buFontTx/>
+                        <a:buNone/>
+                        <a:tabLst/>
+                        <a:defRPr/>
+                      </a:pPr>
+                      <a:r>
+                        <a:rPr lang="en-US" sz="2400" dirty="0"/>
+                        <a:t>Program continues</a:t>
+                      </a:r>
+                    </a:p>
+                  </a:txBody>
+                  <a:tcPr marL="121900" marR="121900" marT="121900" marB="121900"/>
+                </a:tc>
+                <a:extLst>
+                  <a:ext uri="{0D108BD9-81ED-4DB2-BD59-A6C34878D82A}">
+                    <a16:rowId xmlns:a16="http://schemas.microsoft.com/office/drawing/2014/main" val="4181821293"/>
+                  </a:ext>
+                </a:extLst>
+              </a:tr>
+              <a:tr h="474798">
+                <a:tc>
+                  <a:txBody>
+                    <a:bodyPr/>
+                    <a:lstStyle/>
+                    <a:p>
+                      <a:pPr marL="0" lvl="0" indent="0" algn="l" rtl="0">
+                        <a:spcBef>
+                          <a:spcPts val="0"/>
+                        </a:spcBef>
+                        <a:spcAft>
+                          <a:spcPts val="0"/>
+                        </a:spcAft>
+                        <a:buNone/>
+                      </a:pPr>
+                      <a:r>
+                        <a:rPr lang="en-US" sz="2400" dirty="0"/>
+                        <a:t>N</a:t>
+                      </a:r>
+                      <a:endParaRPr sz="2400" dirty="0"/>
+                    </a:p>
+                  </a:txBody>
+                  <a:tcPr marL="121900" marR="121900" marT="121900" marB="121900"/>
+                </a:tc>
+                <a:tc>
+                  <a:txBody>
+                    <a:bodyPr/>
+                    <a:lstStyle/>
+                    <a:p>
+                      <a:pPr marL="0" marR="0" lvl="0" indent="0" algn="l" defTabSz="914400" rtl="0" eaLnBrk="1" fontAlgn="auto" latinLnBrk="0" hangingPunct="1">
+                        <a:lnSpc>
+                          <a:spcPct val="100000"/>
+                        </a:lnSpc>
+                        <a:spcBef>
+                          <a:spcPts val="0"/>
+                        </a:spcBef>
+                        <a:spcAft>
+                          <a:spcPts val="0"/>
+                        </a:spcAft>
+                        <a:buClrTx/>
+                        <a:buSzTx/>
+                        <a:buFontTx/>
+                        <a:buNone/>
+                        <a:tabLst/>
+                        <a:defRPr/>
+                      </a:pPr>
+                      <a:r>
+                        <a:rPr lang="en-US" sz="2400" dirty="0"/>
+                        <a:t>Program continues</a:t>
+                      </a:r>
+                    </a:p>
+                  </a:txBody>
+                  <a:tcPr marL="121900" marR="121900" marT="121900" marB="121900"/>
+                </a:tc>
+                <a:extLst>
+                  <a:ext uri="{0D108BD9-81ED-4DB2-BD59-A6C34878D82A}">
+                    <a16:rowId xmlns:a16="http://schemas.microsoft.com/office/drawing/2014/main" val="281772369"/>
+                  </a:ext>
+                </a:extLst>
+              </a:tr>
+              <a:tr h="474798">
+                <a:tc>
+                  <a:txBody>
+                    <a:bodyPr/>
+                    <a:lstStyle/>
+                    <a:p>
+                      <a:pPr marL="0" lvl="0" indent="0" algn="l" rtl="0">
+                        <a:spcBef>
+                          <a:spcPts val="0"/>
+                        </a:spcBef>
+                        <a:spcAft>
+                          <a:spcPts val="0"/>
+                        </a:spcAft>
+                        <a:buNone/>
+                      </a:pPr>
+                      <a:r>
+                        <a:rPr lang="en-US" sz="2400" dirty="0"/>
+                        <a:t>maybe</a:t>
+                      </a:r>
+                      <a:endParaRPr sz="2400" dirty="0"/>
+                    </a:p>
+                  </a:txBody>
+                  <a:tcPr marL="121900" marR="121900" marT="121900" marB="121900"/>
+                </a:tc>
+                <a:tc>
+                  <a:txBody>
+                    <a:bodyPr/>
+                    <a:lstStyle/>
+                    <a:p>
+                      <a:pPr marL="0" marR="0" lvl="0" indent="0" algn="l" defTabSz="914400" rtl="0" eaLnBrk="1" fontAlgn="auto" latinLnBrk="0" hangingPunct="1">
+                        <a:lnSpc>
+                          <a:spcPct val="100000"/>
+                        </a:lnSpc>
+                        <a:spcBef>
+                          <a:spcPts val="0"/>
+                        </a:spcBef>
+                        <a:spcAft>
+                          <a:spcPts val="0"/>
+                        </a:spcAft>
+                        <a:buClrTx/>
+                        <a:buSzTx/>
+                        <a:buFontTx/>
+                        <a:buNone/>
+                        <a:tabLst/>
+                        <a:defRPr/>
+                      </a:pPr>
+                      <a:r>
+                        <a:rPr lang="en-US" sz="2400" dirty="0"/>
+                        <a:t>Program continues</a:t>
+                      </a:r>
+                    </a:p>
+                  </a:txBody>
+                  <a:tcPr marL="121900" marR="121900" marT="121900" marB="121900"/>
+                </a:tc>
+                <a:extLst>
+                  <a:ext uri="{0D108BD9-81ED-4DB2-BD59-A6C34878D82A}">
+                    <a16:rowId xmlns:a16="http://schemas.microsoft.com/office/drawing/2014/main" val="3708634648"/>
+                  </a:ext>
+                </a:extLst>
+              </a:tr>
+              <a:tr h="474798">
+                <a:tc>
+                  <a:txBody>
+                    <a:bodyPr/>
+                    <a:lstStyle/>
+                    <a:p>
+                      <a:pPr marL="0" lvl="0" indent="0" algn="l" rtl="0">
+                        <a:spcBef>
+                          <a:spcPts val="0"/>
+                        </a:spcBef>
+                        <a:spcAft>
+                          <a:spcPts val="0"/>
+                        </a:spcAft>
+                        <a:buNone/>
+                      </a:pPr>
+                      <a:r>
+                        <a:rPr lang="en-US" sz="2400" dirty="0"/>
+                        <a:t>Maybe</a:t>
+                      </a:r>
+                      <a:endParaRPr sz="2400" dirty="0"/>
+                    </a:p>
+                  </a:txBody>
+                  <a:tcPr marL="121900" marR="121900" marT="121900" marB="121900"/>
+                </a:tc>
+                <a:tc>
+                  <a:txBody>
+                    <a:bodyPr/>
+                    <a:lstStyle/>
+                    <a:p>
+                      <a:pPr marL="0" lvl="0" indent="0" algn="l" rtl="0">
+                        <a:spcBef>
+                          <a:spcPts val="0"/>
+                        </a:spcBef>
+                        <a:spcAft>
+                          <a:spcPts val="0"/>
+                        </a:spcAft>
+                        <a:buNone/>
+                      </a:pPr>
+                      <a:r>
+                        <a:rPr lang="en-US" sz="2400" dirty="0"/>
+                        <a:t>Please enter either “Yes” or “No”.</a:t>
+                      </a:r>
+                      <a:endParaRPr sz="2400" dirty="0"/>
+                    </a:p>
+                  </a:txBody>
+                  <a:tcPr marL="121900" marR="121900" marT="121900" marB="121900"/>
+                </a:tc>
+                <a:extLst>
+                  <a:ext uri="{0D108BD9-81ED-4DB2-BD59-A6C34878D82A}">
+                    <a16:rowId xmlns:a16="http://schemas.microsoft.com/office/drawing/2014/main" val="2071514818"/>
+                  </a:ext>
+                </a:extLst>
+              </a:tr>
             </a:tbl>
           </a:graphicData>
         </a:graphic>
@@ -7167,7 +7899,7 @@
         </p:nvSpPr>
         <p:spPr>
           <a:xfrm>
-            <a:off x="645160" y="1151007"/>
+            <a:off x="618655" y="893952"/>
             <a:ext cx="9999846" cy="369332"/>
           </a:xfrm>
           <a:prstGeom prst="rect">
@@ -7217,7 +7949,7 @@
   <p:cSld>
     <p:spTree>
       <p:nvGrpSpPr>
-        <p:cNvPr id="1" name=""/>
+        <p:cNvPr id="1" name="Shape 90"/>
         <p:cNvGrpSpPr/>
         <p:nvPr/>
       </p:nvGrpSpPr>
@@ -7231,14 +7963,8 @@
       </p:grpSpPr>
       <p:sp>
         <p:nvSpPr>
-          <p:cNvPr id="2" name="Title 1">
-            <a:extLst>
-              <a:ext uri="{FF2B5EF4-FFF2-40B4-BE49-F238E27FC236}">
-                <a16:creationId xmlns:a16="http://schemas.microsoft.com/office/drawing/2014/main" id="{1CC5D32F-7C18-4D00-8D54-2FB046F0A206}"/>
-              </a:ext>
-            </a:extLst>
-          </p:cNvPr>
-          <p:cNvSpPr>
+          <p:cNvPr id="91" name="Google Shape;91;p19"/>
+          <p:cNvSpPr txBox="1">
             <a:spLocks noGrp="1"/>
           </p:cNvSpPr>
           <p:nvPr>
@@ -7247,44 +7973,374 @@
         </p:nvSpPr>
         <p:spPr>
           <a:xfrm>
-            <a:off x="749300" y="223520"/>
-            <a:ext cx="10515600" cy="806768"/>
-          </a:xfrm>
-        </p:spPr>
-        <p:txBody>
-          <a:bodyPr>
-            <a:normAutofit/>
-          </a:bodyPr>
-          <a:lstStyle/>
-          <a:p>
-            <a:r>
-              <a:rPr lang="en-NZ" sz="4000" dirty="0"/>
-              <a:t>[Component name]: Trialling </a:t>
-            </a:r>
-          </a:p>
-        </p:txBody>
-      </p:sp>
-      <p:sp>
-        <p:nvSpPr>
-          <p:cNvPr id="4" name="TextBox 3">
-            <a:extLst>
-              <a:ext uri="{FF2B5EF4-FFF2-40B4-BE49-F238E27FC236}">
-                <a16:creationId xmlns:a16="http://schemas.microsoft.com/office/drawing/2014/main" id="{8CD07A82-A944-4A9B-9A52-515DAC30878A}"/>
-              </a:ext>
-            </a:extLst>
-          </p:cNvPr>
-          <p:cNvSpPr txBox="1"/>
-          <p:nvPr/>
-        </p:nvSpPr>
-        <p:spPr>
-          <a:xfrm>
-            <a:off x="660400" y="1030288"/>
-            <a:ext cx="10693400" cy="923330"/>
+            <a:off x="415600" y="217447"/>
+            <a:ext cx="11360800" cy="763600"/>
           </a:xfrm>
           <a:prstGeom prst="rect">
             <a:avLst/>
           </a:prstGeom>
-          <a:noFill/>
+        </p:spPr>
+        <p:txBody>
+          <a:bodyPr spcFirstLastPara="1" vert="horz" wrap="square" lIns="121900" tIns="121900" rIns="121900" bIns="121900" rtlCol="0" anchor="t" anchorCtr="0">
+            <a:noAutofit/>
+          </a:bodyPr>
+          <a:lstStyle/>
+          <a:p>
+            <a:r>
+              <a:rPr lang="en" sz="4000" dirty="0"/>
+              <a:t>Instructions  - Test Plan</a:t>
+            </a:r>
+            <a:endParaRPr sz="4000" dirty="0"/>
+          </a:p>
+        </p:txBody>
+      </p:sp>
+      <p:graphicFrame>
+        <p:nvGraphicFramePr>
+          <p:cNvPr id="92" name="Google Shape;92;p19"/>
+          <p:cNvGraphicFramePr/>
+          <p:nvPr>
+            <p:extLst>
+              <p:ext uri="{D42A27DB-BD31-4B8C-83A1-F6EECF244321}">
+                <p14:modId xmlns:p14="http://schemas.microsoft.com/office/powerpoint/2010/main" val="793145328"/>
+              </p:ext>
+            </p:extLst>
+          </p:nvPr>
+        </p:nvGraphicFramePr>
+        <p:xfrm>
+          <a:off x="523219" y="1263284"/>
+          <a:ext cx="11360800" cy="3553806"/>
+        </p:xfrm>
+        <a:graphic>
+          <a:graphicData uri="http://schemas.openxmlformats.org/drawingml/2006/table">
+            <a:tbl>
+              <a:tblPr>
+                <a:noFill/>
+              </a:tblPr>
+              <a:tblGrid>
+                <a:gridCol w="5680400">
+                  <a:extLst>
+                    <a:ext uri="{9D8B030D-6E8A-4147-A177-3AD203B41FA5}">
+                      <a16:colId xmlns:a16="http://schemas.microsoft.com/office/drawing/2014/main" val="20000"/>
+                    </a:ext>
+                  </a:extLst>
+                </a:gridCol>
+                <a:gridCol w="5680400">
+                  <a:extLst>
+                    <a:ext uri="{9D8B030D-6E8A-4147-A177-3AD203B41FA5}">
+                      <a16:colId xmlns:a16="http://schemas.microsoft.com/office/drawing/2014/main" val="20001"/>
+                    </a:ext>
+                  </a:extLst>
+                </a:gridCol>
+              </a:tblGrid>
+              <a:tr h="627846">
+                <a:tc>
+                  <a:txBody>
+                    <a:bodyPr/>
+                    <a:lstStyle/>
+                    <a:p>
+                      <a:pPr marL="0" lvl="0" indent="0" algn="l" rtl="0">
+                        <a:spcBef>
+                          <a:spcPts val="0"/>
+                        </a:spcBef>
+                        <a:spcAft>
+                          <a:spcPts val="0"/>
+                        </a:spcAft>
+                        <a:buNone/>
+                      </a:pPr>
+                      <a:r>
+                        <a:rPr lang="en" sz="2400" b="1" dirty="0"/>
+                        <a:t>Test Cases - input</a:t>
+                      </a:r>
+                      <a:endParaRPr lang="en-US" sz="2400" b="1"/>
+                    </a:p>
+                  </a:txBody>
+                  <a:tcPr marL="121900" marR="121900" marT="121900" marB="121900">
+                    <a:solidFill>
+                      <a:srgbClr val="CCCCCC"/>
+                    </a:solidFill>
+                  </a:tcPr>
+                </a:tc>
+                <a:tc>
+                  <a:txBody>
+                    <a:bodyPr/>
+                    <a:lstStyle/>
+                    <a:p>
+                      <a:pPr marL="0" lvl="0" indent="0" algn="l" rtl="0">
+                        <a:spcBef>
+                          <a:spcPts val="0"/>
+                        </a:spcBef>
+                        <a:spcAft>
+                          <a:spcPts val="0"/>
+                        </a:spcAft>
+                        <a:buNone/>
+                      </a:pPr>
+                      <a:r>
+                        <a:rPr lang="en" sz="2400" b="1" dirty="0"/>
+                        <a:t>Expected output</a:t>
+                      </a:r>
+                      <a:endParaRPr lang="en-US" sz="2400" b="1"/>
+                    </a:p>
+                  </a:txBody>
+                  <a:tcPr marL="121900" marR="121900" marT="121900" marB="121900">
+                    <a:solidFill>
+                      <a:srgbClr val="CCCCCC"/>
+                    </a:solidFill>
+                  </a:tcPr>
+                </a:tc>
+                <a:extLst>
+                  <a:ext uri="{0D108BD9-81ED-4DB2-BD59-A6C34878D82A}">
+                    <a16:rowId xmlns:a16="http://schemas.microsoft.com/office/drawing/2014/main" val="10000"/>
+                  </a:ext>
+                </a:extLst>
+              </a:tr>
+              <a:tr h="474798">
+                <a:tc>
+                  <a:txBody>
+                    <a:bodyPr/>
+                    <a:lstStyle/>
+                    <a:p>
+                      <a:pPr marL="0" lvl="0" indent="0" algn="l" rtl="0">
+                        <a:spcBef>
+                          <a:spcPts val="0"/>
+                        </a:spcBef>
+                        <a:spcAft>
+                          <a:spcPts val="0"/>
+                        </a:spcAft>
+                        <a:buNone/>
+                      </a:pPr>
+                      <a:r>
+                        <a:rPr lang="en-US" sz="2400"/>
+                        <a:t>Have you played before?</a:t>
+                      </a:r>
+                    </a:p>
+                    <a:p>
+                      <a:pPr marL="0" lvl="0" indent="0" algn="l">
+                        <a:spcBef>
+                          <a:spcPts val="0"/>
+                        </a:spcBef>
+                        <a:spcAft>
+                          <a:spcPts val="0"/>
+                        </a:spcAft>
+                        <a:buNone/>
+                      </a:pPr>
+                      <a:r>
+                        <a:rPr lang="en-US" sz="2400"/>
+                        <a:t>Yes</a:t>
+                      </a:r>
+                      <a:endParaRPr lang="en-US" sz="2400" dirty="0"/>
+                    </a:p>
+                  </a:txBody>
+                  <a:tcPr marL="121900" marR="121900" marT="121900" marB="121900"/>
+                </a:tc>
+                <a:tc>
+                  <a:txBody>
+                    <a:bodyPr/>
+                    <a:lstStyle/>
+                    <a:p>
+                      <a:pPr marL="0" marR="0" lvl="0" indent="0" algn="l" rtl="0" eaLnBrk="1" fontAlgn="auto" latinLnBrk="0" hangingPunct="1">
+                        <a:lnSpc>
+                          <a:spcPct val="100000"/>
+                        </a:lnSpc>
+                        <a:spcBef>
+                          <a:spcPts val="0"/>
+                        </a:spcBef>
+                        <a:spcAft>
+                          <a:spcPts val="0"/>
+                        </a:spcAft>
+                        <a:buClrTx/>
+                        <a:buSzTx/>
+                        <a:buFontTx/>
+                        <a:buNone/>
+                      </a:pPr>
+                      <a:r>
+                        <a:rPr lang="en-US" sz="2400"/>
+                        <a:t>Game starts</a:t>
+                      </a:r>
+                      <a:endParaRPr lang="en-US" sz="2400" dirty="0"/>
+                    </a:p>
+                  </a:txBody>
+                  <a:tcPr marL="121900" marR="121900" marT="121900" marB="121900"/>
+                </a:tc>
+                <a:extLst>
+                  <a:ext uri="{0D108BD9-81ED-4DB2-BD59-A6C34878D82A}">
+                    <a16:rowId xmlns:a16="http://schemas.microsoft.com/office/drawing/2014/main" val="4181821293"/>
+                  </a:ext>
+                </a:extLst>
+              </a:tr>
+              <a:tr h="474798">
+                <a:tc>
+                  <a:txBody>
+                    <a:bodyPr/>
+                    <a:lstStyle/>
+                    <a:p>
+                      <a:pPr marL="0" lvl="0" indent="0" algn="l" rtl="0">
+                        <a:spcBef>
+                          <a:spcPts val="0"/>
+                        </a:spcBef>
+                        <a:spcAft>
+                          <a:spcPts val="0"/>
+                        </a:spcAft>
+                        <a:buNone/>
+                      </a:pPr>
+                      <a:r>
+                        <a:rPr lang="en-US" sz="2400"/>
+                        <a:t>Have you played before?</a:t>
+                      </a:r>
+                    </a:p>
+                    <a:p>
+                      <a:pPr marL="0" lvl="0" indent="0" algn="l">
+                        <a:spcBef>
+                          <a:spcPts val="0"/>
+                        </a:spcBef>
+                        <a:spcAft>
+                          <a:spcPts val="0"/>
+                        </a:spcAft>
+                        <a:buNone/>
+                      </a:pPr>
+                      <a:r>
+                        <a:rPr lang="en-US" sz="2400"/>
+                        <a:t>No</a:t>
+                      </a:r>
+                      <a:endParaRPr lang="en-US" sz="2400" dirty="0"/>
+                    </a:p>
+                  </a:txBody>
+                  <a:tcPr marL="121900" marR="121900" marT="121900" marB="121900"/>
+                </a:tc>
+                <a:tc>
+                  <a:txBody>
+                    <a:bodyPr/>
+                    <a:lstStyle/>
+                    <a:p>
+                      <a:pPr marL="0" marR="0" lvl="0" indent="0" algn="l" rtl="0" eaLnBrk="1" fontAlgn="auto" latinLnBrk="0" hangingPunct="1">
+                        <a:lnSpc>
+                          <a:spcPct val="100000"/>
+                        </a:lnSpc>
+                        <a:spcBef>
+                          <a:spcPts val="0"/>
+                        </a:spcBef>
+                        <a:spcAft>
+                          <a:spcPts val="0"/>
+                        </a:spcAft>
+                        <a:buClrTx/>
+                        <a:buSzTx/>
+                        <a:buFontTx/>
+                        <a:buNone/>
+                      </a:pPr>
+                      <a:r>
+                        <a:rPr lang="en-US" sz="2400"/>
+                        <a:t>Instructions show, then game starts</a:t>
+                      </a:r>
+                      <a:endParaRPr lang="en-US" sz="2400" dirty="0"/>
+                    </a:p>
+                  </a:txBody>
+                  <a:tcPr marL="121900" marR="121900" marT="121900" marB="121900"/>
+                </a:tc>
+                <a:extLst>
+                  <a:ext uri="{0D108BD9-81ED-4DB2-BD59-A6C34878D82A}">
+                    <a16:rowId xmlns:a16="http://schemas.microsoft.com/office/drawing/2014/main" val="281772369"/>
+                  </a:ext>
+                </a:extLst>
+              </a:tr>
+              <a:tr h="474798">
+                <a:tc>
+                  <a:txBody>
+                    <a:bodyPr/>
+                    <a:lstStyle/>
+                    <a:p>
+                      <a:pPr marL="0" lvl="0" indent="0" algn="l" rtl="0">
+                        <a:spcBef>
+                          <a:spcPts val="0"/>
+                        </a:spcBef>
+                        <a:spcAft>
+                          <a:spcPts val="0"/>
+                        </a:spcAft>
+                        <a:buNone/>
+                      </a:pPr>
+                      <a:r>
+                        <a:rPr lang="en-US" sz="2400"/>
+                        <a:t>Have you played before?</a:t>
+                      </a:r>
+                    </a:p>
+                    <a:p>
+                      <a:pPr marL="0" lvl="0" indent="0" algn="l">
+                        <a:spcBef>
+                          <a:spcPts val="0"/>
+                        </a:spcBef>
+                        <a:spcAft>
+                          <a:spcPts val="0"/>
+                        </a:spcAft>
+                        <a:buNone/>
+                      </a:pPr>
+                      <a:r>
+                        <a:rPr lang="en-US" sz="2400"/>
+                        <a:t>Maybe/anything else apart from yes or no</a:t>
+                      </a:r>
+                    </a:p>
+                  </a:txBody>
+                  <a:tcPr marL="121900" marR="121900" marT="121900" marB="121900"/>
+                </a:tc>
+                <a:tc>
+                  <a:txBody>
+                    <a:bodyPr/>
+                    <a:lstStyle/>
+                    <a:p>
+                      <a:pPr marL="0" marR="0" lvl="0" indent="0" algn="l" rtl="0" eaLnBrk="1" fontAlgn="auto" latinLnBrk="0" hangingPunct="1">
+                        <a:lnSpc>
+                          <a:spcPct val="100000"/>
+                        </a:lnSpc>
+                        <a:spcBef>
+                          <a:spcPts val="0"/>
+                        </a:spcBef>
+                        <a:spcAft>
+                          <a:spcPts val="0"/>
+                        </a:spcAft>
+                        <a:buClrTx/>
+                        <a:buSzTx/>
+                        <a:buFontTx/>
+                        <a:buNone/>
+                      </a:pPr>
+                      <a:r>
+                        <a:rPr lang="en-US" sz="2400" dirty="0"/>
+                        <a:t>Shows an error saying, "Please enter Yes or </a:t>
+                      </a:r>
+                      <a:r>
+                        <a:rPr lang="en-US" sz="2400"/>
+                        <a:t>No"</a:t>
+                      </a:r>
+                    </a:p>
+                  </a:txBody>
+                  <a:tcPr marL="121900" marR="121900" marT="121900" marB="121900"/>
+                </a:tc>
+                <a:extLst>
+                  <a:ext uri="{0D108BD9-81ED-4DB2-BD59-A6C34878D82A}">
+                    <a16:rowId xmlns:a16="http://schemas.microsoft.com/office/drawing/2014/main" val="3708634648"/>
+                  </a:ext>
+                </a:extLst>
+              </a:tr>
+            </a:tbl>
+          </a:graphicData>
+        </a:graphic>
+      </p:graphicFrame>
+      <p:sp>
+        <p:nvSpPr>
+          <p:cNvPr id="4" name="Rectangle 3">
+            <a:extLst>
+              <a:ext uri="{FF2B5EF4-FFF2-40B4-BE49-F238E27FC236}">
+                <a16:creationId xmlns:a16="http://schemas.microsoft.com/office/drawing/2014/main" id="{518343B6-2201-4ACD-B907-770BC22E8B26}"/>
+              </a:ext>
+            </a:extLst>
+          </p:cNvPr>
+          <p:cNvSpPr/>
+          <p:nvPr/>
+        </p:nvSpPr>
+        <p:spPr>
+          <a:xfrm>
+            <a:off x="618655" y="893952"/>
+            <a:ext cx="9999846" cy="369332"/>
+          </a:xfrm>
+          <a:prstGeom prst="rect">
+            <a:avLst/>
+          </a:prstGeom>
         </p:spPr>
         <p:txBody>
           <a:bodyPr wrap="square">
@@ -7292,32 +8348,34 @@
           </a:bodyPr>
           <a:lstStyle/>
           <a:p>
+            <a:pPr marL="0" marR="0" lvl="0" indent="0" algn="l" defTabSz="914400" rtl="0" eaLnBrk="1" fontAlgn="auto" latinLnBrk="0" hangingPunct="1">
+              <a:lnSpc>
+                <a:spcPct val="100000"/>
+              </a:lnSpc>
+              <a:spcBef>
+                <a:spcPts val="0"/>
+              </a:spcBef>
+              <a:spcAft>
+                <a:spcPts val="0"/>
+              </a:spcAft>
+              <a:buClrTx/>
+              <a:buSzTx/>
+              <a:buFontTx/>
+              <a:buNone/>
+              <a:tabLst/>
+              <a:defRPr/>
+            </a:pPr>
             <a:r>
               <a:rPr lang="en-NZ" i="1" dirty="0"/>
-              <a:t>NOTE: Trialling needs to happen for </a:t>
-            </a:r>
-            <a:r>
-              <a:rPr lang="en-NZ" b="1" i="1" dirty="0"/>
-              <a:t>at least 2 </a:t>
-            </a:r>
-            <a:r>
-              <a:rPr lang="en-NZ" i="1" dirty="0"/>
-              <a:t>of your components but is not necessary for ALL components.</a:t>
-            </a:r>
-          </a:p>
-          <a:p>
-            <a:r>
-              <a:rPr lang="en" i="1" dirty="0"/>
-              <a:t>Trialling is not the same as testing. Trialling is about finding different ways of building the same component. Show evidence of  your trialling  here. Select one of your trials for further development and give reasons for your choice. </a:t>
-            </a:r>
-            <a:endParaRPr lang="en-NZ" dirty="0"/>
+              <a:t>Additional rows can be added by clicking in the last cell and then using the Tab key </a:t>
+            </a:r>
           </a:p>
         </p:txBody>
       </p:sp>
     </p:spTree>
     <p:extLst>
       <p:ext uri="{BB962C8B-B14F-4D97-AF65-F5344CB8AC3E}">
-        <p14:creationId xmlns:p14="http://schemas.microsoft.com/office/powerpoint/2010/main" val="270828811"/>
+        <p14:creationId xmlns:p14="http://schemas.microsoft.com/office/powerpoint/2010/main" val="1973556824"/>
       </p:ext>
     </p:extLst>
   </p:cSld>
@@ -7362,19 +8420,19 @@
         </p:nvSpPr>
         <p:spPr>
           <a:xfrm>
-            <a:off x="838200" y="518160"/>
-            <a:ext cx="10515600" cy="562928"/>
+            <a:off x="749300" y="223520"/>
+            <a:ext cx="10515600" cy="806768"/>
           </a:xfrm>
         </p:spPr>
         <p:txBody>
           <a:bodyPr>
-            <a:normAutofit fontScale="90000"/>
+            <a:normAutofit/>
           </a:bodyPr>
           <a:lstStyle/>
           <a:p>
             <a:r>
-              <a:rPr lang="en-NZ" dirty="0"/>
-              <a:t>[Component name]: Testing </a:t>
+              <a:rPr lang="en-NZ" sz="4000" dirty="0"/>
+              <a:t>[Component name]: Trialling </a:t>
             </a:r>
           </a:p>
         </p:txBody>
@@ -7393,8 +8451,8 @@
         </p:nvSpPr>
         <p:spPr>
           <a:xfrm>
-            <a:off x="749300" y="1081088"/>
-            <a:ext cx="10693400" cy="646331"/>
+            <a:off x="660400" y="1030288"/>
+            <a:ext cx="10693400" cy="923330"/>
           </a:xfrm>
           <a:prstGeom prst="rect">
             <a:avLst/>
@@ -7409,15 +8467,30 @@
           <a:p>
             <a:r>
               <a:rPr lang="en-NZ" i="1" dirty="0"/>
-              <a:t>You must show the results of testing. For each component, include a screenshot proving it works.  You can also include notes about each test. </a:t>
-            </a:r>
+              <a:t>NOTE: Trialling needs to happen for </a:t>
+            </a:r>
+            <a:r>
+              <a:rPr lang="en-NZ" b="1" i="1" dirty="0"/>
+              <a:t>at least 2 </a:t>
+            </a:r>
+            <a:r>
+              <a:rPr lang="en-NZ" i="1" dirty="0"/>
+              <a:t>of your components but is not necessary for ALL components.</a:t>
+            </a:r>
+          </a:p>
+          <a:p>
+            <a:r>
+              <a:rPr lang="en" i="1" dirty="0"/>
+              <a:t>Trialling is not the same as testing. Trialling is about finding different ways of building the same component. Show evidence of  your trialling  here. Select one of your trials for further development and give reasons for your choice. </a:t>
+            </a:r>
+            <a:endParaRPr lang="en-NZ" dirty="0"/>
           </a:p>
         </p:txBody>
       </p:sp>
     </p:spTree>
     <p:extLst>
       <p:ext uri="{BB962C8B-B14F-4D97-AF65-F5344CB8AC3E}">
-        <p14:creationId xmlns:p14="http://schemas.microsoft.com/office/powerpoint/2010/main" val="89592267"/>
+        <p14:creationId xmlns:p14="http://schemas.microsoft.com/office/powerpoint/2010/main" val="270828811"/>
       </p:ext>
     </p:extLst>
   </p:cSld>
@@ -7449,7 +8522,7 @@
           <p:cNvPr id="2" name="Title 1">
             <a:extLst>
               <a:ext uri="{FF2B5EF4-FFF2-40B4-BE49-F238E27FC236}">
-                <a16:creationId xmlns:a16="http://schemas.microsoft.com/office/drawing/2014/main" id="{183CAE4A-E189-4CAA-B3F5-7E97BC5188E3}"/>
+                <a16:creationId xmlns:a16="http://schemas.microsoft.com/office/drawing/2014/main" id="{1CC5D32F-7C18-4D00-8D54-2FB046F0A206}"/>
               </a:ext>
             </a:extLst>
           </p:cNvPr>
@@ -7462,8 +8535,8 @@
         </p:nvSpPr>
         <p:spPr>
           <a:xfrm>
-            <a:off x="838199" y="406400"/>
-            <a:ext cx="10515600" cy="583248"/>
+            <a:off x="838200" y="518160"/>
+            <a:ext cx="10515600" cy="562928"/>
           </a:xfrm>
         </p:spPr>
         <p:txBody>
@@ -7473,32 +8546,33 @@
           <a:lstStyle/>
           <a:p>
             <a:r>
-              <a:rPr lang="en-NZ" sz="4000" dirty="0"/>
-              <a:t>Assembled Outcome Testing:</a:t>
-            </a:r>
-          </a:p>
-        </p:txBody>
-      </p:sp>
-      <p:sp>
-        <p:nvSpPr>
-          <p:cNvPr id="3" name="Rectangle 2">
+              <a:rPr lang="en-NZ" dirty="0"/>
+              <a:t>[Component name]: Testing </a:t>
+            </a:r>
+          </a:p>
+        </p:txBody>
+      </p:sp>
+      <p:sp>
+        <p:nvSpPr>
+          <p:cNvPr id="4" name="TextBox 3">
             <a:extLst>
               <a:ext uri="{FF2B5EF4-FFF2-40B4-BE49-F238E27FC236}">
-                <a16:creationId xmlns:a16="http://schemas.microsoft.com/office/drawing/2014/main" id="{DB8F61FF-932E-477F-82DD-3F6BB93999C0}"/>
+                <a16:creationId xmlns:a16="http://schemas.microsoft.com/office/drawing/2014/main" id="{8CD07A82-A944-4A9B-9A52-515DAC30878A}"/>
               </a:ext>
             </a:extLst>
           </p:cNvPr>
-          <p:cNvSpPr/>
+          <p:cNvSpPr txBox="1"/>
           <p:nvPr/>
         </p:nvSpPr>
         <p:spPr>
           <a:xfrm>
-            <a:off x="838199" y="1089283"/>
-            <a:ext cx="8767813" cy="702372"/>
+            <a:off x="749300" y="1081088"/>
+            <a:ext cx="10693400" cy="646331"/>
           </a:xfrm>
           <a:prstGeom prst="rect">
             <a:avLst/>
           </a:prstGeom>
+          <a:noFill/>
         </p:spPr>
         <p:txBody>
           <a:bodyPr wrap="square">
@@ -7506,32 +8580,17 @@
           </a:bodyPr>
           <a:lstStyle/>
           <a:p>
-            <a:pPr>
-              <a:lnSpc>
-                <a:spcPct val="115000"/>
-              </a:lnSpc>
-              <a:spcAft>
-                <a:spcPts val="0"/>
-              </a:spcAft>
-            </a:pPr>
-            <a:r>
-              <a:rPr lang="en-NZ" i="1" dirty="0">
-                <a:latin typeface="Arial" panose="020B0604020202020204" pitchFamily="34" charset="0"/>
-                <a:ea typeface="Arial" panose="020B0604020202020204" pitchFamily="34" charset="0"/>
-              </a:rPr>
-              <a:t>Show testing for your assembled outcome below.  This should include a test plan followed by screenshot proof.  </a:t>
-            </a:r>
-            <a:endParaRPr lang="en-NZ" dirty="0">
-              <a:latin typeface="Arial" panose="020B0604020202020204" pitchFamily="34" charset="0"/>
-              <a:ea typeface="Arial" panose="020B0604020202020204" pitchFamily="34" charset="0"/>
-            </a:endParaRPr>
+            <a:r>
+              <a:rPr lang="en-NZ" i="1" dirty="0"/>
+              <a:t>You must show the results of testing. For each component, include a screenshot proving it works.  You can also include notes about each test. </a:t>
+            </a:r>
           </a:p>
         </p:txBody>
       </p:sp>
     </p:spTree>
     <p:extLst>
       <p:ext uri="{BB962C8B-B14F-4D97-AF65-F5344CB8AC3E}">
-        <p14:creationId xmlns:p14="http://schemas.microsoft.com/office/powerpoint/2010/main" val="1084233196"/>
+        <p14:creationId xmlns:p14="http://schemas.microsoft.com/office/powerpoint/2010/main" val="89592267"/>
       </p:ext>
     </p:extLst>
   </p:cSld>

--- a/Lucky Unicorn Documentation.pptx
+++ b/Lucky Unicorn Documentation.pptx
@@ -14,9 +14,9 @@
     <p:sldId id="260" r:id="rId5"/>
     <p:sldId id="268" r:id="rId6"/>
     <p:sldId id="269" r:id="rId7"/>
-    <p:sldId id="275" r:id="rId8"/>
-    <p:sldId id="273" r:id="rId9"/>
-    <p:sldId id="274" r:id="rId10"/>
+    <p:sldId id="274" r:id="rId8"/>
+    <p:sldId id="275" r:id="rId9"/>
+    <p:sldId id="273" r:id="rId10"/>
     <p:sldId id="263" r:id="rId11"/>
     <p:sldId id="270" r:id="rId12"/>
     <p:sldId id="261" r:id="rId13"/>
@@ -130,8 +130,7 @@
 <file path=ppt/revisionInfo.xml><?xml version="1.0" encoding="utf-8"?>
 <p1510:revInfo xmlns:a="http://schemas.openxmlformats.org/drawingml/2006/main" xmlns:r="http://schemas.openxmlformats.org/officeDocument/2006/relationships" xmlns:p1510="http://schemas.microsoft.com/office/powerpoint/2015/10/main">
   <p1510:revLst>
-    <p1510:client id="{14DA4211-AAE7-E846-996D-C07212070A5C}" v="10" dt="2022-03-30T01:28:36.411"/>
-    <p1510:client id="{D7C9858A-634A-A791-C3A6-8C430DA102BF}" v="471" dt="2022-03-30T20:18:14.216"/>
+    <p1510:client id="{14DA4211-AAE7-E846-996D-C07212070A5C}" v="13" dt="2022-04-05T02:53:24.222"/>
   </p1510:revLst>
 </p1510:revInfo>
 </file>
@@ -172,8 +171,8 @@
   </pc:docChgLst>
   <pc:docChgLst>
     <pc:chgData name="Joshua Bracefield" userId="d64b1e77-fcfe-4377-8f23-1bdeb7587d81" providerId="ADAL" clId="{14DA4211-AAE7-E846-996D-C07212070A5C}"/>
-    <pc:docChg chg="undo custSel modSld">
-      <pc:chgData name="Joshua Bracefield" userId="d64b1e77-fcfe-4377-8f23-1bdeb7587d81" providerId="ADAL" clId="{14DA4211-AAE7-E846-996D-C07212070A5C}" dt="2022-03-30T01:29:27.032" v="1203" actId="20577"/>
+    <pc:docChg chg="undo redo custSel modSld sldOrd">
+      <pc:chgData name="Joshua Bracefield" userId="d64b1e77-fcfe-4377-8f23-1bdeb7587d81" providerId="ADAL" clId="{14DA4211-AAE7-E846-996D-C07212070A5C}" dt="2022-04-11T00:31:02.924" v="1463" actId="1076"/>
       <pc:docMkLst>
         <pc:docMk/>
       </pc:docMkLst>
@@ -200,14 +199,14 @@
           </ac:spMkLst>
         </pc:spChg>
       </pc:sldChg>
-      <pc:sldChg chg="modSp mod">
-        <pc:chgData name="Joshua Bracefield" userId="d64b1e77-fcfe-4377-8f23-1bdeb7587d81" providerId="ADAL" clId="{14DA4211-AAE7-E846-996D-C07212070A5C}" dt="2022-03-21T21:12:33.134" v="133" actId="14100"/>
+      <pc:sldChg chg="addSp delSp modSp mod setBg">
+        <pc:chgData name="Joshua Bracefield" userId="d64b1e77-fcfe-4377-8f23-1bdeb7587d81" providerId="ADAL" clId="{14DA4211-AAE7-E846-996D-C07212070A5C}" dt="2022-04-05T02:54:31.808" v="1462" actId="1076"/>
         <pc:sldMkLst>
           <pc:docMk/>
           <pc:sldMk cId="3838895173" sldId="258"/>
         </pc:sldMkLst>
         <pc:spChg chg="mod">
-          <ac:chgData name="Joshua Bracefield" userId="d64b1e77-fcfe-4377-8f23-1bdeb7587d81" providerId="ADAL" clId="{14DA4211-AAE7-E846-996D-C07212070A5C}" dt="2022-03-21T21:02:16.893" v="116" actId="20577"/>
+          <ac:chgData name="Joshua Bracefield" userId="d64b1e77-fcfe-4377-8f23-1bdeb7587d81" providerId="ADAL" clId="{14DA4211-AAE7-E846-996D-C07212070A5C}" dt="2022-04-05T02:39:27.178" v="1450" actId="26606"/>
           <ac:spMkLst>
             <pc:docMk/>
             <pc:sldMk cId="3838895173" sldId="258"/>
@@ -215,15 +214,47 @@
           </ac:spMkLst>
         </pc:spChg>
         <pc:spChg chg="mod">
-          <ac:chgData name="Joshua Bracefield" userId="d64b1e77-fcfe-4377-8f23-1bdeb7587d81" providerId="ADAL" clId="{14DA4211-AAE7-E846-996D-C07212070A5C}" dt="2022-03-21T21:12:22.886" v="130" actId="14100"/>
+          <ac:chgData name="Joshua Bracefield" userId="d64b1e77-fcfe-4377-8f23-1bdeb7587d81" providerId="ADAL" clId="{14DA4211-AAE7-E846-996D-C07212070A5C}" dt="2022-04-05T02:54:12.921" v="1461" actId="14100"/>
           <ac:spMkLst>
             <pc:docMk/>
             <pc:sldMk cId="3838895173" sldId="258"/>
             <ac:spMk id="4" creationId="{F7FB308A-232B-4B31-A59D-BD561ECFBE8B}"/>
           </ac:spMkLst>
         </pc:spChg>
+        <pc:spChg chg="add del">
+          <ac:chgData name="Joshua Bracefield" userId="d64b1e77-fcfe-4377-8f23-1bdeb7587d81" providerId="ADAL" clId="{14DA4211-AAE7-E846-996D-C07212070A5C}" dt="2022-04-05T02:39:27.178" v="1450" actId="26606"/>
+          <ac:spMkLst>
+            <pc:docMk/>
+            <pc:sldMk cId="3838895173" sldId="258"/>
+            <ac:spMk id="11" creationId="{2550BE34-C2B8-49B8-8519-67A8CAD51AE9}"/>
+          </ac:spMkLst>
+        </pc:spChg>
+        <pc:spChg chg="add del">
+          <ac:chgData name="Joshua Bracefield" userId="d64b1e77-fcfe-4377-8f23-1bdeb7587d81" providerId="ADAL" clId="{14DA4211-AAE7-E846-996D-C07212070A5C}" dt="2022-04-05T02:39:27.178" v="1450" actId="26606"/>
+          <ac:spMkLst>
+            <pc:docMk/>
+            <pc:sldMk cId="3838895173" sldId="258"/>
+            <ac:spMk id="13" creationId="{A7457DD9-5A45-400A-AB4B-4B4EDECA25F1}"/>
+          </ac:spMkLst>
+        </pc:spChg>
+        <pc:spChg chg="add del">
+          <ac:chgData name="Joshua Bracefield" userId="d64b1e77-fcfe-4377-8f23-1bdeb7587d81" providerId="ADAL" clId="{14DA4211-AAE7-E846-996D-C07212070A5C}" dt="2022-04-05T02:39:27.178" v="1450" actId="26606"/>
+          <ac:spMkLst>
+            <pc:docMk/>
+            <pc:sldMk cId="3838895173" sldId="258"/>
+            <ac:spMk id="15" creationId="{441CF7D6-A660-431A-B0BB-140A0D5556B6}"/>
+          </ac:spMkLst>
+        </pc:spChg>
+        <pc:spChg chg="add del">
+          <ac:chgData name="Joshua Bracefield" userId="d64b1e77-fcfe-4377-8f23-1bdeb7587d81" providerId="ADAL" clId="{14DA4211-AAE7-E846-996D-C07212070A5C}" dt="2022-04-05T02:39:27.178" v="1450" actId="26606"/>
+          <ac:spMkLst>
+            <pc:docMk/>
+            <pc:sldMk cId="3838895173" sldId="258"/>
+            <ac:spMk id="17" creationId="{0570A85B-3810-4F95-97B0-CBF4CCDB381C}"/>
+          </ac:spMkLst>
+        </pc:spChg>
         <pc:graphicFrameChg chg="mod modGraphic">
-          <ac:chgData name="Joshua Bracefield" userId="d64b1e77-fcfe-4377-8f23-1bdeb7587d81" providerId="ADAL" clId="{14DA4211-AAE7-E846-996D-C07212070A5C}" dt="2022-03-21T21:12:33.134" v="133" actId="14100"/>
+          <ac:chgData name="Joshua Bracefield" userId="d64b1e77-fcfe-4377-8f23-1bdeb7587d81" providerId="ADAL" clId="{14DA4211-AAE7-E846-996D-C07212070A5C}" dt="2022-04-05T02:54:31.808" v="1462" actId="1076"/>
           <ac:graphicFrameMkLst>
             <pc:docMk/>
             <pc:sldMk cId="3838895173" sldId="258"/>
@@ -232,7 +263,7 @@
         </pc:graphicFrameChg>
       </pc:sldChg>
       <pc:sldChg chg="addSp delSp modSp mod setBg">
-        <pc:chgData name="Joshua Bracefield" userId="d64b1e77-fcfe-4377-8f23-1bdeb7587d81" providerId="ADAL" clId="{14DA4211-AAE7-E846-996D-C07212070A5C}" dt="2022-03-29T21:04:04.035" v="962" actId="962"/>
+        <pc:chgData name="Joshua Bracefield" userId="d64b1e77-fcfe-4377-8f23-1bdeb7587d81" providerId="ADAL" clId="{14DA4211-AAE7-E846-996D-C07212070A5C}" dt="2022-04-11T00:31:02.924" v="1463" actId="1076"/>
         <pc:sldMkLst>
           <pc:docMk/>
           <pc:sldMk cId="3760331451" sldId="260"/>
@@ -262,7 +293,7 @@
           </ac:spMkLst>
         </pc:spChg>
         <pc:picChg chg="add mod ord">
-          <ac:chgData name="Joshua Bracefield" userId="d64b1e77-fcfe-4377-8f23-1bdeb7587d81" providerId="ADAL" clId="{14DA4211-AAE7-E846-996D-C07212070A5C}" dt="2022-03-29T21:02:45.810" v="955" actId="1076"/>
+          <ac:chgData name="Joshua Bracefield" userId="d64b1e77-fcfe-4377-8f23-1bdeb7587d81" providerId="ADAL" clId="{14DA4211-AAE7-E846-996D-C07212070A5C}" dt="2022-04-11T00:31:02.924" v="1463" actId="1076"/>
           <ac:picMkLst>
             <pc:docMk/>
             <pc:sldMk cId="3760331451" sldId="260"/>
@@ -355,6 +386,29 @@
           </ac:graphicFrameMkLst>
         </pc:graphicFrameChg>
       </pc:sldChg>
+      <pc:sldChg chg="addSp delSp modSp mod ord">
+        <pc:chgData name="Joshua Bracefield" userId="d64b1e77-fcfe-4377-8f23-1bdeb7587d81" providerId="ADAL" clId="{14DA4211-AAE7-E846-996D-C07212070A5C}" dt="2022-04-05T02:42:02.068" v="1451" actId="20578"/>
+        <pc:sldMkLst>
+          <pc:docMk/>
+          <pc:sldMk cId="89592267" sldId="274"/>
+        </pc:sldMkLst>
+        <pc:spChg chg="mod">
+          <ac:chgData name="Joshua Bracefield" userId="d64b1e77-fcfe-4377-8f23-1bdeb7587d81" providerId="ADAL" clId="{14DA4211-AAE7-E846-996D-C07212070A5C}" dt="2022-04-04T00:28:28.428" v="1263" actId="20577"/>
+          <ac:spMkLst>
+            <pc:docMk/>
+            <pc:sldMk cId="89592267" sldId="274"/>
+            <ac:spMk id="2" creationId="{1CC5D32F-7C18-4D00-8D54-2FB046F0A206}"/>
+          </ac:spMkLst>
+        </pc:spChg>
+        <pc:picChg chg="add del mod">
+          <ac:chgData name="Joshua Bracefield" userId="d64b1e77-fcfe-4377-8f23-1bdeb7587d81" providerId="ADAL" clId="{14DA4211-AAE7-E846-996D-C07212070A5C}" dt="2022-04-04T00:36:13.982" v="1404" actId="478"/>
+          <ac:picMkLst>
+            <pc:docMk/>
+            <pc:sldMk cId="89592267" sldId="274"/>
+            <ac:picMk id="5" creationId="{A3EB9601-3048-B549-8A62-5E18F981756B}"/>
+          </ac:picMkLst>
+        </pc:picChg>
+      </pc:sldChg>
     </pc:docChg>
   </pc:docChgLst>
 </pc:chgInfo>
@@ -442,7 +496,7 @@
           <a:p>
             <a:fld id="{F37D28C0-BEB6-42B0-A203-EEE1023219C4}" type="datetimeFigureOut">
               <a:rPr lang="en-NZ" smtClean="0"/>
-              <a:t>30/03/2022</a:t>
+              <a:t>11/04/22</a:t>
             </a:fld>
             <a:endParaRPr lang="en-NZ"/>
           </a:p>
@@ -887,7 +941,7 @@
           <a:p>
             <a:fld id="{D89B2B17-F4B1-4A14-AF99-5A366D45E74A}" type="slidenum">
               <a:rPr lang="en-NZ" smtClean="0"/>
-              <a:t>12</a:t>
+              <a:t>13</a:t>
             </a:fld>
             <a:endParaRPr lang="en-NZ"/>
           </a:p>
@@ -1272,6 +1326,105 @@
 </file>
 
 <file path=ppt/notesSlides/notesSlide5.xml><?xml version="1.0" encoding="utf-8"?>
+<p:notes xmlns:a="http://schemas.openxmlformats.org/drawingml/2006/main" xmlns:r="http://schemas.openxmlformats.org/officeDocument/2006/relationships" xmlns:p="http://schemas.openxmlformats.org/presentationml/2006/main">
+  <p:cSld>
+    <p:spTree>
+      <p:nvGrpSpPr>
+        <p:cNvPr id="1" name=""/>
+        <p:cNvGrpSpPr/>
+        <p:nvPr/>
+      </p:nvGrpSpPr>
+      <p:grpSpPr>
+        <a:xfrm>
+          <a:off x="0" y="0"/>
+          <a:ext cx="0" cy="0"/>
+          <a:chOff x="0" y="0"/>
+          <a:chExt cx="0" cy="0"/>
+        </a:xfrm>
+      </p:grpSpPr>
+      <p:sp>
+        <p:nvSpPr>
+          <p:cNvPr id="2" name="Slide Image Placeholder 1"/>
+          <p:cNvSpPr>
+            <a:spLocks noGrp="1" noRot="1" noChangeAspect="1"/>
+          </p:cNvSpPr>
+          <p:nvPr>
+            <p:ph type="sldImg"/>
+          </p:nvPr>
+        </p:nvSpPr>
+        <p:spPr/>
+      </p:sp>
+      <p:sp>
+        <p:nvSpPr>
+          <p:cNvPr id="3" name="Notes Placeholder 2"/>
+          <p:cNvSpPr>
+            <a:spLocks noGrp="1"/>
+          </p:cNvSpPr>
+          <p:nvPr>
+            <p:ph type="body" idx="1"/>
+          </p:nvPr>
+        </p:nvSpPr>
+        <p:spPr/>
+        <p:txBody>
+          <a:bodyPr/>
+          <a:lstStyle/>
+          <a:p>
+            <a:pPr>
+              <a:lnSpc>
+                <a:spcPct val="115000"/>
+              </a:lnSpc>
+            </a:pPr>
+            <a:r>
+              <a:rPr lang="en-NZ" i="1" dirty="0">
+                <a:latin typeface="Arial" panose="020B0604020202020204" pitchFamily="34" charset="0"/>
+                <a:ea typeface="Arial" panose="020B0604020202020204" pitchFamily="34" charset="0"/>
+              </a:rPr>
+              <a:t>You must show the results of testing. For each component, include a screenshot proving it works.  You can also include notes about each test. </a:t>
+            </a:r>
+            <a:endParaRPr lang="en-NZ" dirty="0">
+              <a:latin typeface="Arial" panose="020B0604020202020204" pitchFamily="34" charset="0"/>
+              <a:ea typeface="Arial" panose="020B0604020202020204" pitchFamily="34" charset="0"/>
+            </a:endParaRPr>
+          </a:p>
+        </p:txBody>
+      </p:sp>
+      <p:sp>
+        <p:nvSpPr>
+          <p:cNvPr id="4" name="Slide Number Placeholder 3"/>
+          <p:cNvSpPr>
+            <a:spLocks noGrp="1"/>
+          </p:cNvSpPr>
+          <p:nvPr>
+            <p:ph type="sldNum" sz="quarter" idx="5"/>
+          </p:nvPr>
+        </p:nvSpPr>
+        <p:spPr/>
+        <p:txBody>
+          <a:bodyPr/>
+          <a:lstStyle/>
+          <a:p>
+            <a:fld id="{D89B2B17-F4B1-4A14-AF99-5A366D45E74A}" type="slidenum">
+              <a:rPr lang="en-NZ" smtClean="0"/>
+              <a:t>7</a:t>
+            </a:fld>
+            <a:endParaRPr lang="en-NZ"/>
+          </a:p>
+        </p:txBody>
+      </p:sp>
+    </p:spTree>
+    <p:extLst>
+      <p:ext uri="{BB962C8B-B14F-4D97-AF65-F5344CB8AC3E}">
+        <p14:creationId xmlns:p14="http://schemas.microsoft.com/office/powerpoint/2010/main" val="3683133660"/>
+      </p:ext>
+    </p:extLst>
+  </p:cSld>
+  <p:clrMapOvr>
+    <a:masterClrMapping/>
+  </p:clrMapOvr>
+</p:notes>
+</file>
+
+<file path=ppt/notesSlides/notesSlide6.xml><?xml version="1.0" encoding="utf-8"?>
 <p:notes xmlns:a="http://schemas.openxmlformats.org/drawingml/2006/main" xmlns:r="http://schemas.openxmlformats.org/officeDocument/2006/relationships" xmlns:p="http://schemas.openxmlformats.org/presentationml/2006/main" showMasterSp="0" showMasterPhAnim="0">
   <p:cSld>
     <p:spTree>
@@ -1403,108 +1556,6 @@
 </p:notes>
 </file>
 
-<file path=ppt/notesSlides/notesSlide6.xml><?xml version="1.0" encoding="utf-8"?>
-<p:notes xmlns:a="http://schemas.openxmlformats.org/drawingml/2006/main" xmlns:r="http://schemas.openxmlformats.org/officeDocument/2006/relationships" xmlns:p="http://schemas.openxmlformats.org/presentationml/2006/main">
-  <p:cSld>
-    <p:spTree>
-      <p:nvGrpSpPr>
-        <p:cNvPr id="1" name=""/>
-        <p:cNvGrpSpPr/>
-        <p:nvPr/>
-      </p:nvGrpSpPr>
-      <p:grpSpPr>
-        <a:xfrm>
-          <a:off x="0" y="0"/>
-          <a:ext cx="0" cy="0"/>
-          <a:chOff x="0" y="0"/>
-          <a:chExt cx="0" cy="0"/>
-        </a:xfrm>
-      </p:grpSpPr>
-      <p:sp>
-        <p:nvSpPr>
-          <p:cNvPr id="2" name="Slide Image Placeholder 1"/>
-          <p:cNvSpPr>
-            <a:spLocks noGrp="1" noRot="1" noChangeAspect="1"/>
-          </p:cNvSpPr>
-          <p:nvPr>
-            <p:ph type="sldImg"/>
-          </p:nvPr>
-        </p:nvSpPr>
-        <p:spPr/>
-      </p:sp>
-      <p:sp>
-        <p:nvSpPr>
-          <p:cNvPr id="3" name="Notes Placeholder 2"/>
-          <p:cNvSpPr>
-            <a:spLocks noGrp="1"/>
-          </p:cNvSpPr>
-          <p:nvPr>
-            <p:ph type="body" idx="1"/>
-          </p:nvPr>
-        </p:nvSpPr>
-        <p:spPr/>
-        <p:txBody>
-          <a:bodyPr/>
-          <a:lstStyle/>
-          <a:p>
-            <a:r>
-              <a:rPr lang="en-NZ" i="1" dirty="0"/>
-              <a:t>NOTE: Trialling needs to happen for </a:t>
-            </a:r>
-            <a:r>
-              <a:rPr lang="en-NZ" b="1" i="1" dirty="0"/>
-              <a:t>at least 2 </a:t>
-            </a:r>
-            <a:r>
-              <a:rPr lang="en-NZ" i="1" dirty="0"/>
-              <a:t>of your components but is not necessary for ALL components.</a:t>
-            </a:r>
-          </a:p>
-          <a:p>
-            <a:r>
-              <a:rPr lang="en" i="1" dirty="0"/>
-              <a:t>Trialling is not the same as testing. Trialling is about finding different ways of building the same component. Show evidence of  your trialling  here. Select one of your trials for further development and give reasons for your choice. </a:t>
-            </a:r>
-            <a:endParaRPr lang="en-NZ" dirty="0"/>
-          </a:p>
-        </p:txBody>
-      </p:sp>
-      <p:sp>
-        <p:nvSpPr>
-          <p:cNvPr id="4" name="Slide Number Placeholder 3"/>
-          <p:cNvSpPr>
-            <a:spLocks noGrp="1"/>
-          </p:cNvSpPr>
-          <p:nvPr>
-            <p:ph type="sldNum" sz="quarter" idx="5"/>
-          </p:nvPr>
-        </p:nvSpPr>
-        <p:spPr/>
-        <p:txBody>
-          <a:bodyPr/>
-          <a:lstStyle/>
-          <a:p>
-            <a:fld id="{D89B2B17-F4B1-4A14-AF99-5A366D45E74A}" type="slidenum">
-              <a:rPr lang="en-NZ" smtClean="0"/>
-              <a:t>7</a:t>
-            </a:fld>
-            <a:endParaRPr lang="en-NZ"/>
-          </a:p>
-        </p:txBody>
-      </p:sp>
-    </p:spTree>
-    <p:extLst>
-      <p:ext uri="{BB962C8B-B14F-4D97-AF65-F5344CB8AC3E}">
-        <p14:creationId xmlns:p14="http://schemas.microsoft.com/office/powerpoint/2010/main" val="120689959"/>
-      </p:ext>
-    </p:extLst>
-  </p:cSld>
-  <p:clrMapOvr>
-    <a:masterClrMapping/>
-  </p:clrMapOvr>
-</p:notes>
-</file>
-
 <file path=ppt/notesSlides/notesSlide7.xml><?xml version="1.0" encoding="utf-8"?>
 <p:notes xmlns:a="http://schemas.openxmlformats.org/drawingml/2006/main" xmlns:r="http://schemas.openxmlformats.org/officeDocument/2006/relationships" xmlns:p="http://schemas.openxmlformats.org/presentationml/2006/main">
   <p:cSld>
@@ -1549,22 +1600,25 @@
           <a:bodyPr/>
           <a:lstStyle/>
           <a:p>
-            <a:pPr>
-              <a:lnSpc>
-                <a:spcPct val="115000"/>
-              </a:lnSpc>
-            </a:pPr>
-            <a:r>
-              <a:rPr lang="en-NZ" i="1" dirty="0">
-                <a:latin typeface="Arial" panose="020B0604020202020204" pitchFamily="34" charset="0"/>
-                <a:ea typeface="Arial" panose="020B0604020202020204" pitchFamily="34" charset="0"/>
-              </a:rPr>
-              <a:t>You must show the results of testing. For each component, include a screenshot proving it works.  You can also include notes about each test. </a:t>
-            </a:r>
-            <a:endParaRPr lang="en-NZ" dirty="0">
-              <a:latin typeface="Arial" panose="020B0604020202020204" pitchFamily="34" charset="0"/>
-              <a:ea typeface="Arial" panose="020B0604020202020204" pitchFamily="34" charset="0"/>
-            </a:endParaRPr>
+            <a:r>
+              <a:rPr lang="en-NZ" i="1" dirty="0"/>
+              <a:t>NOTE: Trialling needs to happen for </a:t>
+            </a:r>
+            <a:r>
+              <a:rPr lang="en-NZ" b="1" i="1" dirty="0"/>
+              <a:t>at least 2 </a:t>
+            </a:r>
+            <a:r>
+              <a:rPr lang="en-NZ" i="1" dirty="0"/>
+              <a:t>of your components but is not necessary for ALL components.</a:t>
+            </a:r>
+          </a:p>
+          <a:p>
+            <a:r>
+              <a:rPr lang="en" i="1" dirty="0"/>
+              <a:t>Trialling is not the same as testing. Trialling is about finding different ways of building the same component. Show evidence of  your trialling  here. Select one of your trials for further development and give reasons for your choice. </a:t>
+            </a:r>
+            <a:endParaRPr lang="en-NZ" dirty="0"/>
           </a:p>
         </p:txBody>
       </p:sp>
@@ -1585,7 +1639,7 @@
           <a:p>
             <a:fld id="{D89B2B17-F4B1-4A14-AF99-5A366D45E74A}" type="slidenum">
               <a:rPr lang="en-NZ" smtClean="0"/>
-              <a:t>8</a:t>
+              <a:t>9</a:t>
             </a:fld>
             <a:endParaRPr lang="en-NZ"/>
           </a:p>
@@ -1594,7 +1648,7 @@
     </p:spTree>
     <p:extLst>
       <p:ext uri="{BB962C8B-B14F-4D97-AF65-F5344CB8AC3E}">
-        <p14:creationId xmlns:p14="http://schemas.microsoft.com/office/powerpoint/2010/main" val="3683133660"/>
+        <p14:creationId xmlns:p14="http://schemas.microsoft.com/office/powerpoint/2010/main" val="120689959"/>
       </p:ext>
     </p:extLst>
   </p:cSld>
@@ -1693,7 +1747,7 @@
           <a:p>
             <a:fld id="{D89B2B17-F4B1-4A14-AF99-5A366D45E74A}" type="slidenum">
               <a:rPr lang="en-NZ" smtClean="0"/>
-              <a:t>9</a:t>
+              <a:t>10</a:t>
             </a:fld>
             <a:endParaRPr lang="en-NZ"/>
           </a:p>
@@ -1807,7 +1861,7 @@
           <a:p>
             <a:fld id="{D89B2B17-F4B1-4A14-AF99-5A366D45E74A}" type="slidenum">
               <a:rPr lang="en-NZ" smtClean="0"/>
-              <a:t>11</a:t>
+              <a:t>12</a:t>
             </a:fld>
             <a:endParaRPr lang="en-NZ"/>
           </a:p>
@@ -1975,7 +2029,7 @@
           <a:p>
             <a:fld id="{9C4A4F43-1C06-40E6-8F87-8B286982E50E}" type="datetimeFigureOut">
               <a:rPr lang="en-NZ" smtClean="0"/>
-              <a:t>30/03/2022</a:t>
+              <a:t>11/04/22</a:t>
             </a:fld>
             <a:endParaRPr lang="en-NZ" dirty="0"/>
           </a:p>
@@ -2175,7 +2229,7 @@
           <a:p>
             <a:fld id="{9C4A4F43-1C06-40E6-8F87-8B286982E50E}" type="datetimeFigureOut">
               <a:rPr lang="en-NZ" smtClean="0"/>
-              <a:t>30/03/2022</a:t>
+              <a:t>11/04/22</a:t>
             </a:fld>
             <a:endParaRPr lang="en-NZ" dirty="0"/>
           </a:p>
@@ -2385,7 +2439,7 @@
           <a:p>
             <a:fld id="{9C4A4F43-1C06-40E6-8F87-8B286982E50E}" type="datetimeFigureOut">
               <a:rPr lang="en-NZ" smtClean="0"/>
-              <a:t>30/03/2022</a:t>
+              <a:t>11/04/22</a:t>
             </a:fld>
             <a:endParaRPr lang="en-NZ" dirty="0"/>
           </a:p>
@@ -2944,7 +2998,7 @@
           <a:p>
             <a:fld id="{9C4A4F43-1C06-40E6-8F87-8B286982E50E}" type="datetimeFigureOut">
               <a:rPr lang="en-NZ" smtClean="0"/>
-              <a:t>30/03/2022</a:t>
+              <a:t>11/04/22</a:t>
             </a:fld>
             <a:endParaRPr lang="en-NZ" dirty="0"/>
           </a:p>
@@ -3220,7 +3274,7 @@
           <a:p>
             <a:fld id="{9C4A4F43-1C06-40E6-8F87-8B286982E50E}" type="datetimeFigureOut">
               <a:rPr lang="en-NZ" smtClean="0"/>
-              <a:t>30/03/2022</a:t>
+              <a:t>11/04/22</a:t>
             </a:fld>
             <a:endParaRPr lang="en-NZ" dirty="0"/>
           </a:p>
@@ -3488,7 +3542,7 @@
           <a:p>
             <a:fld id="{9C4A4F43-1C06-40E6-8F87-8B286982E50E}" type="datetimeFigureOut">
               <a:rPr lang="en-NZ" smtClean="0"/>
-              <a:t>30/03/2022</a:t>
+              <a:t>11/04/22</a:t>
             </a:fld>
             <a:endParaRPr lang="en-NZ" dirty="0"/>
           </a:p>
@@ -3903,7 +3957,7 @@
           <a:p>
             <a:fld id="{9C4A4F43-1C06-40E6-8F87-8B286982E50E}" type="datetimeFigureOut">
               <a:rPr lang="en-NZ" smtClean="0"/>
-              <a:t>30/03/2022</a:t>
+              <a:t>11/04/22</a:t>
             </a:fld>
             <a:endParaRPr lang="en-NZ" dirty="0"/>
           </a:p>
@@ -4045,7 +4099,7 @@
           <a:p>
             <a:fld id="{9C4A4F43-1C06-40E6-8F87-8B286982E50E}" type="datetimeFigureOut">
               <a:rPr lang="en-NZ" smtClean="0"/>
-              <a:t>30/03/2022</a:t>
+              <a:t>11/04/22</a:t>
             </a:fld>
             <a:endParaRPr lang="en-NZ" dirty="0"/>
           </a:p>
@@ -4158,7 +4212,7 @@
           <a:p>
             <a:fld id="{9C4A4F43-1C06-40E6-8F87-8B286982E50E}" type="datetimeFigureOut">
               <a:rPr lang="en-NZ" smtClean="0"/>
-              <a:t>30/03/2022</a:t>
+              <a:t>11/04/22</a:t>
             </a:fld>
             <a:endParaRPr lang="en-NZ" dirty="0"/>
           </a:p>
@@ -4471,7 +4525,7 @@
           <a:p>
             <a:fld id="{9C4A4F43-1C06-40E6-8F87-8B286982E50E}" type="datetimeFigureOut">
               <a:rPr lang="en-NZ" smtClean="0"/>
-              <a:t>30/03/2022</a:t>
+              <a:t>11/04/22</a:t>
             </a:fld>
             <a:endParaRPr lang="en-NZ" dirty="0"/>
           </a:p>
@@ -4760,7 +4814,7 @@
           <a:p>
             <a:fld id="{9C4A4F43-1C06-40E6-8F87-8B286982E50E}" type="datetimeFigureOut">
               <a:rPr lang="en-NZ" smtClean="0"/>
-              <a:t>30/03/2022</a:t>
+              <a:t>11/04/22</a:t>
             </a:fld>
             <a:endParaRPr lang="en-NZ" dirty="0"/>
           </a:p>
@@ -5003,7 +5057,7 @@
           <a:p>
             <a:fld id="{9C4A4F43-1C06-40E6-8F87-8B286982E50E}" type="datetimeFigureOut">
               <a:rPr lang="en-NZ" smtClean="0"/>
-              <a:t>30/03/2022</a:t>
+              <a:t>11/04/22</a:t>
             </a:fld>
             <a:endParaRPr lang="en-NZ" dirty="0"/>
           </a:p>
@@ -6135,7 +6189,7 @@
           <a:lstStyle/>
           <a:p>
             <a:r>
-              <a:rPr lang="en-NZ" b="1" dirty="0"/>
+              <a:rPr lang="en-NZ" b="1"/>
               <a:t>Lucky Unicorn</a:t>
             </a:r>
             <a:endParaRPr lang="en-NZ" dirty="0"/>
@@ -6158,8 +6212,8 @@
         </p:nvSpPr>
         <p:spPr>
           <a:xfrm>
-            <a:off x="1693460" y="1914475"/>
-            <a:ext cx="8768352" cy="1859026"/>
+            <a:off x="1693459" y="1690687"/>
+            <a:ext cx="8768352" cy="2483747"/>
           </a:xfrm>
           <a:prstGeom prst="rect">
             <a:avLst/>
@@ -6427,7 +6481,24 @@
                   <a:srgbClr val="274E13"/>
                 </a:solidFill>
               </a:rPr>
-              <a:t>Links to Trello board / project management tools: [here]</a:t>
+              <a:t>Links to Trello board / project management tools: </a:t>
+            </a:r>
+            <a:r>
+              <a:rPr lang="en-NZ" sz="2000" b="1" dirty="0">
+                <a:solidFill>
+                  <a:srgbClr val="274E13"/>
+                </a:solidFill>
+                <a:hlinkClick r:id="rId3"/>
+              </a:rPr>
+              <a:t>https://trello.com/b/4ApV5W8c/decomposition</a:t>
+            </a:r>
+            <a:r>
+              <a:rPr lang="en-NZ" sz="2000" b="1" dirty="0">
+                <a:solidFill>
+                  <a:srgbClr val="274E13"/>
+                </a:solidFill>
+              </a:rPr>
+              <a:t> </a:t>
             </a:r>
           </a:p>
           <a:p>
@@ -6513,13 +6584,13 @@
           <p:nvPr>
             <p:extLst>
               <p:ext uri="{D42A27DB-BD31-4B8C-83A1-F6EECF244321}">
-                <p14:modId xmlns:p14="http://schemas.microsoft.com/office/powerpoint/2010/main" val="1131236197"/>
+                <p14:modId xmlns:p14="http://schemas.microsoft.com/office/powerpoint/2010/main" val="1454263739"/>
               </p:ext>
             </p:extLst>
           </p:nvPr>
         </p:nvGraphicFramePr>
         <p:xfrm>
-          <a:off x="1693459" y="4327480"/>
+          <a:off x="1693459" y="4633849"/>
           <a:ext cx="8768352" cy="1859026"/>
         </p:xfrm>
         <a:graphic>
@@ -7115,7 +7186,7 @@
         </p:blipFill>
         <p:spPr>
           <a:xfrm>
-            <a:off x="0" y="1949823"/>
+            <a:off x="838200" y="2031929"/>
             <a:ext cx="6343625" cy="3650503"/>
           </a:xfrm>
           <a:prstGeom prst="rect">
@@ -7949,6 +8020,106 @@
   <p:cSld>
     <p:spTree>
       <p:nvGrpSpPr>
+        <p:cNvPr id="1" name=""/>
+        <p:cNvGrpSpPr/>
+        <p:nvPr/>
+      </p:nvGrpSpPr>
+      <p:grpSpPr>
+        <a:xfrm>
+          <a:off x="0" y="0"/>
+          <a:ext cx="0" cy="0"/>
+          <a:chOff x="0" y="0"/>
+          <a:chExt cx="0" cy="0"/>
+        </a:xfrm>
+      </p:grpSpPr>
+      <p:sp>
+        <p:nvSpPr>
+          <p:cNvPr id="2" name="Title 1">
+            <a:extLst>
+              <a:ext uri="{FF2B5EF4-FFF2-40B4-BE49-F238E27FC236}">
+                <a16:creationId xmlns:a16="http://schemas.microsoft.com/office/drawing/2014/main" id="{1CC5D32F-7C18-4D00-8D54-2FB046F0A206}"/>
+              </a:ext>
+            </a:extLst>
+          </p:cNvPr>
+          <p:cNvSpPr>
+            <a:spLocks noGrp="1"/>
+          </p:cNvSpPr>
+          <p:nvPr>
+            <p:ph type="title"/>
+          </p:nvPr>
+        </p:nvSpPr>
+        <p:spPr>
+          <a:xfrm>
+            <a:off x="838200" y="518160"/>
+            <a:ext cx="10515600" cy="562928"/>
+          </a:xfrm>
+        </p:spPr>
+        <p:txBody>
+          <a:bodyPr>
+            <a:normAutofit fontScale="90000"/>
+          </a:bodyPr>
+          <a:lstStyle/>
+          <a:p>
+            <a:r>
+              <a:rPr lang="en-NZ" dirty="0"/>
+              <a:t>Yes/No Checker: Testing </a:t>
+            </a:r>
+          </a:p>
+        </p:txBody>
+      </p:sp>
+      <p:sp>
+        <p:nvSpPr>
+          <p:cNvPr id="4" name="TextBox 3">
+            <a:extLst>
+              <a:ext uri="{FF2B5EF4-FFF2-40B4-BE49-F238E27FC236}">
+                <a16:creationId xmlns:a16="http://schemas.microsoft.com/office/drawing/2014/main" id="{8CD07A82-A944-4A9B-9A52-515DAC30878A}"/>
+              </a:ext>
+            </a:extLst>
+          </p:cNvPr>
+          <p:cNvSpPr txBox="1"/>
+          <p:nvPr/>
+        </p:nvSpPr>
+        <p:spPr>
+          <a:xfrm>
+            <a:off x="749300" y="1081088"/>
+            <a:ext cx="10693400" cy="646331"/>
+          </a:xfrm>
+          <a:prstGeom prst="rect">
+            <a:avLst/>
+          </a:prstGeom>
+          <a:noFill/>
+        </p:spPr>
+        <p:txBody>
+          <a:bodyPr wrap="square">
+            <a:spAutoFit/>
+          </a:bodyPr>
+          <a:lstStyle/>
+          <a:p>
+            <a:r>
+              <a:rPr lang="en-NZ" i="1" dirty="0"/>
+              <a:t>You must show the results of testing. For each component, include a screenshot proving it works.  You can also include notes about each test. </a:t>
+            </a:r>
+          </a:p>
+        </p:txBody>
+      </p:sp>
+    </p:spTree>
+    <p:extLst>
+      <p:ext uri="{BB962C8B-B14F-4D97-AF65-F5344CB8AC3E}">
+        <p14:creationId xmlns:p14="http://schemas.microsoft.com/office/powerpoint/2010/main" val="89592267"/>
+      </p:ext>
+    </p:extLst>
+  </p:cSld>
+  <p:clrMapOvr>
+    <a:masterClrMapping/>
+  </p:clrMapOvr>
+</p:sld>
+</file>
+
+<file path=ppt/slides/slide8.xml><?xml version="1.0" encoding="utf-8"?>
+<p:sld xmlns:a="http://schemas.openxmlformats.org/drawingml/2006/main" xmlns:r="http://schemas.openxmlformats.org/officeDocument/2006/relationships" xmlns:p="http://schemas.openxmlformats.org/presentationml/2006/main">
+  <p:cSld>
+    <p:spTree>
+      <p:nvGrpSpPr>
         <p:cNvPr id="1" name="Shape 90"/>
         <p:cNvGrpSpPr/>
         <p:nvPr/>
@@ -8301,11 +8472,7 @@
                       </a:pPr>
                       <a:r>
                         <a:rPr lang="en-US" sz="2400" dirty="0"/>
-                        <a:t>Shows an error saying, "Please enter Yes or </a:t>
-                      </a:r>
-                      <a:r>
-                        <a:rPr lang="en-US" sz="2400"/>
-                        <a:t>No"</a:t>
+                        <a:t>Shows an error saying, "Please enter Yes or No"</a:t>
                       </a:r>
                     </a:p>
                   </a:txBody>
@@ -8376,121 +8543,6 @@
     <p:extLst>
       <p:ext uri="{BB962C8B-B14F-4D97-AF65-F5344CB8AC3E}">
         <p14:creationId xmlns:p14="http://schemas.microsoft.com/office/powerpoint/2010/main" val="1973556824"/>
-      </p:ext>
-    </p:extLst>
-  </p:cSld>
-  <p:clrMapOvr>
-    <a:masterClrMapping/>
-  </p:clrMapOvr>
-</p:sld>
-</file>
-
-<file path=ppt/slides/slide8.xml><?xml version="1.0" encoding="utf-8"?>
-<p:sld xmlns:a="http://schemas.openxmlformats.org/drawingml/2006/main" xmlns:r="http://schemas.openxmlformats.org/officeDocument/2006/relationships" xmlns:p="http://schemas.openxmlformats.org/presentationml/2006/main">
-  <p:cSld>
-    <p:spTree>
-      <p:nvGrpSpPr>
-        <p:cNvPr id="1" name=""/>
-        <p:cNvGrpSpPr/>
-        <p:nvPr/>
-      </p:nvGrpSpPr>
-      <p:grpSpPr>
-        <a:xfrm>
-          <a:off x="0" y="0"/>
-          <a:ext cx="0" cy="0"/>
-          <a:chOff x="0" y="0"/>
-          <a:chExt cx="0" cy="0"/>
-        </a:xfrm>
-      </p:grpSpPr>
-      <p:sp>
-        <p:nvSpPr>
-          <p:cNvPr id="2" name="Title 1">
-            <a:extLst>
-              <a:ext uri="{FF2B5EF4-FFF2-40B4-BE49-F238E27FC236}">
-                <a16:creationId xmlns:a16="http://schemas.microsoft.com/office/drawing/2014/main" id="{1CC5D32F-7C18-4D00-8D54-2FB046F0A206}"/>
-              </a:ext>
-            </a:extLst>
-          </p:cNvPr>
-          <p:cNvSpPr>
-            <a:spLocks noGrp="1"/>
-          </p:cNvSpPr>
-          <p:nvPr>
-            <p:ph type="title"/>
-          </p:nvPr>
-        </p:nvSpPr>
-        <p:spPr>
-          <a:xfrm>
-            <a:off x="749300" y="223520"/>
-            <a:ext cx="10515600" cy="806768"/>
-          </a:xfrm>
-        </p:spPr>
-        <p:txBody>
-          <a:bodyPr>
-            <a:normAutofit/>
-          </a:bodyPr>
-          <a:lstStyle/>
-          <a:p>
-            <a:r>
-              <a:rPr lang="en-NZ" sz="4000" dirty="0"/>
-              <a:t>[Component name]: Trialling </a:t>
-            </a:r>
-          </a:p>
-        </p:txBody>
-      </p:sp>
-      <p:sp>
-        <p:nvSpPr>
-          <p:cNvPr id="4" name="TextBox 3">
-            <a:extLst>
-              <a:ext uri="{FF2B5EF4-FFF2-40B4-BE49-F238E27FC236}">
-                <a16:creationId xmlns:a16="http://schemas.microsoft.com/office/drawing/2014/main" id="{8CD07A82-A944-4A9B-9A52-515DAC30878A}"/>
-              </a:ext>
-            </a:extLst>
-          </p:cNvPr>
-          <p:cNvSpPr txBox="1"/>
-          <p:nvPr/>
-        </p:nvSpPr>
-        <p:spPr>
-          <a:xfrm>
-            <a:off x="660400" y="1030288"/>
-            <a:ext cx="10693400" cy="923330"/>
-          </a:xfrm>
-          <a:prstGeom prst="rect">
-            <a:avLst/>
-          </a:prstGeom>
-          <a:noFill/>
-        </p:spPr>
-        <p:txBody>
-          <a:bodyPr wrap="square">
-            <a:spAutoFit/>
-          </a:bodyPr>
-          <a:lstStyle/>
-          <a:p>
-            <a:r>
-              <a:rPr lang="en-NZ" i="1" dirty="0"/>
-              <a:t>NOTE: Trialling needs to happen for </a:t>
-            </a:r>
-            <a:r>
-              <a:rPr lang="en-NZ" b="1" i="1" dirty="0"/>
-              <a:t>at least 2 </a:t>
-            </a:r>
-            <a:r>
-              <a:rPr lang="en-NZ" i="1" dirty="0"/>
-              <a:t>of your components but is not necessary for ALL components.</a:t>
-            </a:r>
-          </a:p>
-          <a:p>
-            <a:r>
-              <a:rPr lang="en" i="1" dirty="0"/>
-              <a:t>Trialling is not the same as testing. Trialling is about finding different ways of building the same component. Show evidence of  your trialling  here. Select one of your trials for further development and give reasons for your choice. </a:t>
-            </a:r>
-            <a:endParaRPr lang="en-NZ" dirty="0"/>
-          </a:p>
-        </p:txBody>
-      </p:sp>
-    </p:spTree>
-    <p:extLst>
-      <p:ext uri="{BB962C8B-B14F-4D97-AF65-F5344CB8AC3E}">
-        <p14:creationId xmlns:p14="http://schemas.microsoft.com/office/powerpoint/2010/main" val="270828811"/>
       </p:ext>
     </p:extLst>
   </p:cSld>
@@ -8535,19 +8587,19 @@
         </p:nvSpPr>
         <p:spPr>
           <a:xfrm>
-            <a:off x="838200" y="518160"/>
-            <a:ext cx="10515600" cy="562928"/>
+            <a:off x="749300" y="223520"/>
+            <a:ext cx="10515600" cy="806768"/>
           </a:xfrm>
         </p:spPr>
         <p:txBody>
           <a:bodyPr>
-            <a:normAutofit fontScale="90000"/>
+            <a:normAutofit/>
           </a:bodyPr>
           <a:lstStyle/>
           <a:p>
             <a:r>
-              <a:rPr lang="en-NZ" dirty="0"/>
-              <a:t>[Component name]: Testing </a:t>
+              <a:rPr lang="en-NZ" sz="4000" dirty="0"/>
+              <a:t>[Component name]: Trialling </a:t>
             </a:r>
           </a:p>
         </p:txBody>
@@ -8566,8 +8618,8 @@
         </p:nvSpPr>
         <p:spPr>
           <a:xfrm>
-            <a:off x="749300" y="1081088"/>
-            <a:ext cx="10693400" cy="646331"/>
+            <a:off x="660400" y="1030288"/>
+            <a:ext cx="10693400" cy="923330"/>
           </a:xfrm>
           <a:prstGeom prst="rect">
             <a:avLst/>
@@ -8582,15 +8634,30 @@
           <a:p>
             <a:r>
               <a:rPr lang="en-NZ" i="1" dirty="0"/>
-              <a:t>You must show the results of testing. For each component, include a screenshot proving it works.  You can also include notes about each test. </a:t>
-            </a:r>
+              <a:t>NOTE: Trialling needs to happen for </a:t>
+            </a:r>
+            <a:r>
+              <a:rPr lang="en-NZ" b="1" i="1" dirty="0"/>
+              <a:t>at least 2 </a:t>
+            </a:r>
+            <a:r>
+              <a:rPr lang="en-NZ" i="1" dirty="0"/>
+              <a:t>of your components but is not necessary for ALL components.</a:t>
+            </a:r>
+          </a:p>
+          <a:p>
+            <a:r>
+              <a:rPr lang="en" i="1" dirty="0"/>
+              <a:t>Trialling is not the same as testing. Trialling is about finding different ways of building the same component. Show evidence of  your trialling  here. Select one of your trials for further development and give reasons for your choice. </a:t>
+            </a:r>
+            <a:endParaRPr lang="en-NZ" dirty="0"/>
           </a:p>
         </p:txBody>
       </p:sp>
     </p:spTree>
     <p:extLst>
       <p:ext uri="{BB962C8B-B14F-4D97-AF65-F5344CB8AC3E}">
-        <p14:creationId xmlns:p14="http://schemas.microsoft.com/office/powerpoint/2010/main" val="89592267"/>
+        <p14:creationId xmlns:p14="http://schemas.microsoft.com/office/powerpoint/2010/main" val="270828811"/>
       </p:ext>
     </p:extLst>
   </p:cSld>

--- a/Lucky Unicorn Documentation.pptx
+++ b/Lucky Unicorn Documentation.pptx
@@ -130,8 +130,7 @@
 <file path=ppt/revisionInfo.xml><?xml version="1.0" encoding="utf-8"?>
 <p1510:revInfo xmlns:a="http://schemas.openxmlformats.org/drawingml/2006/main" xmlns:r="http://schemas.openxmlformats.org/officeDocument/2006/relationships" xmlns:p1510="http://schemas.microsoft.com/office/powerpoint/2015/10/main">
   <p1510:revLst>
-    <p1510:client id="{14DA4211-AAE7-E846-996D-C07212070A5C}" v="10" dt="2022-03-30T01:28:36.411"/>
-    <p1510:client id="{D7C9858A-634A-A791-C3A6-8C430DA102BF}" v="471" dt="2022-03-30T20:18:14.216"/>
+    <p1510:client id="{14DA4211-AAE7-E846-996D-C07212070A5C}" v="11" dt="2022-04-04T00:28:36.029"/>
   </p1510:revLst>
 </p1510:revInfo>
 </file>
@@ -173,7 +172,7 @@
   <pc:docChgLst>
     <pc:chgData name="Joshua Bracefield" userId="d64b1e77-fcfe-4377-8f23-1bdeb7587d81" providerId="ADAL" clId="{14DA4211-AAE7-E846-996D-C07212070A5C}"/>
     <pc:docChg chg="undo custSel modSld">
-      <pc:chgData name="Joshua Bracefield" userId="d64b1e77-fcfe-4377-8f23-1bdeb7587d81" providerId="ADAL" clId="{14DA4211-AAE7-E846-996D-C07212070A5C}" dt="2022-03-30T01:29:27.032" v="1203" actId="20577"/>
+      <pc:chgData name="Joshua Bracefield" userId="d64b1e77-fcfe-4377-8f23-1bdeb7587d81" providerId="ADAL" clId="{14DA4211-AAE7-E846-996D-C07212070A5C}" dt="2022-04-04T00:36:13.982" v="1404" actId="478"/>
       <pc:docMkLst>
         <pc:docMk/>
       </pc:docMkLst>
@@ -355,6 +354,29 @@
           </ac:graphicFrameMkLst>
         </pc:graphicFrameChg>
       </pc:sldChg>
+      <pc:sldChg chg="addSp delSp modSp mod">
+        <pc:chgData name="Joshua Bracefield" userId="d64b1e77-fcfe-4377-8f23-1bdeb7587d81" providerId="ADAL" clId="{14DA4211-AAE7-E846-996D-C07212070A5C}" dt="2022-04-04T00:36:13.982" v="1404" actId="478"/>
+        <pc:sldMkLst>
+          <pc:docMk/>
+          <pc:sldMk cId="89592267" sldId="274"/>
+        </pc:sldMkLst>
+        <pc:spChg chg="mod">
+          <ac:chgData name="Joshua Bracefield" userId="d64b1e77-fcfe-4377-8f23-1bdeb7587d81" providerId="ADAL" clId="{14DA4211-AAE7-E846-996D-C07212070A5C}" dt="2022-04-04T00:28:28.428" v="1263" actId="20577"/>
+          <ac:spMkLst>
+            <pc:docMk/>
+            <pc:sldMk cId="89592267" sldId="274"/>
+            <ac:spMk id="2" creationId="{1CC5D32F-7C18-4D00-8D54-2FB046F0A206}"/>
+          </ac:spMkLst>
+        </pc:spChg>
+        <pc:picChg chg="add del mod">
+          <ac:chgData name="Joshua Bracefield" userId="d64b1e77-fcfe-4377-8f23-1bdeb7587d81" providerId="ADAL" clId="{14DA4211-AAE7-E846-996D-C07212070A5C}" dt="2022-04-04T00:36:13.982" v="1404" actId="478"/>
+          <ac:picMkLst>
+            <pc:docMk/>
+            <pc:sldMk cId="89592267" sldId="274"/>
+            <ac:picMk id="5" creationId="{A3EB9601-3048-B549-8A62-5E18F981756B}"/>
+          </ac:picMkLst>
+        </pc:picChg>
+      </pc:sldChg>
     </pc:docChg>
   </pc:docChgLst>
 </pc:chgInfo>
@@ -442,7 +464,7 @@
           <a:p>
             <a:fld id="{F37D28C0-BEB6-42B0-A203-EEE1023219C4}" type="datetimeFigureOut">
               <a:rPr lang="en-NZ" smtClean="0"/>
-              <a:t>30/03/2022</a:t>
+              <a:t>4/04/22</a:t>
             </a:fld>
             <a:endParaRPr lang="en-NZ"/>
           </a:p>
@@ -887,7 +909,7 @@
           <a:p>
             <a:fld id="{D89B2B17-F4B1-4A14-AF99-5A366D45E74A}" type="slidenum">
               <a:rPr lang="en-NZ" smtClean="0"/>
-              <a:t>12</a:t>
+              <a:t>13</a:t>
             </a:fld>
             <a:endParaRPr lang="en-NZ"/>
           </a:p>
@@ -1486,7 +1508,7 @@
           <a:p>
             <a:fld id="{D89B2B17-F4B1-4A14-AF99-5A366D45E74A}" type="slidenum">
               <a:rPr lang="en-NZ" smtClean="0"/>
-              <a:t>7</a:t>
+              <a:t>8</a:t>
             </a:fld>
             <a:endParaRPr lang="en-NZ"/>
           </a:p>
@@ -1585,7 +1607,7 @@
           <a:p>
             <a:fld id="{D89B2B17-F4B1-4A14-AF99-5A366D45E74A}" type="slidenum">
               <a:rPr lang="en-NZ" smtClean="0"/>
-              <a:t>8</a:t>
+              <a:t>9</a:t>
             </a:fld>
             <a:endParaRPr lang="en-NZ"/>
           </a:p>
@@ -1693,7 +1715,7 @@
           <a:p>
             <a:fld id="{D89B2B17-F4B1-4A14-AF99-5A366D45E74A}" type="slidenum">
               <a:rPr lang="en-NZ" smtClean="0"/>
-              <a:t>9</a:t>
+              <a:t>10</a:t>
             </a:fld>
             <a:endParaRPr lang="en-NZ"/>
           </a:p>
@@ -1807,7 +1829,7 @@
           <a:p>
             <a:fld id="{D89B2B17-F4B1-4A14-AF99-5A366D45E74A}" type="slidenum">
               <a:rPr lang="en-NZ" smtClean="0"/>
-              <a:t>11</a:t>
+              <a:t>12</a:t>
             </a:fld>
             <a:endParaRPr lang="en-NZ"/>
           </a:p>
@@ -1975,7 +1997,7 @@
           <a:p>
             <a:fld id="{9C4A4F43-1C06-40E6-8F87-8B286982E50E}" type="datetimeFigureOut">
               <a:rPr lang="en-NZ" smtClean="0"/>
-              <a:t>30/03/2022</a:t>
+              <a:t>4/04/22</a:t>
             </a:fld>
             <a:endParaRPr lang="en-NZ" dirty="0"/>
           </a:p>
@@ -2175,7 +2197,7 @@
           <a:p>
             <a:fld id="{9C4A4F43-1C06-40E6-8F87-8B286982E50E}" type="datetimeFigureOut">
               <a:rPr lang="en-NZ" smtClean="0"/>
-              <a:t>30/03/2022</a:t>
+              <a:t>4/04/22</a:t>
             </a:fld>
             <a:endParaRPr lang="en-NZ" dirty="0"/>
           </a:p>
@@ -2385,7 +2407,7 @@
           <a:p>
             <a:fld id="{9C4A4F43-1C06-40E6-8F87-8B286982E50E}" type="datetimeFigureOut">
               <a:rPr lang="en-NZ" smtClean="0"/>
-              <a:t>30/03/2022</a:t>
+              <a:t>4/04/22</a:t>
             </a:fld>
             <a:endParaRPr lang="en-NZ" dirty="0"/>
           </a:p>
@@ -2944,7 +2966,7 @@
           <a:p>
             <a:fld id="{9C4A4F43-1C06-40E6-8F87-8B286982E50E}" type="datetimeFigureOut">
               <a:rPr lang="en-NZ" smtClean="0"/>
-              <a:t>30/03/2022</a:t>
+              <a:t>4/04/22</a:t>
             </a:fld>
             <a:endParaRPr lang="en-NZ" dirty="0"/>
           </a:p>
@@ -3220,7 +3242,7 @@
           <a:p>
             <a:fld id="{9C4A4F43-1C06-40E6-8F87-8B286982E50E}" type="datetimeFigureOut">
               <a:rPr lang="en-NZ" smtClean="0"/>
-              <a:t>30/03/2022</a:t>
+              <a:t>4/04/22</a:t>
             </a:fld>
             <a:endParaRPr lang="en-NZ" dirty="0"/>
           </a:p>
@@ -3488,7 +3510,7 @@
           <a:p>
             <a:fld id="{9C4A4F43-1C06-40E6-8F87-8B286982E50E}" type="datetimeFigureOut">
               <a:rPr lang="en-NZ" smtClean="0"/>
-              <a:t>30/03/2022</a:t>
+              <a:t>4/04/22</a:t>
             </a:fld>
             <a:endParaRPr lang="en-NZ" dirty="0"/>
           </a:p>
@@ -3903,7 +3925,7 @@
           <a:p>
             <a:fld id="{9C4A4F43-1C06-40E6-8F87-8B286982E50E}" type="datetimeFigureOut">
               <a:rPr lang="en-NZ" smtClean="0"/>
-              <a:t>30/03/2022</a:t>
+              <a:t>4/04/22</a:t>
             </a:fld>
             <a:endParaRPr lang="en-NZ" dirty="0"/>
           </a:p>
@@ -4045,7 +4067,7 @@
           <a:p>
             <a:fld id="{9C4A4F43-1C06-40E6-8F87-8B286982E50E}" type="datetimeFigureOut">
               <a:rPr lang="en-NZ" smtClean="0"/>
-              <a:t>30/03/2022</a:t>
+              <a:t>4/04/22</a:t>
             </a:fld>
             <a:endParaRPr lang="en-NZ" dirty="0"/>
           </a:p>
@@ -4158,7 +4180,7 @@
           <a:p>
             <a:fld id="{9C4A4F43-1C06-40E6-8F87-8B286982E50E}" type="datetimeFigureOut">
               <a:rPr lang="en-NZ" smtClean="0"/>
-              <a:t>30/03/2022</a:t>
+              <a:t>4/04/22</a:t>
             </a:fld>
             <a:endParaRPr lang="en-NZ" dirty="0"/>
           </a:p>
@@ -4471,7 +4493,7 @@
           <a:p>
             <a:fld id="{9C4A4F43-1C06-40E6-8F87-8B286982E50E}" type="datetimeFigureOut">
               <a:rPr lang="en-NZ" smtClean="0"/>
-              <a:t>30/03/2022</a:t>
+              <a:t>4/04/22</a:t>
             </a:fld>
             <a:endParaRPr lang="en-NZ" dirty="0"/>
           </a:p>
@@ -4760,7 +4782,7 @@
           <a:p>
             <a:fld id="{9C4A4F43-1C06-40E6-8F87-8B286982E50E}" type="datetimeFigureOut">
               <a:rPr lang="en-NZ" smtClean="0"/>
-              <a:t>30/03/2022</a:t>
+              <a:t>4/04/22</a:t>
             </a:fld>
             <a:endParaRPr lang="en-NZ" dirty="0"/>
           </a:p>
@@ -5003,7 +5025,7 @@
           <a:p>
             <a:fld id="{9C4A4F43-1C06-40E6-8F87-8B286982E50E}" type="datetimeFigureOut">
               <a:rPr lang="en-NZ" smtClean="0"/>
-              <a:t>30/03/2022</a:t>
+              <a:t>4/04/22</a:t>
             </a:fld>
             <a:endParaRPr lang="en-NZ" dirty="0"/>
           </a:p>
@@ -8301,11 +8323,7 @@
                       </a:pPr>
                       <a:r>
                         <a:rPr lang="en-US" sz="2400" dirty="0"/>
-                        <a:t>Shows an error saying, "Please enter Yes or </a:t>
-                      </a:r>
-                      <a:r>
-                        <a:rPr lang="en-US" sz="2400"/>
-                        <a:t>No"</a:t>
+                        <a:t>Shows an error saying, "Please enter Yes or No"</a:t>
                       </a:r>
                     </a:p>
                   </a:txBody>
@@ -8547,7 +8565,7 @@
           <a:p>
             <a:r>
               <a:rPr lang="en-NZ" dirty="0"/>
-              <a:t>[Component name]: Testing </a:t>
+              <a:t>Yes/No Checker: Testing </a:t>
             </a:r>
           </a:p>
         </p:txBody>

--- a/Lucky Unicorn Documentation.pptx
+++ b/Lucky Unicorn Documentation.pptx
@@ -14,9 +14,9 @@
     <p:sldId id="260" r:id="rId5"/>
     <p:sldId id="268" r:id="rId6"/>
     <p:sldId id="269" r:id="rId7"/>
-    <p:sldId id="275" r:id="rId8"/>
-    <p:sldId id="273" r:id="rId9"/>
-    <p:sldId id="274" r:id="rId10"/>
+    <p:sldId id="274" r:id="rId8"/>
+    <p:sldId id="275" r:id="rId9"/>
+    <p:sldId id="273" r:id="rId10"/>
     <p:sldId id="263" r:id="rId11"/>
     <p:sldId id="270" r:id="rId12"/>
     <p:sldId id="261" r:id="rId13"/>
@@ -130,7 +130,7 @@
 <file path=ppt/revisionInfo.xml><?xml version="1.0" encoding="utf-8"?>
 <p1510:revInfo xmlns:a="http://schemas.openxmlformats.org/drawingml/2006/main" xmlns:r="http://schemas.openxmlformats.org/officeDocument/2006/relationships" xmlns:p1510="http://schemas.microsoft.com/office/powerpoint/2015/10/main">
   <p1510:revLst>
-    <p1510:client id="{14DA4211-AAE7-E846-996D-C07212070A5C}" v="11" dt="2022-04-04T00:28:36.029"/>
+    <p1510:client id="{14DA4211-AAE7-E846-996D-C07212070A5C}" v="13" dt="2022-04-05T02:53:24.222"/>
   </p1510:revLst>
 </p1510:revInfo>
 </file>
@@ -171,8 +171,8 @@
   </pc:docChgLst>
   <pc:docChgLst>
     <pc:chgData name="Joshua Bracefield" userId="d64b1e77-fcfe-4377-8f23-1bdeb7587d81" providerId="ADAL" clId="{14DA4211-AAE7-E846-996D-C07212070A5C}"/>
-    <pc:docChg chg="undo custSel modSld">
-      <pc:chgData name="Joshua Bracefield" userId="d64b1e77-fcfe-4377-8f23-1bdeb7587d81" providerId="ADAL" clId="{14DA4211-AAE7-E846-996D-C07212070A5C}" dt="2022-04-04T00:36:13.982" v="1404" actId="478"/>
+    <pc:docChg chg="undo redo custSel modSld sldOrd">
+      <pc:chgData name="Joshua Bracefield" userId="d64b1e77-fcfe-4377-8f23-1bdeb7587d81" providerId="ADAL" clId="{14DA4211-AAE7-E846-996D-C07212070A5C}" dt="2022-04-05T02:54:31.808" v="1462" actId="1076"/>
       <pc:docMkLst>
         <pc:docMk/>
       </pc:docMkLst>
@@ -199,14 +199,14 @@
           </ac:spMkLst>
         </pc:spChg>
       </pc:sldChg>
-      <pc:sldChg chg="modSp mod">
-        <pc:chgData name="Joshua Bracefield" userId="d64b1e77-fcfe-4377-8f23-1bdeb7587d81" providerId="ADAL" clId="{14DA4211-AAE7-E846-996D-C07212070A5C}" dt="2022-03-21T21:12:33.134" v="133" actId="14100"/>
+      <pc:sldChg chg="addSp delSp modSp mod setBg">
+        <pc:chgData name="Joshua Bracefield" userId="d64b1e77-fcfe-4377-8f23-1bdeb7587d81" providerId="ADAL" clId="{14DA4211-AAE7-E846-996D-C07212070A5C}" dt="2022-04-05T02:54:31.808" v="1462" actId="1076"/>
         <pc:sldMkLst>
           <pc:docMk/>
           <pc:sldMk cId="3838895173" sldId="258"/>
         </pc:sldMkLst>
         <pc:spChg chg="mod">
-          <ac:chgData name="Joshua Bracefield" userId="d64b1e77-fcfe-4377-8f23-1bdeb7587d81" providerId="ADAL" clId="{14DA4211-AAE7-E846-996D-C07212070A5C}" dt="2022-03-21T21:02:16.893" v="116" actId="20577"/>
+          <ac:chgData name="Joshua Bracefield" userId="d64b1e77-fcfe-4377-8f23-1bdeb7587d81" providerId="ADAL" clId="{14DA4211-AAE7-E846-996D-C07212070A5C}" dt="2022-04-05T02:39:27.178" v="1450" actId="26606"/>
           <ac:spMkLst>
             <pc:docMk/>
             <pc:sldMk cId="3838895173" sldId="258"/>
@@ -214,15 +214,47 @@
           </ac:spMkLst>
         </pc:spChg>
         <pc:spChg chg="mod">
-          <ac:chgData name="Joshua Bracefield" userId="d64b1e77-fcfe-4377-8f23-1bdeb7587d81" providerId="ADAL" clId="{14DA4211-AAE7-E846-996D-C07212070A5C}" dt="2022-03-21T21:12:22.886" v="130" actId="14100"/>
+          <ac:chgData name="Joshua Bracefield" userId="d64b1e77-fcfe-4377-8f23-1bdeb7587d81" providerId="ADAL" clId="{14DA4211-AAE7-E846-996D-C07212070A5C}" dt="2022-04-05T02:54:12.921" v="1461" actId="14100"/>
           <ac:spMkLst>
             <pc:docMk/>
             <pc:sldMk cId="3838895173" sldId="258"/>
             <ac:spMk id="4" creationId="{F7FB308A-232B-4B31-A59D-BD561ECFBE8B}"/>
           </ac:spMkLst>
         </pc:spChg>
+        <pc:spChg chg="add del">
+          <ac:chgData name="Joshua Bracefield" userId="d64b1e77-fcfe-4377-8f23-1bdeb7587d81" providerId="ADAL" clId="{14DA4211-AAE7-E846-996D-C07212070A5C}" dt="2022-04-05T02:39:27.178" v="1450" actId="26606"/>
+          <ac:spMkLst>
+            <pc:docMk/>
+            <pc:sldMk cId="3838895173" sldId="258"/>
+            <ac:spMk id="11" creationId="{2550BE34-C2B8-49B8-8519-67A8CAD51AE9}"/>
+          </ac:spMkLst>
+        </pc:spChg>
+        <pc:spChg chg="add del">
+          <ac:chgData name="Joshua Bracefield" userId="d64b1e77-fcfe-4377-8f23-1bdeb7587d81" providerId="ADAL" clId="{14DA4211-AAE7-E846-996D-C07212070A5C}" dt="2022-04-05T02:39:27.178" v="1450" actId="26606"/>
+          <ac:spMkLst>
+            <pc:docMk/>
+            <pc:sldMk cId="3838895173" sldId="258"/>
+            <ac:spMk id="13" creationId="{A7457DD9-5A45-400A-AB4B-4B4EDECA25F1}"/>
+          </ac:spMkLst>
+        </pc:spChg>
+        <pc:spChg chg="add del">
+          <ac:chgData name="Joshua Bracefield" userId="d64b1e77-fcfe-4377-8f23-1bdeb7587d81" providerId="ADAL" clId="{14DA4211-AAE7-E846-996D-C07212070A5C}" dt="2022-04-05T02:39:27.178" v="1450" actId="26606"/>
+          <ac:spMkLst>
+            <pc:docMk/>
+            <pc:sldMk cId="3838895173" sldId="258"/>
+            <ac:spMk id="15" creationId="{441CF7D6-A660-431A-B0BB-140A0D5556B6}"/>
+          </ac:spMkLst>
+        </pc:spChg>
+        <pc:spChg chg="add del">
+          <ac:chgData name="Joshua Bracefield" userId="d64b1e77-fcfe-4377-8f23-1bdeb7587d81" providerId="ADAL" clId="{14DA4211-AAE7-E846-996D-C07212070A5C}" dt="2022-04-05T02:39:27.178" v="1450" actId="26606"/>
+          <ac:spMkLst>
+            <pc:docMk/>
+            <pc:sldMk cId="3838895173" sldId="258"/>
+            <ac:spMk id="17" creationId="{0570A85B-3810-4F95-97B0-CBF4CCDB381C}"/>
+          </ac:spMkLst>
+        </pc:spChg>
         <pc:graphicFrameChg chg="mod modGraphic">
-          <ac:chgData name="Joshua Bracefield" userId="d64b1e77-fcfe-4377-8f23-1bdeb7587d81" providerId="ADAL" clId="{14DA4211-AAE7-E846-996D-C07212070A5C}" dt="2022-03-21T21:12:33.134" v="133" actId="14100"/>
+          <ac:chgData name="Joshua Bracefield" userId="d64b1e77-fcfe-4377-8f23-1bdeb7587d81" providerId="ADAL" clId="{14DA4211-AAE7-E846-996D-C07212070A5C}" dt="2022-04-05T02:54:31.808" v="1462" actId="1076"/>
           <ac:graphicFrameMkLst>
             <pc:docMk/>
             <pc:sldMk cId="3838895173" sldId="258"/>
@@ -354,8 +386,8 @@
           </ac:graphicFrameMkLst>
         </pc:graphicFrameChg>
       </pc:sldChg>
-      <pc:sldChg chg="addSp delSp modSp mod">
-        <pc:chgData name="Joshua Bracefield" userId="d64b1e77-fcfe-4377-8f23-1bdeb7587d81" providerId="ADAL" clId="{14DA4211-AAE7-E846-996D-C07212070A5C}" dt="2022-04-04T00:36:13.982" v="1404" actId="478"/>
+      <pc:sldChg chg="addSp delSp modSp mod ord">
+        <pc:chgData name="Joshua Bracefield" userId="d64b1e77-fcfe-4377-8f23-1bdeb7587d81" providerId="ADAL" clId="{14DA4211-AAE7-E846-996D-C07212070A5C}" dt="2022-04-05T02:42:02.068" v="1451" actId="20578"/>
         <pc:sldMkLst>
           <pc:docMk/>
           <pc:sldMk cId="89592267" sldId="274"/>
@@ -464,7 +496,7 @@
           <a:p>
             <a:fld id="{F37D28C0-BEB6-42B0-A203-EEE1023219C4}" type="datetimeFigureOut">
               <a:rPr lang="en-NZ" smtClean="0"/>
-              <a:t>4/04/22</a:t>
+              <a:t>5/04/22</a:t>
             </a:fld>
             <a:endParaRPr lang="en-NZ"/>
           </a:p>
@@ -1294,6 +1326,105 @@
 </file>
 
 <file path=ppt/notesSlides/notesSlide5.xml><?xml version="1.0" encoding="utf-8"?>
+<p:notes xmlns:a="http://schemas.openxmlformats.org/drawingml/2006/main" xmlns:r="http://schemas.openxmlformats.org/officeDocument/2006/relationships" xmlns:p="http://schemas.openxmlformats.org/presentationml/2006/main">
+  <p:cSld>
+    <p:spTree>
+      <p:nvGrpSpPr>
+        <p:cNvPr id="1" name=""/>
+        <p:cNvGrpSpPr/>
+        <p:nvPr/>
+      </p:nvGrpSpPr>
+      <p:grpSpPr>
+        <a:xfrm>
+          <a:off x="0" y="0"/>
+          <a:ext cx="0" cy="0"/>
+          <a:chOff x="0" y="0"/>
+          <a:chExt cx="0" cy="0"/>
+        </a:xfrm>
+      </p:grpSpPr>
+      <p:sp>
+        <p:nvSpPr>
+          <p:cNvPr id="2" name="Slide Image Placeholder 1"/>
+          <p:cNvSpPr>
+            <a:spLocks noGrp="1" noRot="1" noChangeAspect="1"/>
+          </p:cNvSpPr>
+          <p:nvPr>
+            <p:ph type="sldImg"/>
+          </p:nvPr>
+        </p:nvSpPr>
+        <p:spPr/>
+      </p:sp>
+      <p:sp>
+        <p:nvSpPr>
+          <p:cNvPr id="3" name="Notes Placeholder 2"/>
+          <p:cNvSpPr>
+            <a:spLocks noGrp="1"/>
+          </p:cNvSpPr>
+          <p:nvPr>
+            <p:ph type="body" idx="1"/>
+          </p:nvPr>
+        </p:nvSpPr>
+        <p:spPr/>
+        <p:txBody>
+          <a:bodyPr/>
+          <a:lstStyle/>
+          <a:p>
+            <a:pPr>
+              <a:lnSpc>
+                <a:spcPct val="115000"/>
+              </a:lnSpc>
+            </a:pPr>
+            <a:r>
+              <a:rPr lang="en-NZ" i="1" dirty="0">
+                <a:latin typeface="Arial" panose="020B0604020202020204" pitchFamily="34" charset="0"/>
+                <a:ea typeface="Arial" panose="020B0604020202020204" pitchFamily="34" charset="0"/>
+              </a:rPr>
+              <a:t>You must show the results of testing. For each component, include a screenshot proving it works.  You can also include notes about each test. </a:t>
+            </a:r>
+            <a:endParaRPr lang="en-NZ" dirty="0">
+              <a:latin typeface="Arial" panose="020B0604020202020204" pitchFamily="34" charset="0"/>
+              <a:ea typeface="Arial" panose="020B0604020202020204" pitchFamily="34" charset="0"/>
+            </a:endParaRPr>
+          </a:p>
+        </p:txBody>
+      </p:sp>
+      <p:sp>
+        <p:nvSpPr>
+          <p:cNvPr id="4" name="Slide Number Placeholder 3"/>
+          <p:cNvSpPr>
+            <a:spLocks noGrp="1"/>
+          </p:cNvSpPr>
+          <p:nvPr>
+            <p:ph type="sldNum" sz="quarter" idx="5"/>
+          </p:nvPr>
+        </p:nvSpPr>
+        <p:spPr/>
+        <p:txBody>
+          <a:bodyPr/>
+          <a:lstStyle/>
+          <a:p>
+            <a:fld id="{D89B2B17-F4B1-4A14-AF99-5A366D45E74A}" type="slidenum">
+              <a:rPr lang="en-NZ" smtClean="0"/>
+              <a:t>7</a:t>
+            </a:fld>
+            <a:endParaRPr lang="en-NZ"/>
+          </a:p>
+        </p:txBody>
+      </p:sp>
+    </p:spTree>
+    <p:extLst>
+      <p:ext uri="{BB962C8B-B14F-4D97-AF65-F5344CB8AC3E}">
+        <p14:creationId xmlns:p14="http://schemas.microsoft.com/office/powerpoint/2010/main" val="3683133660"/>
+      </p:ext>
+    </p:extLst>
+  </p:cSld>
+  <p:clrMapOvr>
+    <a:masterClrMapping/>
+  </p:clrMapOvr>
+</p:notes>
+</file>
+
+<file path=ppt/notesSlides/notesSlide6.xml><?xml version="1.0" encoding="utf-8"?>
 <p:notes xmlns:a="http://schemas.openxmlformats.org/drawingml/2006/main" xmlns:r="http://schemas.openxmlformats.org/officeDocument/2006/relationships" xmlns:p="http://schemas.openxmlformats.org/presentationml/2006/main" showMasterSp="0" showMasterPhAnim="0">
   <p:cSld>
     <p:spTree>
@@ -1425,108 +1556,6 @@
 </p:notes>
 </file>
 
-<file path=ppt/notesSlides/notesSlide6.xml><?xml version="1.0" encoding="utf-8"?>
-<p:notes xmlns:a="http://schemas.openxmlformats.org/drawingml/2006/main" xmlns:r="http://schemas.openxmlformats.org/officeDocument/2006/relationships" xmlns:p="http://schemas.openxmlformats.org/presentationml/2006/main">
-  <p:cSld>
-    <p:spTree>
-      <p:nvGrpSpPr>
-        <p:cNvPr id="1" name=""/>
-        <p:cNvGrpSpPr/>
-        <p:nvPr/>
-      </p:nvGrpSpPr>
-      <p:grpSpPr>
-        <a:xfrm>
-          <a:off x="0" y="0"/>
-          <a:ext cx="0" cy="0"/>
-          <a:chOff x="0" y="0"/>
-          <a:chExt cx="0" cy="0"/>
-        </a:xfrm>
-      </p:grpSpPr>
-      <p:sp>
-        <p:nvSpPr>
-          <p:cNvPr id="2" name="Slide Image Placeholder 1"/>
-          <p:cNvSpPr>
-            <a:spLocks noGrp="1" noRot="1" noChangeAspect="1"/>
-          </p:cNvSpPr>
-          <p:nvPr>
-            <p:ph type="sldImg"/>
-          </p:nvPr>
-        </p:nvSpPr>
-        <p:spPr/>
-      </p:sp>
-      <p:sp>
-        <p:nvSpPr>
-          <p:cNvPr id="3" name="Notes Placeholder 2"/>
-          <p:cNvSpPr>
-            <a:spLocks noGrp="1"/>
-          </p:cNvSpPr>
-          <p:nvPr>
-            <p:ph type="body" idx="1"/>
-          </p:nvPr>
-        </p:nvSpPr>
-        <p:spPr/>
-        <p:txBody>
-          <a:bodyPr/>
-          <a:lstStyle/>
-          <a:p>
-            <a:r>
-              <a:rPr lang="en-NZ" i="1" dirty="0"/>
-              <a:t>NOTE: Trialling needs to happen for </a:t>
-            </a:r>
-            <a:r>
-              <a:rPr lang="en-NZ" b="1" i="1" dirty="0"/>
-              <a:t>at least 2 </a:t>
-            </a:r>
-            <a:r>
-              <a:rPr lang="en-NZ" i="1" dirty="0"/>
-              <a:t>of your components but is not necessary for ALL components.</a:t>
-            </a:r>
-          </a:p>
-          <a:p>
-            <a:r>
-              <a:rPr lang="en" i="1" dirty="0"/>
-              <a:t>Trialling is not the same as testing. Trialling is about finding different ways of building the same component. Show evidence of  your trialling  here. Select one of your trials for further development and give reasons for your choice. </a:t>
-            </a:r>
-            <a:endParaRPr lang="en-NZ" dirty="0"/>
-          </a:p>
-        </p:txBody>
-      </p:sp>
-      <p:sp>
-        <p:nvSpPr>
-          <p:cNvPr id="4" name="Slide Number Placeholder 3"/>
-          <p:cNvSpPr>
-            <a:spLocks noGrp="1"/>
-          </p:cNvSpPr>
-          <p:nvPr>
-            <p:ph type="sldNum" sz="quarter" idx="5"/>
-          </p:nvPr>
-        </p:nvSpPr>
-        <p:spPr/>
-        <p:txBody>
-          <a:bodyPr/>
-          <a:lstStyle/>
-          <a:p>
-            <a:fld id="{D89B2B17-F4B1-4A14-AF99-5A366D45E74A}" type="slidenum">
-              <a:rPr lang="en-NZ" smtClean="0"/>
-              <a:t>8</a:t>
-            </a:fld>
-            <a:endParaRPr lang="en-NZ"/>
-          </a:p>
-        </p:txBody>
-      </p:sp>
-    </p:spTree>
-    <p:extLst>
-      <p:ext uri="{BB962C8B-B14F-4D97-AF65-F5344CB8AC3E}">
-        <p14:creationId xmlns:p14="http://schemas.microsoft.com/office/powerpoint/2010/main" val="120689959"/>
-      </p:ext>
-    </p:extLst>
-  </p:cSld>
-  <p:clrMapOvr>
-    <a:masterClrMapping/>
-  </p:clrMapOvr>
-</p:notes>
-</file>
-
 <file path=ppt/notesSlides/notesSlide7.xml><?xml version="1.0" encoding="utf-8"?>
 <p:notes xmlns:a="http://schemas.openxmlformats.org/drawingml/2006/main" xmlns:r="http://schemas.openxmlformats.org/officeDocument/2006/relationships" xmlns:p="http://schemas.openxmlformats.org/presentationml/2006/main">
   <p:cSld>
@@ -1571,22 +1600,25 @@
           <a:bodyPr/>
           <a:lstStyle/>
           <a:p>
-            <a:pPr>
-              <a:lnSpc>
-                <a:spcPct val="115000"/>
-              </a:lnSpc>
-            </a:pPr>
-            <a:r>
-              <a:rPr lang="en-NZ" i="1" dirty="0">
-                <a:latin typeface="Arial" panose="020B0604020202020204" pitchFamily="34" charset="0"/>
-                <a:ea typeface="Arial" panose="020B0604020202020204" pitchFamily="34" charset="0"/>
-              </a:rPr>
-              <a:t>You must show the results of testing. For each component, include a screenshot proving it works.  You can also include notes about each test. </a:t>
-            </a:r>
-            <a:endParaRPr lang="en-NZ" dirty="0">
-              <a:latin typeface="Arial" panose="020B0604020202020204" pitchFamily="34" charset="0"/>
-              <a:ea typeface="Arial" panose="020B0604020202020204" pitchFamily="34" charset="0"/>
-            </a:endParaRPr>
+            <a:r>
+              <a:rPr lang="en-NZ" i="1" dirty="0"/>
+              <a:t>NOTE: Trialling needs to happen for </a:t>
+            </a:r>
+            <a:r>
+              <a:rPr lang="en-NZ" b="1" i="1" dirty="0"/>
+              <a:t>at least 2 </a:t>
+            </a:r>
+            <a:r>
+              <a:rPr lang="en-NZ" i="1" dirty="0"/>
+              <a:t>of your components but is not necessary for ALL components.</a:t>
+            </a:r>
+          </a:p>
+          <a:p>
+            <a:r>
+              <a:rPr lang="en" i="1" dirty="0"/>
+              <a:t>Trialling is not the same as testing. Trialling is about finding different ways of building the same component. Show evidence of  your trialling  here. Select one of your trials for further development and give reasons for your choice. </a:t>
+            </a:r>
+            <a:endParaRPr lang="en-NZ" dirty="0"/>
           </a:p>
         </p:txBody>
       </p:sp>
@@ -1616,7 +1648,7 @@
     </p:spTree>
     <p:extLst>
       <p:ext uri="{BB962C8B-B14F-4D97-AF65-F5344CB8AC3E}">
-        <p14:creationId xmlns:p14="http://schemas.microsoft.com/office/powerpoint/2010/main" val="3683133660"/>
+        <p14:creationId xmlns:p14="http://schemas.microsoft.com/office/powerpoint/2010/main" val="120689959"/>
       </p:ext>
     </p:extLst>
   </p:cSld>
@@ -1997,7 +2029,7 @@
           <a:p>
             <a:fld id="{9C4A4F43-1C06-40E6-8F87-8B286982E50E}" type="datetimeFigureOut">
               <a:rPr lang="en-NZ" smtClean="0"/>
-              <a:t>4/04/22</a:t>
+              <a:t>5/04/22</a:t>
             </a:fld>
             <a:endParaRPr lang="en-NZ" dirty="0"/>
           </a:p>
@@ -2197,7 +2229,7 @@
           <a:p>
             <a:fld id="{9C4A4F43-1C06-40E6-8F87-8B286982E50E}" type="datetimeFigureOut">
               <a:rPr lang="en-NZ" smtClean="0"/>
-              <a:t>4/04/22</a:t>
+              <a:t>5/04/22</a:t>
             </a:fld>
             <a:endParaRPr lang="en-NZ" dirty="0"/>
           </a:p>
@@ -2407,7 +2439,7 @@
           <a:p>
             <a:fld id="{9C4A4F43-1C06-40E6-8F87-8B286982E50E}" type="datetimeFigureOut">
               <a:rPr lang="en-NZ" smtClean="0"/>
-              <a:t>4/04/22</a:t>
+              <a:t>5/04/22</a:t>
             </a:fld>
             <a:endParaRPr lang="en-NZ" dirty="0"/>
           </a:p>
@@ -2966,7 +2998,7 @@
           <a:p>
             <a:fld id="{9C4A4F43-1C06-40E6-8F87-8B286982E50E}" type="datetimeFigureOut">
               <a:rPr lang="en-NZ" smtClean="0"/>
-              <a:t>4/04/22</a:t>
+              <a:t>5/04/22</a:t>
             </a:fld>
             <a:endParaRPr lang="en-NZ" dirty="0"/>
           </a:p>
@@ -3242,7 +3274,7 @@
           <a:p>
             <a:fld id="{9C4A4F43-1C06-40E6-8F87-8B286982E50E}" type="datetimeFigureOut">
               <a:rPr lang="en-NZ" smtClean="0"/>
-              <a:t>4/04/22</a:t>
+              <a:t>5/04/22</a:t>
             </a:fld>
             <a:endParaRPr lang="en-NZ" dirty="0"/>
           </a:p>
@@ -3510,7 +3542,7 @@
           <a:p>
             <a:fld id="{9C4A4F43-1C06-40E6-8F87-8B286982E50E}" type="datetimeFigureOut">
               <a:rPr lang="en-NZ" smtClean="0"/>
-              <a:t>4/04/22</a:t>
+              <a:t>5/04/22</a:t>
             </a:fld>
             <a:endParaRPr lang="en-NZ" dirty="0"/>
           </a:p>
@@ -3925,7 +3957,7 @@
           <a:p>
             <a:fld id="{9C4A4F43-1C06-40E6-8F87-8B286982E50E}" type="datetimeFigureOut">
               <a:rPr lang="en-NZ" smtClean="0"/>
-              <a:t>4/04/22</a:t>
+              <a:t>5/04/22</a:t>
             </a:fld>
             <a:endParaRPr lang="en-NZ" dirty="0"/>
           </a:p>
@@ -4067,7 +4099,7 @@
           <a:p>
             <a:fld id="{9C4A4F43-1C06-40E6-8F87-8B286982E50E}" type="datetimeFigureOut">
               <a:rPr lang="en-NZ" smtClean="0"/>
-              <a:t>4/04/22</a:t>
+              <a:t>5/04/22</a:t>
             </a:fld>
             <a:endParaRPr lang="en-NZ" dirty="0"/>
           </a:p>
@@ -4180,7 +4212,7 @@
           <a:p>
             <a:fld id="{9C4A4F43-1C06-40E6-8F87-8B286982E50E}" type="datetimeFigureOut">
               <a:rPr lang="en-NZ" smtClean="0"/>
-              <a:t>4/04/22</a:t>
+              <a:t>5/04/22</a:t>
             </a:fld>
             <a:endParaRPr lang="en-NZ" dirty="0"/>
           </a:p>
@@ -4493,7 +4525,7 @@
           <a:p>
             <a:fld id="{9C4A4F43-1C06-40E6-8F87-8B286982E50E}" type="datetimeFigureOut">
               <a:rPr lang="en-NZ" smtClean="0"/>
-              <a:t>4/04/22</a:t>
+              <a:t>5/04/22</a:t>
             </a:fld>
             <a:endParaRPr lang="en-NZ" dirty="0"/>
           </a:p>
@@ -4782,7 +4814,7 @@
           <a:p>
             <a:fld id="{9C4A4F43-1C06-40E6-8F87-8B286982E50E}" type="datetimeFigureOut">
               <a:rPr lang="en-NZ" smtClean="0"/>
-              <a:t>4/04/22</a:t>
+              <a:t>5/04/22</a:t>
             </a:fld>
             <a:endParaRPr lang="en-NZ" dirty="0"/>
           </a:p>
@@ -5025,7 +5057,7 @@
           <a:p>
             <a:fld id="{9C4A4F43-1C06-40E6-8F87-8B286982E50E}" type="datetimeFigureOut">
               <a:rPr lang="en-NZ" smtClean="0"/>
-              <a:t>4/04/22</a:t>
+              <a:t>5/04/22</a:t>
             </a:fld>
             <a:endParaRPr lang="en-NZ" dirty="0"/>
           </a:p>
@@ -6157,7 +6189,7 @@
           <a:lstStyle/>
           <a:p>
             <a:r>
-              <a:rPr lang="en-NZ" b="1" dirty="0"/>
+              <a:rPr lang="en-NZ" b="1"/>
               <a:t>Lucky Unicorn</a:t>
             </a:r>
             <a:endParaRPr lang="en-NZ" dirty="0"/>
@@ -6180,8 +6212,8 @@
         </p:nvSpPr>
         <p:spPr>
           <a:xfrm>
-            <a:off x="1693460" y="1914475"/>
-            <a:ext cx="8768352" cy="1859026"/>
+            <a:off x="1693459" y="1690687"/>
+            <a:ext cx="8768352" cy="2483747"/>
           </a:xfrm>
           <a:prstGeom prst="rect">
             <a:avLst/>
@@ -6449,7 +6481,24 @@
                   <a:srgbClr val="274E13"/>
                 </a:solidFill>
               </a:rPr>
-              <a:t>Links to Trello board / project management tools: [here]</a:t>
+              <a:t>Links to Trello board / project management tools: </a:t>
+            </a:r>
+            <a:r>
+              <a:rPr lang="en-NZ" sz="2000" b="1" dirty="0">
+                <a:solidFill>
+                  <a:srgbClr val="274E13"/>
+                </a:solidFill>
+                <a:hlinkClick r:id="rId3"/>
+              </a:rPr>
+              <a:t>https://trello.com/b/4ApV5W8c/decomposition</a:t>
+            </a:r>
+            <a:r>
+              <a:rPr lang="en-NZ" sz="2000" b="1" dirty="0">
+                <a:solidFill>
+                  <a:srgbClr val="274E13"/>
+                </a:solidFill>
+              </a:rPr>
+              <a:t> </a:t>
             </a:r>
           </a:p>
           <a:p>
@@ -6535,13 +6584,13 @@
           <p:nvPr>
             <p:extLst>
               <p:ext uri="{D42A27DB-BD31-4B8C-83A1-F6EECF244321}">
-                <p14:modId xmlns:p14="http://schemas.microsoft.com/office/powerpoint/2010/main" val="1131236197"/>
+                <p14:modId xmlns:p14="http://schemas.microsoft.com/office/powerpoint/2010/main" val="1454263739"/>
               </p:ext>
             </p:extLst>
           </p:nvPr>
         </p:nvGraphicFramePr>
         <p:xfrm>
-          <a:off x="1693459" y="4327480"/>
+          <a:off x="1693459" y="4633849"/>
           <a:ext cx="8768352" cy="1859026"/>
         </p:xfrm>
         <a:graphic>
@@ -7971,6 +8020,106 @@
   <p:cSld>
     <p:spTree>
       <p:nvGrpSpPr>
+        <p:cNvPr id="1" name=""/>
+        <p:cNvGrpSpPr/>
+        <p:nvPr/>
+      </p:nvGrpSpPr>
+      <p:grpSpPr>
+        <a:xfrm>
+          <a:off x="0" y="0"/>
+          <a:ext cx="0" cy="0"/>
+          <a:chOff x="0" y="0"/>
+          <a:chExt cx="0" cy="0"/>
+        </a:xfrm>
+      </p:grpSpPr>
+      <p:sp>
+        <p:nvSpPr>
+          <p:cNvPr id="2" name="Title 1">
+            <a:extLst>
+              <a:ext uri="{FF2B5EF4-FFF2-40B4-BE49-F238E27FC236}">
+                <a16:creationId xmlns:a16="http://schemas.microsoft.com/office/drawing/2014/main" id="{1CC5D32F-7C18-4D00-8D54-2FB046F0A206}"/>
+              </a:ext>
+            </a:extLst>
+          </p:cNvPr>
+          <p:cNvSpPr>
+            <a:spLocks noGrp="1"/>
+          </p:cNvSpPr>
+          <p:nvPr>
+            <p:ph type="title"/>
+          </p:nvPr>
+        </p:nvSpPr>
+        <p:spPr>
+          <a:xfrm>
+            <a:off x="838200" y="518160"/>
+            <a:ext cx="10515600" cy="562928"/>
+          </a:xfrm>
+        </p:spPr>
+        <p:txBody>
+          <a:bodyPr>
+            <a:normAutofit fontScale="90000"/>
+          </a:bodyPr>
+          <a:lstStyle/>
+          <a:p>
+            <a:r>
+              <a:rPr lang="en-NZ" dirty="0"/>
+              <a:t>Yes/No Checker: Testing </a:t>
+            </a:r>
+          </a:p>
+        </p:txBody>
+      </p:sp>
+      <p:sp>
+        <p:nvSpPr>
+          <p:cNvPr id="4" name="TextBox 3">
+            <a:extLst>
+              <a:ext uri="{FF2B5EF4-FFF2-40B4-BE49-F238E27FC236}">
+                <a16:creationId xmlns:a16="http://schemas.microsoft.com/office/drawing/2014/main" id="{8CD07A82-A944-4A9B-9A52-515DAC30878A}"/>
+              </a:ext>
+            </a:extLst>
+          </p:cNvPr>
+          <p:cNvSpPr txBox="1"/>
+          <p:nvPr/>
+        </p:nvSpPr>
+        <p:spPr>
+          <a:xfrm>
+            <a:off x="749300" y="1081088"/>
+            <a:ext cx="10693400" cy="646331"/>
+          </a:xfrm>
+          <a:prstGeom prst="rect">
+            <a:avLst/>
+          </a:prstGeom>
+          <a:noFill/>
+        </p:spPr>
+        <p:txBody>
+          <a:bodyPr wrap="square">
+            <a:spAutoFit/>
+          </a:bodyPr>
+          <a:lstStyle/>
+          <a:p>
+            <a:r>
+              <a:rPr lang="en-NZ" i="1" dirty="0"/>
+              <a:t>You must show the results of testing. For each component, include a screenshot proving it works.  You can also include notes about each test. </a:t>
+            </a:r>
+          </a:p>
+        </p:txBody>
+      </p:sp>
+    </p:spTree>
+    <p:extLst>
+      <p:ext uri="{BB962C8B-B14F-4D97-AF65-F5344CB8AC3E}">
+        <p14:creationId xmlns:p14="http://schemas.microsoft.com/office/powerpoint/2010/main" val="89592267"/>
+      </p:ext>
+    </p:extLst>
+  </p:cSld>
+  <p:clrMapOvr>
+    <a:masterClrMapping/>
+  </p:clrMapOvr>
+</p:sld>
+</file>
+
+<file path=ppt/slides/slide8.xml><?xml version="1.0" encoding="utf-8"?>
+<p:sld xmlns:a="http://schemas.openxmlformats.org/drawingml/2006/main" xmlns:r="http://schemas.openxmlformats.org/officeDocument/2006/relationships" xmlns:p="http://schemas.openxmlformats.org/presentationml/2006/main">
+  <p:cSld>
+    <p:spTree>
+      <p:nvGrpSpPr>
         <p:cNvPr id="1" name="Shape 90"/>
         <p:cNvGrpSpPr/>
         <p:nvPr/>
@@ -8403,121 +8552,6 @@
 </p:sld>
 </file>
 
-<file path=ppt/slides/slide8.xml><?xml version="1.0" encoding="utf-8"?>
-<p:sld xmlns:a="http://schemas.openxmlformats.org/drawingml/2006/main" xmlns:r="http://schemas.openxmlformats.org/officeDocument/2006/relationships" xmlns:p="http://schemas.openxmlformats.org/presentationml/2006/main">
-  <p:cSld>
-    <p:spTree>
-      <p:nvGrpSpPr>
-        <p:cNvPr id="1" name=""/>
-        <p:cNvGrpSpPr/>
-        <p:nvPr/>
-      </p:nvGrpSpPr>
-      <p:grpSpPr>
-        <a:xfrm>
-          <a:off x="0" y="0"/>
-          <a:ext cx="0" cy="0"/>
-          <a:chOff x="0" y="0"/>
-          <a:chExt cx="0" cy="0"/>
-        </a:xfrm>
-      </p:grpSpPr>
-      <p:sp>
-        <p:nvSpPr>
-          <p:cNvPr id="2" name="Title 1">
-            <a:extLst>
-              <a:ext uri="{FF2B5EF4-FFF2-40B4-BE49-F238E27FC236}">
-                <a16:creationId xmlns:a16="http://schemas.microsoft.com/office/drawing/2014/main" id="{1CC5D32F-7C18-4D00-8D54-2FB046F0A206}"/>
-              </a:ext>
-            </a:extLst>
-          </p:cNvPr>
-          <p:cNvSpPr>
-            <a:spLocks noGrp="1"/>
-          </p:cNvSpPr>
-          <p:nvPr>
-            <p:ph type="title"/>
-          </p:nvPr>
-        </p:nvSpPr>
-        <p:spPr>
-          <a:xfrm>
-            <a:off x="749300" y="223520"/>
-            <a:ext cx="10515600" cy="806768"/>
-          </a:xfrm>
-        </p:spPr>
-        <p:txBody>
-          <a:bodyPr>
-            <a:normAutofit/>
-          </a:bodyPr>
-          <a:lstStyle/>
-          <a:p>
-            <a:r>
-              <a:rPr lang="en-NZ" sz="4000" dirty="0"/>
-              <a:t>[Component name]: Trialling </a:t>
-            </a:r>
-          </a:p>
-        </p:txBody>
-      </p:sp>
-      <p:sp>
-        <p:nvSpPr>
-          <p:cNvPr id="4" name="TextBox 3">
-            <a:extLst>
-              <a:ext uri="{FF2B5EF4-FFF2-40B4-BE49-F238E27FC236}">
-                <a16:creationId xmlns:a16="http://schemas.microsoft.com/office/drawing/2014/main" id="{8CD07A82-A944-4A9B-9A52-515DAC30878A}"/>
-              </a:ext>
-            </a:extLst>
-          </p:cNvPr>
-          <p:cNvSpPr txBox="1"/>
-          <p:nvPr/>
-        </p:nvSpPr>
-        <p:spPr>
-          <a:xfrm>
-            <a:off x="660400" y="1030288"/>
-            <a:ext cx="10693400" cy="923330"/>
-          </a:xfrm>
-          <a:prstGeom prst="rect">
-            <a:avLst/>
-          </a:prstGeom>
-          <a:noFill/>
-        </p:spPr>
-        <p:txBody>
-          <a:bodyPr wrap="square">
-            <a:spAutoFit/>
-          </a:bodyPr>
-          <a:lstStyle/>
-          <a:p>
-            <a:r>
-              <a:rPr lang="en-NZ" i="1" dirty="0"/>
-              <a:t>NOTE: Trialling needs to happen for </a:t>
-            </a:r>
-            <a:r>
-              <a:rPr lang="en-NZ" b="1" i="1" dirty="0"/>
-              <a:t>at least 2 </a:t>
-            </a:r>
-            <a:r>
-              <a:rPr lang="en-NZ" i="1" dirty="0"/>
-              <a:t>of your components but is not necessary for ALL components.</a:t>
-            </a:r>
-          </a:p>
-          <a:p>
-            <a:r>
-              <a:rPr lang="en" i="1" dirty="0"/>
-              <a:t>Trialling is not the same as testing. Trialling is about finding different ways of building the same component. Show evidence of  your trialling  here. Select one of your trials for further development and give reasons for your choice. </a:t>
-            </a:r>
-            <a:endParaRPr lang="en-NZ" dirty="0"/>
-          </a:p>
-        </p:txBody>
-      </p:sp>
-    </p:spTree>
-    <p:extLst>
-      <p:ext uri="{BB962C8B-B14F-4D97-AF65-F5344CB8AC3E}">
-        <p14:creationId xmlns:p14="http://schemas.microsoft.com/office/powerpoint/2010/main" val="270828811"/>
-      </p:ext>
-    </p:extLst>
-  </p:cSld>
-  <p:clrMapOvr>
-    <a:masterClrMapping/>
-  </p:clrMapOvr>
-</p:sld>
-</file>
-
 <file path=ppt/slides/slide9.xml><?xml version="1.0" encoding="utf-8"?>
 <p:sld xmlns:a="http://schemas.openxmlformats.org/drawingml/2006/main" xmlns:r="http://schemas.openxmlformats.org/officeDocument/2006/relationships" xmlns:p="http://schemas.openxmlformats.org/presentationml/2006/main">
   <p:cSld>
@@ -8553,19 +8587,19 @@
         </p:nvSpPr>
         <p:spPr>
           <a:xfrm>
-            <a:off x="838200" y="518160"/>
-            <a:ext cx="10515600" cy="562928"/>
+            <a:off x="749300" y="223520"/>
+            <a:ext cx="10515600" cy="806768"/>
           </a:xfrm>
         </p:spPr>
         <p:txBody>
           <a:bodyPr>
-            <a:normAutofit fontScale="90000"/>
+            <a:normAutofit/>
           </a:bodyPr>
           <a:lstStyle/>
           <a:p>
             <a:r>
-              <a:rPr lang="en-NZ" dirty="0"/>
-              <a:t>Yes/No Checker: Testing </a:t>
+              <a:rPr lang="en-NZ" sz="4000" dirty="0"/>
+              <a:t>[Component name]: Trialling </a:t>
             </a:r>
           </a:p>
         </p:txBody>
@@ -8584,8 +8618,8 @@
         </p:nvSpPr>
         <p:spPr>
           <a:xfrm>
-            <a:off x="749300" y="1081088"/>
-            <a:ext cx="10693400" cy="646331"/>
+            <a:off x="660400" y="1030288"/>
+            <a:ext cx="10693400" cy="923330"/>
           </a:xfrm>
           <a:prstGeom prst="rect">
             <a:avLst/>
@@ -8600,15 +8634,30 @@
           <a:p>
             <a:r>
               <a:rPr lang="en-NZ" i="1" dirty="0"/>
-              <a:t>You must show the results of testing. For each component, include a screenshot proving it works.  You can also include notes about each test. </a:t>
-            </a:r>
+              <a:t>NOTE: Trialling needs to happen for </a:t>
+            </a:r>
+            <a:r>
+              <a:rPr lang="en-NZ" b="1" i="1" dirty="0"/>
+              <a:t>at least 2 </a:t>
+            </a:r>
+            <a:r>
+              <a:rPr lang="en-NZ" i="1" dirty="0"/>
+              <a:t>of your components but is not necessary for ALL components.</a:t>
+            </a:r>
+          </a:p>
+          <a:p>
+            <a:r>
+              <a:rPr lang="en" i="1" dirty="0"/>
+              <a:t>Trialling is not the same as testing. Trialling is about finding different ways of building the same component. Show evidence of  your trialling  here. Select one of your trials for further development and give reasons for your choice. </a:t>
+            </a:r>
+            <a:endParaRPr lang="en-NZ" dirty="0"/>
           </a:p>
         </p:txBody>
       </p:sp>
     </p:spTree>
     <p:extLst>
       <p:ext uri="{BB962C8B-B14F-4D97-AF65-F5344CB8AC3E}">
-        <p14:creationId xmlns:p14="http://schemas.microsoft.com/office/powerpoint/2010/main" val="89592267"/>
+        <p14:creationId xmlns:p14="http://schemas.microsoft.com/office/powerpoint/2010/main" val="270828811"/>
       </p:ext>
     </p:extLst>
   </p:cSld>

--- a/Lucky Unicorn Documentation.pptx
+++ b/Lucky Unicorn Documentation.pptx
@@ -172,7 +172,7 @@
   <pc:docChgLst>
     <pc:chgData name="Joshua Bracefield" userId="d64b1e77-fcfe-4377-8f23-1bdeb7587d81" providerId="ADAL" clId="{14DA4211-AAE7-E846-996D-C07212070A5C}"/>
     <pc:docChg chg="undo redo custSel modSld sldOrd">
-      <pc:chgData name="Joshua Bracefield" userId="d64b1e77-fcfe-4377-8f23-1bdeb7587d81" providerId="ADAL" clId="{14DA4211-AAE7-E846-996D-C07212070A5C}" dt="2022-04-05T02:54:31.808" v="1462" actId="1076"/>
+      <pc:chgData name="Joshua Bracefield" userId="d64b1e77-fcfe-4377-8f23-1bdeb7587d81" providerId="ADAL" clId="{14DA4211-AAE7-E846-996D-C07212070A5C}" dt="2022-04-11T00:31:02.924" v="1463" actId="1076"/>
       <pc:docMkLst>
         <pc:docMk/>
       </pc:docMkLst>
@@ -263,7 +263,7 @@
         </pc:graphicFrameChg>
       </pc:sldChg>
       <pc:sldChg chg="addSp delSp modSp mod setBg">
-        <pc:chgData name="Joshua Bracefield" userId="d64b1e77-fcfe-4377-8f23-1bdeb7587d81" providerId="ADAL" clId="{14DA4211-AAE7-E846-996D-C07212070A5C}" dt="2022-03-29T21:04:04.035" v="962" actId="962"/>
+        <pc:chgData name="Joshua Bracefield" userId="d64b1e77-fcfe-4377-8f23-1bdeb7587d81" providerId="ADAL" clId="{14DA4211-AAE7-E846-996D-C07212070A5C}" dt="2022-04-11T00:31:02.924" v="1463" actId="1076"/>
         <pc:sldMkLst>
           <pc:docMk/>
           <pc:sldMk cId="3760331451" sldId="260"/>
@@ -293,7 +293,7 @@
           </ac:spMkLst>
         </pc:spChg>
         <pc:picChg chg="add mod ord">
-          <ac:chgData name="Joshua Bracefield" userId="d64b1e77-fcfe-4377-8f23-1bdeb7587d81" providerId="ADAL" clId="{14DA4211-AAE7-E846-996D-C07212070A5C}" dt="2022-03-29T21:02:45.810" v="955" actId="1076"/>
+          <ac:chgData name="Joshua Bracefield" userId="d64b1e77-fcfe-4377-8f23-1bdeb7587d81" providerId="ADAL" clId="{14DA4211-AAE7-E846-996D-C07212070A5C}" dt="2022-04-11T00:31:02.924" v="1463" actId="1076"/>
           <ac:picMkLst>
             <pc:docMk/>
             <pc:sldMk cId="3760331451" sldId="260"/>
@@ -496,7 +496,7 @@
           <a:p>
             <a:fld id="{F37D28C0-BEB6-42B0-A203-EEE1023219C4}" type="datetimeFigureOut">
               <a:rPr lang="en-NZ" smtClean="0"/>
-              <a:t>5/04/22</a:t>
+              <a:t>11/04/22</a:t>
             </a:fld>
             <a:endParaRPr lang="en-NZ"/>
           </a:p>
@@ -2029,7 +2029,7 @@
           <a:p>
             <a:fld id="{9C4A4F43-1C06-40E6-8F87-8B286982E50E}" type="datetimeFigureOut">
               <a:rPr lang="en-NZ" smtClean="0"/>
-              <a:t>5/04/22</a:t>
+              <a:t>11/04/22</a:t>
             </a:fld>
             <a:endParaRPr lang="en-NZ" dirty="0"/>
           </a:p>
@@ -2229,7 +2229,7 @@
           <a:p>
             <a:fld id="{9C4A4F43-1C06-40E6-8F87-8B286982E50E}" type="datetimeFigureOut">
               <a:rPr lang="en-NZ" smtClean="0"/>
-              <a:t>5/04/22</a:t>
+              <a:t>11/04/22</a:t>
             </a:fld>
             <a:endParaRPr lang="en-NZ" dirty="0"/>
           </a:p>
@@ -2439,7 +2439,7 @@
           <a:p>
             <a:fld id="{9C4A4F43-1C06-40E6-8F87-8B286982E50E}" type="datetimeFigureOut">
               <a:rPr lang="en-NZ" smtClean="0"/>
-              <a:t>5/04/22</a:t>
+              <a:t>11/04/22</a:t>
             </a:fld>
             <a:endParaRPr lang="en-NZ" dirty="0"/>
           </a:p>
@@ -2998,7 +2998,7 @@
           <a:p>
             <a:fld id="{9C4A4F43-1C06-40E6-8F87-8B286982E50E}" type="datetimeFigureOut">
               <a:rPr lang="en-NZ" smtClean="0"/>
-              <a:t>5/04/22</a:t>
+              <a:t>11/04/22</a:t>
             </a:fld>
             <a:endParaRPr lang="en-NZ" dirty="0"/>
           </a:p>
@@ -3274,7 +3274,7 @@
           <a:p>
             <a:fld id="{9C4A4F43-1C06-40E6-8F87-8B286982E50E}" type="datetimeFigureOut">
               <a:rPr lang="en-NZ" smtClean="0"/>
-              <a:t>5/04/22</a:t>
+              <a:t>11/04/22</a:t>
             </a:fld>
             <a:endParaRPr lang="en-NZ" dirty="0"/>
           </a:p>
@@ -3542,7 +3542,7 @@
           <a:p>
             <a:fld id="{9C4A4F43-1C06-40E6-8F87-8B286982E50E}" type="datetimeFigureOut">
               <a:rPr lang="en-NZ" smtClean="0"/>
-              <a:t>5/04/22</a:t>
+              <a:t>11/04/22</a:t>
             </a:fld>
             <a:endParaRPr lang="en-NZ" dirty="0"/>
           </a:p>
@@ -3957,7 +3957,7 @@
           <a:p>
             <a:fld id="{9C4A4F43-1C06-40E6-8F87-8B286982E50E}" type="datetimeFigureOut">
               <a:rPr lang="en-NZ" smtClean="0"/>
-              <a:t>5/04/22</a:t>
+              <a:t>11/04/22</a:t>
             </a:fld>
             <a:endParaRPr lang="en-NZ" dirty="0"/>
           </a:p>
@@ -4099,7 +4099,7 @@
           <a:p>
             <a:fld id="{9C4A4F43-1C06-40E6-8F87-8B286982E50E}" type="datetimeFigureOut">
               <a:rPr lang="en-NZ" smtClean="0"/>
-              <a:t>5/04/22</a:t>
+              <a:t>11/04/22</a:t>
             </a:fld>
             <a:endParaRPr lang="en-NZ" dirty="0"/>
           </a:p>
@@ -4212,7 +4212,7 @@
           <a:p>
             <a:fld id="{9C4A4F43-1C06-40E6-8F87-8B286982E50E}" type="datetimeFigureOut">
               <a:rPr lang="en-NZ" smtClean="0"/>
-              <a:t>5/04/22</a:t>
+              <a:t>11/04/22</a:t>
             </a:fld>
             <a:endParaRPr lang="en-NZ" dirty="0"/>
           </a:p>
@@ -4525,7 +4525,7 @@
           <a:p>
             <a:fld id="{9C4A4F43-1C06-40E6-8F87-8B286982E50E}" type="datetimeFigureOut">
               <a:rPr lang="en-NZ" smtClean="0"/>
-              <a:t>5/04/22</a:t>
+              <a:t>11/04/22</a:t>
             </a:fld>
             <a:endParaRPr lang="en-NZ" dirty="0"/>
           </a:p>
@@ -4814,7 +4814,7 @@
           <a:p>
             <a:fld id="{9C4A4F43-1C06-40E6-8F87-8B286982E50E}" type="datetimeFigureOut">
               <a:rPr lang="en-NZ" smtClean="0"/>
-              <a:t>5/04/22</a:t>
+              <a:t>11/04/22</a:t>
             </a:fld>
             <a:endParaRPr lang="en-NZ" dirty="0"/>
           </a:p>
@@ -5057,7 +5057,7 @@
           <a:p>
             <a:fld id="{9C4A4F43-1C06-40E6-8F87-8B286982E50E}" type="datetimeFigureOut">
               <a:rPr lang="en-NZ" smtClean="0"/>
-              <a:t>5/04/22</a:t>
+              <a:t>11/04/22</a:t>
             </a:fld>
             <a:endParaRPr lang="en-NZ" dirty="0"/>
           </a:p>
@@ -7186,7 +7186,7 @@
         </p:blipFill>
         <p:spPr>
           <a:xfrm>
-            <a:off x="0" y="1949823"/>
+            <a:off x="838200" y="2031929"/>
             <a:ext cx="6343625" cy="3650503"/>
           </a:xfrm>
           <a:prstGeom prst="rect">

--- a/Lucky Unicorn Documentation.pptx
+++ b/Lucky Unicorn Documentation.pptx
@@ -131,6 +131,7 @@
 <p1510:revInfo xmlns:a="http://schemas.openxmlformats.org/drawingml/2006/main" xmlns:r="http://schemas.openxmlformats.org/officeDocument/2006/relationships" xmlns:p1510="http://schemas.microsoft.com/office/powerpoint/2015/10/main">
   <p1510:revLst>
     <p1510:client id="{14DA4211-AAE7-E846-996D-C07212070A5C}" v="13" dt="2022-04-05T02:53:24.222"/>
+    <p1510:client id="{7C8F4E42-49F9-55D8-89F8-1F09FAA9775C}" v="11" dt="2022-04-13T01:31:47.348"/>
   </p1510:revLst>
 </p1510:revInfo>
 </file>
@@ -172,18 +173,18 @@
   <pc:docChgLst>
     <pc:chgData name="Joshua Bracefield" userId="d64b1e77-fcfe-4377-8f23-1bdeb7587d81" providerId="ADAL" clId="{14DA4211-AAE7-E846-996D-C07212070A5C}"/>
     <pc:docChg chg="undo redo custSel modSld sldOrd">
-      <pc:chgData name="Joshua Bracefield" userId="d64b1e77-fcfe-4377-8f23-1bdeb7587d81" providerId="ADAL" clId="{14DA4211-AAE7-E846-996D-C07212070A5C}" dt="2022-04-11T00:31:02.924" v="1463" actId="1076"/>
+      <pc:chgData name="Joshua Bracefield" userId="d64b1e77-fcfe-4377-8f23-1bdeb7587d81" providerId="ADAL" clId="{14DA4211-AAE7-E846-996D-C07212070A5C}" dt="2022-04-13T21:15:32.974" v="5989" actId="1076"/>
       <pc:docMkLst>
         <pc:docMk/>
       </pc:docMkLst>
       <pc:sldChg chg="modSp mod">
-        <pc:chgData name="Joshua Bracefield" userId="d64b1e77-fcfe-4377-8f23-1bdeb7587d81" providerId="ADAL" clId="{14DA4211-AAE7-E846-996D-C07212070A5C}" dt="2022-03-21T21:02:00.537" v="99" actId="20577"/>
+        <pc:chgData name="Joshua Bracefield" userId="d64b1e77-fcfe-4377-8f23-1bdeb7587d81" providerId="ADAL" clId="{14DA4211-AAE7-E846-996D-C07212070A5C}" dt="2022-04-13T21:11:14.893" v="1492" actId="20577"/>
         <pc:sldMkLst>
           <pc:docMk/>
           <pc:sldMk cId="1362934084" sldId="256"/>
         </pc:sldMkLst>
         <pc:spChg chg="mod">
-          <ac:chgData name="Joshua Bracefield" userId="d64b1e77-fcfe-4377-8f23-1bdeb7587d81" providerId="ADAL" clId="{14DA4211-AAE7-E846-996D-C07212070A5C}" dt="2022-03-21T20:59:15.255" v="44" actId="20577"/>
+          <ac:chgData name="Joshua Bracefield" userId="d64b1e77-fcfe-4377-8f23-1bdeb7587d81" providerId="ADAL" clId="{14DA4211-AAE7-E846-996D-C07212070A5C}" dt="2022-04-13T21:11:14.893" v="1492" actId="20577"/>
           <ac:spMkLst>
             <pc:docMk/>
             <pc:sldMk cId="1362934084" sldId="256"/>
@@ -387,7 +388,7 @@
         </pc:graphicFrameChg>
       </pc:sldChg>
       <pc:sldChg chg="addSp delSp modSp mod ord">
-        <pc:chgData name="Joshua Bracefield" userId="d64b1e77-fcfe-4377-8f23-1bdeb7587d81" providerId="ADAL" clId="{14DA4211-AAE7-E846-996D-C07212070A5C}" dt="2022-04-05T02:42:02.068" v="1451" actId="20578"/>
+        <pc:chgData name="Joshua Bracefield" userId="d64b1e77-fcfe-4377-8f23-1bdeb7587d81" providerId="ADAL" clId="{14DA4211-AAE7-E846-996D-C07212070A5C}" dt="2022-04-13T21:15:32.974" v="5989" actId="1076"/>
         <pc:sldMkLst>
           <pc:docMk/>
           <pc:sldMk cId="89592267" sldId="274"/>
@@ -400,12 +401,52 @@
             <ac:spMk id="2" creationId="{1CC5D32F-7C18-4D00-8D54-2FB046F0A206}"/>
           </ac:spMkLst>
         </pc:spChg>
+        <pc:picChg chg="mod">
+          <ac:chgData name="Joshua Bracefield" userId="d64b1e77-fcfe-4377-8f23-1bdeb7587d81" providerId="ADAL" clId="{14DA4211-AAE7-E846-996D-C07212070A5C}" dt="2022-04-13T21:15:32.974" v="5989" actId="1076"/>
+          <ac:picMkLst>
+            <pc:docMk/>
+            <pc:sldMk cId="89592267" sldId="274"/>
+            <ac:picMk id="3" creationId="{3F82BB0C-5860-909B-ADCF-A03E445969A6}"/>
+          </ac:picMkLst>
+        </pc:picChg>
         <pc:picChg chg="add del mod">
           <ac:chgData name="Joshua Bracefield" userId="d64b1e77-fcfe-4377-8f23-1bdeb7587d81" providerId="ADAL" clId="{14DA4211-AAE7-E846-996D-C07212070A5C}" dt="2022-04-04T00:36:13.982" v="1404" actId="478"/>
           <ac:picMkLst>
             <pc:docMk/>
             <pc:sldMk cId="89592267" sldId="274"/>
             <ac:picMk id="5" creationId="{A3EB9601-3048-B549-8A62-5E18F981756B}"/>
+          </ac:picMkLst>
+        </pc:picChg>
+      </pc:sldChg>
+    </pc:docChg>
+  </pc:docChgLst>
+  <pc:docChgLst>
+    <pc:chgData name="Joshua Bracefield" userId="S::bracefield2@middleton.school.nz::d64b1e77-fcfe-4377-8f23-1bdeb7587d81" providerId="AD" clId="Web-{7C8F4E42-49F9-55D8-89F8-1F09FAA9775C}"/>
+    <pc:docChg chg="modSld">
+      <pc:chgData name="Joshua Bracefield" userId="S::bracefield2@middleton.school.nz::d64b1e77-fcfe-4377-8f23-1bdeb7587d81" providerId="AD" clId="Web-{7C8F4E42-49F9-55D8-89F8-1F09FAA9775C}" dt="2022-04-13T01:31:47.348" v="8" actId="1076"/>
+      <pc:docMkLst>
+        <pc:docMk/>
+      </pc:docMkLst>
+      <pc:sldChg chg="addSp delSp modSp">
+        <pc:chgData name="Joshua Bracefield" userId="S::bracefield2@middleton.school.nz::d64b1e77-fcfe-4377-8f23-1bdeb7587d81" providerId="AD" clId="Web-{7C8F4E42-49F9-55D8-89F8-1F09FAA9775C}" dt="2022-04-13T01:31:47.348" v="8" actId="1076"/>
+        <pc:sldMkLst>
+          <pc:docMk/>
+          <pc:sldMk cId="89592267" sldId="274"/>
+        </pc:sldMkLst>
+        <pc:spChg chg="del mod">
+          <ac:chgData name="Joshua Bracefield" userId="S::bracefield2@middleton.school.nz::d64b1e77-fcfe-4377-8f23-1bdeb7587d81" providerId="AD" clId="Web-{7C8F4E42-49F9-55D8-89F8-1F09FAA9775C}" dt="2022-04-13T01:31:29.723" v="7"/>
+          <ac:spMkLst>
+            <pc:docMk/>
+            <pc:sldMk cId="89592267" sldId="274"/>
+            <ac:spMk id="4" creationId="{8CD07A82-A944-4A9B-9A52-515DAC30878A}"/>
+          </ac:spMkLst>
+        </pc:spChg>
+        <pc:picChg chg="add mod">
+          <ac:chgData name="Joshua Bracefield" userId="S::bracefield2@middleton.school.nz::d64b1e77-fcfe-4377-8f23-1bdeb7587d81" providerId="AD" clId="Web-{7C8F4E42-49F9-55D8-89F8-1F09FAA9775C}" dt="2022-04-13T01:31:47.348" v="8" actId="1076"/>
+          <ac:picMkLst>
+            <pc:docMk/>
+            <pc:sldMk cId="89592267" sldId="274"/>
+            <ac:picMk id="3" creationId="{3F82BB0C-5860-909B-ADCF-A03E445969A6}"/>
           </ac:picMkLst>
         </pc:picChg>
       </pc:sldChg>
@@ -496,7 +537,7 @@
           <a:p>
             <a:fld id="{F37D28C0-BEB6-42B0-A203-EEE1023219C4}" type="datetimeFigureOut">
               <a:rPr lang="en-NZ" smtClean="0"/>
-              <a:t>11/04/22</a:t>
+              <a:t>14/04/22</a:t>
             </a:fld>
             <a:endParaRPr lang="en-NZ"/>
           </a:p>
@@ -2029,7 +2070,7 @@
           <a:p>
             <a:fld id="{9C4A4F43-1C06-40E6-8F87-8B286982E50E}" type="datetimeFigureOut">
               <a:rPr lang="en-NZ" smtClean="0"/>
-              <a:t>11/04/22</a:t>
+              <a:t>14/04/22</a:t>
             </a:fld>
             <a:endParaRPr lang="en-NZ" dirty="0"/>
           </a:p>
@@ -2229,7 +2270,7 @@
           <a:p>
             <a:fld id="{9C4A4F43-1C06-40E6-8F87-8B286982E50E}" type="datetimeFigureOut">
               <a:rPr lang="en-NZ" smtClean="0"/>
-              <a:t>11/04/22</a:t>
+              <a:t>14/04/22</a:t>
             </a:fld>
             <a:endParaRPr lang="en-NZ" dirty="0"/>
           </a:p>
@@ -2439,7 +2480,7 @@
           <a:p>
             <a:fld id="{9C4A4F43-1C06-40E6-8F87-8B286982E50E}" type="datetimeFigureOut">
               <a:rPr lang="en-NZ" smtClean="0"/>
-              <a:t>11/04/22</a:t>
+              <a:t>14/04/22</a:t>
             </a:fld>
             <a:endParaRPr lang="en-NZ" dirty="0"/>
           </a:p>
@@ -2998,7 +3039,7 @@
           <a:p>
             <a:fld id="{9C4A4F43-1C06-40E6-8F87-8B286982E50E}" type="datetimeFigureOut">
               <a:rPr lang="en-NZ" smtClean="0"/>
-              <a:t>11/04/22</a:t>
+              <a:t>14/04/22</a:t>
             </a:fld>
             <a:endParaRPr lang="en-NZ" dirty="0"/>
           </a:p>
@@ -3274,7 +3315,7 @@
           <a:p>
             <a:fld id="{9C4A4F43-1C06-40E6-8F87-8B286982E50E}" type="datetimeFigureOut">
               <a:rPr lang="en-NZ" smtClean="0"/>
-              <a:t>11/04/22</a:t>
+              <a:t>14/04/22</a:t>
             </a:fld>
             <a:endParaRPr lang="en-NZ" dirty="0"/>
           </a:p>
@@ -3542,7 +3583,7 @@
           <a:p>
             <a:fld id="{9C4A4F43-1C06-40E6-8F87-8B286982E50E}" type="datetimeFigureOut">
               <a:rPr lang="en-NZ" smtClean="0"/>
-              <a:t>11/04/22</a:t>
+              <a:t>14/04/22</a:t>
             </a:fld>
             <a:endParaRPr lang="en-NZ" dirty="0"/>
           </a:p>
@@ -3957,7 +3998,7 @@
           <a:p>
             <a:fld id="{9C4A4F43-1C06-40E6-8F87-8B286982E50E}" type="datetimeFigureOut">
               <a:rPr lang="en-NZ" smtClean="0"/>
-              <a:t>11/04/22</a:t>
+              <a:t>14/04/22</a:t>
             </a:fld>
             <a:endParaRPr lang="en-NZ" dirty="0"/>
           </a:p>
@@ -4099,7 +4140,7 @@
           <a:p>
             <a:fld id="{9C4A4F43-1C06-40E6-8F87-8B286982E50E}" type="datetimeFigureOut">
               <a:rPr lang="en-NZ" smtClean="0"/>
-              <a:t>11/04/22</a:t>
+              <a:t>14/04/22</a:t>
             </a:fld>
             <a:endParaRPr lang="en-NZ" dirty="0"/>
           </a:p>
@@ -4212,7 +4253,7 @@
           <a:p>
             <a:fld id="{9C4A4F43-1C06-40E6-8F87-8B286982E50E}" type="datetimeFigureOut">
               <a:rPr lang="en-NZ" smtClean="0"/>
-              <a:t>11/04/22</a:t>
+              <a:t>14/04/22</a:t>
             </a:fld>
             <a:endParaRPr lang="en-NZ" dirty="0"/>
           </a:p>
@@ -4525,7 +4566,7 @@
           <a:p>
             <a:fld id="{9C4A4F43-1C06-40E6-8F87-8B286982E50E}" type="datetimeFigureOut">
               <a:rPr lang="en-NZ" smtClean="0"/>
-              <a:t>11/04/22</a:t>
+              <a:t>14/04/22</a:t>
             </a:fld>
             <a:endParaRPr lang="en-NZ" dirty="0"/>
           </a:p>
@@ -4814,7 +4855,7 @@
           <a:p>
             <a:fld id="{9C4A4F43-1C06-40E6-8F87-8B286982E50E}" type="datetimeFigureOut">
               <a:rPr lang="en-NZ" smtClean="0"/>
-              <a:t>11/04/22</a:t>
+              <a:t>14/04/22</a:t>
             </a:fld>
             <a:endParaRPr lang="en-NZ" dirty="0"/>
           </a:p>
@@ -5057,7 +5098,7 @@
           <a:p>
             <a:fld id="{9C4A4F43-1C06-40E6-8F87-8B286982E50E}" type="datetimeFigureOut">
               <a:rPr lang="en-NZ" smtClean="0"/>
-              <a:t>11/04/22</a:t>
+              <a:t>14/04/22</a:t>
             </a:fld>
             <a:endParaRPr lang="en-NZ" dirty="0"/>
           </a:p>
@@ -8067,41 +8108,41 @@
           </a:p>
         </p:txBody>
       </p:sp>
-      <p:sp>
-        <p:nvSpPr>
-          <p:cNvPr id="4" name="TextBox 3">
+      <p:pic>
+        <p:nvPicPr>
+          <p:cNvPr id="3" name="Picture 4" descr="A picture containing diagram&#10;&#10;Description automatically generated">
             <a:extLst>
               <a:ext uri="{FF2B5EF4-FFF2-40B4-BE49-F238E27FC236}">
-                <a16:creationId xmlns:a16="http://schemas.microsoft.com/office/drawing/2014/main" id="{8CD07A82-A944-4A9B-9A52-515DAC30878A}"/>
+                <a16:creationId xmlns:a16="http://schemas.microsoft.com/office/drawing/2014/main" id="{3F82BB0C-5860-909B-ADCF-A03E445969A6}"/>
               </a:ext>
             </a:extLst>
           </p:cNvPr>
-          <p:cNvSpPr txBox="1"/>
+          <p:cNvPicPr>
+            <a:picLocks noChangeAspect="1"/>
+          </p:cNvPicPr>
           <p:nvPr/>
-        </p:nvSpPr>
+        </p:nvPicPr>
+        <p:blipFill>
+          <a:blip r:embed="rId3"/>
+          <a:stretch>
+            <a:fillRect/>
+          </a:stretch>
+        </p:blipFill>
         <p:spPr>
           <a:xfrm>
-            <a:off x="749300" y="1081088"/>
-            <a:ext cx="10693400" cy="646331"/>
+            <a:off x="1512637" y="518160"/>
+            <a:ext cx="9166726" cy="6133430"/>
           </a:xfrm>
           <a:prstGeom prst="rect">
             <a:avLst/>
           </a:prstGeom>
-          <a:noFill/>
+          <a:effectLst>
+            <a:outerShdw blurRad="50800" dist="50800" dir="5400000" algn="ctr" rotWithShape="0">
+              <a:srgbClr val="000000"/>
+            </a:outerShdw>
+          </a:effectLst>
         </p:spPr>
-        <p:txBody>
-          <a:bodyPr wrap="square">
-            <a:spAutoFit/>
-          </a:bodyPr>
-          <a:lstStyle/>
-          <a:p>
-            <a:r>
-              <a:rPr lang="en-NZ" i="1" dirty="0"/>
-              <a:t>You must show the results of testing. For each component, include a screenshot proving it works.  You can also include notes about each test. </a:t>
-            </a:r>
-          </a:p>
-        </p:txBody>
-      </p:sp>
+      </p:pic>
     </p:spTree>
     <p:extLst>
       <p:ext uri="{BB962C8B-B14F-4D97-AF65-F5344CB8AC3E}">

--- a/Lucky Unicorn Documentation.pptx
+++ b/Lucky Unicorn Documentation.pptx
@@ -14,9 +14,9 @@
     <p:sldId id="260" r:id="rId5"/>
     <p:sldId id="268" r:id="rId6"/>
     <p:sldId id="269" r:id="rId7"/>
-    <p:sldId id="275" r:id="rId8"/>
-    <p:sldId id="273" r:id="rId9"/>
-    <p:sldId id="274" r:id="rId10"/>
+    <p:sldId id="274" r:id="rId8"/>
+    <p:sldId id="275" r:id="rId9"/>
+    <p:sldId id="273" r:id="rId10"/>
     <p:sldId id="263" r:id="rId11"/>
     <p:sldId id="270" r:id="rId12"/>
     <p:sldId id="261" r:id="rId13"/>
@@ -130,8 +130,8 @@
 <file path=ppt/revisionInfo.xml><?xml version="1.0" encoding="utf-8"?>
 <p1510:revInfo xmlns:a="http://schemas.openxmlformats.org/drawingml/2006/main" xmlns:r="http://schemas.openxmlformats.org/officeDocument/2006/relationships" xmlns:p1510="http://schemas.microsoft.com/office/powerpoint/2015/10/main">
   <p1510:revLst>
-    <p1510:client id="{14DA4211-AAE7-E846-996D-C07212070A5C}" v="10" dt="2022-03-30T01:28:36.411"/>
-    <p1510:client id="{D7C9858A-634A-A791-C3A6-8C430DA102BF}" v="471" dt="2022-03-30T20:18:14.216"/>
+    <p1510:client id="{14DA4211-AAE7-E846-996D-C07212070A5C}" v="13" dt="2022-04-05T02:53:24.222"/>
+    <p1510:client id="{7C8F4E42-49F9-55D8-89F8-1F09FAA9775C}" v="11" dt="2022-04-13T01:31:47.348"/>
   </p1510:revLst>
 </p1510:revInfo>
 </file>
@@ -172,19 +172,19 @@
   </pc:docChgLst>
   <pc:docChgLst>
     <pc:chgData name="Joshua Bracefield" userId="d64b1e77-fcfe-4377-8f23-1bdeb7587d81" providerId="ADAL" clId="{14DA4211-AAE7-E846-996D-C07212070A5C}"/>
-    <pc:docChg chg="undo custSel modSld">
-      <pc:chgData name="Joshua Bracefield" userId="d64b1e77-fcfe-4377-8f23-1bdeb7587d81" providerId="ADAL" clId="{14DA4211-AAE7-E846-996D-C07212070A5C}" dt="2022-03-30T01:29:27.032" v="1203" actId="20577"/>
+    <pc:docChg chg="undo redo custSel modSld sldOrd">
+      <pc:chgData name="Joshua Bracefield" userId="d64b1e77-fcfe-4377-8f23-1bdeb7587d81" providerId="ADAL" clId="{14DA4211-AAE7-E846-996D-C07212070A5C}" dt="2022-04-13T21:15:32.974" v="5989" actId="1076"/>
       <pc:docMkLst>
         <pc:docMk/>
       </pc:docMkLst>
       <pc:sldChg chg="modSp mod">
-        <pc:chgData name="Joshua Bracefield" userId="d64b1e77-fcfe-4377-8f23-1bdeb7587d81" providerId="ADAL" clId="{14DA4211-AAE7-E846-996D-C07212070A5C}" dt="2022-03-21T21:02:00.537" v="99" actId="20577"/>
+        <pc:chgData name="Joshua Bracefield" userId="d64b1e77-fcfe-4377-8f23-1bdeb7587d81" providerId="ADAL" clId="{14DA4211-AAE7-E846-996D-C07212070A5C}" dt="2022-04-13T21:11:14.893" v="1492" actId="20577"/>
         <pc:sldMkLst>
           <pc:docMk/>
           <pc:sldMk cId="1362934084" sldId="256"/>
         </pc:sldMkLst>
         <pc:spChg chg="mod">
-          <ac:chgData name="Joshua Bracefield" userId="d64b1e77-fcfe-4377-8f23-1bdeb7587d81" providerId="ADAL" clId="{14DA4211-AAE7-E846-996D-C07212070A5C}" dt="2022-03-21T20:59:15.255" v="44" actId="20577"/>
+          <ac:chgData name="Joshua Bracefield" userId="d64b1e77-fcfe-4377-8f23-1bdeb7587d81" providerId="ADAL" clId="{14DA4211-AAE7-E846-996D-C07212070A5C}" dt="2022-04-13T21:11:14.893" v="1492" actId="20577"/>
           <ac:spMkLst>
             <pc:docMk/>
             <pc:sldMk cId="1362934084" sldId="256"/>
@@ -200,14 +200,14 @@
           </ac:spMkLst>
         </pc:spChg>
       </pc:sldChg>
-      <pc:sldChg chg="modSp mod">
-        <pc:chgData name="Joshua Bracefield" userId="d64b1e77-fcfe-4377-8f23-1bdeb7587d81" providerId="ADAL" clId="{14DA4211-AAE7-E846-996D-C07212070A5C}" dt="2022-03-21T21:12:33.134" v="133" actId="14100"/>
+      <pc:sldChg chg="addSp delSp modSp mod setBg">
+        <pc:chgData name="Joshua Bracefield" userId="d64b1e77-fcfe-4377-8f23-1bdeb7587d81" providerId="ADAL" clId="{14DA4211-AAE7-E846-996D-C07212070A5C}" dt="2022-04-05T02:54:31.808" v="1462" actId="1076"/>
         <pc:sldMkLst>
           <pc:docMk/>
           <pc:sldMk cId="3838895173" sldId="258"/>
         </pc:sldMkLst>
         <pc:spChg chg="mod">
-          <ac:chgData name="Joshua Bracefield" userId="d64b1e77-fcfe-4377-8f23-1bdeb7587d81" providerId="ADAL" clId="{14DA4211-AAE7-E846-996D-C07212070A5C}" dt="2022-03-21T21:02:16.893" v="116" actId="20577"/>
+          <ac:chgData name="Joshua Bracefield" userId="d64b1e77-fcfe-4377-8f23-1bdeb7587d81" providerId="ADAL" clId="{14DA4211-AAE7-E846-996D-C07212070A5C}" dt="2022-04-05T02:39:27.178" v="1450" actId="26606"/>
           <ac:spMkLst>
             <pc:docMk/>
             <pc:sldMk cId="3838895173" sldId="258"/>
@@ -215,15 +215,47 @@
           </ac:spMkLst>
         </pc:spChg>
         <pc:spChg chg="mod">
-          <ac:chgData name="Joshua Bracefield" userId="d64b1e77-fcfe-4377-8f23-1bdeb7587d81" providerId="ADAL" clId="{14DA4211-AAE7-E846-996D-C07212070A5C}" dt="2022-03-21T21:12:22.886" v="130" actId="14100"/>
+          <ac:chgData name="Joshua Bracefield" userId="d64b1e77-fcfe-4377-8f23-1bdeb7587d81" providerId="ADAL" clId="{14DA4211-AAE7-E846-996D-C07212070A5C}" dt="2022-04-05T02:54:12.921" v="1461" actId="14100"/>
           <ac:spMkLst>
             <pc:docMk/>
             <pc:sldMk cId="3838895173" sldId="258"/>
             <ac:spMk id="4" creationId="{F7FB308A-232B-4B31-A59D-BD561ECFBE8B}"/>
           </ac:spMkLst>
         </pc:spChg>
+        <pc:spChg chg="add del">
+          <ac:chgData name="Joshua Bracefield" userId="d64b1e77-fcfe-4377-8f23-1bdeb7587d81" providerId="ADAL" clId="{14DA4211-AAE7-E846-996D-C07212070A5C}" dt="2022-04-05T02:39:27.178" v="1450" actId="26606"/>
+          <ac:spMkLst>
+            <pc:docMk/>
+            <pc:sldMk cId="3838895173" sldId="258"/>
+            <ac:spMk id="11" creationId="{2550BE34-C2B8-49B8-8519-67A8CAD51AE9}"/>
+          </ac:spMkLst>
+        </pc:spChg>
+        <pc:spChg chg="add del">
+          <ac:chgData name="Joshua Bracefield" userId="d64b1e77-fcfe-4377-8f23-1bdeb7587d81" providerId="ADAL" clId="{14DA4211-AAE7-E846-996D-C07212070A5C}" dt="2022-04-05T02:39:27.178" v="1450" actId="26606"/>
+          <ac:spMkLst>
+            <pc:docMk/>
+            <pc:sldMk cId="3838895173" sldId="258"/>
+            <ac:spMk id="13" creationId="{A7457DD9-5A45-400A-AB4B-4B4EDECA25F1}"/>
+          </ac:spMkLst>
+        </pc:spChg>
+        <pc:spChg chg="add del">
+          <ac:chgData name="Joshua Bracefield" userId="d64b1e77-fcfe-4377-8f23-1bdeb7587d81" providerId="ADAL" clId="{14DA4211-AAE7-E846-996D-C07212070A5C}" dt="2022-04-05T02:39:27.178" v="1450" actId="26606"/>
+          <ac:spMkLst>
+            <pc:docMk/>
+            <pc:sldMk cId="3838895173" sldId="258"/>
+            <ac:spMk id="15" creationId="{441CF7D6-A660-431A-B0BB-140A0D5556B6}"/>
+          </ac:spMkLst>
+        </pc:spChg>
+        <pc:spChg chg="add del">
+          <ac:chgData name="Joshua Bracefield" userId="d64b1e77-fcfe-4377-8f23-1bdeb7587d81" providerId="ADAL" clId="{14DA4211-AAE7-E846-996D-C07212070A5C}" dt="2022-04-05T02:39:27.178" v="1450" actId="26606"/>
+          <ac:spMkLst>
+            <pc:docMk/>
+            <pc:sldMk cId="3838895173" sldId="258"/>
+            <ac:spMk id="17" creationId="{0570A85B-3810-4F95-97B0-CBF4CCDB381C}"/>
+          </ac:spMkLst>
+        </pc:spChg>
         <pc:graphicFrameChg chg="mod modGraphic">
-          <ac:chgData name="Joshua Bracefield" userId="d64b1e77-fcfe-4377-8f23-1bdeb7587d81" providerId="ADAL" clId="{14DA4211-AAE7-E846-996D-C07212070A5C}" dt="2022-03-21T21:12:33.134" v="133" actId="14100"/>
+          <ac:chgData name="Joshua Bracefield" userId="d64b1e77-fcfe-4377-8f23-1bdeb7587d81" providerId="ADAL" clId="{14DA4211-AAE7-E846-996D-C07212070A5C}" dt="2022-04-05T02:54:31.808" v="1462" actId="1076"/>
           <ac:graphicFrameMkLst>
             <pc:docMk/>
             <pc:sldMk cId="3838895173" sldId="258"/>
@@ -232,7 +264,7 @@
         </pc:graphicFrameChg>
       </pc:sldChg>
       <pc:sldChg chg="addSp delSp modSp mod setBg">
-        <pc:chgData name="Joshua Bracefield" userId="d64b1e77-fcfe-4377-8f23-1bdeb7587d81" providerId="ADAL" clId="{14DA4211-AAE7-E846-996D-C07212070A5C}" dt="2022-03-29T21:04:04.035" v="962" actId="962"/>
+        <pc:chgData name="Joshua Bracefield" userId="d64b1e77-fcfe-4377-8f23-1bdeb7587d81" providerId="ADAL" clId="{14DA4211-AAE7-E846-996D-C07212070A5C}" dt="2022-04-11T00:31:02.924" v="1463" actId="1076"/>
         <pc:sldMkLst>
           <pc:docMk/>
           <pc:sldMk cId="3760331451" sldId="260"/>
@@ -262,7 +294,7 @@
           </ac:spMkLst>
         </pc:spChg>
         <pc:picChg chg="add mod ord">
-          <ac:chgData name="Joshua Bracefield" userId="d64b1e77-fcfe-4377-8f23-1bdeb7587d81" providerId="ADAL" clId="{14DA4211-AAE7-E846-996D-C07212070A5C}" dt="2022-03-29T21:02:45.810" v="955" actId="1076"/>
+          <ac:chgData name="Joshua Bracefield" userId="d64b1e77-fcfe-4377-8f23-1bdeb7587d81" providerId="ADAL" clId="{14DA4211-AAE7-E846-996D-C07212070A5C}" dt="2022-04-11T00:31:02.924" v="1463" actId="1076"/>
           <ac:picMkLst>
             <pc:docMk/>
             <pc:sldMk cId="3760331451" sldId="260"/>
@@ -355,6 +387,69 @@
           </ac:graphicFrameMkLst>
         </pc:graphicFrameChg>
       </pc:sldChg>
+      <pc:sldChg chg="addSp delSp modSp mod ord">
+        <pc:chgData name="Joshua Bracefield" userId="d64b1e77-fcfe-4377-8f23-1bdeb7587d81" providerId="ADAL" clId="{14DA4211-AAE7-E846-996D-C07212070A5C}" dt="2022-04-13T21:15:32.974" v="5989" actId="1076"/>
+        <pc:sldMkLst>
+          <pc:docMk/>
+          <pc:sldMk cId="89592267" sldId="274"/>
+        </pc:sldMkLst>
+        <pc:spChg chg="mod">
+          <ac:chgData name="Joshua Bracefield" userId="d64b1e77-fcfe-4377-8f23-1bdeb7587d81" providerId="ADAL" clId="{14DA4211-AAE7-E846-996D-C07212070A5C}" dt="2022-04-04T00:28:28.428" v="1263" actId="20577"/>
+          <ac:spMkLst>
+            <pc:docMk/>
+            <pc:sldMk cId="89592267" sldId="274"/>
+            <ac:spMk id="2" creationId="{1CC5D32F-7C18-4D00-8D54-2FB046F0A206}"/>
+          </ac:spMkLst>
+        </pc:spChg>
+        <pc:picChg chg="mod">
+          <ac:chgData name="Joshua Bracefield" userId="d64b1e77-fcfe-4377-8f23-1bdeb7587d81" providerId="ADAL" clId="{14DA4211-AAE7-E846-996D-C07212070A5C}" dt="2022-04-13T21:15:32.974" v="5989" actId="1076"/>
+          <ac:picMkLst>
+            <pc:docMk/>
+            <pc:sldMk cId="89592267" sldId="274"/>
+            <ac:picMk id="3" creationId="{3F82BB0C-5860-909B-ADCF-A03E445969A6}"/>
+          </ac:picMkLst>
+        </pc:picChg>
+        <pc:picChg chg="add del mod">
+          <ac:chgData name="Joshua Bracefield" userId="d64b1e77-fcfe-4377-8f23-1bdeb7587d81" providerId="ADAL" clId="{14DA4211-AAE7-E846-996D-C07212070A5C}" dt="2022-04-04T00:36:13.982" v="1404" actId="478"/>
+          <ac:picMkLst>
+            <pc:docMk/>
+            <pc:sldMk cId="89592267" sldId="274"/>
+            <ac:picMk id="5" creationId="{A3EB9601-3048-B549-8A62-5E18F981756B}"/>
+          </ac:picMkLst>
+        </pc:picChg>
+      </pc:sldChg>
+    </pc:docChg>
+  </pc:docChgLst>
+  <pc:docChgLst>
+    <pc:chgData name="Joshua Bracefield" userId="S::bracefield2@middleton.school.nz::d64b1e77-fcfe-4377-8f23-1bdeb7587d81" providerId="AD" clId="Web-{7C8F4E42-49F9-55D8-89F8-1F09FAA9775C}"/>
+    <pc:docChg chg="modSld">
+      <pc:chgData name="Joshua Bracefield" userId="S::bracefield2@middleton.school.nz::d64b1e77-fcfe-4377-8f23-1bdeb7587d81" providerId="AD" clId="Web-{7C8F4E42-49F9-55D8-89F8-1F09FAA9775C}" dt="2022-04-13T01:31:47.348" v="8" actId="1076"/>
+      <pc:docMkLst>
+        <pc:docMk/>
+      </pc:docMkLst>
+      <pc:sldChg chg="addSp delSp modSp">
+        <pc:chgData name="Joshua Bracefield" userId="S::bracefield2@middleton.school.nz::d64b1e77-fcfe-4377-8f23-1bdeb7587d81" providerId="AD" clId="Web-{7C8F4E42-49F9-55D8-89F8-1F09FAA9775C}" dt="2022-04-13T01:31:47.348" v="8" actId="1076"/>
+        <pc:sldMkLst>
+          <pc:docMk/>
+          <pc:sldMk cId="89592267" sldId="274"/>
+        </pc:sldMkLst>
+        <pc:spChg chg="del mod">
+          <ac:chgData name="Joshua Bracefield" userId="S::bracefield2@middleton.school.nz::d64b1e77-fcfe-4377-8f23-1bdeb7587d81" providerId="AD" clId="Web-{7C8F4E42-49F9-55D8-89F8-1F09FAA9775C}" dt="2022-04-13T01:31:29.723" v="7"/>
+          <ac:spMkLst>
+            <pc:docMk/>
+            <pc:sldMk cId="89592267" sldId="274"/>
+            <ac:spMk id="4" creationId="{8CD07A82-A944-4A9B-9A52-515DAC30878A}"/>
+          </ac:spMkLst>
+        </pc:spChg>
+        <pc:picChg chg="add mod">
+          <ac:chgData name="Joshua Bracefield" userId="S::bracefield2@middleton.school.nz::d64b1e77-fcfe-4377-8f23-1bdeb7587d81" providerId="AD" clId="Web-{7C8F4E42-49F9-55D8-89F8-1F09FAA9775C}" dt="2022-04-13T01:31:47.348" v="8" actId="1076"/>
+          <ac:picMkLst>
+            <pc:docMk/>
+            <pc:sldMk cId="89592267" sldId="274"/>
+            <ac:picMk id="3" creationId="{3F82BB0C-5860-909B-ADCF-A03E445969A6}"/>
+          </ac:picMkLst>
+        </pc:picChg>
+      </pc:sldChg>
     </pc:docChg>
   </pc:docChgLst>
 </pc:chgInfo>
@@ -442,7 +537,7 @@
           <a:p>
             <a:fld id="{F37D28C0-BEB6-42B0-A203-EEE1023219C4}" type="datetimeFigureOut">
               <a:rPr lang="en-NZ" smtClean="0"/>
-              <a:t>30/03/2022</a:t>
+              <a:t>14/04/22</a:t>
             </a:fld>
             <a:endParaRPr lang="en-NZ"/>
           </a:p>
@@ -887,7 +982,7 @@
           <a:p>
             <a:fld id="{D89B2B17-F4B1-4A14-AF99-5A366D45E74A}" type="slidenum">
               <a:rPr lang="en-NZ" smtClean="0"/>
-              <a:t>12</a:t>
+              <a:t>13</a:t>
             </a:fld>
             <a:endParaRPr lang="en-NZ"/>
           </a:p>
@@ -1272,6 +1367,105 @@
 </file>
 
 <file path=ppt/notesSlides/notesSlide5.xml><?xml version="1.0" encoding="utf-8"?>
+<p:notes xmlns:a="http://schemas.openxmlformats.org/drawingml/2006/main" xmlns:r="http://schemas.openxmlformats.org/officeDocument/2006/relationships" xmlns:p="http://schemas.openxmlformats.org/presentationml/2006/main">
+  <p:cSld>
+    <p:spTree>
+      <p:nvGrpSpPr>
+        <p:cNvPr id="1" name=""/>
+        <p:cNvGrpSpPr/>
+        <p:nvPr/>
+      </p:nvGrpSpPr>
+      <p:grpSpPr>
+        <a:xfrm>
+          <a:off x="0" y="0"/>
+          <a:ext cx="0" cy="0"/>
+          <a:chOff x="0" y="0"/>
+          <a:chExt cx="0" cy="0"/>
+        </a:xfrm>
+      </p:grpSpPr>
+      <p:sp>
+        <p:nvSpPr>
+          <p:cNvPr id="2" name="Slide Image Placeholder 1"/>
+          <p:cNvSpPr>
+            <a:spLocks noGrp="1" noRot="1" noChangeAspect="1"/>
+          </p:cNvSpPr>
+          <p:nvPr>
+            <p:ph type="sldImg"/>
+          </p:nvPr>
+        </p:nvSpPr>
+        <p:spPr/>
+      </p:sp>
+      <p:sp>
+        <p:nvSpPr>
+          <p:cNvPr id="3" name="Notes Placeholder 2"/>
+          <p:cNvSpPr>
+            <a:spLocks noGrp="1"/>
+          </p:cNvSpPr>
+          <p:nvPr>
+            <p:ph type="body" idx="1"/>
+          </p:nvPr>
+        </p:nvSpPr>
+        <p:spPr/>
+        <p:txBody>
+          <a:bodyPr/>
+          <a:lstStyle/>
+          <a:p>
+            <a:pPr>
+              <a:lnSpc>
+                <a:spcPct val="115000"/>
+              </a:lnSpc>
+            </a:pPr>
+            <a:r>
+              <a:rPr lang="en-NZ" i="1" dirty="0">
+                <a:latin typeface="Arial" panose="020B0604020202020204" pitchFamily="34" charset="0"/>
+                <a:ea typeface="Arial" panose="020B0604020202020204" pitchFamily="34" charset="0"/>
+              </a:rPr>
+              <a:t>You must show the results of testing. For each component, include a screenshot proving it works.  You can also include notes about each test. </a:t>
+            </a:r>
+            <a:endParaRPr lang="en-NZ" dirty="0">
+              <a:latin typeface="Arial" panose="020B0604020202020204" pitchFamily="34" charset="0"/>
+              <a:ea typeface="Arial" panose="020B0604020202020204" pitchFamily="34" charset="0"/>
+            </a:endParaRPr>
+          </a:p>
+        </p:txBody>
+      </p:sp>
+      <p:sp>
+        <p:nvSpPr>
+          <p:cNvPr id="4" name="Slide Number Placeholder 3"/>
+          <p:cNvSpPr>
+            <a:spLocks noGrp="1"/>
+          </p:cNvSpPr>
+          <p:nvPr>
+            <p:ph type="sldNum" sz="quarter" idx="5"/>
+          </p:nvPr>
+        </p:nvSpPr>
+        <p:spPr/>
+        <p:txBody>
+          <a:bodyPr/>
+          <a:lstStyle/>
+          <a:p>
+            <a:fld id="{D89B2B17-F4B1-4A14-AF99-5A366D45E74A}" type="slidenum">
+              <a:rPr lang="en-NZ" smtClean="0"/>
+              <a:t>7</a:t>
+            </a:fld>
+            <a:endParaRPr lang="en-NZ"/>
+          </a:p>
+        </p:txBody>
+      </p:sp>
+    </p:spTree>
+    <p:extLst>
+      <p:ext uri="{BB962C8B-B14F-4D97-AF65-F5344CB8AC3E}">
+        <p14:creationId xmlns:p14="http://schemas.microsoft.com/office/powerpoint/2010/main" val="3683133660"/>
+      </p:ext>
+    </p:extLst>
+  </p:cSld>
+  <p:clrMapOvr>
+    <a:masterClrMapping/>
+  </p:clrMapOvr>
+</p:notes>
+</file>
+
+<file path=ppt/notesSlides/notesSlide6.xml><?xml version="1.0" encoding="utf-8"?>
 <p:notes xmlns:a="http://schemas.openxmlformats.org/drawingml/2006/main" xmlns:r="http://schemas.openxmlformats.org/officeDocument/2006/relationships" xmlns:p="http://schemas.openxmlformats.org/presentationml/2006/main" showMasterSp="0" showMasterPhAnim="0">
   <p:cSld>
     <p:spTree>
@@ -1403,108 +1597,6 @@
 </p:notes>
 </file>
 
-<file path=ppt/notesSlides/notesSlide6.xml><?xml version="1.0" encoding="utf-8"?>
-<p:notes xmlns:a="http://schemas.openxmlformats.org/drawingml/2006/main" xmlns:r="http://schemas.openxmlformats.org/officeDocument/2006/relationships" xmlns:p="http://schemas.openxmlformats.org/presentationml/2006/main">
-  <p:cSld>
-    <p:spTree>
-      <p:nvGrpSpPr>
-        <p:cNvPr id="1" name=""/>
-        <p:cNvGrpSpPr/>
-        <p:nvPr/>
-      </p:nvGrpSpPr>
-      <p:grpSpPr>
-        <a:xfrm>
-          <a:off x="0" y="0"/>
-          <a:ext cx="0" cy="0"/>
-          <a:chOff x="0" y="0"/>
-          <a:chExt cx="0" cy="0"/>
-        </a:xfrm>
-      </p:grpSpPr>
-      <p:sp>
-        <p:nvSpPr>
-          <p:cNvPr id="2" name="Slide Image Placeholder 1"/>
-          <p:cNvSpPr>
-            <a:spLocks noGrp="1" noRot="1" noChangeAspect="1"/>
-          </p:cNvSpPr>
-          <p:nvPr>
-            <p:ph type="sldImg"/>
-          </p:nvPr>
-        </p:nvSpPr>
-        <p:spPr/>
-      </p:sp>
-      <p:sp>
-        <p:nvSpPr>
-          <p:cNvPr id="3" name="Notes Placeholder 2"/>
-          <p:cNvSpPr>
-            <a:spLocks noGrp="1"/>
-          </p:cNvSpPr>
-          <p:nvPr>
-            <p:ph type="body" idx="1"/>
-          </p:nvPr>
-        </p:nvSpPr>
-        <p:spPr/>
-        <p:txBody>
-          <a:bodyPr/>
-          <a:lstStyle/>
-          <a:p>
-            <a:r>
-              <a:rPr lang="en-NZ" i="1" dirty="0"/>
-              <a:t>NOTE: Trialling needs to happen for </a:t>
-            </a:r>
-            <a:r>
-              <a:rPr lang="en-NZ" b="1" i="1" dirty="0"/>
-              <a:t>at least 2 </a:t>
-            </a:r>
-            <a:r>
-              <a:rPr lang="en-NZ" i="1" dirty="0"/>
-              <a:t>of your components but is not necessary for ALL components.</a:t>
-            </a:r>
-          </a:p>
-          <a:p>
-            <a:r>
-              <a:rPr lang="en" i="1" dirty="0"/>
-              <a:t>Trialling is not the same as testing. Trialling is about finding different ways of building the same component. Show evidence of  your trialling  here. Select one of your trials for further development and give reasons for your choice. </a:t>
-            </a:r>
-            <a:endParaRPr lang="en-NZ" dirty="0"/>
-          </a:p>
-        </p:txBody>
-      </p:sp>
-      <p:sp>
-        <p:nvSpPr>
-          <p:cNvPr id="4" name="Slide Number Placeholder 3"/>
-          <p:cNvSpPr>
-            <a:spLocks noGrp="1"/>
-          </p:cNvSpPr>
-          <p:nvPr>
-            <p:ph type="sldNum" sz="quarter" idx="5"/>
-          </p:nvPr>
-        </p:nvSpPr>
-        <p:spPr/>
-        <p:txBody>
-          <a:bodyPr/>
-          <a:lstStyle/>
-          <a:p>
-            <a:fld id="{D89B2B17-F4B1-4A14-AF99-5A366D45E74A}" type="slidenum">
-              <a:rPr lang="en-NZ" smtClean="0"/>
-              <a:t>7</a:t>
-            </a:fld>
-            <a:endParaRPr lang="en-NZ"/>
-          </a:p>
-        </p:txBody>
-      </p:sp>
-    </p:spTree>
-    <p:extLst>
-      <p:ext uri="{BB962C8B-B14F-4D97-AF65-F5344CB8AC3E}">
-        <p14:creationId xmlns:p14="http://schemas.microsoft.com/office/powerpoint/2010/main" val="120689959"/>
-      </p:ext>
-    </p:extLst>
-  </p:cSld>
-  <p:clrMapOvr>
-    <a:masterClrMapping/>
-  </p:clrMapOvr>
-</p:notes>
-</file>
-
 <file path=ppt/notesSlides/notesSlide7.xml><?xml version="1.0" encoding="utf-8"?>
 <p:notes xmlns:a="http://schemas.openxmlformats.org/drawingml/2006/main" xmlns:r="http://schemas.openxmlformats.org/officeDocument/2006/relationships" xmlns:p="http://schemas.openxmlformats.org/presentationml/2006/main">
   <p:cSld>
@@ -1549,22 +1641,25 @@
           <a:bodyPr/>
           <a:lstStyle/>
           <a:p>
-            <a:pPr>
-              <a:lnSpc>
-                <a:spcPct val="115000"/>
-              </a:lnSpc>
-            </a:pPr>
-            <a:r>
-              <a:rPr lang="en-NZ" i="1" dirty="0">
-                <a:latin typeface="Arial" panose="020B0604020202020204" pitchFamily="34" charset="0"/>
-                <a:ea typeface="Arial" panose="020B0604020202020204" pitchFamily="34" charset="0"/>
-              </a:rPr>
-              <a:t>You must show the results of testing. For each component, include a screenshot proving it works.  You can also include notes about each test. </a:t>
-            </a:r>
-            <a:endParaRPr lang="en-NZ" dirty="0">
-              <a:latin typeface="Arial" panose="020B0604020202020204" pitchFamily="34" charset="0"/>
-              <a:ea typeface="Arial" panose="020B0604020202020204" pitchFamily="34" charset="0"/>
-            </a:endParaRPr>
+            <a:r>
+              <a:rPr lang="en-NZ" i="1" dirty="0"/>
+              <a:t>NOTE: Trialling needs to happen for </a:t>
+            </a:r>
+            <a:r>
+              <a:rPr lang="en-NZ" b="1" i="1" dirty="0"/>
+              <a:t>at least 2 </a:t>
+            </a:r>
+            <a:r>
+              <a:rPr lang="en-NZ" i="1" dirty="0"/>
+              <a:t>of your components but is not necessary for ALL components.</a:t>
+            </a:r>
+          </a:p>
+          <a:p>
+            <a:r>
+              <a:rPr lang="en" i="1" dirty="0"/>
+              <a:t>Trialling is not the same as testing. Trialling is about finding different ways of building the same component. Show evidence of  your trialling  here. Select one of your trials for further development and give reasons for your choice. </a:t>
+            </a:r>
+            <a:endParaRPr lang="en-NZ" dirty="0"/>
           </a:p>
         </p:txBody>
       </p:sp>
@@ -1585,7 +1680,7 @@
           <a:p>
             <a:fld id="{D89B2B17-F4B1-4A14-AF99-5A366D45E74A}" type="slidenum">
               <a:rPr lang="en-NZ" smtClean="0"/>
-              <a:t>8</a:t>
+              <a:t>9</a:t>
             </a:fld>
             <a:endParaRPr lang="en-NZ"/>
           </a:p>
@@ -1594,7 +1689,7 @@
     </p:spTree>
     <p:extLst>
       <p:ext uri="{BB962C8B-B14F-4D97-AF65-F5344CB8AC3E}">
-        <p14:creationId xmlns:p14="http://schemas.microsoft.com/office/powerpoint/2010/main" val="3683133660"/>
+        <p14:creationId xmlns:p14="http://schemas.microsoft.com/office/powerpoint/2010/main" val="120689959"/>
       </p:ext>
     </p:extLst>
   </p:cSld>
@@ -1693,7 +1788,7 @@
           <a:p>
             <a:fld id="{D89B2B17-F4B1-4A14-AF99-5A366D45E74A}" type="slidenum">
               <a:rPr lang="en-NZ" smtClean="0"/>
-              <a:t>9</a:t>
+              <a:t>10</a:t>
             </a:fld>
             <a:endParaRPr lang="en-NZ"/>
           </a:p>
@@ -1807,7 +1902,7 @@
           <a:p>
             <a:fld id="{D89B2B17-F4B1-4A14-AF99-5A366D45E74A}" type="slidenum">
               <a:rPr lang="en-NZ" smtClean="0"/>
-              <a:t>11</a:t>
+              <a:t>12</a:t>
             </a:fld>
             <a:endParaRPr lang="en-NZ"/>
           </a:p>
@@ -1975,7 +2070,7 @@
           <a:p>
             <a:fld id="{9C4A4F43-1C06-40E6-8F87-8B286982E50E}" type="datetimeFigureOut">
               <a:rPr lang="en-NZ" smtClean="0"/>
-              <a:t>30/03/2022</a:t>
+              <a:t>14/04/22</a:t>
             </a:fld>
             <a:endParaRPr lang="en-NZ" dirty="0"/>
           </a:p>
@@ -2175,7 +2270,7 @@
           <a:p>
             <a:fld id="{9C4A4F43-1C06-40E6-8F87-8B286982E50E}" type="datetimeFigureOut">
               <a:rPr lang="en-NZ" smtClean="0"/>
-              <a:t>30/03/2022</a:t>
+              <a:t>14/04/22</a:t>
             </a:fld>
             <a:endParaRPr lang="en-NZ" dirty="0"/>
           </a:p>
@@ -2385,7 +2480,7 @@
           <a:p>
             <a:fld id="{9C4A4F43-1C06-40E6-8F87-8B286982E50E}" type="datetimeFigureOut">
               <a:rPr lang="en-NZ" smtClean="0"/>
-              <a:t>30/03/2022</a:t>
+              <a:t>14/04/22</a:t>
             </a:fld>
             <a:endParaRPr lang="en-NZ" dirty="0"/>
           </a:p>
@@ -2944,7 +3039,7 @@
           <a:p>
             <a:fld id="{9C4A4F43-1C06-40E6-8F87-8B286982E50E}" type="datetimeFigureOut">
               <a:rPr lang="en-NZ" smtClean="0"/>
-              <a:t>30/03/2022</a:t>
+              <a:t>14/04/22</a:t>
             </a:fld>
             <a:endParaRPr lang="en-NZ" dirty="0"/>
           </a:p>
@@ -3220,7 +3315,7 @@
           <a:p>
             <a:fld id="{9C4A4F43-1C06-40E6-8F87-8B286982E50E}" type="datetimeFigureOut">
               <a:rPr lang="en-NZ" smtClean="0"/>
-              <a:t>30/03/2022</a:t>
+              <a:t>14/04/22</a:t>
             </a:fld>
             <a:endParaRPr lang="en-NZ" dirty="0"/>
           </a:p>
@@ -3488,7 +3583,7 @@
           <a:p>
             <a:fld id="{9C4A4F43-1C06-40E6-8F87-8B286982E50E}" type="datetimeFigureOut">
               <a:rPr lang="en-NZ" smtClean="0"/>
-              <a:t>30/03/2022</a:t>
+              <a:t>14/04/22</a:t>
             </a:fld>
             <a:endParaRPr lang="en-NZ" dirty="0"/>
           </a:p>
@@ -3903,7 +3998,7 @@
           <a:p>
             <a:fld id="{9C4A4F43-1C06-40E6-8F87-8B286982E50E}" type="datetimeFigureOut">
               <a:rPr lang="en-NZ" smtClean="0"/>
-              <a:t>30/03/2022</a:t>
+              <a:t>14/04/22</a:t>
             </a:fld>
             <a:endParaRPr lang="en-NZ" dirty="0"/>
           </a:p>
@@ -4045,7 +4140,7 @@
           <a:p>
             <a:fld id="{9C4A4F43-1C06-40E6-8F87-8B286982E50E}" type="datetimeFigureOut">
               <a:rPr lang="en-NZ" smtClean="0"/>
-              <a:t>30/03/2022</a:t>
+              <a:t>14/04/22</a:t>
             </a:fld>
             <a:endParaRPr lang="en-NZ" dirty="0"/>
           </a:p>
@@ -4158,7 +4253,7 @@
           <a:p>
             <a:fld id="{9C4A4F43-1C06-40E6-8F87-8B286982E50E}" type="datetimeFigureOut">
               <a:rPr lang="en-NZ" smtClean="0"/>
-              <a:t>30/03/2022</a:t>
+              <a:t>14/04/22</a:t>
             </a:fld>
             <a:endParaRPr lang="en-NZ" dirty="0"/>
           </a:p>
@@ -4471,7 +4566,7 @@
           <a:p>
             <a:fld id="{9C4A4F43-1C06-40E6-8F87-8B286982E50E}" type="datetimeFigureOut">
               <a:rPr lang="en-NZ" smtClean="0"/>
-              <a:t>30/03/2022</a:t>
+              <a:t>14/04/22</a:t>
             </a:fld>
             <a:endParaRPr lang="en-NZ" dirty="0"/>
           </a:p>
@@ -4760,7 +4855,7 @@
           <a:p>
             <a:fld id="{9C4A4F43-1C06-40E6-8F87-8B286982E50E}" type="datetimeFigureOut">
               <a:rPr lang="en-NZ" smtClean="0"/>
-              <a:t>30/03/2022</a:t>
+              <a:t>14/04/22</a:t>
             </a:fld>
             <a:endParaRPr lang="en-NZ" dirty="0"/>
           </a:p>
@@ -5003,7 +5098,7 @@
           <a:p>
             <a:fld id="{9C4A4F43-1C06-40E6-8F87-8B286982E50E}" type="datetimeFigureOut">
               <a:rPr lang="en-NZ" smtClean="0"/>
-              <a:t>30/03/2022</a:t>
+              <a:t>14/04/22</a:t>
             </a:fld>
             <a:endParaRPr lang="en-NZ" dirty="0"/>
           </a:p>
@@ -6135,7 +6230,7 @@
           <a:lstStyle/>
           <a:p>
             <a:r>
-              <a:rPr lang="en-NZ" b="1" dirty="0"/>
+              <a:rPr lang="en-NZ" b="1"/>
               <a:t>Lucky Unicorn</a:t>
             </a:r>
             <a:endParaRPr lang="en-NZ" dirty="0"/>
@@ -6158,8 +6253,8 @@
         </p:nvSpPr>
         <p:spPr>
           <a:xfrm>
-            <a:off x="1693460" y="1914475"/>
-            <a:ext cx="8768352" cy="1859026"/>
+            <a:off x="1693459" y="1690687"/>
+            <a:ext cx="8768352" cy="2483747"/>
           </a:xfrm>
           <a:prstGeom prst="rect">
             <a:avLst/>
@@ -6427,7 +6522,24 @@
                   <a:srgbClr val="274E13"/>
                 </a:solidFill>
               </a:rPr>
-              <a:t>Links to Trello board / project management tools: [here]</a:t>
+              <a:t>Links to Trello board / project management tools: </a:t>
+            </a:r>
+            <a:r>
+              <a:rPr lang="en-NZ" sz="2000" b="1" dirty="0">
+                <a:solidFill>
+                  <a:srgbClr val="274E13"/>
+                </a:solidFill>
+                <a:hlinkClick r:id="rId3"/>
+              </a:rPr>
+              <a:t>https://trello.com/b/4ApV5W8c/decomposition</a:t>
+            </a:r>
+            <a:r>
+              <a:rPr lang="en-NZ" sz="2000" b="1" dirty="0">
+                <a:solidFill>
+                  <a:srgbClr val="274E13"/>
+                </a:solidFill>
+              </a:rPr>
+              <a:t> </a:t>
             </a:r>
           </a:p>
           <a:p>
@@ -6513,13 +6625,13 @@
           <p:nvPr>
             <p:extLst>
               <p:ext uri="{D42A27DB-BD31-4B8C-83A1-F6EECF244321}">
-                <p14:modId xmlns:p14="http://schemas.microsoft.com/office/powerpoint/2010/main" val="1131236197"/>
+                <p14:modId xmlns:p14="http://schemas.microsoft.com/office/powerpoint/2010/main" val="1454263739"/>
               </p:ext>
             </p:extLst>
           </p:nvPr>
         </p:nvGraphicFramePr>
         <p:xfrm>
-          <a:off x="1693459" y="4327480"/>
+          <a:off x="1693459" y="4633849"/>
           <a:ext cx="8768352" cy="1859026"/>
         </p:xfrm>
         <a:graphic>
@@ -7115,7 +7227,7 @@
         </p:blipFill>
         <p:spPr>
           <a:xfrm>
-            <a:off x="0" y="1949823"/>
+            <a:off x="838200" y="2031929"/>
             <a:ext cx="6343625" cy="3650503"/>
           </a:xfrm>
           <a:prstGeom prst="rect">
@@ -7949,6 +8061,106 @@
   <p:cSld>
     <p:spTree>
       <p:nvGrpSpPr>
+        <p:cNvPr id="1" name=""/>
+        <p:cNvGrpSpPr/>
+        <p:nvPr/>
+      </p:nvGrpSpPr>
+      <p:grpSpPr>
+        <a:xfrm>
+          <a:off x="0" y="0"/>
+          <a:ext cx="0" cy="0"/>
+          <a:chOff x="0" y="0"/>
+          <a:chExt cx="0" cy="0"/>
+        </a:xfrm>
+      </p:grpSpPr>
+      <p:sp>
+        <p:nvSpPr>
+          <p:cNvPr id="2" name="Title 1">
+            <a:extLst>
+              <a:ext uri="{FF2B5EF4-FFF2-40B4-BE49-F238E27FC236}">
+                <a16:creationId xmlns:a16="http://schemas.microsoft.com/office/drawing/2014/main" id="{1CC5D32F-7C18-4D00-8D54-2FB046F0A206}"/>
+              </a:ext>
+            </a:extLst>
+          </p:cNvPr>
+          <p:cNvSpPr>
+            <a:spLocks noGrp="1"/>
+          </p:cNvSpPr>
+          <p:nvPr>
+            <p:ph type="title"/>
+          </p:nvPr>
+        </p:nvSpPr>
+        <p:spPr>
+          <a:xfrm>
+            <a:off x="838200" y="518160"/>
+            <a:ext cx="10515600" cy="562928"/>
+          </a:xfrm>
+        </p:spPr>
+        <p:txBody>
+          <a:bodyPr>
+            <a:normAutofit fontScale="90000"/>
+          </a:bodyPr>
+          <a:lstStyle/>
+          <a:p>
+            <a:r>
+              <a:rPr lang="en-NZ" dirty="0"/>
+              <a:t>Yes/No Checker: Testing </a:t>
+            </a:r>
+          </a:p>
+        </p:txBody>
+      </p:sp>
+      <p:pic>
+        <p:nvPicPr>
+          <p:cNvPr id="3" name="Picture 4" descr="A picture containing diagram&#10;&#10;Description automatically generated">
+            <a:extLst>
+              <a:ext uri="{FF2B5EF4-FFF2-40B4-BE49-F238E27FC236}">
+                <a16:creationId xmlns:a16="http://schemas.microsoft.com/office/drawing/2014/main" id="{3F82BB0C-5860-909B-ADCF-A03E445969A6}"/>
+              </a:ext>
+            </a:extLst>
+          </p:cNvPr>
+          <p:cNvPicPr>
+            <a:picLocks noChangeAspect="1"/>
+          </p:cNvPicPr>
+          <p:nvPr/>
+        </p:nvPicPr>
+        <p:blipFill>
+          <a:blip r:embed="rId3"/>
+          <a:stretch>
+            <a:fillRect/>
+          </a:stretch>
+        </p:blipFill>
+        <p:spPr>
+          <a:xfrm>
+            <a:off x="1512637" y="518160"/>
+            <a:ext cx="9166726" cy="6133430"/>
+          </a:xfrm>
+          <a:prstGeom prst="rect">
+            <a:avLst/>
+          </a:prstGeom>
+          <a:effectLst>
+            <a:outerShdw blurRad="50800" dist="50800" dir="5400000" algn="ctr" rotWithShape="0">
+              <a:srgbClr val="000000"/>
+            </a:outerShdw>
+          </a:effectLst>
+        </p:spPr>
+      </p:pic>
+    </p:spTree>
+    <p:extLst>
+      <p:ext uri="{BB962C8B-B14F-4D97-AF65-F5344CB8AC3E}">
+        <p14:creationId xmlns:p14="http://schemas.microsoft.com/office/powerpoint/2010/main" val="89592267"/>
+      </p:ext>
+    </p:extLst>
+  </p:cSld>
+  <p:clrMapOvr>
+    <a:masterClrMapping/>
+  </p:clrMapOvr>
+</p:sld>
+</file>
+
+<file path=ppt/slides/slide8.xml><?xml version="1.0" encoding="utf-8"?>
+<p:sld xmlns:a="http://schemas.openxmlformats.org/drawingml/2006/main" xmlns:r="http://schemas.openxmlformats.org/officeDocument/2006/relationships" xmlns:p="http://schemas.openxmlformats.org/presentationml/2006/main">
+  <p:cSld>
+    <p:spTree>
+      <p:nvGrpSpPr>
         <p:cNvPr id="1" name="Shape 90"/>
         <p:cNvGrpSpPr/>
         <p:nvPr/>
@@ -8301,11 +8513,7 @@
                       </a:pPr>
                       <a:r>
                         <a:rPr lang="en-US" sz="2400" dirty="0"/>
-                        <a:t>Shows an error saying, "Please enter Yes or </a:t>
-                      </a:r>
-                      <a:r>
-                        <a:rPr lang="en-US" sz="2400"/>
-                        <a:t>No"</a:t>
+                        <a:t>Shows an error saying, "Please enter Yes or No"</a:t>
                       </a:r>
                     </a:p>
                   </a:txBody>
@@ -8376,121 +8584,6 @@
     <p:extLst>
       <p:ext uri="{BB962C8B-B14F-4D97-AF65-F5344CB8AC3E}">
         <p14:creationId xmlns:p14="http://schemas.microsoft.com/office/powerpoint/2010/main" val="1973556824"/>
-      </p:ext>
-    </p:extLst>
-  </p:cSld>
-  <p:clrMapOvr>
-    <a:masterClrMapping/>
-  </p:clrMapOvr>
-</p:sld>
-</file>
-
-<file path=ppt/slides/slide8.xml><?xml version="1.0" encoding="utf-8"?>
-<p:sld xmlns:a="http://schemas.openxmlformats.org/drawingml/2006/main" xmlns:r="http://schemas.openxmlformats.org/officeDocument/2006/relationships" xmlns:p="http://schemas.openxmlformats.org/presentationml/2006/main">
-  <p:cSld>
-    <p:spTree>
-      <p:nvGrpSpPr>
-        <p:cNvPr id="1" name=""/>
-        <p:cNvGrpSpPr/>
-        <p:nvPr/>
-      </p:nvGrpSpPr>
-      <p:grpSpPr>
-        <a:xfrm>
-          <a:off x="0" y="0"/>
-          <a:ext cx="0" cy="0"/>
-          <a:chOff x="0" y="0"/>
-          <a:chExt cx="0" cy="0"/>
-        </a:xfrm>
-      </p:grpSpPr>
-      <p:sp>
-        <p:nvSpPr>
-          <p:cNvPr id="2" name="Title 1">
-            <a:extLst>
-              <a:ext uri="{FF2B5EF4-FFF2-40B4-BE49-F238E27FC236}">
-                <a16:creationId xmlns:a16="http://schemas.microsoft.com/office/drawing/2014/main" id="{1CC5D32F-7C18-4D00-8D54-2FB046F0A206}"/>
-              </a:ext>
-            </a:extLst>
-          </p:cNvPr>
-          <p:cNvSpPr>
-            <a:spLocks noGrp="1"/>
-          </p:cNvSpPr>
-          <p:nvPr>
-            <p:ph type="title"/>
-          </p:nvPr>
-        </p:nvSpPr>
-        <p:spPr>
-          <a:xfrm>
-            <a:off x="749300" y="223520"/>
-            <a:ext cx="10515600" cy="806768"/>
-          </a:xfrm>
-        </p:spPr>
-        <p:txBody>
-          <a:bodyPr>
-            <a:normAutofit/>
-          </a:bodyPr>
-          <a:lstStyle/>
-          <a:p>
-            <a:r>
-              <a:rPr lang="en-NZ" sz="4000" dirty="0"/>
-              <a:t>[Component name]: Trialling </a:t>
-            </a:r>
-          </a:p>
-        </p:txBody>
-      </p:sp>
-      <p:sp>
-        <p:nvSpPr>
-          <p:cNvPr id="4" name="TextBox 3">
-            <a:extLst>
-              <a:ext uri="{FF2B5EF4-FFF2-40B4-BE49-F238E27FC236}">
-                <a16:creationId xmlns:a16="http://schemas.microsoft.com/office/drawing/2014/main" id="{8CD07A82-A944-4A9B-9A52-515DAC30878A}"/>
-              </a:ext>
-            </a:extLst>
-          </p:cNvPr>
-          <p:cNvSpPr txBox="1"/>
-          <p:nvPr/>
-        </p:nvSpPr>
-        <p:spPr>
-          <a:xfrm>
-            <a:off x="660400" y="1030288"/>
-            <a:ext cx="10693400" cy="923330"/>
-          </a:xfrm>
-          <a:prstGeom prst="rect">
-            <a:avLst/>
-          </a:prstGeom>
-          <a:noFill/>
-        </p:spPr>
-        <p:txBody>
-          <a:bodyPr wrap="square">
-            <a:spAutoFit/>
-          </a:bodyPr>
-          <a:lstStyle/>
-          <a:p>
-            <a:r>
-              <a:rPr lang="en-NZ" i="1" dirty="0"/>
-              <a:t>NOTE: Trialling needs to happen for </a:t>
-            </a:r>
-            <a:r>
-              <a:rPr lang="en-NZ" b="1" i="1" dirty="0"/>
-              <a:t>at least 2 </a:t>
-            </a:r>
-            <a:r>
-              <a:rPr lang="en-NZ" i="1" dirty="0"/>
-              <a:t>of your components but is not necessary for ALL components.</a:t>
-            </a:r>
-          </a:p>
-          <a:p>
-            <a:r>
-              <a:rPr lang="en" i="1" dirty="0"/>
-              <a:t>Trialling is not the same as testing. Trialling is about finding different ways of building the same component. Show evidence of  your trialling  here. Select one of your trials for further development and give reasons for your choice. </a:t>
-            </a:r>
-            <a:endParaRPr lang="en-NZ" dirty="0"/>
-          </a:p>
-        </p:txBody>
-      </p:sp>
-    </p:spTree>
-    <p:extLst>
-      <p:ext uri="{BB962C8B-B14F-4D97-AF65-F5344CB8AC3E}">
-        <p14:creationId xmlns:p14="http://schemas.microsoft.com/office/powerpoint/2010/main" val="270828811"/>
       </p:ext>
     </p:extLst>
   </p:cSld>
@@ -8535,19 +8628,19 @@
         </p:nvSpPr>
         <p:spPr>
           <a:xfrm>
-            <a:off x="838200" y="518160"/>
-            <a:ext cx="10515600" cy="562928"/>
+            <a:off x="749300" y="223520"/>
+            <a:ext cx="10515600" cy="806768"/>
           </a:xfrm>
         </p:spPr>
         <p:txBody>
           <a:bodyPr>
-            <a:normAutofit fontScale="90000"/>
+            <a:normAutofit/>
           </a:bodyPr>
           <a:lstStyle/>
           <a:p>
             <a:r>
-              <a:rPr lang="en-NZ" dirty="0"/>
-              <a:t>[Component name]: Testing </a:t>
+              <a:rPr lang="en-NZ" sz="4000" dirty="0"/>
+              <a:t>[Component name]: Trialling </a:t>
             </a:r>
           </a:p>
         </p:txBody>
@@ -8566,8 +8659,8 @@
         </p:nvSpPr>
         <p:spPr>
           <a:xfrm>
-            <a:off x="749300" y="1081088"/>
-            <a:ext cx="10693400" cy="646331"/>
+            <a:off x="660400" y="1030288"/>
+            <a:ext cx="10693400" cy="923330"/>
           </a:xfrm>
           <a:prstGeom prst="rect">
             <a:avLst/>
@@ -8582,15 +8675,30 @@
           <a:p>
             <a:r>
               <a:rPr lang="en-NZ" i="1" dirty="0"/>
-              <a:t>You must show the results of testing. For each component, include a screenshot proving it works.  You can also include notes about each test. </a:t>
-            </a:r>
+              <a:t>NOTE: Trialling needs to happen for </a:t>
+            </a:r>
+            <a:r>
+              <a:rPr lang="en-NZ" b="1" i="1" dirty="0"/>
+              <a:t>at least 2 </a:t>
+            </a:r>
+            <a:r>
+              <a:rPr lang="en-NZ" i="1" dirty="0"/>
+              <a:t>of your components but is not necessary for ALL components.</a:t>
+            </a:r>
+          </a:p>
+          <a:p>
+            <a:r>
+              <a:rPr lang="en" i="1" dirty="0"/>
+              <a:t>Trialling is not the same as testing. Trialling is about finding different ways of building the same component. Show evidence of  your trialling  here. Select one of your trials for further development and give reasons for your choice. </a:t>
+            </a:r>
+            <a:endParaRPr lang="en-NZ" dirty="0"/>
           </a:p>
         </p:txBody>
       </p:sp>
     </p:spTree>
     <p:extLst>
       <p:ext uri="{BB962C8B-B14F-4D97-AF65-F5344CB8AC3E}">
-        <p14:creationId xmlns:p14="http://schemas.microsoft.com/office/powerpoint/2010/main" val="89592267"/>
+        <p14:creationId xmlns:p14="http://schemas.microsoft.com/office/powerpoint/2010/main" val="270828811"/>
       </p:ext>
     </p:extLst>
   </p:cSld>
